--- a/docs/NLP_bangla_tutorial.pptx
+++ b/docs/NLP_bangla_tutorial.pptx
@@ -5,7 +5,7 @@
     <p:sldMasterId id="2147483714" r:id="rId1"/>
   </p:sldMasterIdLst>
   <p:notesMasterIdLst>
-    <p:notesMasterId r:id="rId35"/>
+    <p:notesMasterId r:id="rId37"/>
   </p:notesMasterIdLst>
   <p:sldIdLst>
     <p:sldId id="256" r:id="rId2"/>
@@ -37,10 +37,12 @@
     <p:sldId id="290" r:id="rId28"/>
     <p:sldId id="288" r:id="rId29"/>
     <p:sldId id="289" r:id="rId30"/>
-    <p:sldId id="284" r:id="rId31"/>
-    <p:sldId id="278" r:id="rId32"/>
-    <p:sldId id="277" r:id="rId33"/>
-    <p:sldId id="276" r:id="rId34"/>
+    <p:sldId id="291" r:id="rId31"/>
+    <p:sldId id="284" r:id="rId32"/>
+    <p:sldId id="278" r:id="rId33"/>
+    <p:sldId id="277" r:id="rId34"/>
+    <p:sldId id="276" r:id="rId35"/>
+    <p:sldId id="292" r:id="rId36"/>
   </p:sldIdLst>
   <p:sldSz cx="12192000" cy="6858000"/>
   <p:notesSz cx="6858000" cy="9144000"/>
@@ -229,7 +231,7 @@
           <a:p>
             <a:fld id="{96AD9802-0A85-4765-BF39-BA9BC36B4F1A}" type="datetimeFigureOut">
               <a:rPr lang="en-US" smtClean="0"/>
-              <a:t>10/30/2022</a:t>
+              <a:t>11/5/2022</a:t>
             </a:fld>
             <a:endParaRPr lang="en-US"/>
           </a:p>
@@ -854,7 +856,7 @@
           <a:p>
             <a:fld id="{4D9800FF-A981-4B9F-BC27-EEE0445CCC0D}" type="datetimeFigureOut">
               <a:rPr lang="en-US" smtClean="0"/>
-              <a:t>10/30/2022</a:t>
+              <a:t>11/5/2022</a:t>
             </a:fld>
             <a:endParaRPr lang="en-US"/>
           </a:p>
@@ -1268,7 +1270,7 @@
           <a:p>
             <a:fld id="{4D9800FF-A981-4B9F-BC27-EEE0445CCC0D}" type="datetimeFigureOut">
               <a:rPr lang="en-US" smtClean="0"/>
-              <a:t>10/30/2022</a:t>
+              <a:t>11/5/2022</a:t>
             </a:fld>
             <a:endParaRPr lang="en-US"/>
           </a:p>
@@ -1604,7 +1606,7 @@
           <a:p>
             <a:fld id="{4D9800FF-A981-4B9F-BC27-EEE0445CCC0D}" type="datetimeFigureOut">
               <a:rPr lang="en-US" smtClean="0"/>
-              <a:t>10/30/2022</a:t>
+              <a:t>11/5/2022</a:t>
             </a:fld>
             <a:endParaRPr lang="en-US"/>
           </a:p>
@@ -2009,7 +2011,7 @@
           <a:p>
             <a:fld id="{4D9800FF-A981-4B9F-BC27-EEE0445CCC0D}" type="datetimeFigureOut">
               <a:rPr lang="en-US" smtClean="0"/>
-              <a:t>10/30/2022</a:t>
+              <a:t>11/5/2022</a:t>
             </a:fld>
             <a:endParaRPr lang="en-US"/>
           </a:p>
@@ -2577,7 +2579,7 @@
           <a:p>
             <a:fld id="{4D9800FF-A981-4B9F-BC27-EEE0445CCC0D}" type="datetimeFigureOut">
               <a:rPr lang="en-US" smtClean="0"/>
-              <a:t>10/30/2022</a:t>
+              <a:t>11/5/2022</a:t>
             </a:fld>
             <a:endParaRPr lang="en-US"/>
           </a:p>
@@ -3258,7 +3260,7 @@
           <a:p>
             <a:fld id="{4D9800FF-A981-4B9F-BC27-EEE0445CCC0D}" type="datetimeFigureOut">
               <a:rPr lang="en-US" smtClean="0"/>
-              <a:t>10/30/2022</a:t>
+              <a:t>11/5/2022</a:t>
             </a:fld>
             <a:endParaRPr lang="en-US"/>
           </a:p>
@@ -4171,7 +4173,7 @@
           <a:p>
             <a:fld id="{4D9800FF-A981-4B9F-BC27-EEE0445CCC0D}" type="datetimeFigureOut">
               <a:rPr lang="en-US" smtClean="0"/>
-              <a:t>10/30/2022</a:t>
+              <a:t>11/5/2022</a:t>
             </a:fld>
             <a:endParaRPr lang="en-US"/>
           </a:p>
@@ -4484,7 +4486,7 @@
           <a:p>
             <a:fld id="{4D9800FF-A981-4B9F-BC27-EEE0445CCC0D}" type="datetimeFigureOut">
               <a:rPr lang="en-US" smtClean="0"/>
-              <a:t>10/30/2022</a:t>
+              <a:t>11/5/2022</a:t>
             </a:fld>
             <a:endParaRPr lang="en-US"/>
           </a:p>
@@ -4748,7 +4750,7 @@
           <a:p>
             <a:fld id="{4D9800FF-A981-4B9F-BC27-EEE0445CCC0D}" type="datetimeFigureOut">
               <a:rPr lang="en-US" smtClean="0"/>
-              <a:t>10/30/2022</a:t>
+              <a:t>11/5/2022</a:t>
             </a:fld>
             <a:endParaRPr lang="en-US"/>
           </a:p>
@@ -5071,7 +5073,7 @@
           <a:p>
             <a:fld id="{4D9800FF-A981-4B9F-BC27-EEE0445CCC0D}" type="datetimeFigureOut">
               <a:rPr lang="en-US" smtClean="0"/>
-              <a:t>10/30/2022</a:t>
+              <a:t>11/5/2022</a:t>
             </a:fld>
             <a:endParaRPr lang="en-US"/>
           </a:p>
@@ -5460,7 +5462,7 @@
           <a:p>
             <a:fld id="{4D9800FF-A981-4B9F-BC27-EEE0445CCC0D}" type="datetimeFigureOut">
               <a:rPr lang="en-US" smtClean="0"/>
-              <a:t>10/30/2022</a:t>
+              <a:t>11/5/2022</a:t>
             </a:fld>
             <a:endParaRPr lang="en-US"/>
           </a:p>
@@ -5836,7 +5838,7 @@
           <a:p>
             <a:fld id="{4D9800FF-A981-4B9F-BC27-EEE0445CCC0D}" type="datetimeFigureOut">
               <a:rPr lang="en-US" smtClean="0"/>
-              <a:t>10/30/2022</a:t>
+              <a:t>11/5/2022</a:t>
             </a:fld>
             <a:endParaRPr lang="en-US"/>
           </a:p>
@@ -6342,7 +6344,7 @@
           <a:p>
             <a:fld id="{4D9800FF-A981-4B9F-BC27-EEE0445CCC0D}" type="datetimeFigureOut">
               <a:rPr lang="en-US" smtClean="0"/>
-              <a:t>10/30/2022</a:t>
+              <a:t>11/5/2022</a:t>
             </a:fld>
             <a:endParaRPr lang="en-US"/>
           </a:p>
@@ -6599,7 +6601,7 @@
           <a:p>
             <a:fld id="{4D9800FF-A981-4B9F-BC27-EEE0445CCC0D}" type="datetimeFigureOut">
               <a:rPr lang="en-US" smtClean="0"/>
-              <a:t>10/30/2022</a:t>
+              <a:t>11/5/2022</a:t>
             </a:fld>
             <a:endParaRPr lang="en-US"/>
           </a:p>
@@ -6762,7 +6764,7 @@
           <a:p>
             <a:fld id="{4D9800FF-A981-4B9F-BC27-EEE0445CCC0D}" type="datetimeFigureOut">
               <a:rPr lang="en-US" smtClean="0"/>
-              <a:t>10/30/2022</a:t>
+              <a:t>11/5/2022</a:t>
             </a:fld>
             <a:endParaRPr lang="en-US"/>
           </a:p>
@@ -7152,7 +7154,7 @@
           <a:p>
             <a:fld id="{4D9800FF-A981-4B9F-BC27-EEE0445CCC0D}" type="datetimeFigureOut">
               <a:rPr lang="en-US" smtClean="0"/>
-              <a:t>10/30/2022</a:t>
+              <a:t>11/5/2022</a:t>
             </a:fld>
             <a:endParaRPr lang="en-US"/>
           </a:p>
@@ -7561,7 +7563,7 @@
           <a:p>
             <a:fld id="{4D9800FF-A981-4B9F-BC27-EEE0445CCC0D}" type="datetimeFigureOut">
               <a:rPr lang="en-US" smtClean="0"/>
-              <a:t>10/30/2022</a:t>
+              <a:t>11/5/2022</a:t>
             </a:fld>
             <a:endParaRPr lang="en-US"/>
           </a:p>
@@ -7805,7 +7807,7 @@
           <a:p>
             <a:fld id="{4D9800FF-A981-4B9F-BC27-EEE0445CCC0D}" type="datetimeFigureOut">
               <a:rPr lang="en-US" smtClean="0"/>
-              <a:t>10/30/2022</a:t>
+              <a:t>11/5/2022</a:t>
             </a:fld>
             <a:endParaRPr lang="en-US"/>
           </a:p>
@@ -23859,7 +23861,7 @@
           <a:p>
             <a:r>
               <a:rPr lang="en-US" dirty="0"/>
-              <a:t>Context Free Grammar (CFG)</a:t>
+              <a:t>DP Code Implementation for Min Edit Distance: 3</a:t>
             </a:r>
             <a:endParaRPr lang="en-US" sz="3000" dirty="0">
               <a:solidFill>
@@ -23907,6 +23909,109 @@
     </p:spTree>
     <p:extLst>
       <p:ext uri="{BB962C8B-B14F-4D97-AF65-F5344CB8AC3E}">
+        <p14:creationId xmlns:p14="http://schemas.microsoft.com/office/powerpoint/2010/main" val="2666587409"/>
+      </p:ext>
+    </p:extLst>
+  </p:cSld>
+  <p:clrMapOvr>
+    <a:masterClrMapping/>
+  </p:clrMapOvr>
+</p:sld>
+</file>
+
+<file path=ppt/slides/slide31.xml><?xml version="1.0" encoding="utf-8"?>
+<p:sld xmlns:a="http://schemas.openxmlformats.org/drawingml/2006/main" xmlns:r="http://schemas.openxmlformats.org/officeDocument/2006/relationships" xmlns:p="http://schemas.openxmlformats.org/presentationml/2006/main">
+  <p:cSld>
+    <p:spTree>
+      <p:nvGrpSpPr>
+        <p:cNvPr id="1" name=""/>
+        <p:cNvGrpSpPr/>
+        <p:nvPr/>
+      </p:nvGrpSpPr>
+      <p:grpSpPr>
+        <a:xfrm>
+          <a:off x="0" y="0"/>
+          <a:ext cx="0" cy="0"/>
+          <a:chOff x="0" y="0"/>
+          <a:chExt cx="0" cy="0"/>
+        </a:xfrm>
+      </p:grpSpPr>
+      <p:sp>
+        <p:nvSpPr>
+          <p:cNvPr id="2" name="Title 1">
+            <a:extLst>
+              <a:ext uri="{FF2B5EF4-FFF2-40B4-BE49-F238E27FC236}">
+                <a16:creationId xmlns:a16="http://schemas.microsoft.com/office/drawing/2014/main" id="{694A32B5-CC15-4BE0-91F6-9DFAB105B8C6}"/>
+              </a:ext>
+            </a:extLst>
+          </p:cNvPr>
+          <p:cNvSpPr>
+            <a:spLocks noGrp="1"/>
+          </p:cNvSpPr>
+          <p:nvPr>
+            <p:ph type="ctrTitle"/>
+          </p:nvPr>
+        </p:nvSpPr>
+        <p:spPr>
+          <a:xfrm>
+            <a:off x="160256" y="2733709"/>
+            <a:ext cx="8664200" cy="1373070"/>
+          </a:xfrm>
+        </p:spPr>
+        <p:txBody>
+          <a:bodyPr/>
+          <a:lstStyle/>
+          <a:p>
+            <a:r>
+              <a:rPr lang="en-US" dirty="0"/>
+              <a:t>Context Free Grammar (CFG)</a:t>
+            </a:r>
+            <a:endParaRPr lang="en-US" sz="3000" dirty="0">
+              <a:solidFill>
+                <a:srgbClr val="FF0000"/>
+              </a:solidFill>
+            </a:endParaRPr>
+          </a:p>
+        </p:txBody>
+      </p:sp>
+      <p:sp>
+        <p:nvSpPr>
+          <p:cNvPr id="3" name="Subtitle 2">
+            <a:extLst>
+              <a:ext uri="{FF2B5EF4-FFF2-40B4-BE49-F238E27FC236}">
+                <a16:creationId xmlns:a16="http://schemas.microsoft.com/office/drawing/2014/main" id="{7F593B77-EFC8-4C4D-ADC1-3DC88C25A989}"/>
+              </a:ext>
+            </a:extLst>
+          </p:cNvPr>
+          <p:cNvSpPr>
+            <a:spLocks noGrp="1"/>
+          </p:cNvSpPr>
+          <p:nvPr>
+            <p:ph type="subTitle" idx="1"/>
+          </p:nvPr>
+        </p:nvSpPr>
+        <p:spPr>
+          <a:xfrm>
+            <a:off x="1062877" y="4422031"/>
+            <a:ext cx="8144134" cy="1117687"/>
+          </a:xfrm>
+        </p:spPr>
+        <p:txBody>
+          <a:bodyPr>
+            <a:normAutofit/>
+          </a:bodyPr>
+          <a:lstStyle/>
+          <a:p>
+            <a:r>
+              <a:rPr lang="en-US" sz="2600" dirty="0"/>
+              <a:t>Natural Language Processing </a:t>
+            </a:r>
+          </a:p>
+        </p:txBody>
+      </p:sp>
+    </p:spTree>
+    <p:extLst>
+      <p:ext uri="{BB962C8B-B14F-4D97-AF65-F5344CB8AC3E}">
         <p14:creationId xmlns:p14="http://schemas.microsoft.com/office/powerpoint/2010/main" val="429324113"/>
       </p:ext>
     </p:extLst>
@@ -23917,7 +24022,7 @@
 </p:sld>
 </file>
 
-<file path=ppt/slides/slide31.xml><?xml version="1.0" encoding="utf-8"?>
+<file path=ppt/slides/slide32.xml><?xml version="1.0" encoding="utf-8"?>
 <p:sld xmlns:a="http://schemas.openxmlformats.org/drawingml/2006/main" xmlns:r="http://schemas.openxmlformats.org/officeDocument/2006/relationships" xmlns:p="http://schemas.openxmlformats.org/presentationml/2006/main">
   <p:cSld>
     <p:spTree>
@@ -24100,7 +24205,7 @@
             </a:r>
             <a:r>
               <a:rPr lang="en-US" sz="2800" dirty="0"/>
-              <a:t> =  { a, b, c }</a:t>
+              <a:t> = { a, b, c }</a:t>
             </a:r>
           </a:p>
           <a:p>
@@ -24700,7 +24805,7 @@
 </p:sld>
 </file>
 
-<file path=ppt/slides/slide32.xml><?xml version="1.0" encoding="utf-8"?>
+<file path=ppt/slides/slide33.xml><?xml version="1.0" encoding="utf-8"?>
 <p:sld xmlns:a="http://schemas.openxmlformats.org/drawingml/2006/main" xmlns:r="http://schemas.openxmlformats.org/officeDocument/2006/relationships" xmlns:p="http://schemas.openxmlformats.org/presentationml/2006/main">
   <p:cSld>
     <p:spTree>
@@ -25796,7 +25901,7 @@
 </p:sld>
 </file>
 
-<file path=ppt/slides/slide33.xml><?xml version="1.0" encoding="utf-8"?>
+<file path=ppt/slides/slide34.xml><?xml version="1.0" encoding="utf-8"?>
 <p:sld xmlns:a="http://schemas.openxmlformats.org/drawingml/2006/main" xmlns:r="http://schemas.openxmlformats.org/officeDocument/2006/relationships" xmlns:p="http://schemas.openxmlformats.org/presentationml/2006/main">
   <p:cSld>
     <p:spTree>
@@ -26689,6 +26794,116 @@
       <p:bldP spid="11" grpId="0" animBg="1"/>
     </p:bldLst>
   </p:timing>
+</p:sld>
+</file>
+
+<file path=ppt/slides/slide35.xml><?xml version="1.0" encoding="utf-8"?>
+<p:sld xmlns:a="http://schemas.openxmlformats.org/drawingml/2006/main" xmlns:r="http://schemas.openxmlformats.org/officeDocument/2006/relationships" xmlns:p="http://schemas.openxmlformats.org/presentationml/2006/main">
+  <p:cSld>
+    <p:spTree>
+      <p:nvGrpSpPr>
+        <p:cNvPr id="1" name=""/>
+        <p:cNvGrpSpPr/>
+        <p:nvPr/>
+      </p:nvGrpSpPr>
+      <p:grpSpPr>
+        <a:xfrm>
+          <a:off x="0" y="0"/>
+          <a:ext cx="0" cy="0"/>
+          <a:chOff x="0" y="0"/>
+          <a:chExt cx="0" cy="0"/>
+        </a:xfrm>
+      </p:grpSpPr>
+      <p:sp>
+        <p:nvSpPr>
+          <p:cNvPr id="2" name="Title 1">
+            <a:extLst>
+              <a:ext uri="{FF2B5EF4-FFF2-40B4-BE49-F238E27FC236}">
+                <a16:creationId xmlns:a16="http://schemas.microsoft.com/office/drawing/2014/main" id="{694A32B5-CC15-4BE0-91F6-9DFAB105B8C6}"/>
+              </a:ext>
+            </a:extLst>
+          </p:cNvPr>
+          <p:cNvSpPr>
+            <a:spLocks noGrp="1"/>
+          </p:cNvSpPr>
+          <p:nvPr>
+            <p:ph type="ctrTitle"/>
+          </p:nvPr>
+        </p:nvSpPr>
+        <p:spPr>
+          <a:xfrm>
+            <a:off x="160256" y="2733709"/>
+            <a:ext cx="8664200" cy="1373070"/>
+          </a:xfrm>
+        </p:spPr>
+        <p:txBody>
+          <a:bodyPr/>
+          <a:lstStyle/>
+          <a:p>
+            <a:r>
+              <a:rPr lang="en-US" dirty="0"/>
+              <a:t>Context Free Grammar: 2 </a:t>
+            </a:r>
+            <a:br>
+              <a:rPr lang="en-US" dirty="0"/>
+            </a:br>
+            <a:r>
+              <a:rPr lang="en-US" dirty="0"/>
+              <a:t>( Python Code )</a:t>
+            </a:r>
+            <a:endParaRPr lang="en-US" sz="3000" dirty="0">
+              <a:solidFill>
+                <a:srgbClr val="FF0000"/>
+              </a:solidFill>
+            </a:endParaRPr>
+          </a:p>
+        </p:txBody>
+      </p:sp>
+      <p:sp>
+        <p:nvSpPr>
+          <p:cNvPr id="3" name="Subtitle 2">
+            <a:extLst>
+              <a:ext uri="{FF2B5EF4-FFF2-40B4-BE49-F238E27FC236}">
+                <a16:creationId xmlns:a16="http://schemas.microsoft.com/office/drawing/2014/main" id="{7F593B77-EFC8-4C4D-ADC1-3DC88C25A989}"/>
+              </a:ext>
+            </a:extLst>
+          </p:cNvPr>
+          <p:cNvSpPr>
+            <a:spLocks noGrp="1"/>
+          </p:cNvSpPr>
+          <p:nvPr>
+            <p:ph type="subTitle" idx="1"/>
+          </p:nvPr>
+        </p:nvSpPr>
+        <p:spPr>
+          <a:xfrm>
+            <a:off x="1062877" y="4422031"/>
+            <a:ext cx="8144134" cy="1117687"/>
+          </a:xfrm>
+        </p:spPr>
+        <p:txBody>
+          <a:bodyPr>
+            <a:normAutofit/>
+          </a:bodyPr>
+          <a:lstStyle/>
+          <a:p>
+            <a:r>
+              <a:rPr lang="en-US" sz="2600" dirty="0"/>
+              <a:t>Natural Language Processing </a:t>
+            </a:r>
+          </a:p>
+        </p:txBody>
+      </p:sp>
+    </p:spTree>
+    <p:extLst>
+      <p:ext uri="{BB962C8B-B14F-4D97-AF65-F5344CB8AC3E}">
+        <p14:creationId xmlns:p14="http://schemas.microsoft.com/office/powerpoint/2010/main" val="1394566953"/>
+      </p:ext>
+    </p:extLst>
+  </p:cSld>
+  <p:clrMapOvr>
+    <a:masterClrMapping/>
+  </p:clrMapOvr>
 </p:sld>
 </file>
 

--- a/docs/NLP_bangla_tutorial.pptx
+++ b/docs/NLP_bangla_tutorial.pptx
@@ -5,7 +5,7 @@
     <p:sldMasterId id="2147483714" r:id="rId1"/>
   </p:sldMasterIdLst>
   <p:notesMasterIdLst>
-    <p:notesMasterId r:id="rId37"/>
+    <p:notesMasterId r:id="rId44"/>
   </p:notesMasterIdLst>
   <p:sldIdLst>
     <p:sldId id="256" r:id="rId2"/>
@@ -43,6 +43,13 @@
     <p:sldId id="277" r:id="rId34"/>
     <p:sldId id="276" r:id="rId35"/>
     <p:sldId id="292" r:id="rId36"/>
+    <p:sldId id="293" r:id="rId37"/>
+    <p:sldId id="294" r:id="rId38"/>
+    <p:sldId id="295" r:id="rId39"/>
+    <p:sldId id="296" r:id="rId40"/>
+    <p:sldId id="297" r:id="rId41"/>
+    <p:sldId id="299" r:id="rId42"/>
+    <p:sldId id="298" r:id="rId43"/>
   </p:sldIdLst>
   <p:sldSz cx="12192000" cy="6858000"/>
   <p:notesSz cx="6858000" cy="9144000"/>
@@ -231,7 +238,7 @@
           <a:p>
             <a:fld id="{96AD9802-0A85-4765-BF39-BA9BC36B4F1A}" type="datetimeFigureOut">
               <a:rPr lang="en-US" smtClean="0"/>
-              <a:t>11/5/2022</a:t>
+              <a:t>8/30/2023</a:t>
             </a:fld>
             <a:endParaRPr lang="en-US"/>
           </a:p>
@@ -856,7 +863,7 @@
           <a:p>
             <a:fld id="{4D9800FF-A981-4B9F-BC27-EEE0445CCC0D}" type="datetimeFigureOut">
               <a:rPr lang="en-US" smtClean="0"/>
-              <a:t>11/5/2022</a:t>
+              <a:t>8/30/2023</a:t>
             </a:fld>
             <a:endParaRPr lang="en-US"/>
           </a:p>
@@ -1270,7 +1277,7 @@
           <a:p>
             <a:fld id="{4D9800FF-A981-4B9F-BC27-EEE0445CCC0D}" type="datetimeFigureOut">
               <a:rPr lang="en-US" smtClean="0"/>
-              <a:t>11/5/2022</a:t>
+              <a:t>8/30/2023</a:t>
             </a:fld>
             <a:endParaRPr lang="en-US"/>
           </a:p>
@@ -1606,7 +1613,7 @@
           <a:p>
             <a:fld id="{4D9800FF-A981-4B9F-BC27-EEE0445CCC0D}" type="datetimeFigureOut">
               <a:rPr lang="en-US" smtClean="0"/>
-              <a:t>11/5/2022</a:t>
+              <a:t>8/30/2023</a:t>
             </a:fld>
             <a:endParaRPr lang="en-US"/>
           </a:p>
@@ -2011,7 +2018,7 @@
           <a:p>
             <a:fld id="{4D9800FF-A981-4B9F-BC27-EEE0445CCC0D}" type="datetimeFigureOut">
               <a:rPr lang="en-US" smtClean="0"/>
-              <a:t>11/5/2022</a:t>
+              <a:t>8/30/2023</a:t>
             </a:fld>
             <a:endParaRPr lang="en-US"/>
           </a:p>
@@ -2579,7 +2586,7 @@
           <a:p>
             <a:fld id="{4D9800FF-A981-4B9F-BC27-EEE0445CCC0D}" type="datetimeFigureOut">
               <a:rPr lang="en-US" smtClean="0"/>
-              <a:t>11/5/2022</a:t>
+              <a:t>8/30/2023</a:t>
             </a:fld>
             <a:endParaRPr lang="en-US"/>
           </a:p>
@@ -3260,7 +3267,7 @@
           <a:p>
             <a:fld id="{4D9800FF-A981-4B9F-BC27-EEE0445CCC0D}" type="datetimeFigureOut">
               <a:rPr lang="en-US" smtClean="0"/>
-              <a:t>11/5/2022</a:t>
+              <a:t>8/30/2023</a:t>
             </a:fld>
             <a:endParaRPr lang="en-US"/>
           </a:p>
@@ -4173,7 +4180,7 @@
           <a:p>
             <a:fld id="{4D9800FF-A981-4B9F-BC27-EEE0445CCC0D}" type="datetimeFigureOut">
               <a:rPr lang="en-US" smtClean="0"/>
-              <a:t>11/5/2022</a:t>
+              <a:t>8/30/2023</a:t>
             </a:fld>
             <a:endParaRPr lang="en-US"/>
           </a:p>
@@ -4486,7 +4493,7 @@
           <a:p>
             <a:fld id="{4D9800FF-A981-4B9F-BC27-EEE0445CCC0D}" type="datetimeFigureOut">
               <a:rPr lang="en-US" smtClean="0"/>
-              <a:t>11/5/2022</a:t>
+              <a:t>8/30/2023</a:t>
             </a:fld>
             <a:endParaRPr lang="en-US"/>
           </a:p>
@@ -4750,7 +4757,7 @@
           <a:p>
             <a:fld id="{4D9800FF-A981-4B9F-BC27-EEE0445CCC0D}" type="datetimeFigureOut">
               <a:rPr lang="en-US" smtClean="0"/>
-              <a:t>11/5/2022</a:t>
+              <a:t>8/30/2023</a:t>
             </a:fld>
             <a:endParaRPr lang="en-US"/>
           </a:p>
@@ -5073,7 +5080,7 @@
           <a:p>
             <a:fld id="{4D9800FF-A981-4B9F-BC27-EEE0445CCC0D}" type="datetimeFigureOut">
               <a:rPr lang="en-US" smtClean="0"/>
-              <a:t>11/5/2022</a:t>
+              <a:t>8/30/2023</a:t>
             </a:fld>
             <a:endParaRPr lang="en-US"/>
           </a:p>
@@ -5462,7 +5469,7 @@
           <a:p>
             <a:fld id="{4D9800FF-A981-4B9F-BC27-EEE0445CCC0D}" type="datetimeFigureOut">
               <a:rPr lang="en-US" smtClean="0"/>
-              <a:t>11/5/2022</a:t>
+              <a:t>8/30/2023</a:t>
             </a:fld>
             <a:endParaRPr lang="en-US"/>
           </a:p>
@@ -5838,7 +5845,7 @@
           <a:p>
             <a:fld id="{4D9800FF-A981-4B9F-BC27-EEE0445CCC0D}" type="datetimeFigureOut">
               <a:rPr lang="en-US" smtClean="0"/>
-              <a:t>11/5/2022</a:t>
+              <a:t>8/30/2023</a:t>
             </a:fld>
             <a:endParaRPr lang="en-US"/>
           </a:p>
@@ -6344,7 +6351,7 @@
           <a:p>
             <a:fld id="{4D9800FF-A981-4B9F-BC27-EEE0445CCC0D}" type="datetimeFigureOut">
               <a:rPr lang="en-US" smtClean="0"/>
-              <a:t>11/5/2022</a:t>
+              <a:t>8/30/2023</a:t>
             </a:fld>
             <a:endParaRPr lang="en-US"/>
           </a:p>
@@ -6601,7 +6608,7 @@
           <a:p>
             <a:fld id="{4D9800FF-A981-4B9F-BC27-EEE0445CCC0D}" type="datetimeFigureOut">
               <a:rPr lang="en-US" smtClean="0"/>
-              <a:t>11/5/2022</a:t>
+              <a:t>8/30/2023</a:t>
             </a:fld>
             <a:endParaRPr lang="en-US"/>
           </a:p>
@@ -6764,7 +6771,7 @@
           <a:p>
             <a:fld id="{4D9800FF-A981-4B9F-BC27-EEE0445CCC0D}" type="datetimeFigureOut">
               <a:rPr lang="en-US" smtClean="0"/>
-              <a:t>11/5/2022</a:t>
+              <a:t>8/30/2023</a:t>
             </a:fld>
             <a:endParaRPr lang="en-US"/>
           </a:p>
@@ -7154,7 +7161,7 @@
           <a:p>
             <a:fld id="{4D9800FF-A981-4B9F-BC27-EEE0445CCC0D}" type="datetimeFigureOut">
               <a:rPr lang="en-US" smtClean="0"/>
-              <a:t>11/5/2022</a:t>
+              <a:t>8/30/2023</a:t>
             </a:fld>
             <a:endParaRPr lang="en-US"/>
           </a:p>
@@ -7563,7 +7570,7 @@
           <a:p>
             <a:fld id="{4D9800FF-A981-4B9F-BC27-EEE0445CCC0D}" type="datetimeFigureOut">
               <a:rPr lang="en-US" smtClean="0"/>
-              <a:t>11/5/2022</a:t>
+              <a:t>8/30/2023</a:t>
             </a:fld>
             <a:endParaRPr lang="en-US"/>
           </a:p>
@@ -7807,7 +7814,7 @@
           <a:p>
             <a:fld id="{4D9800FF-A981-4B9F-BC27-EEE0445CCC0D}" type="datetimeFigureOut">
               <a:rPr lang="en-US" smtClean="0"/>
-              <a:t>11/5/2022</a:t>
+              <a:t>8/30/2023</a:t>
             </a:fld>
             <a:endParaRPr lang="en-US"/>
           </a:p>
@@ -26907,6 +26914,478 @@
 </p:sld>
 </file>
 
+<file path=ppt/slides/slide36.xml><?xml version="1.0" encoding="utf-8"?>
+<p:sld xmlns:a="http://schemas.openxmlformats.org/drawingml/2006/main" xmlns:r="http://schemas.openxmlformats.org/officeDocument/2006/relationships" xmlns:p="http://schemas.openxmlformats.org/presentationml/2006/main">
+  <p:cSld>
+    <p:spTree>
+      <p:nvGrpSpPr>
+        <p:cNvPr id="1" name=""/>
+        <p:cNvGrpSpPr/>
+        <p:nvPr/>
+      </p:nvGrpSpPr>
+      <p:grpSpPr>
+        <a:xfrm>
+          <a:off x="0" y="0"/>
+          <a:ext cx="0" cy="0"/>
+          <a:chOff x="0" y="0"/>
+          <a:chExt cx="0" cy="0"/>
+        </a:xfrm>
+      </p:grpSpPr>
+      <p:sp>
+        <p:nvSpPr>
+          <p:cNvPr id="2" name="Title 1">
+            <a:extLst>
+              <a:ext uri="{FF2B5EF4-FFF2-40B4-BE49-F238E27FC236}">
+                <a16:creationId xmlns:a16="http://schemas.microsoft.com/office/drawing/2014/main" id="{694A32B5-CC15-4BE0-91F6-9DFAB105B8C6}"/>
+              </a:ext>
+            </a:extLst>
+          </p:cNvPr>
+          <p:cNvSpPr>
+            <a:spLocks noGrp="1"/>
+          </p:cNvSpPr>
+          <p:nvPr>
+            <p:ph type="ctrTitle"/>
+          </p:nvPr>
+        </p:nvSpPr>
+        <p:spPr/>
+        <p:txBody>
+          <a:bodyPr/>
+          <a:lstStyle/>
+          <a:p>
+            <a:r>
+              <a:rPr lang="en-US" dirty="0"/>
+              <a:t>Text Classification</a:t>
+            </a:r>
+            <a:br>
+              <a:rPr lang="en-US" dirty="0"/>
+            </a:br>
+            <a:r>
+              <a:rPr lang="en-US" sz="3000" dirty="0">
+                <a:solidFill>
+                  <a:srgbClr val="FF0000"/>
+                </a:solidFill>
+              </a:rPr>
+              <a:t>Assign a label or class into a text</a:t>
+            </a:r>
+          </a:p>
+        </p:txBody>
+      </p:sp>
+      <p:sp>
+        <p:nvSpPr>
+          <p:cNvPr id="3" name="Subtitle 2">
+            <a:extLst>
+              <a:ext uri="{FF2B5EF4-FFF2-40B4-BE49-F238E27FC236}">
+                <a16:creationId xmlns:a16="http://schemas.microsoft.com/office/drawing/2014/main" id="{7F593B77-EFC8-4C4D-ADC1-3DC88C25A989}"/>
+              </a:ext>
+            </a:extLst>
+          </p:cNvPr>
+          <p:cNvSpPr>
+            <a:spLocks noGrp="1"/>
+          </p:cNvSpPr>
+          <p:nvPr>
+            <p:ph type="subTitle" idx="1"/>
+          </p:nvPr>
+        </p:nvSpPr>
+        <p:spPr>
+          <a:xfrm>
+            <a:off x="1062877" y="4422031"/>
+            <a:ext cx="8144134" cy="1117687"/>
+          </a:xfrm>
+        </p:spPr>
+        <p:txBody>
+          <a:bodyPr>
+            <a:normAutofit/>
+          </a:bodyPr>
+          <a:lstStyle/>
+          <a:p>
+            <a:r>
+              <a:rPr lang="en-US" sz="2600" dirty="0"/>
+              <a:t>Natural Language Processing </a:t>
+            </a:r>
+          </a:p>
+        </p:txBody>
+      </p:sp>
+    </p:spTree>
+    <p:extLst>
+      <p:ext uri="{BB962C8B-B14F-4D97-AF65-F5344CB8AC3E}">
+        <p14:creationId xmlns:p14="http://schemas.microsoft.com/office/powerpoint/2010/main" val="3254354936"/>
+      </p:ext>
+    </p:extLst>
+  </p:cSld>
+  <p:clrMapOvr>
+    <a:masterClrMapping/>
+  </p:clrMapOvr>
+</p:sld>
+</file>
+
+<file path=ppt/slides/slide37.xml><?xml version="1.0" encoding="utf-8"?>
+<p:sld xmlns:a="http://schemas.openxmlformats.org/drawingml/2006/main" xmlns:r="http://schemas.openxmlformats.org/officeDocument/2006/relationships" xmlns:p="http://schemas.openxmlformats.org/presentationml/2006/main">
+  <p:cSld>
+    <p:spTree>
+      <p:nvGrpSpPr>
+        <p:cNvPr id="1" name=""/>
+        <p:cNvGrpSpPr/>
+        <p:nvPr/>
+      </p:nvGrpSpPr>
+      <p:grpSpPr>
+        <a:xfrm>
+          <a:off x="0" y="0"/>
+          <a:ext cx="0" cy="0"/>
+          <a:chOff x="0" y="0"/>
+          <a:chExt cx="0" cy="0"/>
+        </a:xfrm>
+      </p:grpSpPr>
+      <p:sp>
+        <p:nvSpPr>
+          <p:cNvPr id="2" name="Title 1">
+            <a:extLst>
+              <a:ext uri="{FF2B5EF4-FFF2-40B4-BE49-F238E27FC236}">
+                <a16:creationId xmlns:a16="http://schemas.microsoft.com/office/drawing/2014/main" id="{99F9262E-2D15-41F1-BEC3-1BDD29661926}"/>
+              </a:ext>
+            </a:extLst>
+          </p:cNvPr>
+          <p:cNvSpPr>
+            <a:spLocks noGrp="1"/>
+          </p:cNvSpPr>
+          <p:nvPr>
+            <p:ph type="title"/>
+          </p:nvPr>
+        </p:nvSpPr>
+        <p:spPr/>
+        <p:txBody>
+          <a:bodyPr/>
+          <a:lstStyle/>
+          <a:p>
+            <a:r>
+              <a:rPr lang="en-US" dirty="0"/>
+              <a:t>Text Classification in NLP</a:t>
+            </a:r>
+          </a:p>
+        </p:txBody>
+      </p:sp>
+      <p:sp>
+        <p:nvSpPr>
+          <p:cNvPr id="3" name="Content Placeholder 2">
+            <a:extLst>
+              <a:ext uri="{FF2B5EF4-FFF2-40B4-BE49-F238E27FC236}">
+                <a16:creationId xmlns:a16="http://schemas.microsoft.com/office/drawing/2014/main" id="{BA49079E-10A4-4BC6-9C8D-F47283E67832}"/>
+              </a:ext>
+            </a:extLst>
+          </p:cNvPr>
+          <p:cNvSpPr>
+            <a:spLocks noGrp="1"/>
+          </p:cNvSpPr>
+          <p:nvPr>
+            <p:ph idx="1"/>
+          </p:nvPr>
+        </p:nvSpPr>
+        <p:spPr/>
+        <p:txBody>
+          <a:bodyPr>
+            <a:normAutofit/>
+          </a:bodyPr>
+          <a:lstStyle/>
+          <a:p>
+            <a:r>
+              <a:rPr lang="en-US" sz="3000" dirty="0"/>
+              <a:t>Normalization is the process converting into a standard form. </a:t>
+            </a:r>
+          </a:p>
+          <a:p>
+            <a:r>
+              <a:rPr lang="en-US" sz="3000" dirty="0"/>
+              <a:t> Why required text normalization?</a:t>
+            </a:r>
+          </a:p>
+          <a:p>
+            <a:pPr lvl="1"/>
+            <a:r>
+              <a:rPr lang="en-US" sz="2600" dirty="0"/>
+              <a:t>Word boundary detection. </a:t>
+            </a:r>
+          </a:p>
+          <a:p>
+            <a:pPr lvl="1"/>
+            <a:r>
+              <a:rPr lang="en-US" sz="2600" dirty="0"/>
+              <a:t>Separated word from each other</a:t>
+            </a:r>
+          </a:p>
+          <a:p>
+            <a:pPr lvl="1"/>
+            <a:r>
+              <a:rPr lang="en-US" sz="2600" dirty="0"/>
+              <a:t>Example 1: Bangladesh, New York, Cats and dogs</a:t>
+            </a:r>
+          </a:p>
+          <a:p>
+            <a:pPr lvl="1"/>
+            <a:r>
+              <a:rPr lang="en-US" sz="2600" dirty="0"/>
+              <a:t>Example 2: #nlp, @faisalahmed, </a:t>
+            </a:r>
+            <a:r>
+              <a:rPr lang="en-US" sz="2600" dirty="0">
+                <a:sym typeface="Wingdings" panose="05000000000000000000" pitchFamily="2" charset="2"/>
+              </a:rPr>
+              <a:t>, , :)</a:t>
+            </a:r>
+            <a:r>
+              <a:rPr lang="en-US" sz="2600" dirty="0"/>
+              <a:t> </a:t>
+            </a:r>
+          </a:p>
+        </p:txBody>
+      </p:sp>
+    </p:spTree>
+    <p:extLst>
+      <p:ext uri="{BB962C8B-B14F-4D97-AF65-F5344CB8AC3E}">
+        <p14:creationId xmlns:p14="http://schemas.microsoft.com/office/powerpoint/2010/main" val="1610499565"/>
+      </p:ext>
+    </p:extLst>
+  </p:cSld>
+  <p:clrMapOvr>
+    <a:masterClrMapping/>
+  </p:clrMapOvr>
+</p:sld>
+</file>
+
+<file path=ppt/slides/slide38.xml><?xml version="1.0" encoding="utf-8"?>
+<p:sld xmlns:a="http://schemas.openxmlformats.org/drawingml/2006/main" xmlns:r="http://schemas.openxmlformats.org/officeDocument/2006/relationships" xmlns:p="http://schemas.openxmlformats.org/presentationml/2006/main">
+  <p:cSld>
+    <p:spTree>
+      <p:nvGrpSpPr>
+        <p:cNvPr id="1" name=""/>
+        <p:cNvGrpSpPr/>
+        <p:nvPr/>
+      </p:nvGrpSpPr>
+      <p:grpSpPr>
+        <a:xfrm>
+          <a:off x="0" y="0"/>
+          <a:ext cx="0" cy="0"/>
+          <a:chOff x="0" y="0"/>
+          <a:chExt cx="0" cy="0"/>
+        </a:xfrm>
+      </p:grpSpPr>
+      <p:sp>
+        <p:nvSpPr>
+          <p:cNvPr id="2" name="Title 1">
+            <a:extLst>
+              <a:ext uri="{FF2B5EF4-FFF2-40B4-BE49-F238E27FC236}">
+                <a16:creationId xmlns:a16="http://schemas.microsoft.com/office/drawing/2014/main" id="{99F9262E-2D15-41F1-BEC3-1BDD29661926}"/>
+              </a:ext>
+            </a:extLst>
+          </p:cNvPr>
+          <p:cNvSpPr>
+            <a:spLocks noGrp="1"/>
+          </p:cNvSpPr>
+          <p:nvPr>
+            <p:ph type="title"/>
+          </p:nvPr>
+        </p:nvSpPr>
+        <p:spPr/>
+        <p:txBody>
+          <a:bodyPr/>
+          <a:lstStyle/>
+          <a:p>
+            <a:r>
+              <a:rPr lang="en-US" dirty="0"/>
+              <a:t>Text Classification in NLP</a:t>
+            </a:r>
+          </a:p>
+        </p:txBody>
+      </p:sp>
+      <p:sp>
+        <p:nvSpPr>
+          <p:cNvPr id="3" name="Content Placeholder 2">
+            <a:extLst>
+              <a:ext uri="{FF2B5EF4-FFF2-40B4-BE49-F238E27FC236}">
+                <a16:creationId xmlns:a16="http://schemas.microsoft.com/office/drawing/2014/main" id="{BA49079E-10A4-4BC6-9C8D-F47283E67832}"/>
+              </a:ext>
+            </a:extLst>
+          </p:cNvPr>
+          <p:cNvSpPr>
+            <a:spLocks noGrp="1"/>
+          </p:cNvSpPr>
+          <p:nvPr>
+            <p:ph idx="1"/>
+          </p:nvPr>
+        </p:nvSpPr>
+        <p:spPr/>
+        <p:txBody>
+          <a:bodyPr>
+            <a:normAutofit/>
+          </a:bodyPr>
+          <a:lstStyle/>
+          <a:p>
+            <a:r>
+              <a:rPr lang="en-US" sz="3000" dirty="0"/>
+              <a:t>Normalization is the process converting into a standard form. </a:t>
+            </a:r>
+          </a:p>
+          <a:p>
+            <a:r>
+              <a:rPr lang="en-US" sz="3000" dirty="0"/>
+              <a:t> Why required text normalization?</a:t>
+            </a:r>
+          </a:p>
+          <a:p>
+            <a:pPr lvl="1"/>
+            <a:r>
+              <a:rPr lang="en-US" sz="2600" dirty="0"/>
+              <a:t>Word boundary detection. </a:t>
+            </a:r>
+          </a:p>
+          <a:p>
+            <a:pPr lvl="1"/>
+            <a:r>
+              <a:rPr lang="en-US" sz="2600" dirty="0"/>
+              <a:t>Separated word from each other</a:t>
+            </a:r>
+          </a:p>
+          <a:p>
+            <a:pPr lvl="1"/>
+            <a:r>
+              <a:rPr lang="en-US" sz="2600" dirty="0"/>
+              <a:t>Example 1: Bangladesh, New York, Cats and dogs</a:t>
+            </a:r>
+          </a:p>
+          <a:p>
+            <a:pPr lvl="1"/>
+            <a:r>
+              <a:rPr lang="en-US" sz="2600" dirty="0"/>
+              <a:t>Example 2: #nlp, @faisalahmed, </a:t>
+            </a:r>
+            <a:r>
+              <a:rPr lang="en-US" sz="2600" dirty="0">
+                <a:sym typeface="Wingdings" panose="05000000000000000000" pitchFamily="2" charset="2"/>
+              </a:rPr>
+              <a:t>, , :)</a:t>
+            </a:r>
+            <a:r>
+              <a:rPr lang="en-US" sz="2600" dirty="0"/>
+              <a:t> </a:t>
+            </a:r>
+          </a:p>
+        </p:txBody>
+      </p:sp>
+    </p:spTree>
+    <p:extLst>
+      <p:ext uri="{BB962C8B-B14F-4D97-AF65-F5344CB8AC3E}">
+        <p14:creationId xmlns:p14="http://schemas.microsoft.com/office/powerpoint/2010/main" val="1088741429"/>
+      </p:ext>
+    </p:extLst>
+  </p:cSld>
+  <p:clrMapOvr>
+    <a:masterClrMapping/>
+  </p:clrMapOvr>
+</p:sld>
+</file>
+
+<file path=ppt/slides/slide39.xml><?xml version="1.0" encoding="utf-8"?>
+<p:sld xmlns:a="http://schemas.openxmlformats.org/drawingml/2006/main" xmlns:r="http://schemas.openxmlformats.org/officeDocument/2006/relationships" xmlns:p="http://schemas.openxmlformats.org/presentationml/2006/main">
+  <p:cSld>
+    <p:spTree>
+      <p:nvGrpSpPr>
+        <p:cNvPr id="1" name=""/>
+        <p:cNvGrpSpPr/>
+        <p:nvPr/>
+      </p:nvGrpSpPr>
+      <p:grpSpPr>
+        <a:xfrm>
+          <a:off x="0" y="0"/>
+          <a:ext cx="0" cy="0"/>
+          <a:chOff x="0" y="0"/>
+          <a:chExt cx="0" cy="0"/>
+        </a:xfrm>
+      </p:grpSpPr>
+      <p:sp>
+        <p:nvSpPr>
+          <p:cNvPr id="2" name="Title 1">
+            <a:extLst>
+              <a:ext uri="{FF2B5EF4-FFF2-40B4-BE49-F238E27FC236}">
+                <a16:creationId xmlns:a16="http://schemas.microsoft.com/office/drawing/2014/main" id="{694A32B5-CC15-4BE0-91F6-9DFAB105B8C6}"/>
+              </a:ext>
+            </a:extLst>
+          </p:cNvPr>
+          <p:cNvSpPr>
+            <a:spLocks noGrp="1"/>
+          </p:cNvSpPr>
+          <p:nvPr>
+            <p:ph type="ctrTitle"/>
+          </p:nvPr>
+        </p:nvSpPr>
+        <p:spPr/>
+        <p:txBody>
+          <a:bodyPr/>
+          <a:lstStyle/>
+          <a:p>
+            <a:r>
+              <a:rPr lang="en-US" dirty="0"/>
+              <a:t>Language Models: N-gram</a:t>
+            </a:r>
+            <a:br>
+              <a:rPr lang="en-US" dirty="0"/>
+            </a:br>
+            <a:r>
+              <a:rPr lang="en-US" sz="3000" dirty="0">
+                <a:solidFill>
+                  <a:srgbClr val="FF0000"/>
+                </a:solidFill>
+              </a:rPr>
+              <a:t>Calculate the probability of a word</a:t>
+            </a:r>
+          </a:p>
+        </p:txBody>
+      </p:sp>
+      <p:sp>
+        <p:nvSpPr>
+          <p:cNvPr id="3" name="Subtitle 2">
+            <a:extLst>
+              <a:ext uri="{FF2B5EF4-FFF2-40B4-BE49-F238E27FC236}">
+                <a16:creationId xmlns:a16="http://schemas.microsoft.com/office/drawing/2014/main" id="{7F593B77-EFC8-4C4D-ADC1-3DC88C25A989}"/>
+              </a:ext>
+            </a:extLst>
+          </p:cNvPr>
+          <p:cNvSpPr>
+            <a:spLocks noGrp="1"/>
+          </p:cNvSpPr>
+          <p:nvPr>
+            <p:ph type="subTitle" idx="1"/>
+          </p:nvPr>
+        </p:nvSpPr>
+        <p:spPr>
+          <a:xfrm>
+            <a:off x="1062877" y="4422031"/>
+            <a:ext cx="8144134" cy="1117687"/>
+          </a:xfrm>
+        </p:spPr>
+        <p:txBody>
+          <a:bodyPr>
+            <a:normAutofit/>
+          </a:bodyPr>
+          <a:lstStyle/>
+          <a:p>
+            <a:r>
+              <a:rPr lang="en-US" sz="2600" dirty="0"/>
+              <a:t>Natural Language Processing </a:t>
+            </a:r>
+          </a:p>
+        </p:txBody>
+      </p:sp>
+    </p:spTree>
+    <p:extLst>
+      <p:ext uri="{BB962C8B-B14F-4D97-AF65-F5344CB8AC3E}">
+        <p14:creationId xmlns:p14="http://schemas.microsoft.com/office/powerpoint/2010/main" val="3581155387"/>
+      </p:ext>
+    </p:extLst>
+  </p:cSld>
+  <p:clrMapOvr>
+    <a:masterClrMapping/>
+  </p:clrMapOvr>
+</p:sld>
+</file>
+
 <file path=ppt/slides/slide4.xml><?xml version="1.0" encoding="utf-8"?>
 <p:sld xmlns:a="http://schemas.openxmlformats.org/drawingml/2006/main" xmlns:r="http://schemas.openxmlformats.org/officeDocument/2006/relationships" xmlns:p="http://schemas.openxmlformats.org/presentationml/2006/main">
   <p:cSld>
@@ -26991,6 +27470,394 @@
     <p:extLst>
       <p:ext uri="{BB962C8B-B14F-4D97-AF65-F5344CB8AC3E}">
         <p14:creationId xmlns:p14="http://schemas.microsoft.com/office/powerpoint/2010/main" val="4200392053"/>
+      </p:ext>
+    </p:extLst>
+  </p:cSld>
+  <p:clrMapOvr>
+    <a:masterClrMapping/>
+  </p:clrMapOvr>
+</p:sld>
+</file>
+
+<file path=ppt/slides/slide40.xml><?xml version="1.0" encoding="utf-8"?>
+<p:sld xmlns:a="http://schemas.openxmlformats.org/drawingml/2006/main" xmlns:r="http://schemas.openxmlformats.org/officeDocument/2006/relationships" xmlns:p="http://schemas.openxmlformats.org/presentationml/2006/main">
+  <p:cSld>
+    <p:spTree>
+      <p:nvGrpSpPr>
+        <p:cNvPr id="1" name=""/>
+        <p:cNvGrpSpPr/>
+        <p:nvPr/>
+      </p:nvGrpSpPr>
+      <p:grpSpPr>
+        <a:xfrm>
+          <a:off x="0" y="0"/>
+          <a:ext cx="0" cy="0"/>
+          <a:chOff x="0" y="0"/>
+          <a:chExt cx="0" cy="0"/>
+        </a:xfrm>
+      </p:grpSpPr>
+      <p:sp>
+        <p:nvSpPr>
+          <p:cNvPr id="2" name="Title 1">
+            <a:extLst>
+              <a:ext uri="{FF2B5EF4-FFF2-40B4-BE49-F238E27FC236}">
+                <a16:creationId xmlns:a16="http://schemas.microsoft.com/office/drawing/2014/main" id="{99F9262E-2D15-41F1-BEC3-1BDD29661926}"/>
+              </a:ext>
+            </a:extLst>
+          </p:cNvPr>
+          <p:cNvSpPr>
+            <a:spLocks noGrp="1"/>
+          </p:cNvSpPr>
+          <p:nvPr>
+            <p:ph type="title"/>
+          </p:nvPr>
+        </p:nvSpPr>
+        <p:spPr/>
+        <p:txBody>
+          <a:bodyPr/>
+          <a:lstStyle/>
+          <a:p>
+            <a:r>
+              <a:rPr lang="en-US" dirty="0"/>
+              <a:t>Language Model in NLP</a:t>
+            </a:r>
+          </a:p>
+        </p:txBody>
+      </p:sp>
+      <p:sp>
+        <p:nvSpPr>
+          <p:cNvPr id="3" name="Content Placeholder 2">
+            <a:extLst>
+              <a:ext uri="{FF2B5EF4-FFF2-40B4-BE49-F238E27FC236}">
+                <a16:creationId xmlns:a16="http://schemas.microsoft.com/office/drawing/2014/main" id="{BA49079E-10A4-4BC6-9C8D-F47283E67832}"/>
+              </a:ext>
+            </a:extLst>
+          </p:cNvPr>
+          <p:cNvSpPr>
+            <a:spLocks noGrp="1"/>
+          </p:cNvSpPr>
+          <p:nvPr>
+            <p:ph idx="1"/>
+          </p:nvPr>
+        </p:nvSpPr>
+        <p:spPr>
+          <a:xfrm>
+            <a:off x="680321" y="2591397"/>
+            <a:ext cx="9613861" cy="3599316"/>
+          </a:xfrm>
+        </p:spPr>
+        <p:txBody>
+          <a:bodyPr>
+            <a:normAutofit/>
+          </a:bodyPr>
+          <a:lstStyle/>
+          <a:p>
+            <a:r>
+              <a:rPr lang="en-US" sz="2600" dirty="0"/>
+              <a:t>Dhaka is the capital of  ____________ ?</a:t>
+            </a:r>
+          </a:p>
+          <a:p>
+            <a:pPr lvl="1"/>
+            <a:r>
+              <a:rPr lang="en-US" sz="2200" dirty="0" err="1"/>
+              <a:t>Bangladeh</a:t>
+            </a:r>
+            <a:r>
+              <a:rPr lang="en-US" sz="2200" dirty="0"/>
+              <a:t> </a:t>
+            </a:r>
+          </a:p>
+          <a:p>
+            <a:pPr lvl="1"/>
+            <a:r>
+              <a:rPr lang="en-US" sz="2200" dirty="0"/>
+              <a:t>India</a:t>
+            </a:r>
+          </a:p>
+          <a:p>
+            <a:pPr lvl="1"/>
+            <a:r>
+              <a:rPr lang="en-US" sz="2200" dirty="0"/>
+              <a:t>Russia</a:t>
+            </a:r>
+          </a:p>
+          <a:p>
+            <a:pPr lvl="1"/>
+            <a:r>
+              <a:rPr lang="en-US" sz="2200" dirty="0"/>
+              <a:t>America</a:t>
+            </a:r>
+          </a:p>
+        </p:txBody>
+      </p:sp>
+    </p:spTree>
+    <p:extLst>
+      <p:ext uri="{BB962C8B-B14F-4D97-AF65-F5344CB8AC3E}">
+        <p14:creationId xmlns:p14="http://schemas.microsoft.com/office/powerpoint/2010/main" val="145720968"/>
+      </p:ext>
+    </p:extLst>
+  </p:cSld>
+  <p:clrMapOvr>
+    <a:masterClrMapping/>
+  </p:clrMapOvr>
+</p:sld>
+</file>
+
+<file path=ppt/slides/slide41.xml><?xml version="1.0" encoding="utf-8"?>
+<p:sld xmlns:a="http://schemas.openxmlformats.org/drawingml/2006/main" xmlns:r="http://schemas.openxmlformats.org/officeDocument/2006/relationships" xmlns:p="http://schemas.openxmlformats.org/presentationml/2006/main">
+  <p:cSld>
+    <p:spTree>
+      <p:nvGrpSpPr>
+        <p:cNvPr id="1" name=""/>
+        <p:cNvGrpSpPr/>
+        <p:nvPr/>
+      </p:nvGrpSpPr>
+      <p:grpSpPr>
+        <a:xfrm>
+          <a:off x="0" y="0"/>
+          <a:ext cx="0" cy="0"/>
+          <a:chOff x="0" y="0"/>
+          <a:chExt cx="0" cy="0"/>
+        </a:xfrm>
+      </p:grpSpPr>
+      <p:sp>
+        <p:nvSpPr>
+          <p:cNvPr id="2" name="Title 1">
+            <a:extLst>
+              <a:ext uri="{FF2B5EF4-FFF2-40B4-BE49-F238E27FC236}">
+                <a16:creationId xmlns:a16="http://schemas.microsoft.com/office/drawing/2014/main" id="{99F9262E-2D15-41F1-BEC3-1BDD29661926}"/>
+              </a:ext>
+            </a:extLst>
+          </p:cNvPr>
+          <p:cNvSpPr>
+            <a:spLocks noGrp="1"/>
+          </p:cNvSpPr>
+          <p:nvPr>
+            <p:ph type="title"/>
+          </p:nvPr>
+        </p:nvSpPr>
+        <p:spPr/>
+        <p:txBody>
+          <a:bodyPr/>
+          <a:lstStyle/>
+          <a:p>
+            <a:r>
+              <a:rPr lang="en-US" dirty="0"/>
+              <a:t>Language Model in NLP</a:t>
+            </a:r>
+          </a:p>
+        </p:txBody>
+      </p:sp>
+      <p:pic>
+        <p:nvPicPr>
+          <p:cNvPr id="7" name="Content Placeholder 6">
+            <a:extLst>
+              <a:ext uri="{FF2B5EF4-FFF2-40B4-BE49-F238E27FC236}">
+                <a16:creationId xmlns:a16="http://schemas.microsoft.com/office/drawing/2014/main" id="{E03D6BF8-0218-FB04-9C2F-033461A54A87}"/>
+              </a:ext>
+            </a:extLst>
+          </p:cNvPr>
+          <p:cNvPicPr>
+            <a:picLocks noGrp="1" noChangeAspect="1"/>
+          </p:cNvPicPr>
+          <p:nvPr>
+            <p:ph idx="1"/>
+          </p:nvPr>
+        </p:nvPicPr>
+        <p:blipFill rotWithShape="1">
+          <a:blip r:embed="rId2">
+            <a:extLst>
+              <a:ext uri="{28A0092B-C50C-407E-A947-70E740481C1C}">
+                <a14:useLocalDpi xmlns:a14="http://schemas.microsoft.com/office/drawing/2010/main" val="0"/>
+              </a:ext>
+            </a:extLst>
+          </a:blip>
+          <a:srcRect l="8389" t="10799" r="8562"/>
+          <a:stretch/>
+        </p:blipFill>
+        <p:spPr>
+          <a:xfrm>
+            <a:off x="6485641" y="2158737"/>
+            <a:ext cx="4572000" cy="4378707"/>
+          </a:xfrm>
+        </p:spPr>
+      </p:pic>
+      <p:sp>
+        <p:nvSpPr>
+          <p:cNvPr id="9" name="TextBox 8">
+            <a:extLst>
+              <a:ext uri="{FF2B5EF4-FFF2-40B4-BE49-F238E27FC236}">
+                <a16:creationId xmlns:a16="http://schemas.microsoft.com/office/drawing/2014/main" id="{EA59BFEE-3193-D3CB-0F5D-56CE34D52586}"/>
+              </a:ext>
+            </a:extLst>
+          </p:cNvPr>
+          <p:cNvSpPr txBox="1"/>
+          <p:nvPr/>
+        </p:nvSpPr>
+        <p:spPr>
+          <a:xfrm>
+            <a:off x="1453318" y="3824870"/>
+            <a:ext cx="3891679" cy="523220"/>
+          </a:xfrm>
+          <a:prstGeom prst="rect">
+            <a:avLst/>
+          </a:prstGeom>
+          <a:noFill/>
+        </p:spPr>
+        <p:txBody>
+          <a:bodyPr wrap="square">
+            <a:spAutoFit/>
+          </a:bodyPr>
+          <a:lstStyle/>
+          <a:p>
+            <a:r>
+              <a:rPr lang="en-US" sz="2800" dirty="0">
+                <a:solidFill>
+                  <a:srgbClr val="FFFF00"/>
+                </a:solidFill>
+              </a:rPr>
+              <a:t>Next Word Prediction</a:t>
+            </a:r>
+          </a:p>
+        </p:txBody>
+      </p:sp>
+    </p:spTree>
+    <p:extLst>
+      <p:ext uri="{BB962C8B-B14F-4D97-AF65-F5344CB8AC3E}">
+        <p14:creationId xmlns:p14="http://schemas.microsoft.com/office/powerpoint/2010/main" val="2619553973"/>
+      </p:ext>
+    </p:extLst>
+  </p:cSld>
+  <p:clrMapOvr>
+    <a:masterClrMapping/>
+  </p:clrMapOvr>
+</p:sld>
+</file>
+
+<file path=ppt/slides/slide42.xml><?xml version="1.0" encoding="utf-8"?>
+<p:sld xmlns:a="http://schemas.openxmlformats.org/drawingml/2006/main" xmlns:r="http://schemas.openxmlformats.org/officeDocument/2006/relationships" xmlns:p="http://schemas.openxmlformats.org/presentationml/2006/main">
+  <p:cSld>
+    <p:spTree>
+      <p:nvGrpSpPr>
+        <p:cNvPr id="1" name=""/>
+        <p:cNvGrpSpPr/>
+        <p:nvPr/>
+      </p:nvGrpSpPr>
+      <p:grpSpPr>
+        <a:xfrm>
+          <a:off x="0" y="0"/>
+          <a:ext cx="0" cy="0"/>
+          <a:chOff x="0" y="0"/>
+          <a:chExt cx="0" cy="0"/>
+        </a:xfrm>
+      </p:grpSpPr>
+      <p:sp>
+        <p:nvSpPr>
+          <p:cNvPr id="2" name="Title 1">
+            <a:extLst>
+              <a:ext uri="{FF2B5EF4-FFF2-40B4-BE49-F238E27FC236}">
+                <a16:creationId xmlns:a16="http://schemas.microsoft.com/office/drawing/2014/main" id="{99F9262E-2D15-41F1-BEC3-1BDD29661926}"/>
+              </a:ext>
+            </a:extLst>
+          </p:cNvPr>
+          <p:cNvSpPr>
+            <a:spLocks noGrp="1"/>
+          </p:cNvSpPr>
+          <p:nvPr>
+            <p:ph type="title"/>
+          </p:nvPr>
+        </p:nvSpPr>
+        <p:spPr/>
+        <p:txBody>
+          <a:bodyPr/>
+          <a:lstStyle/>
+          <a:p>
+            <a:r>
+              <a:rPr lang="en-US" dirty="0"/>
+              <a:t>Language Model in NLP</a:t>
+            </a:r>
+          </a:p>
+        </p:txBody>
+      </p:sp>
+      <p:sp>
+        <p:nvSpPr>
+          <p:cNvPr id="3" name="Content Placeholder 2">
+            <a:extLst>
+              <a:ext uri="{FF2B5EF4-FFF2-40B4-BE49-F238E27FC236}">
+                <a16:creationId xmlns:a16="http://schemas.microsoft.com/office/drawing/2014/main" id="{BA49079E-10A4-4BC6-9C8D-F47283E67832}"/>
+              </a:ext>
+            </a:extLst>
+          </p:cNvPr>
+          <p:cNvSpPr>
+            <a:spLocks noGrp="1"/>
+          </p:cNvSpPr>
+          <p:nvPr>
+            <p:ph idx="1"/>
+          </p:nvPr>
+        </p:nvSpPr>
+        <p:spPr/>
+        <p:txBody>
+          <a:bodyPr>
+            <a:normAutofit/>
+          </a:bodyPr>
+          <a:lstStyle/>
+          <a:p>
+            <a:r>
+              <a:rPr lang="en-US" sz="3000" dirty="0"/>
+              <a:t>Normalization is the process converting into a standard form. </a:t>
+            </a:r>
+          </a:p>
+          <a:p>
+            <a:r>
+              <a:rPr lang="en-US" sz="3000" dirty="0"/>
+              <a:t> Why required text normalization?</a:t>
+            </a:r>
+          </a:p>
+          <a:p>
+            <a:pPr lvl="1"/>
+            <a:r>
+              <a:rPr lang="en-US" sz="2600" dirty="0"/>
+              <a:t>Word boundary detection. </a:t>
+            </a:r>
+          </a:p>
+          <a:p>
+            <a:pPr lvl="1"/>
+            <a:r>
+              <a:rPr lang="en-US" sz="2600" dirty="0"/>
+              <a:t>Separated word from each other</a:t>
+            </a:r>
+          </a:p>
+          <a:p>
+            <a:pPr lvl="1"/>
+            <a:r>
+              <a:rPr lang="en-US" sz="2600" dirty="0"/>
+              <a:t>Example 1: Bangladesh, New York, Cats and dogs</a:t>
+            </a:r>
+          </a:p>
+          <a:p>
+            <a:pPr lvl="1"/>
+            <a:r>
+              <a:rPr lang="en-US" sz="2600" dirty="0"/>
+              <a:t>Example 2: #nlp, @faisalahmed, </a:t>
+            </a:r>
+            <a:r>
+              <a:rPr lang="en-US" sz="2600" dirty="0">
+                <a:sym typeface="Wingdings" panose="05000000000000000000" pitchFamily="2" charset="2"/>
+              </a:rPr>
+              <a:t>, , :)</a:t>
+            </a:r>
+            <a:r>
+              <a:rPr lang="en-US" sz="2600" dirty="0"/>
+              <a:t> </a:t>
+            </a:r>
+          </a:p>
+        </p:txBody>
+      </p:sp>
+    </p:spTree>
+    <p:extLst>
+      <p:ext uri="{BB962C8B-B14F-4D97-AF65-F5344CB8AC3E}">
+        <p14:creationId xmlns:p14="http://schemas.microsoft.com/office/powerpoint/2010/main" val="2306804656"/>
       </p:ext>
     </p:extLst>
   </p:cSld>

--- a/docs/NLP_bangla_tutorial.pptx
+++ b/docs/NLP_bangla_tutorial.pptx
@@ -5,7 +5,7 @@
     <p:sldMasterId id="2147483714" r:id="rId1"/>
   </p:sldMasterIdLst>
   <p:notesMasterIdLst>
-    <p:notesMasterId r:id="rId44"/>
+    <p:notesMasterId r:id="rId45"/>
   </p:notesMasterIdLst>
   <p:sldIdLst>
     <p:sldId id="256" r:id="rId2"/>
@@ -49,7 +49,8 @@
     <p:sldId id="296" r:id="rId40"/>
     <p:sldId id="297" r:id="rId41"/>
     <p:sldId id="299" r:id="rId42"/>
-    <p:sldId id="298" r:id="rId43"/>
+    <p:sldId id="300" r:id="rId43"/>
+    <p:sldId id="301" r:id="rId44"/>
   </p:sldIdLst>
   <p:sldSz cx="12192000" cy="6858000"/>
   <p:notesSz cx="6858000" cy="9144000"/>
@@ -238,7 +239,7 @@
           <a:p>
             <a:fld id="{96AD9802-0A85-4765-BF39-BA9BC36B4F1A}" type="datetimeFigureOut">
               <a:rPr lang="en-US" smtClean="0"/>
-              <a:t>8/30/2023</a:t>
+              <a:t>9/26/2023</a:t>
             </a:fld>
             <a:endParaRPr lang="en-US"/>
           </a:p>
@@ -863,7 +864,7 @@
           <a:p>
             <a:fld id="{4D9800FF-A981-4B9F-BC27-EEE0445CCC0D}" type="datetimeFigureOut">
               <a:rPr lang="en-US" smtClean="0"/>
-              <a:t>8/30/2023</a:t>
+              <a:t>9/26/2023</a:t>
             </a:fld>
             <a:endParaRPr lang="en-US"/>
           </a:p>
@@ -1277,7 +1278,7 @@
           <a:p>
             <a:fld id="{4D9800FF-A981-4B9F-BC27-EEE0445CCC0D}" type="datetimeFigureOut">
               <a:rPr lang="en-US" smtClean="0"/>
-              <a:t>8/30/2023</a:t>
+              <a:t>9/26/2023</a:t>
             </a:fld>
             <a:endParaRPr lang="en-US"/>
           </a:p>
@@ -1613,7 +1614,7 @@
           <a:p>
             <a:fld id="{4D9800FF-A981-4B9F-BC27-EEE0445CCC0D}" type="datetimeFigureOut">
               <a:rPr lang="en-US" smtClean="0"/>
-              <a:t>8/30/2023</a:t>
+              <a:t>9/26/2023</a:t>
             </a:fld>
             <a:endParaRPr lang="en-US"/>
           </a:p>
@@ -2018,7 +2019,7 @@
           <a:p>
             <a:fld id="{4D9800FF-A981-4B9F-BC27-EEE0445CCC0D}" type="datetimeFigureOut">
               <a:rPr lang="en-US" smtClean="0"/>
-              <a:t>8/30/2023</a:t>
+              <a:t>9/26/2023</a:t>
             </a:fld>
             <a:endParaRPr lang="en-US"/>
           </a:p>
@@ -2586,7 +2587,7 @@
           <a:p>
             <a:fld id="{4D9800FF-A981-4B9F-BC27-EEE0445CCC0D}" type="datetimeFigureOut">
               <a:rPr lang="en-US" smtClean="0"/>
-              <a:t>8/30/2023</a:t>
+              <a:t>9/26/2023</a:t>
             </a:fld>
             <a:endParaRPr lang="en-US"/>
           </a:p>
@@ -3267,7 +3268,7 @@
           <a:p>
             <a:fld id="{4D9800FF-A981-4B9F-BC27-EEE0445CCC0D}" type="datetimeFigureOut">
               <a:rPr lang="en-US" smtClean="0"/>
-              <a:t>8/30/2023</a:t>
+              <a:t>9/26/2023</a:t>
             </a:fld>
             <a:endParaRPr lang="en-US"/>
           </a:p>
@@ -4180,7 +4181,7 @@
           <a:p>
             <a:fld id="{4D9800FF-A981-4B9F-BC27-EEE0445CCC0D}" type="datetimeFigureOut">
               <a:rPr lang="en-US" smtClean="0"/>
-              <a:t>8/30/2023</a:t>
+              <a:t>9/26/2023</a:t>
             </a:fld>
             <a:endParaRPr lang="en-US"/>
           </a:p>
@@ -4493,7 +4494,7 @@
           <a:p>
             <a:fld id="{4D9800FF-A981-4B9F-BC27-EEE0445CCC0D}" type="datetimeFigureOut">
               <a:rPr lang="en-US" smtClean="0"/>
-              <a:t>8/30/2023</a:t>
+              <a:t>9/26/2023</a:t>
             </a:fld>
             <a:endParaRPr lang="en-US"/>
           </a:p>
@@ -4757,7 +4758,7 @@
           <a:p>
             <a:fld id="{4D9800FF-A981-4B9F-BC27-EEE0445CCC0D}" type="datetimeFigureOut">
               <a:rPr lang="en-US" smtClean="0"/>
-              <a:t>8/30/2023</a:t>
+              <a:t>9/26/2023</a:t>
             </a:fld>
             <a:endParaRPr lang="en-US"/>
           </a:p>
@@ -5080,7 +5081,7 @@
           <a:p>
             <a:fld id="{4D9800FF-A981-4B9F-BC27-EEE0445CCC0D}" type="datetimeFigureOut">
               <a:rPr lang="en-US" smtClean="0"/>
-              <a:t>8/30/2023</a:t>
+              <a:t>9/26/2023</a:t>
             </a:fld>
             <a:endParaRPr lang="en-US"/>
           </a:p>
@@ -5469,7 +5470,7 @@
           <a:p>
             <a:fld id="{4D9800FF-A981-4B9F-BC27-EEE0445CCC0D}" type="datetimeFigureOut">
               <a:rPr lang="en-US" smtClean="0"/>
-              <a:t>8/30/2023</a:t>
+              <a:t>9/26/2023</a:t>
             </a:fld>
             <a:endParaRPr lang="en-US"/>
           </a:p>
@@ -5845,7 +5846,7 @@
           <a:p>
             <a:fld id="{4D9800FF-A981-4B9F-BC27-EEE0445CCC0D}" type="datetimeFigureOut">
               <a:rPr lang="en-US" smtClean="0"/>
-              <a:t>8/30/2023</a:t>
+              <a:t>9/26/2023</a:t>
             </a:fld>
             <a:endParaRPr lang="en-US"/>
           </a:p>
@@ -6351,7 +6352,7 @@
           <a:p>
             <a:fld id="{4D9800FF-A981-4B9F-BC27-EEE0445CCC0D}" type="datetimeFigureOut">
               <a:rPr lang="en-US" smtClean="0"/>
-              <a:t>8/30/2023</a:t>
+              <a:t>9/26/2023</a:t>
             </a:fld>
             <a:endParaRPr lang="en-US"/>
           </a:p>
@@ -6608,7 +6609,7 @@
           <a:p>
             <a:fld id="{4D9800FF-A981-4B9F-BC27-EEE0445CCC0D}" type="datetimeFigureOut">
               <a:rPr lang="en-US" smtClean="0"/>
-              <a:t>8/30/2023</a:t>
+              <a:t>9/26/2023</a:t>
             </a:fld>
             <a:endParaRPr lang="en-US"/>
           </a:p>
@@ -6771,7 +6772,7 @@
           <a:p>
             <a:fld id="{4D9800FF-A981-4B9F-BC27-EEE0445CCC0D}" type="datetimeFigureOut">
               <a:rPr lang="en-US" smtClean="0"/>
-              <a:t>8/30/2023</a:t>
+              <a:t>9/26/2023</a:t>
             </a:fld>
             <a:endParaRPr lang="en-US"/>
           </a:p>
@@ -7161,7 +7162,7 @@
           <a:p>
             <a:fld id="{4D9800FF-A981-4B9F-BC27-EEE0445CCC0D}" type="datetimeFigureOut">
               <a:rPr lang="en-US" smtClean="0"/>
-              <a:t>8/30/2023</a:t>
+              <a:t>9/26/2023</a:t>
             </a:fld>
             <a:endParaRPr lang="en-US"/>
           </a:p>
@@ -7570,7 +7571,7 @@
           <a:p>
             <a:fld id="{4D9800FF-A981-4B9F-BC27-EEE0445CCC0D}" type="datetimeFigureOut">
               <a:rPr lang="en-US" smtClean="0"/>
-              <a:t>8/30/2023</a:t>
+              <a:t>9/26/2023</a:t>
             </a:fld>
             <a:endParaRPr lang="en-US"/>
           </a:p>
@@ -7814,7 +7815,7 @@
           <a:p>
             <a:fld id="{4D9800FF-A981-4B9F-BC27-EEE0445CCC0D}" type="datetimeFigureOut">
               <a:rPr lang="en-US" smtClean="0"/>
-              <a:t>8/30/2023</a:t>
+              <a:t>9/26/2023</a:t>
             </a:fld>
             <a:endParaRPr lang="en-US"/>
           </a:p>
@@ -27328,12 +27329,12 @@
               <a:rPr lang="en-US" dirty="0"/>
             </a:br>
             <a:r>
-              <a:rPr lang="en-US" sz="3000" dirty="0">
+              <a:rPr lang="en-US" sz="2800" dirty="0">
                 <a:solidFill>
                   <a:srgbClr val="FF0000"/>
                 </a:solidFill>
               </a:rPr>
-              <a:t>Calculate the probability of a word</a:t>
+              <a:t>Calculate the probability of a word or sentence</a:t>
             </a:r>
           </a:p>
         </p:txBody>
@@ -27579,15 +27580,12 @@
             <a:pPr lvl="1"/>
             <a:r>
               <a:rPr lang="en-US" sz="2200" dirty="0"/>
-              <a:t>Russia</a:t>
+              <a:t>America </a:t>
             </a:r>
           </a:p>
           <a:p>
             <a:pPr lvl="1"/>
-            <a:r>
-              <a:rPr lang="en-US" sz="2200" dirty="0"/>
-              <a:t>America</a:t>
-            </a:r>
+            <a:endParaRPr lang="en-US" sz="2200" dirty="0"/>
           </a:p>
         </p:txBody>
       </p:sp>
@@ -27649,23 +27647,125 @@
           </a:p>
         </p:txBody>
       </p:sp>
+      <p:sp>
+        <p:nvSpPr>
+          <p:cNvPr id="5" name="Content Placeholder 2">
+            <a:extLst>
+              <a:ext uri="{FF2B5EF4-FFF2-40B4-BE49-F238E27FC236}">
+                <a16:creationId xmlns:a16="http://schemas.microsoft.com/office/drawing/2014/main" id="{84A66E4B-9D9C-EDB8-B251-D1CEDA171702}"/>
+              </a:ext>
+            </a:extLst>
+          </p:cNvPr>
+          <p:cNvSpPr>
+            <a:spLocks noGrp="1"/>
+          </p:cNvSpPr>
+          <p:nvPr>
+            <p:ph idx="1"/>
+          </p:nvPr>
+        </p:nvSpPr>
+        <p:spPr>
+          <a:xfrm>
+            <a:off x="405353" y="2865748"/>
+            <a:ext cx="5882325" cy="3070441"/>
+          </a:xfrm>
+        </p:spPr>
+        <p:txBody>
+          <a:bodyPr>
+            <a:normAutofit fontScale="92500" lnSpcReduction="10000"/>
+          </a:bodyPr>
+          <a:lstStyle/>
+          <a:p>
+            <a:pPr marL="0" indent="0">
+              <a:buNone/>
+            </a:pPr>
+            <a:r>
+              <a:rPr lang="en-US" sz="3000" dirty="0"/>
+              <a:t>Models that assign probabilities to sequences of words are called language models</a:t>
+            </a:r>
+          </a:p>
+          <a:p>
+            <a:pPr marL="0" indent="0" algn="just">
+              <a:buNone/>
+            </a:pPr>
+            <a:endParaRPr lang="en-US" sz="3000" dirty="0"/>
+          </a:p>
+          <a:p>
+            <a:pPr lvl="1" algn="just"/>
+            <a:r>
+              <a:rPr lang="en-US" sz="2600" dirty="0">
+                <a:solidFill>
+                  <a:srgbClr val="FFFF00"/>
+                </a:solidFill>
+              </a:rPr>
+              <a:t>vs </a:t>
+            </a:r>
+            <a:r>
+              <a:rPr lang="en-US" sz="2600" dirty="0" err="1">
+                <a:solidFill>
+                  <a:srgbClr val="FFFF00"/>
+                </a:solidFill>
+              </a:rPr>
+              <a:t>brazil</a:t>
+            </a:r>
+            <a:r>
+              <a:rPr lang="en-US" sz="2600" dirty="0">
+                <a:solidFill>
+                  <a:srgbClr val="FFFF00"/>
+                </a:solidFill>
+              </a:rPr>
+              <a:t> = 0.5</a:t>
+            </a:r>
+          </a:p>
+          <a:p>
+            <a:pPr lvl="1" algn="just"/>
+            <a:r>
+              <a:rPr lang="en-US" sz="2600" dirty="0">
+                <a:solidFill>
+                  <a:srgbClr val="FFFF00"/>
+                </a:solidFill>
+              </a:rPr>
+              <a:t>next match = 0.2</a:t>
+            </a:r>
+          </a:p>
+          <a:p>
+            <a:pPr lvl="1" algn="just"/>
+            <a:r>
+              <a:rPr lang="en-US" sz="2600" dirty="0">
+                <a:solidFill>
+                  <a:srgbClr val="FFFF00"/>
+                </a:solidFill>
+              </a:rPr>
+              <a:t>match = 0.1</a:t>
+            </a:r>
+          </a:p>
+          <a:p>
+            <a:pPr lvl="1" algn="just"/>
+            <a:r>
+              <a:rPr lang="en-US" sz="2600" dirty="0">
+                <a:solidFill>
+                  <a:srgbClr val="FFFF00"/>
+                </a:solidFill>
+              </a:rPr>
+              <a:t>others = 0.2</a:t>
+            </a:r>
+          </a:p>
+        </p:txBody>
+      </p:sp>
       <p:pic>
         <p:nvPicPr>
-          <p:cNvPr id="7" name="Content Placeholder 6">
+          <p:cNvPr id="8" name="Picture 7">
             <a:extLst>
               <a:ext uri="{FF2B5EF4-FFF2-40B4-BE49-F238E27FC236}">
-                <a16:creationId xmlns:a16="http://schemas.microsoft.com/office/drawing/2014/main" id="{E03D6BF8-0218-FB04-9C2F-033461A54A87}"/>
+                <a16:creationId xmlns:a16="http://schemas.microsoft.com/office/drawing/2014/main" id="{4052A95C-495A-0BA5-476E-7794204EA8A4}"/>
               </a:ext>
             </a:extLst>
           </p:cNvPr>
           <p:cNvPicPr>
-            <a:picLocks noGrp="1" noChangeAspect="1"/>
+            <a:picLocks noChangeAspect="1"/>
           </p:cNvPicPr>
-          <p:nvPr>
-            <p:ph idx="1"/>
-          </p:nvPr>
+          <p:nvPr/>
         </p:nvPicPr>
-        <p:blipFill rotWithShape="1">
+        <p:blipFill>
           <a:blip r:embed="rId2">
             <a:extLst>
               <a:ext uri="{28A0092B-C50C-407E-A947-70E740481C1C}">
@@ -27673,55 +27773,19 @@
               </a:ext>
             </a:extLst>
           </a:blip>
-          <a:srcRect l="8389" t="10799" r="8562"/>
+          <a:srcRect/>
           <a:stretch/>
         </p:blipFill>
         <p:spPr>
           <a:xfrm>
-            <a:off x="6485641" y="2158737"/>
-            <a:ext cx="4572000" cy="4378707"/>
-          </a:xfrm>
-        </p:spPr>
-      </p:pic>
-      <p:sp>
-        <p:nvSpPr>
-          <p:cNvPr id="9" name="TextBox 8">
-            <a:extLst>
-              <a:ext uri="{FF2B5EF4-FFF2-40B4-BE49-F238E27FC236}">
-                <a16:creationId xmlns:a16="http://schemas.microsoft.com/office/drawing/2014/main" id="{EA59BFEE-3193-D3CB-0F5D-56CE34D52586}"/>
-              </a:ext>
-            </a:extLst>
-          </p:cNvPr>
-          <p:cNvSpPr txBox="1"/>
-          <p:nvPr/>
-        </p:nvSpPr>
-        <p:spPr>
-          <a:xfrm>
-            <a:off x="1453318" y="3824870"/>
-            <a:ext cx="3891679" cy="523220"/>
+            <a:off x="6645897" y="2205873"/>
+            <a:ext cx="5229745" cy="4425880"/>
           </a:xfrm>
           <a:prstGeom prst="rect">
             <a:avLst/>
           </a:prstGeom>
-          <a:noFill/>
         </p:spPr>
-        <p:txBody>
-          <a:bodyPr wrap="square">
-            <a:spAutoFit/>
-          </a:bodyPr>
-          <a:lstStyle/>
-          <a:p>
-            <a:r>
-              <a:rPr lang="en-US" sz="2800" dirty="0">
-                <a:solidFill>
-                  <a:srgbClr val="FFFF00"/>
-                </a:solidFill>
-              </a:rPr>
-              <a:t>Next Word Prediction</a:t>
-            </a:r>
-          </a:p>
-        </p:txBody>
-      </p:sp>
+      </p:pic>
     </p:spTree>
     <p:extLst>
       <p:ext uri="{BB962C8B-B14F-4D97-AF65-F5344CB8AC3E}">
@@ -27775,7 +27839,7 @@
           <a:p>
             <a:r>
               <a:rPr lang="en-US" dirty="0"/>
-              <a:t>Language Model in NLP</a:t>
+              <a:t>Language Model Applications</a:t>
             </a:r>
           </a:p>
         </p:txBody>
@@ -27796,7 +27860,12 @@
             <p:ph idx="1"/>
           </p:nvPr>
         </p:nvSpPr>
-        <p:spPr/>
+        <p:spPr>
+          <a:xfrm>
+            <a:off x="680321" y="2591397"/>
+            <a:ext cx="9613861" cy="3599316"/>
+          </a:xfrm>
+        </p:spPr>
         <p:txBody>
           <a:bodyPr>
             <a:normAutofit/>
@@ -27804,60 +27873,156 @@
           <a:lstStyle/>
           <a:p>
             <a:r>
-              <a:rPr lang="en-US" sz="3000" dirty="0"/>
-              <a:t>Normalization is the process converting into a standard form. </a:t>
-            </a:r>
-          </a:p>
-          <a:p>
-            <a:r>
-              <a:rPr lang="en-US" sz="3000" dirty="0"/>
-              <a:t> Why required text normalization?</a:t>
-            </a:r>
-          </a:p>
-          <a:p>
-            <a:pPr lvl="1"/>
-            <a:r>
               <a:rPr lang="en-US" sz="2600" dirty="0"/>
-              <a:t>Word boundary detection. </a:t>
-            </a:r>
-          </a:p>
-          <a:p>
-            <a:pPr lvl="1"/>
+              <a:t>Spell checking</a:t>
+            </a:r>
+          </a:p>
+          <a:p>
             <a:r>
               <a:rPr lang="en-US" sz="2600" dirty="0"/>
-              <a:t>Separated word from each other</a:t>
-            </a:r>
-          </a:p>
-          <a:p>
-            <a:pPr lvl="1"/>
+              <a:t>Grammer checking</a:t>
+            </a:r>
+          </a:p>
+          <a:p>
             <a:r>
               <a:rPr lang="en-US" sz="2600" dirty="0"/>
-              <a:t>Example 1: Bangladesh, New York, Cats and dogs</a:t>
-            </a:r>
-          </a:p>
-          <a:p>
-            <a:pPr lvl="1"/>
+              <a:t>Machine translation</a:t>
+            </a:r>
+          </a:p>
+          <a:p>
             <a:r>
               <a:rPr lang="en-US" sz="2600" dirty="0"/>
-              <a:t>Example 2: #nlp, @faisalahmed, </a:t>
-            </a:r>
-            <a:r>
-              <a:rPr lang="en-US" sz="2600" dirty="0">
-                <a:sym typeface="Wingdings" panose="05000000000000000000" pitchFamily="2" charset="2"/>
-              </a:rPr>
-              <a:t>, , :)</a:t>
-            </a:r>
+              <a:t>Summarization</a:t>
+            </a:r>
+          </a:p>
+          <a:p>
             <a:r>
               <a:rPr lang="en-US" sz="2600" dirty="0"/>
-              <a:t> </a:t>
-            </a:r>
+              <a:t>Question answering</a:t>
+            </a:r>
+          </a:p>
+          <a:p>
+            <a:r>
+              <a:rPr lang="en-US" sz="2600" dirty="0"/>
+              <a:t>Speech recognition</a:t>
+            </a:r>
+          </a:p>
+          <a:p>
+            <a:pPr marL="0" indent="0">
+              <a:buNone/>
+            </a:pPr>
+            <a:endParaRPr lang="en-US" sz="2200" dirty="0"/>
           </a:p>
         </p:txBody>
       </p:sp>
     </p:spTree>
     <p:extLst>
       <p:ext uri="{BB962C8B-B14F-4D97-AF65-F5344CB8AC3E}">
-        <p14:creationId xmlns:p14="http://schemas.microsoft.com/office/powerpoint/2010/main" val="2306804656"/>
+        <p14:creationId xmlns:p14="http://schemas.microsoft.com/office/powerpoint/2010/main" val="770901314"/>
+      </p:ext>
+    </p:extLst>
+  </p:cSld>
+  <p:clrMapOvr>
+    <a:masterClrMapping/>
+  </p:clrMapOvr>
+</p:sld>
+</file>
+
+<file path=ppt/slides/slide43.xml><?xml version="1.0" encoding="utf-8"?>
+<p:sld xmlns:a="http://schemas.openxmlformats.org/drawingml/2006/main" xmlns:r="http://schemas.openxmlformats.org/officeDocument/2006/relationships" xmlns:p="http://schemas.openxmlformats.org/presentationml/2006/main">
+  <p:cSld>
+    <p:spTree>
+      <p:nvGrpSpPr>
+        <p:cNvPr id="1" name=""/>
+        <p:cNvGrpSpPr/>
+        <p:nvPr/>
+      </p:nvGrpSpPr>
+      <p:grpSpPr>
+        <a:xfrm>
+          <a:off x="0" y="0"/>
+          <a:ext cx="0" cy="0"/>
+          <a:chOff x="0" y="0"/>
+          <a:chExt cx="0" cy="0"/>
+        </a:xfrm>
+      </p:grpSpPr>
+      <p:sp>
+        <p:nvSpPr>
+          <p:cNvPr id="2" name="Title 1">
+            <a:extLst>
+              <a:ext uri="{FF2B5EF4-FFF2-40B4-BE49-F238E27FC236}">
+                <a16:creationId xmlns:a16="http://schemas.microsoft.com/office/drawing/2014/main" id="{694A32B5-CC15-4BE0-91F6-9DFAB105B8C6}"/>
+              </a:ext>
+            </a:extLst>
+          </p:cNvPr>
+          <p:cNvSpPr>
+            <a:spLocks noGrp="1"/>
+          </p:cNvSpPr>
+          <p:nvPr>
+            <p:ph type="ctrTitle"/>
+          </p:nvPr>
+        </p:nvSpPr>
+        <p:spPr/>
+        <p:txBody>
+          <a:bodyPr/>
+          <a:lstStyle/>
+          <a:p>
+            <a:r>
+              <a:rPr lang="en-US" sz="4400" dirty="0"/>
+              <a:t>Probabilistic Language Models</a:t>
+            </a:r>
+            <a:br>
+              <a:rPr lang="en-US" dirty="0"/>
+            </a:br>
+            <a:r>
+              <a:rPr lang="en-US" sz="2800" dirty="0">
+                <a:solidFill>
+                  <a:srgbClr val="FF0000"/>
+                </a:solidFill>
+              </a:rPr>
+              <a:t>Calculate the probability of a word or sentence</a:t>
+            </a:r>
+          </a:p>
+        </p:txBody>
+      </p:sp>
+      <p:sp>
+        <p:nvSpPr>
+          <p:cNvPr id="3" name="Subtitle 2">
+            <a:extLst>
+              <a:ext uri="{FF2B5EF4-FFF2-40B4-BE49-F238E27FC236}">
+                <a16:creationId xmlns:a16="http://schemas.microsoft.com/office/drawing/2014/main" id="{7F593B77-EFC8-4C4D-ADC1-3DC88C25A989}"/>
+              </a:ext>
+            </a:extLst>
+          </p:cNvPr>
+          <p:cNvSpPr>
+            <a:spLocks noGrp="1"/>
+          </p:cNvSpPr>
+          <p:nvPr>
+            <p:ph type="subTitle" idx="1"/>
+          </p:nvPr>
+        </p:nvSpPr>
+        <p:spPr>
+          <a:xfrm>
+            <a:off x="1062877" y="4422031"/>
+            <a:ext cx="8144134" cy="1117687"/>
+          </a:xfrm>
+        </p:spPr>
+        <p:txBody>
+          <a:bodyPr>
+            <a:normAutofit/>
+          </a:bodyPr>
+          <a:lstStyle/>
+          <a:p>
+            <a:r>
+              <a:rPr lang="en-US" sz="2600" dirty="0"/>
+              <a:t>Natural Language Processing </a:t>
+            </a:r>
+          </a:p>
+        </p:txBody>
+      </p:sp>
+    </p:spTree>
+    <p:extLst>
+      <p:ext uri="{BB962C8B-B14F-4D97-AF65-F5344CB8AC3E}">
+        <p14:creationId xmlns:p14="http://schemas.microsoft.com/office/powerpoint/2010/main" val="1374282720"/>
       </p:ext>
     </p:extLst>
   </p:cSld>

--- a/docs/NLP_bangla_tutorial.pptx
+++ b/docs/NLP_bangla_tutorial.pptx
@@ -5,7 +5,7 @@
     <p:sldMasterId id="2147483714" r:id="rId1"/>
   </p:sldMasterIdLst>
   <p:notesMasterIdLst>
-    <p:notesMasterId r:id="rId45"/>
+    <p:notesMasterId r:id="rId60"/>
   </p:notesMasterIdLst>
   <p:sldIdLst>
     <p:sldId id="256" r:id="rId2"/>
@@ -51,6 +51,21 @@
     <p:sldId id="299" r:id="rId42"/>
     <p:sldId id="300" r:id="rId43"/>
     <p:sldId id="301" r:id="rId44"/>
+    <p:sldId id="302" r:id="rId45"/>
+    <p:sldId id="303" r:id="rId46"/>
+    <p:sldId id="304" r:id="rId47"/>
+    <p:sldId id="305" r:id="rId48"/>
+    <p:sldId id="306" r:id="rId49"/>
+    <p:sldId id="307" r:id="rId50"/>
+    <p:sldId id="309" r:id="rId51"/>
+    <p:sldId id="310" r:id="rId52"/>
+    <p:sldId id="311" r:id="rId53"/>
+    <p:sldId id="312" r:id="rId54"/>
+    <p:sldId id="313" r:id="rId55"/>
+    <p:sldId id="314" r:id="rId56"/>
+    <p:sldId id="315" r:id="rId57"/>
+    <p:sldId id="316" r:id="rId58"/>
+    <p:sldId id="317" r:id="rId59"/>
   </p:sldIdLst>
   <p:sldSz cx="12192000" cy="6858000"/>
   <p:notesSz cx="6858000" cy="9144000"/>
@@ -239,7 +254,7 @@
           <a:p>
             <a:fld id="{96AD9802-0A85-4765-BF39-BA9BC36B4F1A}" type="datetimeFigureOut">
               <a:rPr lang="en-US" smtClean="0"/>
-              <a:t>9/26/2023</a:t>
+              <a:t>12/14/2023</a:t>
             </a:fld>
             <a:endParaRPr lang="en-US"/>
           </a:p>
@@ -864,7 +879,7 @@
           <a:p>
             <a:fld id="{4D9800FF-A981-4B9F-BC27-EEE0445CCC0D}" type="datetimeFigureOut">
               <a:rPr lang="en-US" smtClean="0"/>
-              <a:t>9/26/2023</a:t>
+              <a:t>12/14/2023</a:t>
             </a:fld>
             <a:endParaRPr lang="en-US"/>
           </a:p>
@@ -1278,7 +1293,7 @@
           <a:p>
             <a:fld id="{4D9800FF-A981-4B9F-BC27-EEE0445CCC0D}" type="datetimeFigureOut">
               <a:rPr lang="en-US" smtClean="0"/>
-              <a:t>9/26/2023</a:t>
+              <a:t>12/14/2023</a:t>
             </a:fld>
             <a:endParaRPr lang="en-US"/>
           </a:p>
@@ -1614,7 +1629,7 @@
           <a:p>
             <a:fld id="{4D9800FF-A981-4B9F-BC27-EEE0445CCC0D}" type="datetimeFigureOut">
               <a:rPr lang="en-US" smtClean="0"/>
-              <a:t>9/26/2023</a:t>
+              <a:t>12/14/2023</a:t>
             </a:fld>
             <a:endParaRPr lang="en-US"/>
           </a:p>
@@ -2019,7 +2034,7 @@
           <a:p>
             <a:fld id="{4D9800FF-A981-4B9F-BC27-EEE0445CCC0D}" type="datetimeFigureOut">
               <a:rPr lang="en-US" smtClean="0"/>
-              <a:t>9/26/2023</a:t>
+              <a:t>12/14/2023</a:t>
             </a:fld>
             <a:endParaRPr lang="en-US"/>
           </a:p>
@@ -2587,7 +2602,7 @@
           <a:p>
             <a:fld id="{4D9800FF-A981-4B9F-BC27-EEE0445CCC0D}" type="datetimeFigureOut">
               <a:rPr lang="en-US" smtClean="0"/>
-              <a:t>9/26/2023</a:t>
+              <a:t>12/14/2023</a:t>
             </a:fld>
             <a:endParaRPr lang="en-US"/>
           </a:p>
@@ -3268,7 +3283,7 @@
           <a:p>
             <a:fld id="{4D9800FF-A981-4B9F-BC27-EEE0445CCC0D}" type="datetimeFigureOut">
               <a:rPr lang="en-US" smtClean="0"/>
-              <a:t>9/26/2023</a:t>
+              <a:t>12/14/2023</a:t>
             </a:fld>
             <a:endParaRPr lang="en-US"/>
           </a:p>
@@ -4181,7 +4196,7 @@
           <a:p>
             <a:fld id="{4D9800FF-A981-4B9F-BC27-EEE0445CCC0D}" type="datetimeFigureOut">
               <a:rPr lang="en-US" smtClean="0"/>
-              <a:t>9/26/2023</a:t>
+              <a:t>12/14/2023</a:t>
             </a:fld>
             <a:endParaRPr lang="en-US"/>
           </a:p>
@@ -4494,7 +4509,7 @@
           <a:p>
             <a:fld id="{4D9800FF-A981-4B9F-BC27-EEE0445CCC0D}" type="datetimeFigureOut">
               <a:rPr lang="en-US" smtClean="0"/>
-              <a:t>9/26/2023</a:t>
+              <a:t>12/14/2023</a:t>
             </a:fld>
             <a:endParaRPr lang="en-US"/>
           </a:p>
@@ -4758,7 +4773,7 @@
           <a:p>
             <a:fld id="{4D9800FF-A981-4B9F-BC27-EEE0445CCC0D}" type="datetimeFigureOut">
               <a:rPr lang="en-US" smtClean="0"/>
-              <a:t>9/26/2023</a:t>
+              <a:t>12/14/2023</a:t>
             </a:fld>
             <a:endParaRPr lang="en-US"/>
           </a:p>
@@ -5081,7 +5096,7 @@
           <a:p>
             <a:fld id="{4D9800FF-A981-4B9F-BC27-EEE0445CCC0D}" type="datetimeFigureOut">
               <a:rPr lang="en-US" smtClean="0"/>
-              <a:t>9/26/2023</a:t>
+              <a:t>12/14/2023</a:t>
             </a:fld>
             <a:endParaRPr lang="en-US"/>
           </a:p>
@@ -5470,7 +5485,7 @@
           <a:p>
             <a:fld id="{4D9800FF-A981-4B9F-BC27-EEE0445CCC0D}" type="datetimeFigureOut">
               <a:rPr lang="en-US" smtClean="0"/>
-              <a:t>9/26/2023</a:t>
+              <a:t>12/14/2023</a:t>
             </a:fld>
             <a:endParaRPr lang="en-US"/>
           </a:p>
@@ -5846,7 +5861,7 @@
           <a:p>
             <a:fld id="{4D9800FF-A981-4B9F-BC27-EEE0445CCC0D}" type="datetimeFigureOut">
               <a:rPr lang="en-US" smtClean="0"/>
-              <a:t>9/26/2023</a:t>
+              <a:t>12/14/2023</a:t>
             </a:fld>
             <a:endParaRPr lang="en-US"/>
           </a:p>
@@ -6352,7 +6367,7 @@
           <a:p>
             <a:fld id="{4D9800FF-A981-4B9F-BC27-EEE0445CCC0D}" type="datetimeFigureOut">
               <a:rPr lang="en-US" smtClean="0"/>
-              <a:t>9/26/2023</a:t>
+              <a:t>12/14/2023</a:t>
             </a:fld>
             <a:endParaRPr lang="en-US"/>
           </a:p>
@@ -6609,7 +6624,7 @@
           <a:p>
             <a:fld id="{4D9800FF-A981-4B9F-BC27-EEE0445CCC0D}" type="datetimeFigureOut">
               <a:rPr lang="en-US" smtClean="0"/>
-              <a:t>9/26/2023</a:t>
+              <a:t>12/14/2023</a:t>
             </a:fld>
             <a:endParaRPr lang="en-US"/>
           </a:p>
@@ -6772,7 +6787,7 @@
           <a:p>
             <a:fld id="{4D9800FF-A981-4B9F-BC27-EEE0445CCC0D}" type="datetimeFigureOut">
               <a:rPr lang="en-US" smtClean="0"/>
-              <a:t>9/26/2023</a:t>
+              <a:t>12/14/2023</a:t>
             </a:fld>
             <a:endParaRPr lang="en-US"/>
           </a:p>
@@ -7162,7 +7177,7 @@
           <a:p>
             <a:fld id="{4D9800FF-A981-4B9F-BC27-EEE0445CCC0D}" type="datetimeFigureOut">
               <a:rPr lang="en-US" smtClean="0"/>
-              <a:t>9/26/2023</a:t>
+              <a:t>12/14/2023</a:t>
             </a:fld>
             <a:endParaRPr lang="en-US"/>
           </a:p>
@@ -7571,7 +7586,7 @@
           <a:p>
             <a:fld id="{4D9800FF-A981-4B9F-BC27-EEE0445CCC0D}" type="datetimeFigureOut">
               <a:rPr lang="en-US" smtClean="0"/>
-              <a:t>9/26/2023</a:t>
+              <a:t>12/14/2023</a:t>
             </a:fld>
             <a:endParaRPr lang="en-US"/>
           </a:p>
@@ -7815,7 +7830,7 @@
           <a:p>
             <a:fld id="{4D9800FF-A981-4B9F-BC27-EEE0445CCC0D}" type="datetimeFigureOut">
               <a:rPr lang="en-US" smtClean="0"/>
-              <a:t>9/26/2023</a:t>
+              <a:t>12/14/2023</a:t>
             </a:fld>
             <a:endParaRPr lang="en-US"/>
           </a:p>
@@ -28032,6 +28047,1989 @@
 </p:sld>
 </file>
 
+<file path=ppt/slides/slide44.xml><?xml version="1.0" encoding="utf-8"?>
+<p:sld xmlns:a="http://schemas.openxmlformats.org/drawingml/2006/main" xmlns:r="http://schemas.openxmlformats.org/officeDocument/2006/relationships" xmlns:p="http://schemas.openxmlformats.org/presentationml/2006/main">
+  <p:cSld>
+    <p:spTree>
+      <p:nvGrpSpPr>
+        <p:cNvPr id="1" name=""/>
+        <p:cNvGrpSpPr/>
+        <p:nvPr/>
+      </p:nvGrpSpPr>
+      <p:grpSpPr>
+        <a:xfrm>
+          <a:off x="0" y="0"/>
+          <a:ext cx="0" cy="0"/>
+          <a:chOff x="0" y="0"/>
+          <a:chExt cx="0" cy="0"/>
+        </a:xfrm>
+      </p:grpSpPr>
+      <p:sp>
+        <p:nvSpPr>
+          <p:cNvPr id="2" name="Title 1">
+            <a:extLst>
+              <a:ext uri="{FF2B5EF4-FFF2-40B4-BE49-F238E27FC236}">
+                <a16:creationId xmlns:a16="http://schemas.microsoft.com/office/drawing/2014/main" id="{99F9262E-2D15-41F1-BEC3-1BDD29661926}"/>
+              </a:ext>
+            </a:extLst>
+          </p:cNvPr>
+          <p:cNvSpPr>
+            <a:spLocks noGrp="1"/>
+          </p:cNvSpPr>
+          <p:nvPr>
+            <p:ph type="title"/>
+          </p:nvPr>
+        </p:nvSpPr>
+        <p:spPr/>
+        <p:txBody>
+          <a:bodyPr/>
+          <a:lstStyle/>
+          <a:p>
+            <a:r>
+              <a:rPr lang="en-US" dirty="0"/>
+              <a:t>Probability of sentence</a:t>
+            </a:r>
+          </a:p>
+        </p:txBody>
+      </p:sp>
+      <p:sp>
+        <p:nvSpPr>
+          <p:cNvPr id="3" name="Content Placeholder 2">
+            <a:extLst>
+              <a:ext uri="{FF2B5EF4-FFF2-40B4-BE49-F238E27FC236}">
+                <a16:creationId xmlns:a16="http://schemas.microsoft.com/office/drawing/2014/main" id="{BA49079E-10A4-4BC6-9C8D-F47283E67832}"/>
+              </a:ext>
+            </a:extLst>
+          </p:cNvPr>
+          <p:cNvSpPr>
+            <a:spLocks noGrp="1"/>
+          </p:cNvSpPr>
+          <p:nvPr>
+            <p:ph idx="1"/>
+          </p:nvPr>
+        </p:nvSpPr>
+        <p:spPr>
+          <a:xfrm>
+            <a:off x="680321" y="2591397"/>
+            <a:ext cx="9613861" cy="1274925"/>
+          </a:xfrm>
+        </p:spPr>
+        <p:txBody>
+          <a:bodyPr>
+            <a:normAutofit/>
+          </a:bodyPr>
+          <a:lstStyle/>
+          <a:p>
+            <a:r>
+              <a:rPr lang="en-US" sz="2600" dirty="0"/>
+              <a:t>Grammer correction</a:t>
+            </a:r>
+          </a:p>
+          <a:p>
+            <a:pPr lvl="1"/>
+            <a:r>
+              <a:rPr lang="en-US" sz="2200" dirty="0"/>
+              <a:t>I </a:t>
+            </a:r>
+            <a:r>
+              <a:rPr lang="en-US" sz="2200" dirty="0">
+                <a:solidFill>
+                  <a:srgbClr val="FFFF00"/>
+                </a:solidFill>
+              </a:rPr>
+              <a:t>go</a:t>
+            </a:r>
+            <a:r>
+              <a:rPr lang="en-US" sz="2200" dirty="0"/>
+              <a:t> to school</a:t>
+            </a:r>
+          </a:p>
+          <a:p>
+            <a:pPr lvl="1"/>
+            <a:r>
+              <a:rPr lang="en-US" sz="2200" dirty="0"/>
+              <a:t>I </a:t>
+            </a:r>
+            <a:r>
+              <a:rPr lang="en-US" sz="2200" dirty="0">
+                <a:solidFill>
+                  <a:srgbClr val="FFFF00"/>
+                </a:solidFill>
+              </a:rPr>
+              <a:t>goes</a:t>
+            </a:r>
+            <a:r>
+              <a:rPr lang="en-US" sz="2200" dirty="0"/>
+              <a:t> to school</a:t>
+            </a:r>
+          </a:p>
+          <a:p>
+            <a:pPr marL="457200" lvl="1" indent="0">
+              <a:buNone/>
+            </a:pPr>
+            <a:endParaRPr lang="en-US" sz="2400" dirty="0"/>
+          </a:p>
+          <a:p>
+            <a:pPr marL="457200" lvl="1" indent="0">
+              <a:buNone/>
+            </a:pPr>
+            <a:endParaRPr lang="en-US" sz="2200" dirty="0"/>
+          </a:p>
+          <a:p>
+            <a:pPr marL="457200" lvl="1" indent="0">
+              <a:buNone/>
+            </a:pPr>
+            <a:endParaRPr lang="en-US" sz="2200" dirty="0"/>
+          </a:p>
+        </p:txBody>
+      </p:sp>
+      <p:sp>
+        <p:nvSpPr>
+          <p:cNvPr id="4" name="TextBox 3">
+            <a:extLst>
+              <a:ext uri="{FF2B5EF4-FFF2-40B4-BE49-F238E27FC236}">
+                <a16:creationId xmlns:a16="http://schemas.microsoft.com/office/drawing/2014/main" id="{33B52DBD-86E5-A2A1-F470-992E7138D012}"/>
+              </a:ext>
+            </a:extLst>
+          </p:cNvPr>
+          <p:cNvSpPr txBox="1"/>
+          <p:nvPr/>
+        </p:nvSpPr>
+        <p:spPr>
+          <a:xfrm>
+            <a:off x="680320" y="5001611"/>
+            <a:ext cx="8185383" cy="523220"/>
+          </a:xfrm>
+          <a:prstGeom prst="rect">
+            <a:avLst/>
+          </a:prstGeom>
+          <a:noFill/>
+        </p:spPr>
+        <p:txBody>
+          <a:bodyPr wrap="square" rtlCol="0">
+            <a:spAutoFit/>
+          </a:bodyPr>
+          <a:lstStyle/>
+          <a:p>
+            <a:r>
+              <a:rPr lang="en-US" sz="2800" dirty="0"/>
+              <a:t>Probability score: I </a:t>
+            </a:r>
+            <a:r>
+              <a:rPr lang="en-US" sz="2800" dirty="0">
+                <a:solidFill>
+                  <a:srgbClr val="FFFF00"/>
+                </a:solidFill>
+              </a:rPr>
+              <a:t>go</a:t>
+            </a:r>
+            <a:r>
+              <a:rPr lang="en-US" sz="2800" dirty="0"/>
+              <a:t> to school &gt; I </a:t>
+            </a:r>
+            <a:r>
+              <a:rPr lang="en-US" sz="2800" dirty="0">
+                <a:solidFill>
+                  <a:srgbClr val="FFFF00"/>
+                </a:solidFill>
+              </a:rPr>
+              <a:t>goes</a:t>
+            </a:r>
+            <a:r>
+              <a:rPr lang="en-US" sz="2800" dirty="0"/>
+              <a:t> to school</a:t>
+            </a:r>
+          </a:p>
+        </p:txBody>
+      </p:sp>
+      <p:sp>
+        <p:nvSpPr>
+          <p:cNvPr id="5" name="TextBox 4">
+            <a:extLst>
+              <a:ext uri="{FF2B5EF4-FFF2-40B4-BE49-F238E27FC236}">
+                <a16:creationId xmlns:a16="http://schemas.microsoft.com/office/drawing/2014/main" id="{5DF99021-06D2-71EE-F5FC-A0D8A75EA21B}"/>
+              </a:ext>
+            </a:extLst>
+          </p:cNvPr>
+          <p:cNvSpPr txBox="1"/>
+          <p:nvPr/>
+        </p:nvSpPr>
+        <p:spPr>
+          <a:xfrm>
+            <a:off x="680320" y="5735440"/>
+            <a:ext cx="7145416" cy="461665"/>
+          </a:xfrm>
+          <a:prstGeom prst="rect">
+            <a:avLst/>
+          </a:prstGeom>
+          <a:noFill/>
+        </p:spPr>
+        <p:txBody>
+          <a:bodyPr wrap="square" rtlCol="0">
+            <a:spAutoFit/>
+          </a:bodyPr>
+          <a:lstStyle/>
+          <a:p>
+            <a:r>
+              <a:rPr lang="en-US" sz="2400" dirty="0"/>
+              <a:t>Correct: I </a:t>
+            </a:r>
+            <a:r>
+              <a:rPr lang="en-US" sz="2400" dirty="0">
+                <a:solidFill>
+                  <a:srgbClr val="00B050"/>
+                </a:solidFill>
+              </a:rPr>
+              <a:t>go</a:t>
+            </a:r>
+            <a:r>
+              <a:rPr lang="en-US" sz="2400" dirty="0"/>
+              <a:t> to school, Wrong: I </a:t>
+            </a:r>
+            <a:r>
+              <a:rPr lang="en-US" sz="2400" dirty="0">
+                <a:solidFill>
+                  <a:srgbClr val="C00000"/>
+                </a:solidFill>
+              </a:rPr>
+              <a:t>goes</a:t>
+            </a:r>
+            <a:r>
+              <a:rPr lang="en-US" sz="2400" dirty="0"/>
+              <a:t> to school</a:t>
+            </a:r>
+          </a:p>
+        </p:txBody>
+      </p:sp>
+    </p:spTree>
+    <p:extLst>
+      <p:ext uri="{BB962C8B-B14F-4D97-AF65-F5344CB8AC3E}">
+        <p14:creationId xmlns:p14="http://schemas.microsoft.com/office/powerpoint/2010/main" val="1249196256"/>
+      </p:ext>
+    </p:extLst>
+  </p:cSld>
+  <p:clrMapOvr>
+    <a:masterClrMapping/>
+  </p:clrMapOvr>
+  <p:timing>
+    <p:tnLst>
+      <p:par>
+        <p:cTn id="1" dur="indefinite" restart="never" nodeType="tmRoot">
+          <p:childTnLst>
+            <p:seq concurrent="1" nextAc="seek">
+              <p:cTn id="2" dur="indefinite" nodeType="mainSeq">
+                <p:childTnLst>
+                  <p:par>
+                    <p:cTn id="3" fill="hold">
+                      <p:stCondLst>
+                        <p:cond delay="indefinite"/>
+                      </p:stCondLst>
+                      <p:childTnLst>
+                        <p:par>
+                          <p:cTn id="4" fill="hold">
+                            <p:stCondLst>
+                              <p:cond delay="0"/>
+                            </p:stCondLst>
+                            <p:childTnLst>
+                              <p:par>
+                                <p:cTn id="5" presetID="1" presetClass="entr" presetSubtype="0" fill="hold" nodeType="clickEffect">
+                                  <p:stCondLst>
+                                    <p:cond delay="0"/>
+                                  </p:stCondLst>
+                                  <p:childTnLst>
+                                    <p:set>
+                                      <p:cBhvr>
+                                        <p:cTn id="6" dur="1" fill="hold">
+                                          <p:stCondLst>
+                                            <p:cond delay="0"/>
+                                          </p:stCondLst>
+                                        </p:cTn>
+                                        <p:tgtEl>
+                                          <p:spTgt spid="3">
+                                            <p:txEl>
+                                              <p:pRg st="0" end="0"/>
+                                            </p:txEl>
+                                          </p:spTgt>
+                                        </p:tgtEl>
+                                        <p:attrNameLst>
+                                          <p:attrName>style.visibility</p:attrName>
+                                        </p:attrNameLst>
+                                      </p:cBhvr>
+                                      <p:to>
+                                        <p:strVal val="visible"/>
+                                      </p:to>
+                                    </p:set>
+                                  </p:childTnLst>
+                                </p:cTn>
+                              </p:par>
+                              <p:par>
+                                <p:cTn id="7" presetID="1" presetClass="entr" presetSubtype="0" fill="hold" nodeType="withEffect">
+                                  <p:stCondLst>
+                                    <p:cond delay="0"/>
+                                  </p:stCondLst>
+                                  <p:childTnLst>
+                                    <p:set>
+                                      <p:cBhvr>
+                                        <p:cTn id="8" dur="1" fill="hold">
+                                          <p:stCondLst>
+                                            <p:cond delay="0"/>
+                                          </p:stCondLst>
+                                        </p:cTn>
+                                        <p:tgtEl>
+                                          <p:spTgt spid="3">
+                                            <p:txEl>
+                                              <p:pRg st="1" end="1"/>
+                                            </p:txEl>
+                                          </p:spTgt>
+                                        </p:tgtEl>
+                                        <p:attrNameLst>
+                                          <p:attrName>style.visibility</p:attrName>
+                                        </p:attrNameLst>
+                                      </p:cBhvr>
+                                      <p:to>
+                                        <p:strVal val="visible"/>
+                                      </p:to>
+                                    </p:set>
+                                  </p:childTnLst>
+                                </p:cTn>
+                              </p:par>
+                              <p:par>
+                                <p:cTn id="9" presetID="1" presetClass="entr" presetSubtype="0" fill="hold" nodeType="withEffect">
+                                  <p:stCondLst>
+                                    <p:cond delay="0"/>
+                                  </p:stCondLst>
+                                  <p:childTnLst>
+                                    <p:set>
+                                      <p:cBhvr>
+                                        <p:cTn id="10" dur="1" fill="hold">
+                                          <p:stCondLst>
+                                            <p:cond delay="0"/>
+                                          </p:stCondLst>
+                                        </p:cTn>
+                                        <p:tgtEl>
+                                          <p:spTgt spid="3">
+                                            <p:txEl>
+                                              <p:pRg st="2" end="2"/>
+                                            </p:txEl>
+                                          </p:spTgt>
+                                        </p:tgtEl>
+                                        <p:attrNameLst>
+                                          <p:attrName>style.visibility</p:attrName>
+                                        </p:attrNameLst>
+                                      </p:cBhvr>
+                                      <p:to>
+                                        <p:strVal val="visible"/>
+                                      </p:to>
+                                    </p:set>
+                                  </p:childTnLst>
+                                </p:cTn>
+                              </p:par>
+                            </p:childTnLst>
+                          </p:cTn>
+                        </p:par>
+                      </p:childTnLst>
+                    </p:cTn>
+                  </p:par>
+                  <p:par>
+                    <p:cTn id="11" fill="hold">
+                      <p:stCondLst>
+                        <p:cond delay="indefinite"/>
+                      </p:stCondLst>
+                      <p:childTnLst>
+                        <p:par>
+                          <p:cTn id="12" fill="hold">
+                            <p:stCondLst>
+                              <p:cond delay="0"/>
+                            </p:stCondLst>
+                            <p:childTnLst>
+                              <p:par>
+                                <p:cTn id="13" presetID="1" presetClass="entr" presetSubtype="0" fill="hold" nodeType="clickEffect">
+                                  <p:stCondLst>
+                                    <p:cond delay="0"/>
+                                  </p:stCondLst>
+                                  <p:childTnLst>
+                                    <p:set>
+                                      <p:cBhvr>
+                                        <p:cTn id="14" dur="1" fill="hold">
+                                          <p:stCondLst>
+                                            <p:cond delay="0"/>
+                                          </p:stCondLst>
+                                        </p:cTn>
+                                        <p:tgtEl>
+                                          <p:spTgt spid="4">
+                                            <p:txEl>
+                                              <p:pRg st="0" end="0"/>
+                                            </p:txEl>
+                                          </p:spTgt>
+                                        </p:tgtEl>
+                                        <p:attrNameLst>
+                                          <p:attrName>style.visibility</p:attrName>
+                                        </p:attrNameLst>
+                                      </p:cBhvr>
+                                      <p:to>
+                                        <p:strVal val="visible"/>
+                                      </p:to>
+                                    </p:set>
+                                  </p:childTnLst>
+                                </p:cTn>
+                              </p:par>
+                            </p:childTnLst>
+                          </p:cTn>
+                        </p:par>
+                      </p:childTnLst>
+                    </p:cTn>
+                  </p:par>
+                  <p:par>
+                    <p:cTn id="15" fill="hold">
+                      <p:stCondLst>
+                        <p:cond delay="indefinite"/>
+                      </p:stCondLst>
+                      <p:childTnLst>
+                        <p:par>
+                          <p:cTn id="16" fill="hold">
+                            <p:stCondLst>
+                              <p:cond delay="0"/>
+                            </p:stCondLst>
+                            <p:childTnLst>
+                              <p:par>
+                                <p:cTn id="17" presetID="1" presetClass="entr" presetSubtype="0" fill="hold" nodeType="clickEffect">
+                                  <p:stCondLst>
+                                    <p:cond delay="0"/>
+                                  </p:stCondLst>
+                                  <p:childTnLst>
+                                    <p:set>
+                                      <p:cBhvr>
+                                        <p:cTn id="18" dur="1" fill="hold">
+                                          <p:stCondLst>
+                                            <p:cond delay="0"/>
+                                          </p:stCondLst>
+                                        </p:cTn>
+                                        <p:tgtEl>
+                                          <p:spTgt spid="5">
+                                            <p:txEl>
+                                              <p:pRg st="0" end="0"/>
+                                            </p:txEl>
+                                          </p:spTgt>
+                                        </p:tgtEl>
+                                        <p:attrNameLst>
+                                          <p:attrName>style.visibility</p:attrName>
+                                        </p:attrNameLst>
+                                      </p:cBhvr>
+                                      <p:to>
+                                        <p:strVal val="visible"/>
+                                      </p:to>
+                                    </p:set>
+                                  </p:childTnLst>
+                                </p:cTn>
+                              </p:par>
+                            </p:childTnLst>
+                          </p:cTn>
+                        </p:par>
+                      </p:childTnLst>
+                    </p:cTn>
+                  </p:par>
+                </p:childTnLst>
+              </p:cTn>
+              <p:prevCondLst>
+                <p:cond evt="onPrev" delay="0">
+                  <p:tgtEl>
+                    <p:sldTgt/>
+                  </p:tgtEl>
+                </p:cond>
+              </p:prevCondLst>
+              <p:nextCondLst>
+                <p:cond evt="onNext" delay="0">
+                  <p:tgtEl>
+                    <p:sldTgt/>
+                  </p:tgtEl>
+                </p:cond>
+              </p:nextCondLst>
+            </p:seq>
+          </p:childTnLst>
+        </p:cTn>
+      </p:par>
+    </p:tnLst>
+  </p:timing>
+</p:sld>
+</file>
+
+<file path=ppt/slides/slide45.xml><?xml version="1.0" encoding="utf-8"?>
+<p:sld xmlns:a="http://schemas.openxmlformats.org/drawingml/2006/main" xmlns:r="http://schemas.openxmlformats.org/officeDocument/2006/relationships" xmlns:p="http://schemas.openxmlformats.org/presentationml/2006/main">
+  <p:cSld>
+    <p:spTree>
+      <p:nvGrpSpPr>
+        <p:cNvPr id="1" name=""/>
+        <p:cNvGrpSpPr/>
+        <p:nvPr/>
+      </p:nvGrpSpPr>
+      <p:grpSpPr>
+        <a:xfrm>
+          <a:off x="0" y="0"/>
+          <a:ext cx="0" cy="0"/>
+          <a:chOff x="0" y="0"/>
+          <a:chExt cx="0" cy="0"/>
+        </a:xfrm>
+      </p:grpSpPr>
+      <p:sp>
+        <p:nvSpPr>
+          <p:cNvPr id="2" name="Title 1">
+            <a:extLst>
+              <a:ext uri="{FF2B5EF4-FFF2-40B4-BE49-F238E27FC236}">
+                <a16:creationId xmlns:a16="http://schemas.microsoft.com/office/drawing/2014/main" id="{99F9262E-2D15-41F1-BEC3-1BDD29661926}"/>
+              </a:ext>
+            </a:extLst>
+          </p:cNvPr>
+          <p:cNvSpPr>
+            <a:spLocks noGrp="1"/>
+          </p:cNvSpPr>
+          <p:nvPr>
+            <p:ph type="title"/>
+          </p:nvPr>
+        </p:nvSpPr>
+        <p:spPr/>
+        <p:txBody>
+          <a:bodyPr/>
+          <a:lstStyle/>
+          <a:p>
+            <a:r>
+              <a:rPr lang="en-US" dirty="0"/>
+              <a:t>Probability of sentence or word</a:t>
+            </a:r>
+          </a:p>
+        </p:txBody>
+      </p:sp>
+      <p:sp>
+        <p:nvSpPr>
+          <p:cNvPr id="7" name="TextBox 6">
+            <a:extLst>
+              <a:ext uri="{FF2B5EF4-FFF2-40B4-BE49-F238E27FC236}">
+                <a16:creationId xmlns:a16="http://schemas.microsoft.com/office/drawing/2014/main" id="{6A6E87CF-F44A-6BF0-ED94-07FE33FE5FCB}"/>
+              </a:ext>
+            </a:extLst>
+          </p:cNvPr>
+          <p:cNvSpPr txBox="1"/>
+          <p:nvPr/>
+        </p:nvSpPr>
+        <p:spPr>
+          <a:xfrm>
+            <a:off x="680321" y="2342464"/>
+            <a:ext cx="10585173" cy="3970318"/>
+          </a:xfrm>
+          <a:prstGeom prst="rect">
+            <a:avLst/>
+          </a:prstGeom>
+          <a:noFill/>
+        </p:spPr>
+        <p:txBody>
+          <a:bodyPr wrap="square">
+            <a:spAutoFit/>
+          </a:bodyPr>
+          <a:lstStyle/>
+          <a:p>
+            <a:pPr marL="285750" indent="-285750">
+              <a:buFont typeface="Arial" panose="020B0604020202020204" pitchFamily="34" charset="0"/>
+              <a:buChar char="•"/>
+            </a:pPr>
+            <a:r>
+              <a:rPr lang="en-US" sz="2800" dirty="0"/>
+              <a:t>Compute the probability of a sentence or sequence of words: </a:t>
+            </a:r>
+          </a:p>
+          <a:p>
+            <a:pPr marL="914400" lvl="1" indent="-457200">
+              <a:buFont typeface="Wingdings" panose="05000000000000000000" pitchFamily="2" charset="2"/>
+              <a:buChar char="Ø"/>
+            </a:pPr>
+            <a:r>
+              <a:rPr lang="en-US" sz="2800" dirty="0"/>
+              <a:t>P(W) = P(w1 ,w2 ,w3 ,w4 ,w5…</a:t>
+            </a:r>
+            <a:r>
+              <a:rPr lang="en-US" sz="2800" dirty="0" err="1"/>
+              <a:t>wn</a:t>
+            </a:r>
+            <a:r>
+              <a:rPr lang="en-US" sz="2800" dirty="0"/>
+              <a:t> ) </a:t>
+            </a:r>
+          </a:p>
+          <a:p>
+            <a:pPr marL="742950" lvl="1" indent="-285750">
+              <a:buFont typeface="Arial" panose="020B0604020202020204" pitchFamily="34" charset="0"/>
+              <a:buChar char="•"/>
+            </a:pPr>
+            <a:endParaRPr lang="en-US" sz="2800" dirty="0"/>
+          </a:p>
+          <a:p>
+            <a:pPr marL="285750" indent="-285750">
+              <a:buFont typeface="Arial" panose="020B0604020202020204" pitchFamily="34" charset="0"/>
+              <a:buChar char="•"/>
+            </a:pPr>
+            <a:r>
+              <a:rPr lang="en-US" sz="2800" dirty="0"/>
+              <a:t>Probability of an upcoming word: </a:t>
+            </a:r>
+          </a:p>
+          <a:p>
+            <a:pPr marL="914400" lvl="1" indent="-457200">
+              <a:buFont typeface="Wingdings" panose="05000000000000000000" pitchFamily="2" charset="2"/>
+              <a:buChar char="Ø"/>
+            </a:pPr>
+            <a:r>
+              <a:rPr lang="en-US" sz="2800" dirty="0"/>
+              <a:t>P(w5 |w1 ,w2 ,w3 ,w4 )</a:t>
+            </a:r>
+          </a:p>
+          <a:p>
+            <a:pPr marL="914400" lvl="1" indent="-457200">
+              <a:buFont typeface="Wingdings" panose="05000000000000000000" pitchFamily="2" charset="2"/>
+              <a:buChar char="Ø"/>
+            </a:pPr>
+            <a:r>
+              <a:rPr lang="en-US" sz="2800" dirty="0"/>
+              <a:t>P ( Bangladesh | Dhaka, is, the, capital, of)</a:t>
+            </a:r>
+          </a:p>
+          <a:p>
+            <a:endParaRPr lang="en-US" sz="2800" dirty="0"/>
+          </a:p>
+          <a:p>
+            <a:pPr marL="285750" indent="-285750">
+              <a:buFont typeface="Arial" panose="020B0604020202020204" pitchFamily="34" charset="0"/>
+              <a:buChar char="•"/>
+            </a:pPr>
+            <a:r>
+              <a:rPr lang="en-US" sz="2800" dirty="0"/>
+              <a:t>A model that computes either of these: </a:t>
+            </a:r>
+          </a:p>
+          <a:p>
+            <a:pPr marL="914400" lvl="1" indent="-457200">
+              <a:buFont typeface="Wingdings" panose="05000000000000000000" pitchFamily="2" charset="2"/>
+              <a:buChar char="Ø"/>
+            </a:pPr>
+            <a:r>
+              <a:rPr lang="en-US" sz="2800" dirty="0"/>
+              <a:t>P(W) or P(</a:t>
+            </a:r>
+            <a:r>
+              <a:rPr lang="en-US" sz="2800" dirty="0" err="1"/>
+              <a:t>wn</a:t>
+            </a:r>
+            <a:r>
+              <a:rPr lang="en-US" sz="2800" dirty="0"/>
+              <a:t> |w1 ,w2…wn-1) is called a language model.</a:t>
+            </a:r>
+          </a:p>
+        </p:txBody>
+      </p:sp>
+    </p:spTree>
+    <p:extLst>
+      <p:ext uri="{BB962C8B-B14F-4D97-AF65-F5344CB8AC3E}">
+        <p14:creationId xmlns:p14="http://schemas.microsoft.com/office/powerpoint/2010/main" val="1973958793"/>
+      </p:ext>
+    </p:extLst>
+  </p:cSld>
+  <p:clrMapOvr>
+    <a:masterClrMapping/>
+  </p:clrMapOvr>
+  <p:timing>
+    <p:tnLst>
+      <p:par>
+        <p:cTn id="1" dur="indefinite" restart="never" nodeType="tmRoot">
+          <p:childTnLst>
+            <p:seq concurrent="1" nextAc="seek">
+              <p:cTn id="2" dur="indefinite" nodeType="mainSeq">
+                <p:childTnLst>
+                  <p:par>
+                    <p:cTn id="3" fill="hold">
+                      <p:stCondLst>
+                        <p:cond delay="indefinite"/>
+                      </p:stCondLst>
+                      <p:childTnLst>
+                        <p:par>
+                          <p:cTn id="4" fill="hold">
+                            <p:stCondLst>
+                              <p:cond delay="0"/>
+                            </p:stCondLst>
+                            <p:childTnLst>
+                              <p:par>
+                                <p:cTn id="5" presetID="1" presetClass="entr" presetSubtype="0" fill="hold" nodeType="clickEffect">
+                                  <p:stCondLst>
+                                    <p:cond delay="0"/>
+                                  </p:stCondLst>
+                                  <p:childTnLst>
+                                    <p:set>
+                                      <p:cBhvr>
+                                        <p:cTn id="6" dur="1" fill="hold">
+                                          <p:stCondLst>
+                                            <p:cond delay="0"/>
+                                          </p:stCondLst>
+                                        </p:cTn>
+                                        <p:tgtEl>
+                                          <p:spTgt spid="7">
+                                            <p:txEl>
+                                              <p:pRg st="0" end="0"/>
+                                            </p:txEl>
+                                          </p:spTgt>
+                                        </p:tgtEl>
+                                        <p:attrNameLst>
+                                          <p:attrName>style.visibility</p:attrName>
+                                        </p:attrNameLst>
+                                      </p:cBhvr>
+                                      <p:to>
+                                        <p:strVal val="visible"/>
+                                      </p:to>
+                                    </p:set>
+                                  </p:childTnLst>
+                                </p:cTn>
+                              </p:par>
+                              <p:par>
+                                <p:cTn id="7" presetID="1" presetClass="entr" presetSubtype="0" fill="hold" nodeType="withEffect">
+                                  <p:stCondLst>
+                                    <p:cond delay="0"/>
+                                  </p:stCondLst>
+                                  <p:childTnLst>
+                                    <p:set>
+                                      <p:cBhvr>
+                                        <p:cTn id="8" dur="1" fill="hold">
+                                          <p:stCondLst>
+                                            <p:cond delay="0"/>
+                                          </p:stCondLst>
+                                        </p:cTn>
+                                        <p:tgtEl>
+                                          <p:spTgt spid="7">
+                                            <p:txEl>
+                                              <p:pRg st="1" end="1"/>
+                                            </p:txEl>
+                                          </p:spTgt>
+                                        </p:tgtEl>
+                                        <p:attrNameLst>
+                                          <p:attrName>style.visibility</p:attrName>
+                                        </p:attrNameLst>
+                                      </p:cBhvr>
+                                      <p:to>
+                                        <p:strVal val="visible"/>
+                                      </p:to>
+                                    </p:set>
+                                  </p:childTnLst>
+                                </p:cTn>
+                              </p:par>
+                            </p:childTnLst>
+                          </p:cTn>
+                        </p:par>
+                      </p:childTnLst>
+                    </p:cTn>
+                  </p:par>
+                  <p:par>
+                    <p:cTn id="9" fill="hold">
+                      <p:stCondLst>
+                        <p:cond delay="indefinite"/>
+                      </p:stCondLst>
+                      <p:childTnLst>
+                        <p:par>
+                          <p:cTn id="10" fill="hold">
+                            <p:stCondLst>
+                              <p:cond delay="0"/>
+                            </p:stCondLst>
+                            <p:childTnLst>
+                              <p:par>
+                                <p:cTn id="11" presetID="1" presetClass="entr" presetSubtype="0" fill="hold" nodeType="clickEffect">
+                                  <p:stCondLst>
+                                    <p:cond delay="0"/>
+                                  </p:stCondLst>
+                                  <p:childTnLst>
+                                    <p:set>
+                                      <p:cBhvr>
+                                        <p:cTn id="12" dur="1" fill="hold">
+                                          <p:stCondLst>
+                                            <p:cond delay="0"/>
+                                          </p:stCondLst>
+                                        </p:cTn>
+                                        <p:tgtEl>
+                                          <p:spTgt spid="7">
+                                            <p:txEl>
+                                              <p:pRg st="3" end="3"/>
+                                            </p:txEl>
+                                          </p:spTgt>
+                                        </p:tgtEl>
+                                        <p:attrNameLst>
+                                          <p:attrName>style.visibility</p:attrName>
+                                        </p:attrNameLst>
+                                      </p:cBhvr>
+                                      <p:to>
+                                        <p:strVal val="visible"/>
+                                      </p:to>
+                                    </p:set>
+                                  </p:childTnLst>
+                                </p:cTn>
+                              </p:par>
+                              <p:par>
+                                <p:cTn id="13" presetID="1" presetClass="entr" presetSubtype="0" fill="hold" nodeType="withEffect">
+                                  <p:stCondLst>
+                                    <p:cond delay="0"/>
+                                  </p:stCondLst>
+                                  <p:childTnLst>
+                                    <p:set>
+                                      <p:cBhvr>
+                                        <p:cTn id="14" dur="1" fill="hold">
+                                          <p:stCondLst>
+                                            <p:cond delay="0"/>
+                                          </p:stCondLst>
+                                        </p:cTn>
+                                        <p:tgtEl>
+                                          <p:spTgt spid="7">
+                                            <p:txEl>
+                                              <p:pRg st="4" end="4"/>
+                                            </p:txEl>
+                                          </p:spTgt>
+                                        </p:tgtEl>
+                                        <p:attrNameLst>
+                                          <p:attrName>style.visibility</p:attrName>
+                                        </p:attrNameLst>
+                                      </p:cBhvr>
+                                      <p:to>
+                                        <p:strVal val="visible"/>
+                                      </p:to>
+                                    </p:set>
+                                  </p:childTnLst>
+                                </p:cTn>
+                              </p:par>
+                              <p:par>
+                                <p:cTn id="15" presetID="1" presetClass="entr" presetSubtype="0" fill="hold" nodeType="withEffect">
+                                  <p:stCondLst>
+                                    <p:cond delay="0"/>
+                                  </p:stCondLst>
+                                  <p:childTnLst>
+                                    <p:set>
+                                      <p:cBhvr>
+                                        <p:cTn id="16" dur="1" fill="hold">
+                                          <p:stCondLst>
+                                            <p:cond delay="0"/>
+                                          </p:stCondLst>
+                                        </p:cTn>
+                                        <p:tgtEl>
+                                          <p:spTgt spid="7">
+                                            <p:txEl>
+                                              <p:pRg st="5" end="5"/>
+                                            </p:txEl>
+                                          </p:spTgt>
+                                        </p:tgtEl>
+                                        <p:attrNameLst>
+                                          <p:attrName>style.visibility</p:attrName>
+                                        </p:attrNameLst>
+                                      </p:cBhvr>
+                                      <p:to>
+                                        <p:strVal val="visible"/>
+                                      </p:to>
+                                    </p:set>
+                                  </p:childTnLst>
+                                </p:cTn>
+                              </p:par>
+                            </p:childTnLst>
+                          </p:cTn>
+                        </p:par>
+                      </p:childTnLst>
+                    </p:cTn>
+                  </p:par>
+                  <p:par>
+                    <p:cTn id="17" fill="hold">
+                      <p:stCondLst>
+                        <p:cond delay="indefinite"/>
+                      </p:stCondLst>
+                      <p:childTnLst>
+                        <p:par>
+                          <p:cTn id="18" fill="hold">
+                            <p:stCondLst>
+                              <p:cond delay="0"/>
+                            </p:stCondLst>
+                            <p:childTnLst>
+                              <p:par>
+                                <p:cTn id="19" presetID="1" presetClass="entr" presetSubtype="0" fill="hold" nodeType="clickEffect">
+                                  <p:stCondLst>
+                                    <p:cond delay="0"/>
+                                  </p:stCondLst>
+                                  <p:childTnLst>
+                                    <p:set>
+                                      <p:cBhvr>
+                                        <p:cTn id="20" dur="1" fill="hold">
+                                          <p:stCondLst>
+                                            <p:cond delay="0"/>
+                                          </p:stCondLst>
+                                        </p:cTn>
+                                        <p:tgtEl>
+                                          <p:spTgt spid="7">
+                                            <p:txEl>
+                                              <p:pRg st="7" end="7"/>
+                                            </p:txEl>
+                                          </p:spTgt>
+                                        </p:tgtEl>
+                                        <p:attrNameLst>
+                                          <p:attrName>style.visibility</p:attrName>
+                                        </p:attrNameLst>
+                                      </p:cBhvr>
+                                      <p:to>
+                                        <p:strVal val="visible"/>
+                                      </p:to>
+                                    </p:set>
+                                  </p:childTnLst>
+                                </p:cTn>
+                              </p:par>
+                              <p:par>
+                                <p:cTn id="21" presetID="1" presetClass="entr" presetSubtype="0" fill="hold" nodeType="withEffect">
+                                  <p:stCondLst>
+                                    <p:cond delay="0"/>
+                                  </p:stCondLst>
+                                  <p:childTnLst>
+                                    <p:set>
+                                      <p:cBhvr>
+                                        <p:cTn id="22" dur="1" fill="hold">
+                                          <p:stCondLst>
+                                            <p:cond delay="0"/>
+                                          </p:stCondLst>
+                                        </p:cTn>
+                                        <p:tgtEl>
+                                          <p:spTgt spid="7">
+                                            <p:txEl>
+                                              <p:pRg st="8" end="8"/>
+                                            </p:txEl>
+                                          </p:spTgt>
+                                        </p:tgtEl>
+                                        <p:attrNameLst>
+                                          <p:attrName>style.visibility</p:attrName>
+                                        </p:attrNameLst>
+                                      </p:cBhvr>
+                                      <p:to>
+                                        <p:strVal val="visible"/>
+                                      </p:to>
+                                    </p:set>
+                                  </p:childTnLst>
+                                </p:cTn>
+                              </p:par>
+                            </p:childTnLst>
+                          </p:cTn>
+                        </p:par>
+                      </p:childTnLst>
+                    </p:cTn>
+                  </p:par>
+                </p:childTnLst>
+              </p:cTn>
+              <p:prevCondLst>
+                <p:cond evt="onPrev" delay="0">
+                  <p:tgtEl>
+                    <p:sldTgt/>
+                  </p:tgtEl>
+                </p:cond>
+              </p:prevCondLst>
+              <p:nextCondLst>
+                <p:cond evt="onNext" delay="0">
+                  <p:tgtEl>
+                    <p:sldTgt/>
+                  </p:tgtEl>
+                </p:cond>
+              </p:nextCondLst>
+            </p:seq>
+          </p:childTnLst>
+        </p:cTn>
+      </p:par>
+    </p:tnLst>
+  </p:timing>
+</p:sld>
+</file>
+
+<file path=ppt/slides/slide46.xml><?xml version="1.0" encoding="utf-8"?>
+<p:sld xmlns:a="http://schemas.openxmlformats.org/drawingml/2006/main" xmlns:r="http://schemas.openxmlformats.org/officeDocument/2006/relationships" xmlns:p="http://schemas.openxmlformats.org/presentationml/2006/main">
+  <p:cSld>
+    <p:spTree>
+      <p:nvGrpSpPr>
+        <p:cNvPr id="1" name=""/>
+        <p:cNvGrpSpPr/>
+        <p:nvPr/>
+      </p:nvGrpSpPr>
+      <p:grpSpPr>
+        <a:xfrm>
+          <a:off x="0" y="0"/>
+          <a:ext cx="0" cy="0"/>
+          <a:chOff x="0" y="0"/>
+          <a:chExt cx="0" cy="0"/>
+        </a:xfrm>
+      </p:grpSpPr>
+      <p:sp>
+        <p:nvSpPr>
+          <p:cNvPr id="2" name="Title 1">
+            <a:extLst>
+              <a:ext uri="{FF2B5EF4-FFF2-40B4-BE49-F238E27FC236}">
+                <a16:creationId xmlns:a16="http://schemas.microsoft.com/office/drawing/2014/main" id="{22671EB6-9C7D-6538-9941-7149F5D7A451}"/>
+              </a:ext>
+            </a:extLst>
+          </p:cNvPr>
+          <p:cNvSpPr>
+            <a:spLocks noGrp="1"/>
+          </p:cNvSpPr>
+          <p:nvPr>
+            <p:ph type="title"/>
+          </p:nvPr>
+        </p:nvSpPr>
+        <p:spPr/>
+        <p:txBody>
+          <a:bodyPr/>
+          <a:lstStyle/>
+          <a:p>
+            <a:r>
+              <a:rPr lang="en-US" dirty="0"/>
+              <a:t>Chain Rule of Probability</a:t>
+            </a:r>
+          </a:p>
+        </p:txBody>
+      </p:sp>
+      <p:sp>
+        <p:nvSpPr>
+          <p:cNvPr id="3" name="Content Placeholder 2">
+            <a:extLst>
+              <a:ext uri="{FF2B5EF4-FFF2-40B4-BE49-F238E27FC236}">
+                <a16:creationId xmlns:a16="http://schemas.microsoft.com/office/drawing/2014/main" id="{5835A2E7-87A4-FCD4-2040-0E221CAC0523}"/>
+              </a:ext>
+            </a:extLst>
+          </p:cNvPr>
+          <p:cNvSpPr>
+            <a:spLocks noGrp="1"/>
+          </p:cNvSpPr>
+          <p:nvPr>
+            <p:ph idx="1"/>
+          </p:nvPr>
+        </p:nvSpPr>
+        <p:spPr>
+          <a:xfrm>
+            <a:off x="680321" y="2336873"/>
+            <a:ext cx="11206879" cy="3599316"/>
+          </a:xfrm>
+        </p:spPr>
+        <p:txBody>
+          <a:bodyPr>
+            <a:noAutofit/>
+          </a:bodyPr>
+          <a:lstStyle/>
+          <a:p>
+            <a:r>
+              <a:rPr lang="en-US" sz="2800" dirty="0"/>
+              <a:t>Conditional probabilities </a:t>
+            </a:r>
+          </a:p>
+          <a:p>
+            <a:pPr lvl="1"/>
+            <a:r>
+              <a:rPr lang="en-US" sz="2400" dirty="0"/>
+              <a:t>P(B|A) = P(A, B)/P(A) </a:t>
+            </a:r>
+          </a:p>
+          <a:p>
+            <a:pPr lvl="1"/>
+            <a:r>
+              <a:rPr lang="en-US" sz="2400" dirty="0"/>
+              <a:t>Rewriting: P(A,B) = P(A)P(B|A)  </a:t>
+            </a:r>
+          </a:p>
+          <a:p>
+            <a:endParaRPr lang="en-US" sz="2800" dirty="0"/>
+          </a:p>
+          <a:p>
+            <a:r>
+              <a:rPr lang="en-US" sz="2800" dirty="0"/>
+              <a:t>More variables: </a:t>
+            </a:r>
+            <a:r>
+              <a:rPr lang="en-US" dirty="0"/>
+              <a:t>P(A,B,C,D) = P(A) P(B|A) P(C|A,B) P(D|A,B,C) </a:t>
+            </a:r>
+          </a:p>
+          <a:p>
+            <a:endParaRPr lang="en-US" sz="2800" dirty="0"/>
+          </a:p>
+          <a:p>
+            <a:r>
+              <a:rPr lang="en-US" sz="2800" dirty="0"/>
+              <a:t>The Chain Rule in General </a:t>
+            </a:r>
+          </a:p>
+          <a:p>
+            <a:pPr lvl="1"/>
+            <a:r>
+              <a:rPr lang="en-US" sz="2400" dirty="0"/>
+              <a:t>P(x1 ,x2 ,x3 ,…,</a:t>
+            </a:r>
+            <a:r>
+              <a:rPr lang="en-US" sz="2400" dirty="0" err="1"/>
+              <a:t>xn</a:t>
+            </a:r>
+            <a:r>
+              <a:rPr lang="en-US" sz="2400" dirty="0"/>
+              <a:t> ) = P(x1 )P(x2 |x1 )P(x3 |x1 ,x2 )…P(</a:t>
+            </a:r>
+            <a:r>
+              <a:rPr lang="en-US" sz="2400" dirty="0" err="1"/>
+              <a:t>xn</a:t>
+            </a:r>
+            <a:r>
+              <a:rPr lang="en-US" sz="2400" dirty="0"/>
+              <a:t> |x1 ,…,xn-1)</a:t>
+            </a:r>
+          </a:p>
+        </p:txBody>
+      </p:sp>
+    </p:spTree>
+    <p:extLst>
+      <p:ext uri="{BB962C8B-B14F-4D97-AF65-F5344CB8AC3E}">
+        <p14:creationId xmlns:p14="http://schemas.microsoft.com/office/powerpoint/2010/main" val="2846049734"/>
+      </p:ext>
+    </p:extLst>
+  </p:cSld>
+  <p:clrMapOvr>
+    <a:masterClrMapping/>
+  </p:clrMapOvr>
+  <p:timing>
+    <p:tnLst>
+      <p:par>
+        <p:cTn id="1" dur="indefinite" restart="never" nodeType="tmRoot">
+          <p:childTnLst>
+            <p:seq concurrent="1" nextAc="seek">
+              <p:cTn id="2" dur="indefinite" nodeType="mainSeq">
+                <p:childTnLst>
+                  <p:par>
+                    <p:cTn id="3" fill="hold">
+                      <p:stCondLst>
+                        <p:cond delay="indefinite"/>
+                      </p:stCondLst>
+                      <p:childTnLst>
+                        <p:par>
+                          <p:cTn id="4" fill="hold">
+                            <p:stCondLst>
+                              <p:cond delay="0"/>
+                            </p:stCondLst>
+                            <p:childTnLst>
+                              <p:par>
+                                <p:cTn id="5" presetID="1" presetClass="entr" presetSubtype="0" fill="hold" nodeType="clickEffect">
+                                  <p:stCondLst>
+                                    <p:cond delay="0"/>
+                                  </p:stCondLst>
+                                  <p:childTnLst>
+                                    <p:set>
+                                      <p:cBhvr>
+                                        <p:cTn id="6" dur="1" fill="hold">
+                                          <p:stCondLst>
+                                            <p:cond delay="0"/>
+                                          </p:stCondLst>
+                                        </p:cTn>
+                                        <p:tgtEl>
+                                          <p:spTgt spid="3">
+                                            <p:txEl>
+                                              <p:pRg st="0" end="0"/>
+                                            </p:txEl>
+                                          </p:spTgt>
+                                        </p:tgtEl>
+                                        <p:attrNameLst>
+                                          <p:attrName>style.visibility</p:attrName>
+                                        </p:attrNameLst>
+                                      </p:cBhvr>
+                                      <p:to>
+                                        <p:strVal val="visible"/>
+                                      </p:to>
+                                    </p:set>
+                                  </p:childTnLst>
+                                </p:cTn>
+                              </p:par>
+                              <p:par>
+                                <p:cTn id="7" presetID="1" presetClass="entr" presetSubtype="0" fill="hold" nodeType="withEffect">
+                                  <p:stCondLst>
+                                    <p:cond delay="0"/>
+                                  </p:stCondLst>
+                                  <p:childTnLst>
+                                    <p:set>
+                                      <p:cBhvr>
+                                        <p:cTn id="8" dur="1" fill="hold">
+                                          <p:stCondLst>
+                                            <p:cond delay="0"/>
+                                          </p:stCondLst>
+                                        </p:cTn>
+                                        <p:tgtEl>
+                                          <p:spTgt spid="3">
+                                            <p:txEl>
+                                              <p:pRg st="1" end="1"/>
+                                            </p:txEl>
+                                          </p:spTgt>
+                                        </p:tgtEl>
+                                        <p:attrNameLst>
+                                          <p:attrName>style.visibility</p:attrName>
+                                        </p:attrNameLst>
+                                      </p:cBhvr>
+                                      <p:to>
+                                        <p:strVal val="visible"/>
+                                      </p:to>
+                                    </p:set>
+                                  </p:childTnLst>
+                                </p:cTn>
+                              </p:par>
+                              <p:par>
+                                <p:cTn id="9" presetID="1" presetClass="entr" presetSubtype="0" fill="hold" nodeType="withEffect">
+                                  <p:stCondLst>
+                                    <p:cond delay="0"/>
+                                  </p:stCondLst>
+                                  <p:childTnLst>
+                                    <p:set>
+                                      <p:cBhvr>
+                                        <p:cTn id="10" dur="1" fill="hold">
+                                          <p:stCondLst>
+                                            <p:cond delay="0"/>
+                                          </p:stCondLst>
+                                        </p:cTn>
+                                        <p:tgtEl>
+                                          <p:spTgt spid="3">
+                                            <p:txEl>
+                                              <p:pRg st="2" end="2"/>
+                                            </p:txEl>
+                                          </p:spTgt>
+                                        </p:tgtEl>
+                                        <p:attrNameLst>
+                                          <p:attrName>style.visibility</p:attrName>
+                                        </p:attrNameLst>
+                                      </p:cBhvr>
+                                      <p:to>
+                                        <p:strVal val="visible"/>
+                                      </p:to>
+                                    </p:set>
+                                  </p:childTnLst>
+                                </p:cTn>
+                              </p:par>
+                            </p:childTnLst>
+                          </p:cTn>
+                        </p:par>
+                      </p:childTnLst>
+                    </p:cTn>
+                  </p:par>
+                  <p:par>
+                    <p:cTn id="11" fill="hold">
+                      <p:stCondLst>
+                        <p:cond delay="indefinite"/>
+                      </p:stCondLst>
+                      <p:childTnLst>
+                        <p:par>
+                          <p:cTn id="12" fill="hold">
+                            <p:stCondLst>
+                              <p:cond delay="0"/>
+                            </p:stCondLst>
+                            <p:childTnLst>
+                              <p:par>
+                                <p:cTn id="13" presetID="1" presetClass="entr" presetSubtype="0" fill="hold" nodeType="clickEffect">
+                                  <p:stCondLst>
+                                    <p:cond delay="0"/>
+                                  </p:stCondLst>
+                                  <p:childTnLst>
+                                    <p:set>
+                                      <p:cBhvr>
+                                        <p:cTn id="14" dur="1" fill="hold">
+                                          <p:stCondLst>
+                                            <p:cond delay="0"/>
+                                          </p:stCondLst>
+                                        </p:cTn>
+                                        <p:tgtEl>
+                                          <p:spTgt spid="3">
+                                            <p:txEl>
+                                              <p:pRg st="4" end="4"/>
+                                            </p:txEl>
+                                          </p:spTgt>
+                                        </p:tgtEl>
+                                        <p:attrNameLst>
+                                          <p:attrName>style.visibility</p:attrName>
+                                        </p:attrNameLst>
+                                      </p:cBhvr>
+                                      <p:to>
+                                        <p:strVal val="visible"/>
+                                      </p:to>
+                                    </p:set>
+                                  </p:childTnLst>
+                                </p:cTn>
+                              </p:par>
+                            </p:childTnLst>
+                          </p:cTn>
+                        </p:par>
+                      </p:childTnLst>
+                    </p:cTn>
+                  </p:par>
+                  <p:par>
+                    <p:cTn id="15" fill="hold">
+                      <p:stCondLst>
+                        <p:cond delay="indefinite"/>
+                      </p:stCondLst>
+                      <p:childTnLst>
+                        <p:par>
+                          <p:cTn id="16" fill="hold">
+                            <p:stCondLst>
+                              <p:cond delay="0"/>
+                            </p:stCondLst>
+                            <p:childTnLst>
+                              <p:par>
+                                <p:cTn id="17" presetID="1" presetClass="entr" presetSubtype="0" fill="hold" nodeType="clickEffect">
+                                  <p:stCondLst>
+                                    <p:cond delay="0"/>
+                                  </p:stCondLst>
+                                  <p:childTnLst>
+                                    <p:set>
+                                      <p:cBhvr>
+                                        <p:cTn id="18" dur="1" fill="hold">
+                                          <p:stCondLst>
+                                            <p:cond delay="0"/>
+                                          </p:stCondLst>
+                                        </p:cTn>
+                                        <p:tgtEl>
+                                          <p:spTgt spid="3">
+                                            <p:txEl>
+                                              <p:pRg st="6" end="6"/>
+                                            </p:txEl>
+                                          </p:spTgt>
+                                        </p:tgtEl>
+                                        <p:attrNameLst>
+                                          <p:attrName>style.visibility</p:attrName>
+                                        </p:attrNameLst>
+                                      </p:cBhvr>
+                                      <p:to>
+                                        <p:strVal val="visible"/>
+                                      </p:to>
+                                    </p:set>
+                                  </p:childTnLst>
+                                </p:cTn>
+                              </p:par>
+                              <p:par>
+                                <p:cTn id="19" presetID="1" presetClass="entr" presetSubtype="0" fill="hold" nodeType="withEffect">
+                                  <p:stCondLst>
+                                    <p:cond delay="0"/>
+                                  </p:stCondLst>
+                                  <p:childTnLst>
+                                    <p:set>
+                                      <p:cBhvr>
+                                        <p:cTn id="20" dur="1" fill="hold">
+                                          <p:stCondLst>
+                                            <p:cond delay="0"/>
+                                          </p:stCondLst>
+                                        </p:cTn>
+                                        <p:tgtEl>
+                                          <p:spTgt spid="3">
+                                            <p:txEl>
+                                              <p:pRg st="7" end="7"/>
+                                            </p:txEl>
+                                          </p:spTgt>
+                                        </p:tgtEl>
+                                        <p:attrNameLst>
+                                          <p:attrName>style.visibility</p:attrName>
+                                        </p:attrNameLst>
+                                      </p:cBhvr>
+                                      <p:to>
+                                        <p:strVal val="visible"/>
+                                      </p:to>
+                                    </p:set>
+                                  </p:childTnLst>
+                                </p:cTn>
+                              </p:par>
+                            </p:childTnLst>
+                          </p:cTn>
+                        </p:par>
+                      </p:childTnLst>
+                    </p:cTn>
+                  </p:par>
+                </p:childTnLst>
+              </p:cTn>
+              <p:prevCondLst>
+                <p:cond evt="onPrev" delay="0">
+                  <p:tgtEl>
+                    <p:sldTgt/>
+                  </p:tgtEl>
+                </p:cond>
+              </p:prevCondLst>
+              <p:nextCondLst>
+                <p:cond evt="onNext" delay="0">
+                  <p:tgtEl>
+                    <p:sldTgt/>
+                  </p:tgtEl>
+                </p:cond>
+              </p:nextCondLst>
+            </p:seq>
+          </p:childTnLst>
+        </p:cTn>
+      </p:par>
+    </p:tnLst>
+  </p:timing>
+</p:sld>
+</file>
+
+<file path=ppt/slides/slide47.xml><?xml version="1.0" encoding="utf-8"?>
+<p:sld xmlns:a="http://schemas.openxmlformats.org/drawingml/2006/main" xmlns:r="http://schemas.openxmlformats.org/officeDocument/2006/relationships" xmlns:p="http://schemas.openxmlformats.org/presentationml/2006/main">
+  <p:cSld>
+    <p:spTree>
+      <p:nvGrpSpPr>
+        <p:cNvPr id="1" name=""/>
+        <p:cNvGrpSpPr/>
+        <p:nvPr/>
+      </p:nvGrpSpPr>
+      <p:grpSpPr>
+        <a:xfrm>
+          <a:off x="0" y="0"/>
+          <a:ext cx="0" cy="0"/>
+          <a:chOff x="0" y="0"/>
+          <a:chExt cx="0" cy="0"/>
+        </a:xfrm>
+      </p:grpSpPr>
+      <p:sp>
+        <p:nvSpPr>
+          <p:cNvPr id="2" name="Title 1">
+            <a:extLst>
+              <a:ext uri="{FF2B5EF4-FFF2-40B4-BE49-F238E27FC236}">
+                <a16:creationId xmlns:a16="http://schemas.microsoft.com/office/drawing/2014/main" id="{22671EB6-9C7D-6538-9941-7149F5D7A451}"/>
+              </a:ext>
+            </a:extLst>
+          </p:cNvPr>
+          <p:cNvSpPr>
+            <a:spLocks noGrp="1"/>
+          </p:cNvSpPr>
+          <p:nvPr>
+            <p:ph type="title"/>
+          </p:nvPr>
+        </p:nvSpPr>
+        <p:spPr/>
+        <p:txBody>
+          <a:bodyPr/>
+          <a:lstStyle/>
+          <a:p>
+            <a:r>
+              <a:rPr lang="en-US" dirty="0"/>
+              <a:t>Chain Rule of Probability</a:t>
+            </a:r>
+          </a:p>
+        </p:txBody>
+      </p:sp>
+      <p:sp>
+        <p:nvSpPr>
+          <p:cNvPr id="3" name="Content Placeholder 2">
+            <a:extLst>
+              <a:ext uri="{FF2B5EF4-FFF2-40B4-BE49-F238E27FC236}">
+                <a16:creationId xmlns:a16="http://schemas.microsoft.com/office/drawing/2014/main" id="{5835A2E7-87A4-FCD4-2040-0E221CAC0523}"/>
+              </a:ext>
+            </a:extLst>
+          </p:cNvPr>
+          <p:cNvSpPr>
+            <a:spLocks noGrp="1"/>
+          </p:cNvSpPr>
+          <p:nvPr>
+            <p:ph idx="1"/>
+          </p:nvPr>
+        </p:nvSpPr>
+        <p:spPr>
+          <a:xfrm>
+            <a:off x="680321" y="2336873"/>
+            <a:ext cx="11206879" cy="3599316"/>
+          </a:xfrm>
+        </p:spPr>
+        <p:txBody>
+          <a:bodyPr>
+            <a:noAutofit/>
+          </a:bodyPr>
+          <a:lstStyle/>
+          <a:p>
+            <a:pPr marL="0" indent="0">
+              <a:buNone/>
+            </a:pPr>
+            <a:endParaRPr lang="en-US" sz="2800" dirty="0"/>
+          </a:p>
+          <a:p>
+            <a:r>
+              <a:rPr lang="en-US" sz="2800" dirty="0"/>
+              <a:t>Chain rule: </a:t>
+            </a:r>
+            <a:r>
+              <a:rPr lang="en-US" dirty="0"/>
+              <a:t>P(A,B,C,D) = P(A) P(B|A) P(C|A,B) P(D|A,B,C) </a:t>
+            </a:r>
+            <a:endParaRPr lang="en-US" sz="2800" dirty="0"/>
+          </a:p>
+          <a:p>
+            <a:r>
+              <a:rPr lang="en-US" sz="2800" dirty="0"/>
+              <a:t>Example</a:t>
+            </a:r>
+          </a:p>
+          <a:p>
+            <a:pPr marL="457200" lvl="1" indent="0">
+              <a:buNone/>
+            </a:pPr>
+            <a:r>
+              <a:rPr lang="en-US" i="1" dirty="0"/>
+              <a:t>= P(Dhaka is the capital of Bangladesh) </a:t>
+            </a:r>
+          </a:p>
+          <a:p>
+            <a:pPr marL="457200" lvl="1" indent="0">
+              <a:buNone/>
+            </a:pPr>
+            <a:r>
+              <a:rPr lang="en-US" i="1" dirty="0"/>
+              <a:t>= P(Dhaka) x P(is |Dhaka ) x P(the |Dhaka ,is ) x P( capital |Dhaka, is, the)</a:t>
+            </a:r>
+          </a:p>
+          <a:p>
+            <a:pPr marL="457200" lvl="1" indent="0">
+              <a:buNone/>
+            </a:pPr>
+            <a:r>
+              <a:rPr lang="en-US" i="1" dirty="0"/>
+              <a:t>  x P (of | Dhaka, is, the, capital) x P (Bangladesh | Dhaka, is, the, capital, of)</a:t>
+            </a:r>
+          </a:p>
+        </p:txBody>
+      </p:sp>
+    </p:spTree>
+    <p:extLst>
+      <p:ext uri="{BB962C8B-B14F-4D97-AF65-F5344CB8AC3E}">
+        <p14:creationId xmlns:p14="http://schemas.microsoft.com/office/powerpoint/2010/main" val="1239588175"/>
+      </p:ext>
+    </p:extLst>
+  </p:cSld>
+  <p:clrMapOvr>
+    <a:masterClrMapping/>
+  </p:clrMapOvr>
+</p:sld>
+</file>
+
+<file path=ppt/slides/slide48.xml><?xml version="1.0" encoding="utf-8"?>
+<p:sld xmlns:a="http://schemas.openxmlformats.org/drawingml/2006/main" xmlns:r="http://schemas.openxmlformats.org/officeDocument/2006/relationships" xmlns:p="http://schemas.openxmlformats.org/presentationml/2006/main">
+  <p:cSld>
+    <p:spTree>
+      <p:nvGrpSpPr>
+        <p:cNvPr id="1" name=""/>
+        <p:cNvGrpSpPr/>
+        <p:nvPr/>
+      </p:nvGrpSpPr>
+      <p:grpSpPr>
+        <a:xfrm>
+          <a:off x="0" y="0"/>
+          <a:ext cx="0" cy="0"/>
+          <a:chOff x="0" y="0"/>
+          <a:chExt cx="0" cy="0"/>
+        </a:xfrm>
+      </p:grpSpPr>
+      <p:sp>
+        <p:nvSpPr>
+          <p:cNvPr id="2" name="Title 1">
+            <a:extLst>
+              <a:ext uri="{FF2B5EF4-FFF2-40B4-BE49-F238E27FC236}">
+                <a16:creationId xmlns:a16="http://schemas.microsoft.com/office/drawing/2014/main" id="{22671EB6-9C7D-6538-9941-7149F5D7A451}"/>
+              </a:ext>
+            </a:extLst>
+          </p:cNvPr>
+          <p:cNvSpPr>
+            <a:spLocks noGrp="1"/>
+          </p:cNvSpPr>
+          <p:nvPr>
+            <p:ph type="title"/>
+          </p:nvPr>
+        </p:nvSpPr>
+        <p:spPr/>
+        <p:txBody>
+          <a:bodyPr/>
+          <a:lstStyle/>
+          <a:p>
+            <a:r>
+              <a:rPr lang="en-US" dirty="0"/>
+              <a:t>Chain Rule of Probability</a:t>
+            </a:r>
+          </a:p>
+        </p:txBody>
+      </p:sp>
+      <p:sp>
+        <p:nvSpPr>
+          <p:cNvPr id="3" name="Content Placeholder 2">
+            <a:extLst>
+              <a:ext uri="{FF2B5EF4-FFF2-40B4-BE49-F238E27FC236}">
+                <a16:creationId xmlns:a16="http://schemas.microsoft.com/office/drawing/2014/main" id="{5835A2E7-87A4-FCD4-2040-0E221CAC0523}"/>
+              </a:ext>
+            </a:extLst>
+          </p:cNvPr>
+          <p:cNvSpPr>
+            <a:spLocks noGrp="1"/>
+          </p:cNvSpPr>
+          <p:nvPr>
+            <p:ph idx="1"/>
+          </p:nvPr>
+        </p:nvSpPr>
+        <p:spPr>
+          <a:xfrm>
+            <a:off x="680321" y="2336873"/>
+            <a:ext cx="11206879" cy="1569205"/>
+          </a:xfrm>
+        </p:spPr>
+        <p:txBody>
+          <a:bodyPr>
+            <a:noAutofit/>
+          </a:bodyPr>
+          <a:lstStyle/>
+          <a:p>
+            <a:pPr marL="0" indent="0">
+              <a:buNone/>
+            </a:pPr>
+            <a:r>
+              <a:rPr lang="en-US" sz="2800" dirty="0"/>
+              <a:t>Example</a:t>
+            </a:r>
+          </a:p>
+          <a:p>
+            <a:pPr marL="457200" lvl="1" indent="0">
+              <a:buNone/>
+            </a:pPr>
+            <a:r>
+              <a:rPr lang="en-US" i="1" dirty="0"/>
+              <a:t>= P(Dhaka is the capital of Bangladesh) </a:t>
+            </a:r>
+          </a:p>
+          <a:p>
+            <a:pPr marL="457200" lvl="1" indent="0">
+              <a:buNone/>
+            </a:pPr>
+            <a:r>
+              <a:rPr lang="en-US" i="1" dirty="0"/>
+              <a:t>= P(Dhaka) x P(is |Dhaka ) x P(the |Dhaka ,is ) x P( capital |Dhaka, is, the)</a:t>
+            </a:r>
+          </a:p>
+          <a:p>
+            <a:pPr marL="457200" lvl="1" indent="0">
+              <a:buNone/>
+            </a:pPr>
+            <a:r>
+              <a:rPr lang="en-US" i="1" dirty="0"/>
+              <a:t>  x P (of | Dhaka, is, the, capital) x P (Bangladesh | Dhaka, is, the, capital, of)</a:t>
+            </a:r>
+          </a:p>
+          <a:p>
+            <a:pPr marL="457200" lvl="1" indent="0">
+              <a:buNone/>
+            </a:pPr>
+            <a:endParaRPr lang="en-US" sz="2400" dirty="0"/>
+          </a:p>
+          <a:p>
+            <a:pPr marL="457200" lvl="1" indent="0">
+              <a:buNone/>
+            </a:pPr>
+            <a:endParaRPr lang="en-US" i="1" dirty="0"/>
+          </a:p>
+        </p:txBody>
+      </p:sp>
+      <p:sp>
+        <p:nvSpPr>
+          <p:cNvPr id="5" name="TextBox 4">
+            <a:extLst>
+              <a:ext uri="{FF2B5EF4-FFF2-40B4-BE49-F238E27FC236}">
+                <a16:creationId xmlns:a16="http://schemas.microsoft.com/office/drawing/2014/main" id="{CA60D85A-0C0C-78A2-D7D8-B2504A9C1B34}"/>
+              </a:ext>
+            </a:extLst>
+          </p:cNvPr>
+          <p:cNvSpPr txBox="1"/>
+          <p:nvPr/>
+        </p:nvSpPr>
+        <p:spPr>
+          <a:xfrm>
+            <a:off x="275810" y="4332837"/>
+            <a:ext cx="9375086" cy="1292662"/>
+          </a:xfrm>
+          <a:prstGeom prst="rect">
+            <a:avLst/>
+          </a:prstGeom>
+          <a:noFill/>
+        </p:spPr>
+        <p:txBody>
+          <a:bodyPr wrap="square">
+            <a:spAutoFit/>
+          </a:bodyPr>
+          <a:lstStyle/>
+          <a:p>
+            <a:pPr lvl="1"/>
+            <a:r>
+              <a:rPr lang="en-US" sz="2000" dirty="0"/>
+              <a:t>Calculation </a:t>
+            </a:r>
+          </a:p>
+          <a:p>
+            <a:pPr lvl="1"/>
+            <a:r>
+              <a:rPr lang="en-US" sz="2000" i="1" dirty="0"/>
+              <a:t>	= </a:t>
+            </a:r>
+            <a:r>
+              <a:rPr lang="en-US" i="1" dirty="0"/>
+              <a:t>P (Bangladesh | Dhaka, is, the, capital, of)</a:t>
+            </a:r>
+          </a:p>
+          <a:p>
+            <a:pPr lvl="1"/>
+            <a:r>
+              <a:rPr lang="en-US" i="1" dirty="0"/>
+              <a:t>	= count (Dhaka is the capital of Bangladesh) / count(Dhaka is the capital of)  </a:t>
+            </a:r>
+          </a:p>
+          <a:p>
+            <a:pPr marL="457200" lvl="1" indent="0">
+              <a:buNone/>
+            </a:pPr>
+            <a:endParaRPr lang="en-US" sz="2000" dirty="0"/>
+          </a:p>
+        </p:txBody>
+      </p:sp>
+    </p:spTree>
+    <p:extLst>
+      <p:ext uri="{BB962C8B-B14F-4D97-AF65-F5344CB8AC3E}">
+        <p14:creationId xmlns:p14="http://schemas.microsoft.com/office/powerpoint/2010/main" val="1005456211"/>
+      </p:ext>
+    </p:extLst>
+  </p:cSld>
+  <p:clrMapOvr>
+    <a:masterClrMapping/>
+  </p:clrMapOvr>
+</p:sld>
+</file>
+
+<file path=ppt/slides/slide49.xml><?xml version="1.0" encoding="utf-8"?>
+<p:sld xmlns:a="http://schemas.openxmlformats.org/drawingml/2006/main" xmlns:r="http://schemas.openxmlformats.org/officeDocument/2006/relationships" xmlns:p="http://schemas.openxmlformats.org/presentationml/2006/main">
+  <p:cSld>
+    <p:spTree>
+      <p:nvGrpSpPr>
+        <p:cNvPr id="1" name=""/>
+        <p:cNvGrpSpPr/>
+        <p:nvPr/>
+      </p:nvGrpSpPr>
+      <p:grpSpPr>
+        <a:xfrm>
+          <a:off x="0" y="0"/>
+          <a:ext cx="0" cy="0"/>
+          <a:chOff x="0" y="0"/>
+          <a:chExt cx="0" cy="0"/>
+        </a:xfrm>
+      </p:grpSpPr>
+      <p:sp>
+        <p:nvSpPr>
+          <p:cNvPr id="2" name="Title 1">
+            <a:extLst>
+              <a:ext uri="{FF2B5EF4-FFF2-40B4-BE49-F238E27FC236}">
+                <a16:creationId xmlns:a16="http://schemas.microsoft.com/office/drawing/2014/main" id="{22671EB6-9C7D-6538-9941-7149F5D7A451}"/>
+              </a:ext>
+            </a:extLst>
+          </p:cNvPr>
+          <p:cNvSpPr>
+            <a:spLocks noGrp="1"/>
+          </p:cNvSpPr>
+          <p:nvPr>
+            <p:ph type="title"/>
+          </p:nvPr>
+        </p:nvSpPr>
+        <p:spPr/>
+        <p:txBody>
+          <a:bodyPr/>
+          <a:lstStyle/>
+          <a:p>
+            <a:r>
+              <a:rPr lang="en-US" dirty="0"/>
+              <a:t>Markov Assumption</a:t>
+            </a:r>
+          </a:p>
+        </p:txBody>
+      </p:sp>
+      <p:sp>
+        <p:nvSpPr>
+          <p:cNvPr id="3" name="Content Placeholder 2">
+            <a:extLst>
+              <a:ext uri="{FF2B5EF4-FFF2-40B4-BE49-F238E27FC236}">
+                <a16:creationId xmlns:a16="http://schemas.microsoft.com/office/drawing/2014/main" id="{5835A2E7-87A4-FCD4-2040-0E221CAC0523}"/>
+              </a:ext>
+            </a:extLst>
+          </p:cNvPr>
+          <p:cNvSpPr>
+            <a:spLocks noGrp="1"/>
+          </p:cNvSpPr>
+          <p:nvPr>
+            <p:ph idx="1"/>
+          </p:nvPr>
+        </p:nvSpPr>
+        <p:spPr>
+          <a:xfrm>
+            <a:off x="680321" y="2336873"/>
+            <a:ext cx="11206879" cy="1569205"/>
+          </a:xfrm>
+        </p:spPr>
+        <p:txBody>
+          <a:bodyPr>
+            <a:noAutofit/>
+          </a:bodyPr>
+          <a:lstStyle/>
+          <a:p>
+            <a:pPr marL="0" indent="0">
+              <a:buNone/>
+            </a:pPr>
+            <a:r>
+              <a:rPr lang="en-US" sz="2800" dirty="0"/>
+              <a:t>Simplifying assumption</a:t>
+            </a:r>
+          </a:p>
+          <a:p>
+            <a:pPr marL="457200" lvl="1" indent="0">
+              <a:buNone/>
+            </a:pPr>
+            <a:r>
+              <a:rPr lang="en-US" sz="2400" i="1" dirty="0"/>
+              <a:t>= </a:t>
+            </a:r>
+            <a:r>
+              <a:rPr lang="en-US" i="1" dirty="0"/>
+              <a:t>P (Bangladesh | Dhaka, is, the, capital, of)</a:t>
+            </a:r>
+          </a:p>
+          <a:p>
+            <a:pPr marL="457200" lvl="1" indent="0">
+              <a:buNone/>
+            </a:pPr>
+            <a:r>
+              <a:rPr lang="en-US" b="0" i="0" dirty="0">
+                <a:solidFill>
+                  <a:srgbClr val="FFFF00"/>
+                </a:solidFill>
+                <a:effectLst/>
+                <a:latin typeface="Google Sans"/>
+              </a:rPr>
+              <a:t>≈</a:t>
+            </a:r>
+            <a:r>
+              <a:rPr lang="en-US" i="1" dirty="0">
+                <a:solidFill>
+                  <a:srgbClr val="FFFF00"/>
+                </a:solidFill>
+              </a:rPr>
+              <a:t> P (Bangladesh | of)</a:t>
+            </a:r>
+          </a:p>
+          <a:p>
+            <a:pPr marL="457200" lvl="1" indent="0">
+              <a:buNone/>
+            </a:pPr>
+            <a:r>
+              <a:rPr lang="en-US" b="0" i="0" dirty="0">
+                <a:solidFill>
+                  <a:srgbClr val="FFFF00"/>
+                </a:solidFill>
+                <a:effectLst/>
+                <a:latin typeface="Google Sans"/>
+              </a:rPr>
+              <a:t>≈</a:t>
+            </a:r>
+            <a:r>
+              <a:rPr lang="en-US" i="1" dirty="0">
+                <a:solidFill>
+                  <a:srgbClr val="FFFF00"/>
+                </a:solidFill>
+              </a:rPr>
+              <a:t> P (Bangladesh | capital of )</a:t>
+            </a:r>
+          </a:p>
+          <a:p>
+            <a:pPr marL="457200" lvl="1" indent="0">
+              <a:buNone/>
+            </a:pPr>
+            <a:endParaRPr lang="en-US" sz="2400" dirty="0"/>
+          </a:p>
+          <a:p>
+            <a:pPr marL="457200" lvl="1" indent="0">
+              <a:buNone/>
+            </a:pPr>
+            <a:endParaRPr lang="en-US" i="1" dirty="0"/>
+          </a:p>
+        </p:txBody>
+      </p:sp>
+      <p:sp>
+        <p:nvSpPr>
+          <p:cNvPr id="5" name="TextBox 4">
+            <a:extLst>
+              <a:ext uri="{FF2B5EF4-FFF2-40B4-BE49-F238E27FC236}">
+                <a16:creationId xmlns:a16="http://schemas.microsoft.com/office/drawing/2014/main" id="{CA60D85A-0C0C-78A2-D7D8-B2504A9C1B34}"/>
+              </a:ext>
+            </a:extLst>
+          </p:cNvPr>
+          <p:cNvSpPr txBox="1"/>
+          <p:nvPr/>
+        </p:nvSpPr>
+        <p:spPr>
+          <a:xfrm>
+            <a:off x="399382" y="5627718"/>
+            <a:ext cx="11393236" cy="954107"/>
+          </a:xfrm>
+          <a:prstGeom prst="rect">
+            <a:avLst/>
+          </a:prstGeom>
+          <a:noFill/>
+        </p:spPr>
+        <p:txBody>
+          <a:bodyPr wrap="square">
+            <a:spAutoFit/>
+          </a:bodyPr>
+          <a:lstStyle/>
+          <a:p>
+            <a:pPr lvl="1" algn="ctr"/>
+            <a:r>
+              <a:rPr lang="en-US" sz="2800" dirty="0"/>
+              <a:t>The assumption that the probability of a word depends only on the previous word is called Markov assumption </a:t>
+            </a:r>
+          </a:p>
+        </p:txBody>
+      </p:sp>
+      <p:pic>
+        <p:nvPicPr>
+          <p:cNvPr id="6" name="Picture 5">
+            <a:extLst>
+              <a:ext uri="{FF2B5EF4-FFF2-40B4-BE49-F238E27FC236}">
+                <a16:creationId xmlns:a16="http://schemas.microsoft.com/office/drawing/2014/main" id="{3EED25DC-E516-4284-83DE-6A2E34FD05B6}"/>
+              </a:ext>
+            </a:extLst>
+          </p:cNvPr>
+          <p:cNvPicPr>
+            <a:picLocks noChangeAspect="1"/>
+          </p:cNvPicPr>
+          <p:nvPr/>
+        </p:nvPicPr>
+        <p:blipFill>
+          <a:blip r:embed="rId2">
+            <a:extLst>
+              <a:ext uri="{28A0092B-C50C-407E-A947-70E740481C1C}">
+                <a14:useLocalDpi xmlns:a14="http://schemas.microsoft.com/office/drawing/2010/main" val="0"/>
+              </a:ext>
+            </a:extLst>
+          </a:blip>
+          <a:stretch>
+            <a:fillRect/>
+          </a:stretch>
+        </p:blipFill>
+        <p:spPr>
+          <a:xfrm>
+            <a:off x="9139975" y="2065634"/>
+            <a:ext cx="2652643" cy="3330616"/>
+          </a:xfrm>
+          <a:prstGeom prst="rect">
+            <a:avLst/>
+          </a:prstGeom>
+        </p:spPr>
+      </p:pic>
+    </p:spTree>
+    <p:extLst>
+      <p:ext uri="{BB962C8B-B14F-4D97-AF65-F5344CB8AC3E}">
+        <p14:creationId xmlns:p14="http://schemas.microsoft.com/office/powerpoint/2010/main" val="2199039240"/>
+      </p:ext>
+    </p:extLst>
+  </p:cSld>
+  <p:clrMapOvr>
+    <a:masterClrMapping/>
+  </p:clrMapOvr>
+</p:sld>
+</file>
+
 <file path=ppt/slides/slide5.xml><?xml version="1.0" encoding="utf-8"?>
 <p:sld xmlns:a="http://schemas.openxmlformats.org/drawingml/2006/main" xmlns:r="http://schemas.openxmlformats.org/officeDocument/2006/relationships" xmlns:p="http://schemas.openxmlformats.org/presentationml/2006/main">
   <p:cSld>
@@ -28422,6 +30420,2125 @@
   <p:clrMapOvr>
     <a:masterClrMapping/>
   </p:clrMapOvr>
+</p:sld>
+</file>
+
+<file path=ppt/slides/slide50.xml><?xml version="1.0" encoding="utf-8"?>
+<p:sld xmlns:a="http://schemas.openxmlformats.org/drawingml/2006/main" xmlns:r="http://schemas.openxmlformats.org/officeDocument/2006/relationships" xmlns:p="http://schemas.openxmlformats.org/presentationml/2006/main">
+  <p:cSld>
+    <p:spTree>
+      <p:nvGrpSpPr>
+        <p:cNvPr id="1" name=""/>
+        <p:cNvGrpSpPr/>
+        <p:nvPr/>
+      </p:nvGrpSpPr>
+      <p:grpSpPr>
+        <a:xfrm>
+          <a:off x="0" y="0"/>
+          <a:ext cx="0" cy="0"/>
+          <a:chOff x="0" y="0"/>
+          <a:chExt cx="0" cy="0"/>
+        </a:xfrm>
+      </p:grpSpPr>
+      <p:sp>
+        <p:nvSpPr>
+          <p:cNvPr id="2" name="Title 1">
+            <a:extLst>
+              <a:ext uri="{FF2B5EF4-FFF2-40B4-BE49-F238E27FC236}">
+                <a16:creationId xmlns:a16="http://schemas.microsoft.com/office/drawing/2014/main" id="{694A32B5-CC15-4BE0-91F6-9DFAB105B8C6}"/>
+              </a:ext>
+            </a:extLst>
+          </p:cNvPr>
+          <p:cNvSpPr>
+            <a:spLocks noGrp="1"/>
+          </p:cNvSpPr>
+          <p:nvPr>
+            <p:ph type="ctrTitle"/>
+          </p:nvPr>
+        </p:nvSpPr>
+        <p:spPr/>
+        <p:txBody>
+          <a:bodyPr/>
+          <a:lstStyle/>
+          <a:p>
+            <a:r>
+              <a:rPr lang="en-US" sz="4400" dirty="0"/>
+              <a:t>Bigram Models</a:t>
+            </a:r>
+            <a:br>
+              <a:rPr lang="en-US" dirty="0"/>
+            </a:br>
+            <a:r>
+              <a:rPr lang="en-US" sz="2800" dirty="0">
+                <a:solidFill>
+                  <a:srgbClr val="FF0000"/>
+                </a:solidFill>
+              </a:rPr>
+              <a:t>Condition on previous word</a:t>
+            </a:r>
+          </a:p>
+        </p:txBody>
+      </p:sp>
+      <p:sp>
+        <p:nvSpPr>
+          <p:cNvPr id="3" name="Subtitle 2">
+            <a:extLst>
+              <a:ext uri="{FF2B5EF4-FFF2-40B4-BE49-F238E27FC236}">
+                <a16:creationId xmlns:a16="http://schemas.microsoft.com/office/drawing/2014/main" id="{7F593B77-EFC8-4C4D-ADC1-3DC88C25A989}"/>
+              </a:ext>
+            </a:extLst>
+          </p:cNvPr>
+          <p:cNvSpPr>
+            <a:spLocks noGrp="1"/>
+          </p:cNvSpPr>
+          <p:nvPr>
+            <p:ph type="subTitle" idx="1"/>
+          </p:nvPr>
+        </p:nvSpPr>
+        <p:spPr>
+          <a:xfrm>
+            <a:off x="1062877" y="4422031"/>
+            <a:ext cx="8144134" cy="1117687"/>
+          </a:xfrm>
+        </p:spPr>
+        <p:txBody>
+          <a:bodyPr>
+            <a:normAutofit/>
+          </a:bodyPr>
+          <a:lstStyle/>
+          <a:p>
+            <a:r>
+              <a:rPr lang="en-US" sz="2600" dirty="0"/>
+              <a:t>Natural Language Processing </a:t>
+            </a:r>
+          </a:p>
+        </p:txBody>
+      </p:sp>
+    </p:spTree>
+    <p:extLst>
+      <p:ext uri="{BB962C8B-B14F-4D97-AF65-F5344CB8AC3E}">
+        <p14:creationId xmlns:p14="http://schemas.microsoft.com/office/powerpoint/2010/main" val="917375677"/>
+      </p:ext>
+    </p:extLst>
+  </p:cSld>
+  <p:clrMapOvr>
+    <a:masterClrMapping/>
+  </p:clrMapOvr>
+</p:sld>
+</file>
+
+<file path=ppt/slides/slide51.xml><?xml version="1.0" encoding="utf-8"?>
+<p:sld xmlns:a="http://schemas.openxmlformats.org/drawingml/2006/main" xmlns:r="http://schemas.openxmlformats.org/officeDocument/2006/relationships" xmlns:p="http://schemas.openxmlformats.org/presentationml/2006/main">
+  <p:cSld>
+    <p:spTree>
+      <p:nvGrpSpPr>
+        <p:cNvPr id="1" name=""/>
+        <p:cNvGrpSpPr/>
+        <p:nvPr/>
+      </p:nvGrpSpPr>
+      <p:grpSpPr>
+        <a:xfrm>
+          <a:off x="0" y="0"/>
+          <a:ext cx="0" cy="0"/>
+          <a:chOff x="0" y="0"/>
+          <a:chExt cx="0" cy="0"/>
+        </a:xfrm>
+      </p:grpSpPr>
+      <p:sp>
+        <p:nvSpPr>
+          <p:cNvPr id="2" name="Title 1">
+            <a:extLst>
+              <a:ext uri="{FF2B5EF4-FFF2-40B4-BE49-F238E27FC236}">
+                <a16:creationId xmlns:a16="http://schemas.microsoft.com/office/drawing/2014/main" id="{22671EB6-9C7D-6538-9941-7149F5D7A451}"/>
+              </a:ext>
+            </a:extLst>
+          </p:cNvPr>
+          <p:cNvSpPr>
+            <a:spLocks noGrp="1"/>
+          </p:cNvSpPr>
+          <p:nvPr>
+            <p:ph type="title"/>
+          </p:nvPr>
+        </p:nvSpPr>
+        <p:spPr/>
+        <p:txBody>
+          <a:bodyPr/>
+          <a:lstStyle/>
+          <a:p>
+            <a:r>
+              <a:rPr lang="en-US" dirty="0"/>
+              <a:t>Bigram Models</a:t>
+            </a:r>
+          </a:p>
+        </p:txBody>
+      </p:sp>
+      <p:sp>
+        <p:nvSpPr>
+          <p:cNvPr id="3" name="Content Placeholder 2">
+            <a:extLst>
+              <a:ext uri="{FF2B5EF4-FFF2-40B4-BE49-F238E27FC236}">
+                <a16:creationId xmlns:a16="http://schemas.microsoft.com/office/drawing/2014/main" id="{5835A2E7-87A4-FCD4-2040-0E221CAC0523}"/>
+              </a:ext>
+            </a:extLst>
+          </p:cNvPr>
+          <p:cNvSpPr>
+            <a:spLocks noGrp="1"/>
+          </p:cNvSpPr>
+          <p:nvPr>
+            <p:ph idx="1"/>
+          </p:nvPr>
+        </p:nvSpPr>
+        <p:spPr>
+          <a:xfrm>
+            <a:off x="680321" y="2809187"/>
+            <a:ext cx="9849419" cy="3127001"/>
+          </a:xfrm>
+        </p:spPr>
+        <p:txBody>
+          <a:bodyPr>
+            <a:noAutofit/>
+          </a:bodyPr>
+          <a:lstStyle/>
+          <a:p>
+            <a:pPr marL="0" indent="0" algn="ctr">
+              <a:buNone/>
+            </a:pPr>
+            <a:endParaRPr lang="en-US" sz="2800" dirty="0"/>
+          </a:p>
+          <a:p>
+            <a:pPr marL="0" indent="0" algn="ctr">
+              <a:buNone/>
+            </a:pPr>
+            <a:r>
+              <a:rPr lang="en-US" sz="2800" dirty="0"/>
+              <a:t>Please bring me a glass of </a:t>
+            </a:r>
+            <a:r>
+              <a:rPr lang="en-US" sz="2800" u="sng" dirty="0">
+                <a:solidFill>
+                  <a:srgbClr val="FFFF00"/>
+                </a:solidFill>
+              </a:rPr>
+              <a:t>water </a:t>
+            </a:r>
+          </a:p>
+        </p:txBody>
+      </p:sp>
+      <p:sp>
+        <p:nvSpPr>
+          <p:cNvPr id="6" name="Right Brace 5">
+            <a:extLst>
+              <a:ext uri="{FF2B5EF4-FFF2-40B4-BE49-F238E27FC236}">
+                <a16:creationId xmlns:a16="http://schemas.microsoft.com/office/drawing/2014/main" id="{CDD6BA60-B9A5-8A45-E520-296A416B2C96}"/>
+              </a:ext>
+            </a:extLst>
+          </p:cNvPr>
+          <p:cNvSpPr/>
+          <p:nvPr/>
+        </p:nvSpPr>
+        <p:spPr>
+          <a:xfrm rot="5400000">
+            <a:off x="4098304" y="2687424"/>
+            <a:ext cx="1842937" cy="4044099"/>
+          </a:xfrm>
+          <a:prstGeom prst="rightBrace">
+            <a:avLst/>
+          </a:prstGeom>
+        </p:spPr>
+        <p:style>
+          <a:lnRef idx="1">
+            <a:schemeClr val="accent4"/>
+          </a:lnRef>
+          <a:fillRef idx="0">
+            <a:schemeClr val="accent4"/>
+          </a:fillRef>
+          <a:effectRef idx="0">
+            <a:schemeClr val="accent4"/>
+          </a:effectRef>
+          <a:fontRef idx="minor">
+            <a:schemeClr val="tx1"/>
+          </a:fontRef>
+        </p:style>
+        <p:txBody>
+          <a:bodyPr rtlCol="0" anchor="ctr"/>
+          <a:lstStyle/>
+          <a:p>
+            <a:pPr algn="ctr"/>
+            <a:endParaRPr lang="en-US" dirty="0">
+              <a:ln w="0"/>
+              <a:solidFill>
+                <a:schemeClr val="accent1"/>
+              </a:solidFill>
+              <a:effectLst>
+                <a:outerShdw blurRad="38100" dist="25400" dir="5400000" algn="ctr" rotWithShape="0">
+                  <a:srgbClr val="6E747A">
+                    <a:alpha val="43000"/>
+                  </a:srgbClr>
+                </a:outerShdw>
+              </a:effectLst>
+            </a:endParaRPr>
+          </a:p>
+        </p:txBody>
+      </p:sp>
+      <p:sp>
+        <p:nvSpPr>
+          <p:cNvPr id="7" name="Right Brace 6">
+            <a:extLst>
+              <a:ext uri="{FF2B5EF4-FFF2-40B4-BE49-F238E27FC236}">
+                <a16:creationId xmlns:a16="http://schemas.microsoft.com/office/drawing/2014/main" id="{A219F1D3-3D46-EABD-5152-1C2F5E1FD395}"/>
+              </a:ext>
+            </a:extLst>
+          </p:cNvPr>
+          <p:cNvSpPr/>
+          <p:nvPr/>
+        </p:nvSpPr>
+        <p:spPr>
+          <a:xfrm rot="5400000">
+            <a:off x="6836002" y="4125798"/>
+            <a:ext cx="1750242" cy="1074657"/>
+          </a:xfrm>
+          <a:prstGeom prst="rightBrace">
+            <a:avLst>
+              <a:gd name="adj1" fmla="val 24122"/>
+              <a:gd name="adj2" fmla="val 50000"/>
+            </a:avLst>
+          </a:prstGeom>
+        </p:spPr>
+        <p:style>
+          <a:lnRef idx="1">
+            <a:schemeClr val="accent4"/>
+          </a:lnRef>
+          <a:fillRef idx="0">
+            <a:schemeClr val="accent4"/>
+          </a:fillRef>
+          <a:effectRef idx="0">
+            <a:schemeClr val="accent4"/>
+          </a:effectRef>
+          <a:fontRef idx="minor">
+            <a:schemeClr val="tx1"/>
+          </a:fontRef>
+        </p:style>
+        <p:txBody>
+          <a:bodyPr rtlCol="0" anchor="ctr"/>
+          <a:lstStyle/>
+          <a:p>
+            <a:pPr algn="ctr"/>
+            <a:endParaRPr lang="en-US" dirty="0">
+              <a:ln w="0"/>
+              <a:solidFill>
+                <a:schemeClr val="accent1"/>
+              </a:solidFill>
+              <a:effectLst>
+                <a:outerShdw blurRad="38100" dist="25400" dir="5400000" algn="ctr" rotWithShape="0">
+                  <a:srgbClr val="6E747A">
+                    <a:alpha val="43000"/>
+                  </a:srgbClr>
+                </a:outerShdw>
+              </a:effectLst>
+            </a:endParaRPr>
+          </a:p>
+        </p:txBody>
+      </p:sp>
+      <p:sp>
+        <p:nvSpPr>
+          <p:cNvPr id="14" name="TextBox 13">
+            <a:extLst>
+              <a:ext uri="{FF2B5EF4-FFF2-40B4-BE49-F238E27FC236}">
+                <a16:creationId xmlns:a16="http://schemas.microsoft.com/office/drawing/2014/main" id="{9A0B4B0D-2A8B-D81C-E4A8-30BCDCE86CC0}"/>
+              </a:ext>
+            </a:extLst>
+          </p:cNvPr>
+          <p:cNvSpPr txBox="1"/>
+          <p:nvPr/>
+        </p:nvSpPr>
+        <p:spPr>
+          <a:xfrm>
+            <a:off x="4581424" y="5936188"/>
+            <a:ext cx="912429" cy="369332"/>
+          </a:xfrm>
+          <a:prstGeom prst="rect">
+            <a:avLst/>
+          </a:prstGeom>
+          <a:noFill/>
+        </p:spPr>
+        <p:txBody>
+          <a:bodyPr wrap="none" rtlCol="0">
+            <a:spAutoFit/>
+          </a:bodyPr>
+          <a:lstStyle/>
+          <a:p>
+            <a:r>
+              <a:rPr lang="en-US" dirty="0"/>
+              <a:t>History</a:t>
+            </a:r>
+          </a:p>
+        </p:txBody>
+      </p:sp>
+      <p:sp>
+        <p:nvSpPr>
+          <p:cNvPr id="15" name="TextBox 14">
+            <a:extLst>
+              <a:ext uri="{FF2B5EF4-FFF2-40B4-BE49-F238E27FC236}">
+                <a16:creationId xmlns:a16="http://schemas.microsoft.com/office/drawing/2014/main" id="{8D7BBF88-0713-E77F-708E-C9A53FE8C560}"/>
+              </a:ext>
+            </a:extLst>
+          </p:cNvPr>
+          <p:cNvSpPr txBox="1"/>
+          <p:nvPr/>
+        </p:nvSpPr>
+        <p:spPr>
+          <a:xfrm>
+            <a:off x="6779441" y="5937756"/>
+            <a:ext cx="1841210" cy="369332"/>
+          </a:xfrm>
+          <a:prstGeom prst="rect">
+            <a:avLst/>
+          </a:prstGeom>
+          <a:noFill/>
+        </p:spPr>
+        <p:txBody>
+          <a:bodyPr wrap="none" rtlCol="0">
+            <a:spAutoFit/>
+          </a:bodyPr>
+          <a:lstStyle/>
+          <a:p>
+            <a:r>
+              <a:rPr lang="en-US" dirty="0"/>
+              <a:t>Word prediction</a:t>
+            </a:r>
+          </a:p>
+        </p:txBody>
+      </p:sp>
+    </p:spTree>
+    <p:extLst>
+      <p:ext uri="{BB962C8B-B14F-4D97-AF65-F5344CB8AC3E}">
+        <p14:creationId xmlns:p14="http://schemas.microsoft.com/office/powerpoint/2010/main" val="1294034004"/>
+      </p:ext>
+    </p:extLst>
+  </p:cSld>
+  <p:clrMapOvr>
+    <a:masterClrMapping/>
+  </p:clrMapOvr>
+</p:sld>
+</file>
+
+<file path=ppt/slides/slide52.xml><?xml version="1.0" encoding="utf-8"?>
+<p:sld xmlns:a="http://schemas.openxmlformats.org/drawingml/2006/main" xmlns:r="http://schemas.openxmlformats.org/officeDocument/2006/relationships" xmlns:p="http://schemas.openxmlformats.org/presentationml/2006/main">
+  <p:cSld>
+    <p:spTree>
+      <p:nvGrpSpPr>
+        <p:cNvPr id="1" name=""/>
+        <p:cNvGrpSpPr/>
+        <p:nvPr/>
+      </p:nvGrpSpPr>
+      <p:grpSpPr>
+        <a:xfrm>
+          <a:off x="0" y="0"/>
+          <a:ext cx="0" cy="0"/>
+          <a:chOff x="0" y="0"/>
+          <a:chExt cx="0" cy="0"/>
+        </a:xfrm>
+      </p:grpSpPr>
+      <p:sp>
+        <p:nvSpPr>
+          <p:cNvPr id="2" name="Title 1">
+            <a:extLst>
+              <a:ext uri="{FF2B5EF4-FFF2-40B4-BE49-F238E27FC236}">
+                <a16:creationId xmlns:a16="http://schemas.microsoft.com/office/drawing/2014/main" id="{44A748A8-E601-7B1C-CAD8-A7881BC7524A}"/>
+              </a:ext>
+            </a:extLst>
+          </p:cNvPr>
+          <p:cNvSpPr>
+            <a:spLocks noGrp="1"/>
+          </p:cNvSpPr>
+          <p:nvPr>
+            <p:ph type="title"/>
+          </p:nvPr>
+        </p:nvSpPr>
+        <p:spPr/>
+        <p:txBody>
+          <a:bodyPr/>
+          <a:lstStyle/>
+          <a:p>
+            <a:r>
+              <a:rPr lang="en-US" dirty="0"/>
+              <a:t>Estimated Bigram Probabilities</a:t>
+            </a:r>
+          </a:p>
+        </p:txBody>
+      </p:sp>
+      <p:pic>
+        <p:nvPicPr>
+          <p:cNvPr id="5" name="Content Placeholder 4">
+            <a:extLst>
+              <a:ext uri="{FF2B5EF4-FFF2-40B4-BE49-F238E27FC236}">
+                <a16:creationId xmlns:a16="http://schemas.microsoft.com/office/drawing/2014/main" id="{A180A0CD-1C3E-ADE2-2543-C178DD189238}"/>
+              </a:ext>
+            </a:extLst>
+          </p:cNvPr>
+          <p:cNvPicPr>
+            <a:picLocks noGrp="1" noChangeAspect="1"/>
+          </p:cNvPicPr>
+          <p:nvPr>
+            <p:ph idx="1"/>
+          </p:nvPr>
+        </p:nvPicPr>
+        <p:blipFill rotWithShape="1">
+          <a:blip r:embed="rId2">
+            <a:extLst>
+              <a:ext uri="{28A0092B-C50C-407E-A947-70E740481C1C}">
+                <a14:useLocalDpi xmlns:a14="http://schemas.microsoft.com/office/drawing/2010/main" val="0"/>
+              </a:ext>
+            </a:extLst>
+          </a:blip>
+          <a:srcRect l="-317" t="24230" r="-2748" b="-7019"/>
+          <a:stretch/>
+        </p:blipFill>
+        <p:spPr>
+          <a:xfrm>
+            <a:off x="5932441" y="2469822"/>
+            <a:ext cx="6397978" cy="2890806"/>
+          </a:xfrm>
+        </p:spPr>
+      </p:pic>
+      <p:sp>
+        <p:nvSpPr>
+          <p:cNvPr id="7" name="TextBox 6">
+            <a:extLst>
+              <a:ext uri="{FF2B5EF4-FFF2-40B4-BE49-F238E27FC236}">
+                <a16:creationId xmlns:a16="http://schemas.microsoft.com/office/drawing/2014/main" id="{EB72905A-2A91-5E77-8949-1C1AF7B74BB6}"/>
+              </a:ext>
+            </a:extLst>
+          </p:cNvPr>
+          <p:cNvSpPr txBox="1"/>
+          <p:nvPr/>
+        </p:nvSpPr>
+        <p:spPr>
+          <a:xfrm>
+            <a:off x="292231" y="2681082"/>
+            <a:ext cx="6165130" cy="923330"/>
+          </a:xfrm>
+          <a:prstGeom prst="rect">
+            <a:avLst/>
+          </a:prstGeom>
+          <a:noFill/>
+        </p:spPr>
+        <p:txBody>
+          <a:bodyPr wrap="square">
+            <a:spAutoFit/>
+          </a:bodyPr>
+          <a:lstStyle/>
+          <a:p>
+            <a:r>
+              <a:rPr lang="en-US" dirty="0"/>
+              <a:t>&lt;s&gt; I am Sam &lt;/s&gt;</a:t>
+            </a:r>
+          </a:p>
+          <a:p>
+            <a:r>
+              <a:rPr lang="en-US" dirty="0"/>
+              <a:t>&lt;s&gt; Sam I am &lt;/s&gt;</a:t>
+            </a:r>
+          </a:p>
+          <a:p>
+            <a:r>
+              <a:rPr lang="en-US" dirty="0"/>
+              <a:t>&lt;s&gt;I do not like green eggs and ham&lt;/s&gt;</a:t>
+            </a:r>
+          </a:p>
+        </p:txBody>
+      </p:sp>
+      <p:sp>
+        <p:nvSpPr>
+          <p:cNvPr id="8" name="TextBox 7">
+            <a:extLst>
+              <a:ext uri="{FF2B5EF4-FFF2-40B4-BE49-F238E27FC236}">
+                <a16:creationId xmlns:a16="http://schemas.microsoft.com/office/drawing/2014/main" id="{43D5B59D-49A2-F76C-5428-AFE6975131FF}"/>
+              </a:ext>
+            </a:extLst>
+          </p:cNvPr>
+          <p:cNvSpPr txBox="1"/>
+          <p:nvPr/>
+        </p:nvSpPr>
+        <p:spPr>
+          <a:xfrm>
+            <a:off x="428589" y="4240068"/>
+            <a:ext cx="6165130" cy="1754326"/>
+          </a:xfrm>
+          <a:prstGeom prst="rect">
+            <a:avLst/>
+          </a:prstGeom>
+          <a:noFill/>
+        </p:spPr>
+        <p:txBody>
+          <a:bodyPr wrap="square">
+            <a:spAutoFit/>
+          </a:bodyPr>
+          <a:lstStyle/>
+          <a:p>
+            <a:r>
+              <a:rPr lang="en-US" dirty="0"/>
+              <a:t>P (I | &lt;s&gt;) = 2/3</a:t>
+            </a:r>
+          </a:p>
+          <a:p>
+            <a:r>
+              <a:rPr lang="en-US" dirty="0"/>
+              <a:t>P (Sam | &lt;s&gt;) = 1/3</a:t>
+            </a:r>
+          </a:p>
+          <a:p>
+            <a:r>
+              <a:rPr lang="en-US" dirty="0"/>
+              <a:t>P (am | I) = 2/3</a:t>
+            </a:r>
+          </a:p>
+          <a:p>
+            <a:r>
+              <a:rPr lang="en-US" dirty="0"/>
+              <a:t>P (&lt;/s&gt;| Sam) =1/2</a:t>
+            </a:r>
+          </a:p>
+          <a:p>
+            <a:r>
+              <a:rPr lang="en-US" dirty="0"/>
+              <a:t>P (Sam | am) =1/2</a:t>
+            </a:r>
+          </a:p>
+          <a:p>
+            <a:r>
+              <a:rPr lang="en-US" dirty="0"/>
+              <a:t>P (do | I)= 1/3</a:t>
+            </a:r>
+          </a:p>
+        </p:txBody>
+      </p:sp>
+      <p:sp>
+        <p:nvSpPr>
+          <p:cNvPr id="9" name="TextBox 8">
+            <a:extLst>
+              <a:ext uri="{FF2B5EF4-FFF2-40B4-BE49-F238E27FC236}">
+                <a16:creationId xmlns:a16="http://schemas.microsoft.com/office/drawing/2014/main" id="{732577DF-D55C-D01D-74DD-B0FFE0BF0619}"/>
+              </a:ext>
+            </a:extLst>
+          </p:cNvPr>
+          <p:cNvSpPr txBox="1"/>
+          <p:nvPr/>
+        </p:nvSpPr>
+        <p:spPr>
+          <a:xfrm>
+            <a:off x="6093001" y="5994394"/>
+            <a:ext cx="6090130" cy="461665"/>
+          </a:xfrm>
+          <a:prstGeom prst="rect">
+            <a:avLst/>
+          </a:prstGeom>
+          <a:noFill/>
+        </p:spPr>
+        <p:txBody>
+          <a:bodyPr wrap="none" rtlCol="0">
+            <a:spAutoFit/>
+          </a:bodyPr>
+          <a:lstStyle/>
+          <a:p>
+            <a:pPr algn="ctr"/>
+            <a:r>
+              <a:rPr lang="en-US" sz="2400" dirty="0">
+                <a:solidFill>
+                  <a:srgbClr val="FFFF00"/>
+                </a:solidFill>
+              </a:rPr>
+              <a:t>https://web.stanford.edu/~jurafsky/slp3/</a:t>
+            </a:r>
+          </a:p>
+        </p:txBody>
+      </p:sp>
+    </p:spTree>
+    <p:extLst>
+      <p:ext uri="{BB962C8B-B14F-4D97-AF65-F5344CB8AC3E}">
+        <p14:creationId xmlns:p14="http://schemas.microsoft.com/office/powerpoint/2010/main" val="3380245646"/>
+      </p:ext>
+    </p:extLst>
+  </p:cSld>
+  <p:clrMapOvr>
+    <a:masterClrMapping/>
+  </p:clrMapOvr>
+</p:sld>
+</file>
+
+<file path=ppt/slides/slide53.xml><?xml version="1.0" encoding="utf-8"?>
+<p:sld xmlns:a="http://schemas.openxmlformats.org/drawingml/2006/main" xmlns:r="http://schemas.openxmlformats.org/officeDocument/2006/relationships" xmlns:p="http://schemas.openxmlformats.org/presentationml/2006/main">
+  <p:cSld>
+    <p:spTree>
+      <p:nvGrpSpPr>
+        <p:cNvPr id="1" name=""/>
+        <p:cNvGrpSpPr/>
+        <p:nvPr/>
+      </p:nvGrpSpPr>
+      <p:grpSpPr>
+        <a:xfrm>
+          <a:off x="0" y="0"/>
+          <a:ext cx="0" cy="0"/>
+          <a:chOff x="0" y="0"/>
+          <a:chExt cx="0" cy="0"/>
+        </a:xfrm>
+      </p:grpSpPr>
+      <p:sp>
+        <p:nvSpPr>
+          <p:cNvPr id="2" name="Title 1">
+            <a:extLst>
+              <a:ext uri="{FF2B5EF4-FFF2-40B4-BE49-F238E27FC236}">
+                <a16:creationId xmlns:a16="http://schemas.microsoft.com/office/drawing/2014/main" id="{44A748A8-E601-7B1C-CAD8-A7881BC7524A}"/>
+              </a:ext>
+            </a:extLst>
+          </p:cNvPr>
+          <p:cNvSpPr>
+            <a:spLocks noGrp="1"/>
+          </p:cNvSpPr>
+          <p:nvPr>
+            <p:ph type="title"/>
+          </p:nvPr>
+        </p:nvSpPr>
+        <p:spPr/>
+        <p:txBody>
+          <a:bodyPr/>
+          <a:lstStyle/>
+          <a:p>
+            <a:r>
+              <a:rPr lang="en-US" dirty="0"/>
+              <a:t>Estimated Bigram Probabilities</a:t>
+            </a:r>
+          </a:p>
+        </p:txBody>
+      </p:sp>
+      <p:pic>
+        <p:nvPicPr>
+          <p:cNvPr id="5" name="Content Placeholder 4">
+            <a:extLst>
+              <a:ext uri="{FF2B5EF4-FFF2-40B4-BE49-F238E27FC236}">
+                <a16:creationId xmlns:a16="http://schemas.microsoft.com/office/drawing/2014/main" id="{A180A0CD-1C3E-ADE2-2543-C178DD189238}"/>
+              </a:ext>
+            </a:extLst>
+          </p:cNvPr>
+          <p:cNvPicPr>
+            <a:picLocks noGrp="1" noChangeAspect="1"/>
+          </p:cNvPicPr>
+          <p:nvPr>
+            <p:ph idx="1"/>
+          </p:nvPr>
+        </p:nvPicPr>
+        <p:blipFill rotWithShape="1">
+          <a:blip r:embed="rId2">
+            <a:extLst>
+              <a:ext uri="{28A0092B-C50C-407E-A947-70E740481C1C}">
+                <a14:useLocalDpi xmlns:a14="http://schemas.microsoft.com/office/drawing/2010/main" val="0"/>
+              </a:ext>
+            </a:extLst>
+          </a:blip>
+          <a:srcRect l="-317" t="24230" r="-2748" b="-7019"/>
+          <a:stretch/>
+        </p:blipFill>
+        <p:spPr>
+          <a:xfrm>
+            <a:off x="5963614" y="3429000"/>
+            <a:ext cx="6397978" cy="2890806"/>
+          </a:xfrm>
+        </p:spPr>
+      </p:pic>
+      <p:sp>
+        <p:nvSpPr>
+          <p:cNvPr id="7" name="TextBox 6">
+            <a:extLst>
+              <a:ext uri="{FF2B5EF4-FFF2-40B4-BE49-F238E27FC236}">
+                <a16:creationId xmlns:a16="http://schemas.microsoft.com/office/drawing/2014/main" id="{EB72905A-2A91-5E77-8949-1C1AF7B74BB6}"/>
+              </a:ext>
+            </a:extLst>
+          </p:cNvPr>
+          <p:cNvSpPr txBox="1"/>
+          <p:nvPr/>
+        </p:nvSpPr>
+        <p:spPr>
+          <a:xfrm>
+            <a:off x="292231" y="2681082"/>
+            <a:ext cx="11097664" cy="646331"/>
+          </a:xfrm>
+          <a:prstGeom prst="rect">
+            <a:avLst/>
+          </a:prstGeom>
+          <a:noFill/>
+        </p:spPr>
+        <p:txBody>
+          <a:bodyPr wrap="square">
+            <a:spAutoFit/>
+          </a:bodyPr>
+          <a:lstStyle/>
+          <a:p>
+            <a:r>
+              <a:rPr lang="en-US" dirty="0"/>
+              <a:t>P(&lt;s&gt; I want </a:t>
+            </a:r>
+            <a:r>
+              <a:rPr lang="en-US" dirty="0" err="1"/>
+              <a:t>english</a:t>
+            </a:r>
+            <a:r>
+              <a:rPr lang="en-US" dirty="0"/>
+              <a:t> food &lt;/s&gt;) = P(I|&lt;s&gt;) × P(</a:t>
+            </a:r>
+            <a:r>
+              <a:rPr lang="en-US" dirty="0" err="1"/>
+              <a:t>want|I</a:t>
+            </a:r>
+            <a:r>
+              <a:rPr lang="en-US" dirty="0"/>
+              <a:t>) × P(</a:t>
+            </a:r>
+            <a:r>
+              <a:rPr lang="en-US" dirty="0" err="1"/>
+              <a:t>english|want</a:t>
+            </a:r>
+            <a:r>
+              <a:rPr lang="en-US" dirty="0"/>
+              <a:t>) × P(</a:t>
+            </a:r>
+            <a:r>
+              <a:rPr lang="en-US" dirty="0" err="1"/>
+              <a:t>food|english</a:t>
+            </a:r>
+            <a:r>
+              <a:rPr lang="en-US" dirty="0"/>
+              <a:t>) × P(&lt;/s&gt;|food)</a:t>
+            </a:r>
+          </a:p>
+          <a:p>
+            <a:r>
+              <a:rPr lang="en-US" dirty="0"/>
+              <a:t> 						       = .000031</a:t>
+            </a:r>
+          </a:p>
+        </p:txBody>
+      </p:sp>
+      <p:sp>
+        <p:nvSpPr>
+          <p:cNvPr id="8" name="TextBox 7">
+            <a:extLst>
+              <a:ext uri="{FF2B5EF4-FFF2-40B4-BE49-F238E27FC236}">
+                <a16:creationId xmlns:a16="http://schemas.microsoft.com/office/drawing/2014/main" id="{43D5B59D-49A2-F76C-5428-AFE6975131FF}"/>
+              </a:ext>
+            </a:extLst>
+          </p:cNvPr>
+          <p:cNvSpPr txBox="1"/>
+          <p:nvPr/>
+        </p:nvSpPr>
+        <p:spPr>
+          <a:xfrm>
+            <a:off x="508800" y="3977183"/>
+            <a:ext cx="6165130" cy="1754326"/>
+          </a:xfrm>
+          <a:prstGeom prst="rect">
+            <a:avLst/>
+          </a:prstGeom>
+          <a:noFill/>
+        </p:spPr>
+        <p:txBody>
+          <a:bodyPr wrap="square">
+            <a:spAutoFit/>
+          </a:bodyPr>
+          <a:lstStyle/>
+          <a:p>
+            <a:r>
+              <a:rPr lang="en-US" dirty="0">
+                <a:solidFill>
+                  <a:srgbClr val="FFFF00"/>
+                </a:solidFill>
+              </a:rPr>
+              <a:t>Given that </a:t>
+            </a:r>
+          </a:p>
+          <a:p>
+            <a:r>
+              <a:rPr lang="en-US" dirty="0"/>
+              <a:t>P(</a:t>
+            </a:r>
+            <a:r>
+              <a:rPr lang="en-US" dirty="0" err="1"/>
+              <a:t>i</a:t>
+            </a:r>
+            <a:r>
+              <a:rPr lang="en-US" dirty="0"/>
+              <a:t>|&lt;s&gt;) = 0.25</a:t>
+            </a:r>
+          </a:p>
+          <a:p>
+            <a:r>
+              <a:rPr lang="en-US" dirty="0"/>
+              <a:t>P (want | I) =0.33</a:t>
+            </a:r>
+          </a:p>
+          <a:p>
+            <a:r>
+              <a:rPr lang="en-US" dirty="0"/>
+              <a:t>P(</a:t>
+            </a:r>
+            <a:r>
+              <a:rPr lang="en-US" dirty="0" err="1"/>
+              <a:t>english|want</a:t>
+            </a:r>
+            <a:r>
+              <a:rPr lang="en-US" dirty="0"/>
+              <a:t>) = 0.0011</a:t>
+            </a:r>
+          </a:p>
+          <a:p>
+            <a:r>
+              <a:rPr lang="en-US" dirty="0"/>
+              <a:t>P(</a:t>
+            </a:r>
+            <a:r>
+              <a:rPr lang="en-US" dirty="0" err="1"/>
+              <a:t>food|english</a:t>
+            </a:r>
+            <a:r>
+              <a:rPr lang="en-US" dirty="0"/>
+              <a:t>) = 0.5 </a:t>
+            </a:r>
+          </a:p>
+          <a:p>
+            <a:r>
+              <a:rPr lang="en-US" dirty="0"/>
+              <a:t>P(&lt;/s&gt;|food) = 0.68</a:t>
+            </a:r>
+          </a:p>
+        </p:txBody>
+      </p:sp>
+      <p:sp>
+        <p:nvSpPr>
+          <p:cNvPr id="3" name="TextBox 2">
+            <a:extLst>
+              <a:ext uri="{FF2B5EF4-FFF2-40B4-BE49-F238E27FC236}">
+                <a16:creationId xmlns:a16="http://schemas.microsoft.com/office/drawing/2014/main" id="{2BD3844D-953F-FE65-4235-5AF2F7249C9B}"/>
+              </a:ext>
+            </a:extLst>
+          </p:cNvPr>
+          <p:cNvSpPr txBox="1"/>
+          <p:nvPr/>
+        </p:nvSpPr>
+        <p:spPr>
+          <a:xfrm>
+            <a:off x="6117538" y="6279692"/>
+            <a:ext cx="6090130" cy="461665"/>
+          </a:xfrm>
+          <a:prstGeom prst="rect">
+            <a:avLst/>
+          </a:prstGeom>
+          <a:noFill/>
+        </p:spPr>
+        <p:txBody>
+          <a:bodyPr wrap="none" rtlCol="0">
+            <a:spAutoFit/>
+          </a:bodyPr>
+          <a:lstStyle/>
+          <a:p>
+            <a:pPr algn="ctr"/>
+            <a:r>
+              <a:rPr lang="en-US" sz="2400" dirty="0">
+                <a:solidFill>
+                  <a:srgbClr val="FFFF00"/>
+                </a:solidFill>
+              </a:rPr>
+              <a:t>https://web.stanford.edu/~jurafsky/slp3/</a:t>
+            </a:r>
+          </a:p>
+        </p:txBody>
+      </p:sp>
+    </p:spTree>
+    <p:extLst>
+      <p:ext uri="{BB962C8B-B14F-4D97-AF65-F5344CB8AC3E}">
+        <p14:creationId xmlns:p14="http://schemas.microsoft.com/office/powerpoint/2010/main" val="2485753753"/>
+      </p:ext>
+    </p:extLst>
+  </p:cSld>
+  <p:clrMapOvr>
+    <a:masterClrMapping/>
+  </p:clrMapOvr>
+</p:sld>
+</file>
+
+<file path=ppt/slides/slide54.xml><?xml version="1.0" encoding="utf-8"?>
+<p:sld xmlns:a="http://schemas.openxmlformats.org/drawingml/2006/main" xmlns:r="http://schemas.openxmlformats.org/officeDocument/2006/relationships" xmlns:p="http://schemas.openxmlformats.org/presentationml/2006/main">
+  <p:cSld>
+    <p:spTree>
+      <p:nvGrpSpPr>
+        <p:cNvPr id="1" name=""/>
+        <p:cNvGrpSpPr/>
+        <p:nvPr/>
+      </p:nvGrpSpPr>
+      <p:grpSpPr>
+        <a:xfrm>
+          <a:off x="0" y="0"/>
+          <a:ext cx="0" cy="0"/>
+          <a:chOff x="0" y="0"/>
+          <a:chExt cx="0" cy="0"/>
+        </a:xfrm>
+      </p:grpSpPr>
+      <p:sp>
+        <p:nvSpPr>
+          <p:cNvPr id="2" name="Title 1">
+            <a:extLst>
+              <a:ext uri="{FF2B5EF4-FFF2-40B4-BE49-F238E27FC236}">
+                <a16:creationId xmlns:a16="http://schemas.microsoft.com/office/drawing/2014/main" id="{D8D9EDCF-9E88-BC01-C0C8-1BAC2CFBCA10}"/>
+              </a:ext>
+            </a:extLst>
+          </p:cNvPr>
+          <p:cNvSpPr>
+            <a:spLocks noGrp="1"/>
+          </p:cNvSpPr>
+          <p:nvPr>
+            <p:ph type="title"/>
+          </p:nvPr>
+        </p:nvSpPr>
+        <p:spPr/>
+        <p:txBody>
+          <a:bodyPr/>
+          <a:lstStyle/>
+          <a:p>
+            <a:r>
+              <a:rPr lang="en-US" dirty="0"/>
+              <a:t>N Gram</a:t>
+            </a:r>
+          </a:p>
+        </p:txBody>
+      </p:sp>
+      <p:sp>
+        <p:nvSpPr>
+          <p:cNvPr id="3" name="Content Placeholder 2">
+            <a:extLst>
+              <a:ext uri="{FF2B5EF4-FFF2-40B4-BE49-F238E27FC236}">
+                <a16:creationId xmlns:a16="http://schemas.microsoft.com/office/drawing/2014/main" id="{C5984733-1ACF-7EE5-B7F3-F66CB7F27A18}"/>
+              </a:ext>
+            </a:extLst>
+          </p:cNvPr>
+          <p:cNvSpPr>
+            <a:spLocks noGrp="1"/>
+          </p:cNvSpPr>
+          <p:nvPr>
+            <p:ph idx="1"/>
+          </p:nvPr>
+        </p:nvSpPr>
+        <p:spPr/>
+        <p:txBody>
+          <a:bodyPr/>
+          <a:lstStyle/>
+          <a:p>
+            <a:r>
+              <a:rPr lang="en-US" dirty="0"/>
+              <a:t>2 gram models</a:t>
+            </a:r>
+          </a:p>
+          <a:p>
+            <a:r>
+              <a:rPr lang="en-US" dirty="0"/>
+              <a:t>3 gram models</a:t>
+            </a:r>
+          </a:p>
+          <a:p>
+            <a:r>
+              <a:rPr lang="en-US" dirty="0"/>
+              <a:t>4 gram models</a:t>
+            </a:r>
+          </a:p>
+          <a:p>
+            <a:r>
+              <a:rPr lang="en-US" dirty="0"/>
+              <a:t>5 gram models</a:t>
+            </a:r>
+          </a:p>
+        </p:txBody>
+      </p:sp>
+      <p:sp>
+        <p:nvSpPr>
+          <p:cNvPr id="4" name="TextBox 3">
+            <a:extLst>
+              <a:ext uri="{FF2B5EF4-FFF2-40B4-BE49-F238E27FC236}">
+                <a16:creationId xmlns:a16="http://schemas.microsoft.com/office/drawing/2014/main" id="{B5E8556C-3D54-8883-03E2-4162AA362B9F}"/>
+              </a:ext>
+            </a:extLst>
+          </p:cNvPr>
+          <p:cNvSpPr txBox="1"/>
+          <p:nvPr/>
+        </p:nvSpPr>
+        <p:spPr>
+          <a:xfrm>
+            <a:off x="680321" y="5184742"/>
+            <a:ext cx="11240578" cy="461665"/>
+          </a:xfrm>
+          <a:prstGeom prst="rect">
+            <a:avLst/>
+          </a:prstGeom>
+          <a:noFill/>
+        </p:spPr>
+        <p:txBody>
+          <a:bodyPr wrap="none" rtlCol="0">
+            <a:spAutoFit/>
+          </a:bodyPr>
+          <a:lstStyle/>
+          <a:p>
+            <a:pPr algn="ctr"/>
+            <a:r>
+              <a:rPr lang="en-US" sz="2400" dirty="0">
+                <a:solidFill>
+                  <a:srgbClr val="FFFF00"/>
+                </a:solidFill>
+              </a:rPr>
+              <a:t>In deep learning, language models use higher-gram models to train the dataset.</a:t>
+            </a:r>
+          </a:p>
+        </p:txBody>
+      </p:sp>
+    </p:spTree>
+    <p:extLst>
+      <p:ext uri="{BB962C8B-B14F-4D97-AF65-F5344CB8AC3E}">
+        <p14:creationId xmlns:p14="http://schemas.microsoft.com/office/powerpoint/2010/main" val="2069670718"/>
+      </p:ext>
+    </p:extLst>
+  </p:cSld>
+  <p:clrMapOvr>
+    <a:masterClrMapping/>
+  </p:clrMapOvr>
+</p:sld>
+</file>
+
+<file path=ppt/slides/slide55.xml><?xml version="1.0" encoding="utf-8"?>
+<p:sld xmlns:a="http://schemas.openxmlformats.org/drawingml/2006/main" xmlns:r="http://schemas.openxmlformats.org/officeDocument/2006/relationships" xmlns:p="http://schemas.openxmlformats.org/presentationml/2006/main">
+  <p:cSld>
+    <p:spTree>
+      <p:nvGrpSpPr>
+        <p:cNvPr id="1" name=""/>
+        <p:cNvGrpSpPr/>
+        <p:nvPr/>
+      </p:nvGrpSpPr>
+      <p:grpSpPr>
+        <a:xfrm>
+          <a:off x="0" y="0"/>
+          <a:ext cx="0" cy="0"/>
+          <a:chOff x="0" y="0"/>
+          <a:chExt cx="0" cy="0"/>
+        </a:xfrm>
+      </p:grpSpPr>
+      <p:sp>
+        <p:nvSpPr>
+          <p:cNvPr id="2" name="Title 1">
+            <a:extLst>
+              <a:ext uri="{FF2B5EF4-FFF2-40B4-BE49-F238E27FC236}">
+                <a16:creationId xmlns:a16="http://schemas.microsoft.com/office/drawing/2014/main" id="{D8D9EDCF-9E88-BC01-C0C8-1BAC2CFBCA10}"/>
+              </a:ext>
+            </a:extLst>
+          </p:cNvPr>
+          <p:cNvSpPr>
+            <a:spLocks noGrp="1"/>
+          </p:cNvSpPr>
+          <p:nvPr>
+            <p:ph type="title"/>
+          </p:nvPr>
+        </p:nvSpPr>
+        <p:spPr/>
+        <p:txBody>
+          <a:bodyPr/>
+          <a:lstStyle/>
+          <a:p>
+            <a:r>
+              <a:rPr lang="en-US" dirty="0"/>
+              <a:t>Google N Gram</a:t>
+            </a:r>
+          </a:p>
+        </p:txBody>
+      </p:sp>
+      <p:sp>
+        <p:nvSpPr>
+          <p:cNvPr id="3" name="Content Placeholder 2">
+            <a:extLst>
+              <a:ext uri="{FF2B5EF4-FFF2-40B4-BE49-F238E27FC236}">
+                <a16:creationId xmlns:a16="http://schemas.microsoft.com/office/drawing/2014/main" id="{C5984733-1ACF-7EE5-B7F3-F66CB7F27A18}"/>
+              </a:ext>
+            </a:extLst>
+          </p:cNvPr>
+          <p:cNvSpPr>
+            <a:spLocks noGrp="1"/>
+          </p:cNvSpPr>
+          <p:nvPr>
+            <p:ph idx="1"/>
+          </p:nvPr>
+        </p:nvSpPr>
+        <p:spPr/>
+        <p:txBody>
+          <a:bodyPr/>
+          <a:lstStyle/>
+          <a:p>
+            <a:endParaRPr lang="en-US" dirty="0"/>
+          </a:p>
+        </p:txBody>
+      </p:sp>
+      <p:sp>
+        <p:nvSpPr>
+          <p:cNvPr id="4" name="TextBox 3">
+            <a:extLst>
+              <a:ext uri="{FF2B5EF4-FFF2-40B4-BE49-F238E27FC236}">
+                <a16:creationId xmlns:a16="http://schemas.microsoft.com/office/drawing/2014/main" id="{B5E8556C-3D54-8883-03E2-4162AA362B9F}"/>
+              </a:ext>
+            </a:extLst>
+          </p:cNvPr>
+          <p:cNvSpPr txBox="1"/>
+          <p:nvPr/>
+        </p:nvSpPr>
+        <p:spPr>
+          <a:xfrm>
+            <a:off x="2817429" y="3751868"/>
+            <a:ext cx="5118709" cy="461665"/>
+          </a:xfrm>
+          <a:prstGeom prst="rect">
+            <a:avLst/>
+          </a:prstGeom>
+          <a:noFill/>
+        </p:spPr>
+        <p:txBody>
+          <a:bodyPr wrap="none" rtlCol="0">
+            <a:spAutoFit/>
+          </a:bodyPr>
+          <a:lstStyle/>
+          <a:p>
+            <a:pPr algn="ctr"/>
+            <a:r>
+              <a:rPr lang="en-US" sz="2400" dirty="0">
+                <a:solidFill>
+                  <a:srgbClr val="FFFF00"/>
+                </a:solidFill>
+              </a:rPr>
+              <a:t>https://books.google.com/ngrams/</a:t>
+            </a:r>
+          </a:p>
+        </p:txBody>
+      </p:sp>
+    </p:spTree>
+    <p:extLst>
+      <p:ext uri="{BB962C8B-B14F-4D97-AF65-F5344CB8AC3E}">
+        <p14:creationId xmlns:p14="http://schemas.microsoft.com/office/powerpoint/2010/main" val="3789655503"/>
+      </p:ext>
+    </p:extLst>
+  </p:cSld>
+  <p:clrMapOvr>
+    <a:masterClrMapping/>
+  </p:clrMapOvr>
+</p:sld>
+</file>
+
+<file path=ppt/slides/slide56.xml><?xml version="1.0" encoding="utf-8"?>
+<p:sld xmlns:a="http://schemas.openxmlformats.org/drawingml/2006/main" xmlns:r="http://schemas.openxmlformats.org/officeDocument/2006/relationships" xmlns:p="http://schemas.openxmlformats.org/presentationml/2006/main">
+  <p:cSld>
+    <p:spTree>
+      <p:nvGrpSpPr>
+        <p:cNvPr id="1" name=""/>
+        <p:cNvGrpSpPr/>
+        <p:nvPr/>
+      </p:nvGrpSpPr>
+      <p:grpSpPr>
+        <a:xfrm>
+          <a:off x="0" y="0"/>
+          <a:ext cx="0" cy="0"/>
+          <a:chOff x="0" y="0"/>
+          <a:chExt cx="0" cy="0"/>
+        </a:xfrm>
+      </p:grpSpPr>
+      <p:sp>
+        <p:nvSpPr>
+          <p:cNvPr id="2" name="Title 1">
+            <a:extLst>
+              <a:ext uri="{FF2B5EF4-FFF2-40B4-BE49-F238E27FC236}">
+                <a16:creationId xmlns:a16="http://schemas.microsoft.com/office/drawing/2014/main" id="{694A32B5-CC15-4BE0-91F6-9DFAB105B8C6}"/>
+              </a:ext>
+            </a:extLst>
+          </p:cNvPr>
+          <p:cNvSpPr>
+            <a:spLocks noGrp="1"/>
+          </p:cNvSpPr>
+          <p:nvPr>
+            <p:ph type="ctrTitle"/>
+          </p:nvPr>
+        </p:nvSpPr>
+        <p:spPr/>
+        <p:txBody>
+          <a:bodyPr/>
+          <a:lstStyle/>
+          <a:p>
+            <a:r>
+              <a:rPr lang="en-US" sz="4400" dirty="0"/>
+              <a:t>Perplexity</a:t>
+            </a:r>
+            <a:br>
+              <a:rPr lang="en-US" dirty="0"/>
+            </a:br>
+            <a:r>
+              <a:rPr lang="en-US" sz="2800" dirty="0">
+                <a:solidFill>
+                  <a:srgbClr val="FF0000"/>
+                </a:solidFill>
+              </a:rPr>
+              <a:t>Evaluation Language Models</a:t>
+            </a:r>
+          </a:p>
+        </p:txBody>
+      </p:sp>
+      <p:sp>
+        <p:nvSpPr>
+          <p:cNvPr id="3" name="Subtitle 2">
+            <a:extLst>
+              <a:ext uri="{FF2B5EF4-FFF2-40B4-BE49-F238E27FC236}">
+                <a16:creationId xmlns:a16="http://schemas.microsoft.com/office/drawing/2014/main" id="{7F593B77-EFC8-4C4D-ADC1-3DC88C25A989}"/>
+              </a:ext>
+            </a:extLst>
+          </p:cNvPr>
+          <p:cNvSpPr>
+            <a:spLocks noGrp="1"/>
+          </p:cNvSpPr>
+          <p:nvPr>
+            <p:ph type="subTitle" idx="1"/>
+          </p:nvPr>
+        </p:nvSpPr>
+        <p:spPr>
+          <a:xfrm>
+            <a:off x="1062877" y="4422031"/>
+            <a:ext cx="8144134" cy="1117687"/>
+          </a:xfrm>
+        </p:spPr>
+        <p:txBody>
+          <a:bodyPr>
+            <a:normAutofit/>
+          </a:bodyPr>
+          <a:lstStyle/>
+          <a:p>
+            <a:r>
+              <a:rPr lang="en-US" sz="2600" dirty="0"/>
+              <a:t>Natural Language Processing </a:t>
+            </a:r>
+          </a:p>
+        </p:txBody>
+      </p:sp>
+    </p:spTree>
+    <p:extLst>
+      <p:ext uri="{BB962C8B-B14F-4D97-AF65-F5344CB8AC3E}">
+        <p14:creationId xmlns:p14="http://schemas.microsoft.com/office/powerpoint/2010/main" val="760745407"/>
+      </p:ext>
+    </p:extLst>
+  </p:cSld>
+  <p:clrMapOvr>
+    <a:masterClrMapping/>
+  </p:clrMapOvr>
+</p:sld>
+</file>
+
+<file path=ppt/slides/slide57.xml><?xml version="1.0" encoding="utf-8"?>
+<p:sld xmlns:a="http://schemas.openxmlformats.org/drawingml/2006/main" xmlns:r="http://schemas.openxmlformats.org/officeDocument/2006/relationships" xmlns:p="http://schemas.openxmlformats.org/presentationml/2006/main">
+  <p:cSld>
+    <p:spTree>
+      <p:nvGrpSpPr>
+        <p:cNvPr id="1" name=""/>
+        <p:cNvGrpSpPr/>
+        <p:nvPr/>
+      </p:nvGrpSpPr>
+      <p:grpSpPr>
+        <a:xfrm>
+          <a:off x="0" y="0"/>
+          <a:ext cx="0" cy="0"/>
+          <a:chOff x="0" y="0"/>
+          <a:chExt cx="0" cy="0"/>
+        </a:xfrm>
+      </p:grpSpPr>
+      <p:sp>
+        <p:nvSpPr>
+          <p:cNvPr id="2" name="Title 1">
+            <a:extLst>
+              <a:ext uri="{FF2B5EF4-FFF2-40B4-BE49-F238E27FC236}">
+                <a16:creationId xmlns:a16="http://schemas.microsoft.com/office/drawing/2014/main" id="{D8D9EDCF-9E88-BC01-C0C8-1BAC2CFBCA10}"/>
+              </a:ext>
+            </a:extLst>
+          </p:cNvPr>
+          <p:cNvSpPr>
+            <a:spLocks noGrp="1"/>
+          </p:cNvSpPr>
+          <p:nvPr>
+            <p:ph type="title"/>
+          </p:nvPr>
+        </p:nvSpPr>
+        <p:spPr/>
+        <p:txBody>
+          <a:bodyPr/>
+          <a:lstStyle/>
+          <a:p>
+            <a:r>
+              <a:rPr lang="en-US" dirty="0"/>
+              <a:t>Perplexity</a:t>
+            </a:r>
+          </a:p>
+        </p:txBody>
+      </p:sp>
+      <p:sp>
+        <p:nvSpPr>
+          <p:cNvPr id="3" name="Content Placeholder 2">
+            <a:extLst>
+              <a:ext uri="{FF2B5EF4-FFF2-40B4-BE49-F238E27FC236}">
+                <a16:creationId xmlns:a16="http://schemas.microsoft.com/office/drawing/2014/main" id="{C5984733-1ACF-7EE5-B7F3-F66CB7F27A18}"/>
+              </a:ext>
+            </a:extLst>
+          </p:cNvPr>
+          <p:cNvSpPr>
+            <a:spLocks noGrp="1"/>
+          </p:cNvSpPr>
+          <p:nvPr>
+            <p:ph idx="1"/>
+          </p:nvPr>
+        </p:nvSpPr>
+        <p:spPr/>
+        <p:txBody>
+          <a:bodyPr/>
+          <a:lstStyle/>
+          <a:p>
+            <a:r>
+              <a:rPr lang="en-US" dirty="0"/>
+              <a:t>The inverse probability of test set, normalized by the number of words</a:t>
+            </a:r>
+          </a:p>
+        </p:txBody>
+      </p:sp>
+      <p:sp>
+        <p:nvSpPr>
+          <p:cNvPr id="4" name="TextBox 3">
+            <a:extLst>
+              <a:ext uri="{FF2B5EF4-FFF2-40B4-BE49-F238E27FC236}">
+                <a16:creationId xmlns:a16="http://schemas.microsoft.com/office/drawing/2014/main" id="{B5E8556C-3D54-8883-03E2-4162AA362B9F}"/>
+              </a:ext>
+            </a:extLst>
+          </p:cNvPr>
+          <p:cNvSpPr txBox="1"/>
+          <p:nvPr/>
+        </p:nvSpPr>
+        <p:spPr>
+          <a:xfrm>
+            <a:off x="2566144" y="6178287"/>
+            <a:ext cx="7252306" cy="461665"/>
+          </a:xfrm>
+          <a:prstGeom prst="rect">
+            <a:avLst/>
+          </a:prstGeom>
+          <a:noFill/>
+        </p:spPr>
+        <p:txBody>
+          <a:bodyPr wrap="none" rtlCol="0">
+            <a:spAutoFit/>
+          </a:bodyPr>
+          <a:lstStyle/>
+          <a:p>
+            <a:pPr algn="ctr"/>
+            <a:r>
+              <a:rPr lang="en-US" sz="2400" dirty="0">
+                <a:solidFill>
+                  <a:srgbClr val="FFFF00"/>
+                </a:solidFill>
+              </a:rPr>
+              <a:t>Minimizing perplexity is the maximizing probability</a:t>
+            </a:r>
+          </a:p>
+        </p:txBody>
+      </p:sp>
+      <p:graphicFrame>
+        <p:nvGraphicFramePr>
+          <p:cNvPr id="5" name="Object 4">
+            <a:extLst>
+              <a:ext uri="{FF2B5EF4-FFF2-40B4-BE49-F238E27FC236}">
+                <a16:creationId xmlns:a16="http://schemas.microsoft.com/office/drawing/2014/main" id="{7C6D1F31-5273-1D3A-1FCA-5EDC42CC9A5D}"/>
+              </a:ext>
+            </a:extLst>
+          </p:cNvPr>
+          <p:cNvGraphicFramePr>
+            <a:graphicFrameLocks noChangeAspect="1"/>
+          </p:cNvGraphicFramePr>
+          <p:nvPr>
+            <p:extLst>
+              <p:ext uri="{D42A27DB-BD31-4B8C-83A1-F6EECF244321}">
+                <p14:modId xmlns:p14="http://schemas.microsoft.com/office/powerpoint/2010/main" val="2493548665"/>
+              </p:ext>
+            </p:extLst>
+          </p:nvPr>
+        </p:nvGraphicFramePr>
+        <p:xfrm>
+          <a:off x="1173038" y="3329243"/>
+          <a:ext cx="3395517" cy="2076239"/>
+        </p:xfrm>
+        <a:graphic>
+          <a:graphicData uri="http://schemas.openxmlformats.org/presentationml/2006/ole">
+            <mc:AlternateContent xmlns:mc="http://schemas.openxmlformats.org/markup-compatibility/2006">
+              <mc:Choice xmlns:v="urn:schemas-microsoft-com:vml" Requires="v">
+                <p:oleObj name="Equation" r:id="rId2" imgW="2148480" imgH="1307160" progId="Equation.3">
+                  <p:embed/>
+                </p:oleObj>
+              </mc:Choice>
+              <mc:Fallback>
+                <p:oleObj name="Equation" r:id="rId2" imgW="2148480" imgH="1307160" progId="Equation.3">
+                  <p:embed/>
+                  <p:pic>
+                    <p:nvPicPr>
+                      <p:cNvPr id="3" name="Object 2"/>
+                      <p:cNvPicPr>
+                        <a:picLocks noChangeAspect="1" noChangeArrowheads="1"/>
+                      </p:cNvPicPr>
+                      <p:nvPr/>
+                    </p:nvPicPr>
+                    <p:blipFill>
+                      <a:blip r:embed="rId3">
+                        <a:extLst>
+                          <a:ext uri="{28A0092B-C50C-407E-A947-70E740481C1C}">
+                            <a14:useLocalDpi xmlns:a14="http://schemas.microsoft.com/office/drawing/2010/main" val="0"/>
+                          </a:ext>
+                        </a:extLst>
+                      </a:blip>
+                      <a:srcRect/>
+                      <a:stretch>
+                        <a:fillRect/>
+                      </a:stretch>
+                    </p:blipFill>
+                    <p:spPr bwMode="auto">
+                      <a:xfrm>
+                        <a:off x="1173038" y="3329243"/>
+                        <a:ext cx="3395517" cy="2076239"/>
+                      </a:xfrm>
+                      <a:prstGeom prst="rect">
+                        <a:avLst/>
+                      </a:prstGeom>
+                      <a:noFill/>
+                    </p:spPr>
+                  </p:pic>
+                </p:oleObj>
+              </mc:Fallback>
+            </mc:AlternateContent>
+          </a:graphicData>
+        </a:graphic>
+      </p:graphicFrame>
+      <p:pic>
+        <p:nvPicPr>
+          <p:cNvPr id="6" name="Picture 5" descr="pp2">
+            <a:extLst>
+              <a:ext uri="{FF2B5EF4-FFF2-40B4-BE49-F238E27FC236}">
+                <a16:creationId xmlns:a16="http://schemas.microsoft.com/office/drawing/2014/main" id="{5F2C5391-D49C-9FB6-295A-BDD13A504B0F}"/>
+              </a:ext>
+            </a:extLst>
+          </p:cNvPr>
+          <p:cNvPicPr>
+            <a:picLocks noChangeAspect="1" noChangeArrowheads="1"/>
+          </p:cNvPicPr>
+          <p:nvPr/>
+        </p:nvPicPr>
+        <p:blipFill>
+          <a:blip r:embed="rId4"/>
+          <a:srcRect/>
+          <a:stretch>
+            <a:fillRect/>
+          </a:stretch>
+        </p:blipFill>
+        <p:spPr bwMode="auto">
+          <a:xfrm>
+            <a:off x="9118237" y="3101738"/>
+            <a:ext cx="2537460" cy="714375"/>
+          </a:xfrm>
+          <a:prstGeom prst="rect">
+            <a:avLst/>
+          </a:prstGeom>
+          <a:noFill/>
+          <a:ln w="9525">
+            <a:noFill/>
+            <a:miter lim="800000"/>
+            <a:headEnd/>
+            <a:tailEnd/>
+          </a:ln>
+        </p:spPr>
+      </p:pic>
+      <p:pic>
+        <p:nvPicPr>
+          <p:cNvPr id="7" name="Picture 6" descr="pp3">
+            <a:extLst>
+              <a:ext uri="{FF2B5EF4-FFF2-40B4-BE49-F238E27FC236}">
+                <a16:creationId xmlns:a16="http://schemas.microsoft.com/office/drawing/2014/main" id="{55E0E0B8-5BDE-947E-B34F-B60DAD56231E}"/>
+              </a:ext>
+            </a:extLst>
+          </p:cNvPr>
+          <p:cNvPicPr>
+            <a:picLocks noChangeAspect="1" noChangeArrowheads="1"/>
+          </p:cNvPicPr>
+          <p:nvPr/>
+        </p:nvPicPr>
+        <p:blipFill>
+          <a:blip r:embed="rId5"/>
+          <a:srcRect/>
+          <a:stretch>
+            <a:fillRect/>
+          </a:stretch>
+        </p:blipFill>
+        <p:spPr bwMode="auto">
+          <a:xfrm>
+            <a:off x="9118237" y="4580977"/>
+            <a:ext cx="2393442" cy="771869"/>
+          </a:xfrm>
+          <a:prstGeom prst="rect">
+            <a:avLst/>
+          </a:prstGeom>
+          <a:noFill/>
+          <a:ln w="9525">
+            <a:noFill/>
+            <a:miter lim="800000"/>
+            <a:headEnd/>
+            <a:tailEnd/>
+          </a:ln>
+        </p:spPr>
+      </p:pic>
+      <p:sp>
+        <p:nvSpPr>
+          <p:cNvPr id="8" name="TextBox 7">
+            <a:extLst>
+              <a:ext uri="{FF2B5EF4-FFF2-40B4-BE49-F238E27FC236}">
+                <a16:creationId xmlns:a16="http://schemas.microsoft.com/office/drawing/2014/main" id="{A8ED267F-BD9E-46B8-3C76-B7452CC09B5A}"/>
+              </a:ext>
+            </a:extLst>
+          </p:cNvPr>
+          <p:cNvSpPr txBox="1"/>
+          <p:nvPr/>
+        </p:nvSpPr>
+        <p:spPr>
+          <a:xfrm>
+            <a:off x="9588511" y="3905698"/>
+            <a:ext cx="1596912" cy="461665"/>
+          </a:xfrm>
+          <a:prstGeom prst="rect">
+            <a:avLst/>
+          </a:prstGeom>
+          <a:noFill/>
+        </p:spPr>
+        <p:txBody>
+          <a:bodyPr wrap="none" rtlCol="0">
+            <a:spAutoFit/>
+          </a:bodyPr>
+          <a:lstStyle/>
+          <a:p>
+            <a:pPr algn="ctr"/>
+            <a:r>
+              <a:rPr lang="en-US" sz="2400" dirty="0">
+                <a:solidFill>
+                  <a:srgbClr val="FFFF00"/>
+                </a:solidFill>
+              </a:rPr>
+              <a:t>Chain rule</a:t>
+            </a:r>
+          </a:p>
+        </p:txBody>
+      </p:sp>
+      <p:sp>
+        <p:nvSpPr>
+          <p:cNvPr id="9" name="TextBox 8">
+            <a:extLst>
+              <a:ext uri="{FF2B5EF4-FFF2-40B4-BE49-F238E27FC236}">
+                <a16:creationId xmlns:a16="http://schemas.microsoft.com/office/drawing/2014/main" id="{69089EA8-F1D4-6C5E-25DE-7CA356FE70DA}"/>
+              </a:ext>
+            </a:extLst>
+          </p:cNvPr>
+          <p:cNvSpPr txBox="1"/>
+          <p:nvPr/>
+        </p:nvSpPr>
+        <p:spPr>
+          <a:xfrm>
+            <a:off x="9730115" y="5474524"/>
+            <a:ext cx="1675460" cy="461665"/>
+          </a:xfrm>
+          <a:prstGeom prst="rect">
+            <a:avLst/>
+          </a:prstGeom>
+          <a:noFill/>
+        </p:spPr>
+        <p:txBody>
+          <a:bodyPr wrap="none" rtlCol="0">
+            <a:spAutoFit/>
+          </a:bodyPr>
+          <a:lstStyle/>
+          <a:p>
+            <a:pPr algn="ctr"/>
+            <a:r>
+              <a:rPr lang="en-US" sz="2400" dirty="0">
+                <a:solidFill>
+                  <a:srgbClr val="FFFF00"/>
+                </a:solidFill>
+              </a:rPr>
+              <a:t>For bigram</a:t>
+            </a:r>
+          </a:p>
+        </p:txBody>
+      </p:sp>
+    </p:spTree>
+    <p:extLst>
+      <p:ext uri="{BB962C8B-B14F-4D97-AF65-F5344CB8AC3E}">
+        <p14:creationId xmlns:p14="http://schemas.microsoft.com/office/powerpoint/2010/main" val="2962581984"/>
+      </p:ext>
+    </p:extLst>
+  </p:cSld>
+  <p:clrMapOvr>
+    <a:masterClrMapping/>
+  </p:clrMapOvr>
+  <p:timing>
+    <p:tnLst>
+      <p:par>
+        <p:cTn id="1" dur="indefinite" restart="never" nodeType="tmRoot">
+          <p:childTnLst>
+            <p:seq concurrent="1" nextAc="seek">
+              <p:cTn id="2" dur="indefinite" nodeType="mainSeq">
+                <p:childTnLst>
+                  <p:par>
+                    <p:cTn id="3" fill="hold">
+                      <p:stCondLst>
+                        <p:cond delay="indefinite"/>
+                        <p:cond evt="onBegin" delay="0">
+                          <p:tn val="2"/>
+                        </p:cond>
+                      </p:stCondLst>
+                      <p:childTnLst>
+                        <p:par>
+                          <p:cTn id="4" fill="hold">
+                            <p:stCondLst>
+                              <p:cond delay="0"/>
+                            </p:stCondLst>
+                            <p:childTnLst>
+                              <p:par>
+                                <p:cTn id="5" presetID="1" presetClass="entr" presetSubtype="0" fill="hold" nodeType="withEffect">
+                                  <p:stCondLst>
+                                    <p:cond delay="0"/>
+                                  </p:stCondLst>
+                                  <p:childTnLst>
+                                    <p:set>
+                                      <p:cBhvr>
+                                        <p:cTn id="6" dur="1" fill="hold">
+                                          <p:stCondLst>
+                                            <p:cond delay="0"/>
+                                          </p:stCondLst>
+                                        </p:cTn>
+                                        <p:tgtEl>
+                                          <p:spTgt spid="5"/>
+                                        </p:tgtEl>
+                                        <p:attrNameLst>
+                                          <p:attrName>style.visibility</p:attrName>
+                                        </p:attrNameLst>
+                                      </p:cBhvr>
+                                      <p:to>
+                                        <p:strVal val="visible"/>
+                                      </p:to>
+                                    </p:set>
+                                  </p:childTnLst>
+                                </p:cTn>
+                              </p:par>
+                            </p:childTnLst>
+                          </p:cTn>
+                        </p:par>
+                      </p:childTnLst>
+                    </p:cTn>
+                  </p:par>
+                  <p:par>
+                    <p:cTn id="7" fill="hold">
+                      <p:stCondLst>
+                        <p:cond delay="indefinite"/>
+                      </p:stCondLst>
+                      <p:childTnLst>
+                        <p:par>
+                          <p:cTn id="8" fill="hold">
+                            <p:stCondLst>
+                              <p:cond delay="0"/>
+                            </p:stCondLst>
+                            <p:childTnLst>
+                              <p:par>
+                                <p:cTn id="9" presetID="1" presetClass="entr" presetSubtype="0" fill="hold" nodeType="clickEffect">
+                                  <p:stCondLst>
+                                    <p:cond delay="0"/>
+                                  </p:stCondLst>
+                                  <p:childTnLst>
+                                    <p:set>
+                                      <p:cBhvr>
+                                        <p:cTn id="10" dur="1" fill="hold">
+                                          <p:stCondLst>
+                                            <p:cond delay="0"/>
+                                          </p:stCondLst>
+                                        </p:cTn>
+                                        <p:tgtEl>
+                                          <p:spTgt spid="6"/>
+                                        </p:tgtEl>
+                                        <p:attrNameLst>
+                                          <p:attrName>style.visibility</p:attrName>
+                                        </p:attrNameLst>
+                                      </p:cBhvr>
+                                      <p:to>
+                                        <p:strVal val="visible"/>
+                                      </p:to>
+                                    </p:set>
+                                  </p:childTnLst>
+                                </p:cTn>
+                              </p:par>
+                            </p:childTnLst>
+                          </p:cTn>
+                        </p:par>
+                      </p:childTnLst>
+                    </p:cTn>
+                  </p:par>
+                  <p:par>
+                    <p:cTn id="11" fill="hold">
+                      <p:stCondLst>
+                        <p:cond delay="indefinite"/>
+                      </p:stCondLst>
+                      <p:childTnLst>
+                        <p:par>
+                          <p:cTn id="12" fill="hold">
+                            <p:stCondLst>
+                              <p:cond delay="0"/>
+                            </p:stCondLst>
+                            <p:childTnLst>
+                              <p:par>
+                                <p:cTn id="13" presetID="1" presetClass="entr" presetSubtype="0" fill="hold" nodeType="clickEffect">
+                                  <p:stCondLst>
+                                    <p:cond delay="0"/>
+                                  </p:stCondLst>
+                                  <p:childTnLst>
+                                    <p:set>
+                                      <p:cBhvr>
+                                        <p:cTn id="14" dur="1" fill="hold">
+                                          <p:stCondLst>
+                                            <p:cond delay="0"/>
+                                          </p:stCondLst>
+                                        </p:cTn>
+                                        <p:tgtEl>
+                                          <p:spTgt spid="7"/>
+                                        </p:tgtEl>
+                                        <p:attrNameLst>
+                                          <p:attrName>style.visibility</p:attrName>
+                                        </p:attrNameLst>
+                                      </p:cBhvr>
+                                      <p:to>
+                                        <p:strVal val="visible"/>
+                                      </p:to>
+                                    </p:set>
+                                  </p:childTnLst>
+                                </p:cTn>
+                              </p:par>
+                            </p:childTnLst>
+                          </p:cTn>
+                        </p:par>
+                      </p:childTnLst>
+                    </p:cTn>
+                  </p:par>
+                </p:childTnLst>
+              </p:cTn>
+              <p:prevCondLst>
+                <p:cond evt="onPrev" delay="0">
+                  <p:tgtEl>
+                    <p:sldTgt/>
+                  </p:tgtEl>
+                </p:cond>
+              </p:prevCondLst>
+              <p:nextCondLst>
+                <p:cond evt="onNext" delay="0">
+                  <p:tgtEl>
+                    <p:sldTgt/>
+                  </p:tgtEl>
+                </p:cond>
+              </p:nextCondLst>
+            </p:seq>
+          </p:childTnLst>
+        </p:cTn>
+      </p:par>
+    </p:tnLst>
+  </p:timing>
+</p:sld>
+</file>
+
+<file path=ppt/slides/slide58.xml><?xml version="1.0" encoding="utf-8"?>
+<p:sld xmlns:a="http://schemas.openxmlformats.org/drawingml/2006/main" xmlns:r="http://schemas.openxmlformats.org/officeDocument/2006/relationships" xmlns:p="http://schemas.openxmlformats.org/presentationml/2006/main">
+  <p:cSld>
+    <p:spTree>
+      <p:nvGrpSpPr>
+        <p:cNvPr id="1" name=""/>
+        <p:cNvGrpSpPr/>
+        <p:nvPr/>
+      </p:nvGrpSpPr>
+      <p:grpSpPr>
+        <a:xfrm>
+          <a:off x="0" y="0"/>
+          <a:ext cx="0" cy="0"/>
+          <a:chOff x="0" y="0"/>
+          <a:chExt cx="0" cy="0"/>
+        </a:xfrm>
+      </p:grpSpPr>
+      <p:sp>
+        <p:nvSpPr>
+          <p:cNvPr id="2" name="Title 1">
+            <a:extLst>
+              <a:ext uri="{FF2B5EF4-FFF2-40B4-BE49-F238E27FC236}">
+                <a16:creationId xmlns:a16="http://schemas.microsoft.com/office/drawing/2014/main" id="{D8D9EDCF-9E88-BC01-C0C8-1BAC2CFBCA10}"/>
+              </a:ext>
+            </a:extLst>
+          </p:cNvPr>
+          <p:cNvSpPr>
+            <a:spLocks noGrp="1"/>
+          </p:cNvSpPr>
+          <p:nvPr>
+            <p:ph type="title"/>
+          </p:nvPr>
+        </p:nvSpPr>
+        <p:spPr/>
+        <p:txBody>
+          <a:bodyPr/>
+          <a:lstStyle/>
+          <a:p>
+            <a:r>
+              <a:rPr lang="en-US" dirty="0"/>
+              <a:t>Perplexity</a:t>
+            </a:r>
+          </a:p>
+        </p:txBody>
+      </p:sp>
+      <p:sp>
+        <p:nvSpPr>
+          <p:cNvPr id="3" name="Content Placeholder 2">
+            <a:extLst>
+              <a:ext uri="{FF2B5EF4-FFF2-40B4-BE49-F238E27FC236}">
+                <a16:creationId xmlns:a16="http://schemas.microsoft.com/office/drawing/2014/main" id="{C5984733-1ACF-7EE5-B7F3-F66CB7F27A18}"/>
+              </a:ext>
+            </a:extLst>
+          </p:cNvPr>
+          <p:cNvSpPr>
+            <a:spLocks noGrp="1"/>
+          </p:cNvSpPr>
+          <p:nvPr>
+            <p:ph idx="1"/>
+          </p:nvPr>
+        </p:nvSpPr>
+        <p:spPr/>
+        <p:txBody>
+          <a:bodyPr>
+            <a:normAutofit/>
+          </a:bodyPr>
+          <a:lstStyle/>
+          <a:p>
+            <a:r>
+              <a:rPr lang="en-US" dirty="0"/>
+              <a:t>The higher the conditional probability of the word sequence, the lower the perplexity</a:t>
+            </a:r>
+          </a:p>
+          <a:p>
+            <a:r>
+              <a:rPr lang="en-US" dirty="0"/>
+              <a:t>Calculate perplexity of an sentence</a:t>
+            </a:r>
+          </a:p>
+          <a:p>
+            <a:pPr marL="0" indent="0">
+              <a:buNone/>
+            </a:pPr>
+            <a:endParaRPr lang="en-US" dirty="0">
+              <a:solidFill>
+                <a:srgbClr val="FFFF00"/>
+              </a:solidFill>
+            </a:endParaRPr>
+          </a:p>
+        </p:txBody>
+      </p:sp>
+      <p:pic>
+        <p:nvPicPr>
+          <p:cNvPr id="10" name="Picture 4" descr="perp">
+            <a:extLst>
+              <a:ext uri="{FF2B5EF4-FFF2-40B4-BE49-F238E27FC236}">
+                <a16:creationId xmlns:a16="http://schemas.microsoft.com/office/drawing/2014/main" id="{A4776E9E-5D86-4BC5-08E3-9FC674B5189D}"/>
+              </a:ext>
+            </a:extLst>
+          </p:cNvPr>
+          <p:cNvPicPr>
+            <a:picLocks noChangeAspect="1" noChangeArrowheads="1"/>
+          </p:cNvPicPr>
+          <p:nvPr/>
+        </p:nvPicPr>
+        <p:blipFill>
+          <a:blip r:embed="rId2"/>
+          <a:srcRect/>
+          <a:stretch>
+            <a:fillRect/>
+          </a:stretch>
+        </p:blipFill>
+        <p:spPr bwMode="auto">
+          <a:xfrm>
+            <a:off x="1601583" y="4301673"/>
+            <a:ext cx="3301093" cy="1634516"/>
+          </a:xfrm>
+          <a:prstGeom prst="rect">
+            <a:avLst/>
+          </a:prstGeom>
+          <a:noFill/>
+          <a:ln w="9525">
+            <a:noFill/>
+            <a:miter lim="800000"/>
+            <a:headEnd/>
+            <a:tailEnd/>
+          </a:ln>
+        </p:spPr>
+      </p:pic>
+      <p:sp>
+        <p:nvSpPr>
+          <p:cNvPr id="12" name="TextBox 11">
+            <a:extLst>
+              <a:ext uri="{FF2B5EF4-FFF2-40B4-BE49-F238E27FC236}">
+                <a16:creationId xmlns:a16="http://schemas.microsoft.com/office/drawing/2014/main" id="{1E75ADE8-855A-CC08-BCF9-56B2A6827135}"/>
+              </a:ext>
+            </a:extLst>
+          </p:cNvPr>
+          <p:cNvSpPr txBox="1"/>
+          <p:nvPr/>
+        </p:nvSpPr>
+        <p:spPr>
+          <a:xfrm>
+            <a:off x="6683605" y="4657266"/>
+            <a:ext cx="5373278" cy="954107"/>
+          </a:xfrm>
+          <a:prstGeom prst="rect">
+            <a:avLst/>
+          </a:prstGeom>
+          <a:noFill/>
+        </p:spPr>
+        <p:txBody>
+          <a:bodyPr wrap="square">
+            <a:spAutoFit/>
+          </a:bodyPr>
+          <a:lstStyle/>
+          <a:p>
+            <a:r>
+              <a:rPr lang="en-US" sz="2000" dirty="0">
+                <a:solidFill>
+                  <a:srgbClr val="FFFF00"/>
+                </a:solidFill>
+              </a:rPr>
+              <a:t>Task of recognizing the digits in English</a:t>
+            </a:r>
+          </a:p>
+          <a:p>
+            <a:pPr marL="742950" lvl="1" indent="-285750">
+              <a:buFont typeface="Arial" panose="020B0604020202020204" pitchFamily="34" charset="0"/>
+              <a:buChar char="•"/>
+            </a:pPr>
+            <a:r>
+              <a:rPr lang="en-US" dirty="0">
+                <a:solidFill>
+                  <a:srgbClr val="FFFF00"/>
+                </a:solidFill>
+              </a:rPr>
+              <a:t>A sentence consist of random digits</a:t>
+            </a:r>
+          </a:p>
+          <a:p>
+            <a:pPr marL="742950" lvl="1" indent="-285750">
+              <a:buFont typeface="Arial" panose="020B0604020202020204" pitchFamily="34" charset="0"/>
+              <a:buChar char="•"/>
+            </a:pPr>
+            <a:r>
+              <a:rPr lang="en-US" dirty="0">
+                <a:solidFill>
+                  <a:srgbClr val="FFFF00"/>
+                </a:solidFill>
+              </a:rPr>
+              <a:t>Each digit probability is P=1/10</a:t>
+            </a:r>
+          </a:p>
+        </p:txBody>
+      </p:sp>
+    </p:spTree>
+    <p:extLst>
+      <p:ext uri="{BB962C8B-B14F-4D97-AF65-F5344CB8AC3E}">
+        <p14:creationId xmlns:p14="http://schemas.microsoft.com/office/powerpoint/2010/main" val="4214693693"/>
+      </p:ext>
+    </p:extLst>
+  </p:cSld>
+  <p:clrMapOvr>
+    <a:masterClrMapping/>
+  </p:clrMapOvr>
+  <p:timing>
+    <p:tnLst>
+      <p:par>
+        <p:cTn id="1" dur="indefinite" restart="never" nodeType="tmRoot">
+          <p:childTnLst>
+            <p:seq concurrent="1" nextAc="seek">
+              <p:cTn id="2" dur="indefinite" nodeType="mainSeq">
+                <p:childTnLst>
+                  <p:par>
+                    <p:cTn id="3" fill="hold">
+                      <p:stCondLst>
+                        <p:cond delay="indefinite"/>
+                      </p:stCondLst>
+                      <p:childTnLst>
+                        <p:par>
+                          <p:cTn id="4" fill="hold">
+                            <p:stCondLst>
+                              <p:cond delay="0"/>
+                            </p:stCondLst>
+                            <p:childTnLst>
+                              <p:par>
+                                <p:cTn id="5" presetID="1" presetClass="entr" presetSubtype="0" fill="hold" nodeType="clickEffect">
+                                  <p:stCondLst>
+                                    <p:cond delay="0"/>
+                                  </p:stCondLst>
+                                  <p:childTnLst>
+                                    <p:set>
+                                      <p:cBhvr>
+                                        <p:cTn id="6" dur="1" fill="hold">
+                                          <p:stCondLst>
+                                            <p:cond delay="0"/>
+                                          </p:stCondLst>
+                                        </p:cTn>
+                                        <p:tgtEl>
+                                          <p:spTgt spid="10"/>
+                                        </p:tgtEl>
+                                        <p:attrNameLst>
+                                          <p:attrName>style.visibility</p:attrName>
+                                        </p:attrNameLst>
+                                      </p:cBhvr>
+                                      <p:to>
+                                        <p:strVal val="visible"/>
+                                      </p:to>
+                                    </p:set>
+                                  </p:childTnLst>
+                                </p:cTn>
+                              </p:par>
+                            </p:childTnLst>
+                          </p:cTn>
+                        </p:par>
+                      </p:childTnLst>
+                    </p:cTn>
+                  </p:par>
+                </p:childTnLst>
+              </p:cTn>
+              <p:prevCondLst>
+                <p:cond evt="onPrev" delay="0">
+                  <p:tgtEl>
+                    <p:sldTgt/>
+                  </p:tgtEl>
+                </p:cond>
+              </p:prevCondLst>
+              <p:nextCondLst>
+                <p:cond evt="onNext" delay="0">
+                  <p:tgtEl>
+                    <p:sldTgt/>
+                  </p:tgtEl>
+                </p:cond>
+              </p:nextCondLst>
+            </p:seq>
+          </p:childTnLst>
+        </p:cTn>
+      </p:par>
+    </p:tnLst>
+  </p:timing>
 </p:sld>
 </file>
 

--- a/docs/NLP_bangla_tutorial.pptx
+++ b/docs/NLP_bangla_tutorial.pptx
@@ -5,7 +5,7 @@
     <p:sldMasterId id="2147483714" r:id="rId1"/>
   </p:sldMasterIdLst>
   <p:notesMasterIdLst>
-    <p:notesMasterId r:id="rId60"/>
+    <p:notesMasterId r:id="rId68"/>
   </p:notesMasterIdLst>
   <p:sldIdLst>
     <p:sldId id="256" r:id="rId2"/>
@@ -66,6 +66,14 @@
     <p:sldId id="315" r:id="rId57"/>
     <p:sldId id="316" r:id="rId58"/>
     <p:sldId id="317" r:id="rId59"/>
+    <p:sldId id="318" r:id="rId60"/>
+    <p:sldId id="319" r:id="rId61"/>
+    <p:sldId id="321" r:id="rId62"/>
+    <p:sldId id="320" r:id="rId63"/>
+    <p:sldId id="323" r:id="rId64"/>
+    <p:sldId id="325" r:id="rId65"/>
+    <p:sldId id="326" r:id="rId66"/>
+    <p:sldId id="327" r:id="rId67"/>
   </p:sldIdLst>
   <p:sldSz cx="12192000" cy="6858000"/>
   <p:notesSz cx="6858000" cy="9144000"/>
@@ -254,7 +262,7 @@
           <a:p>
             <a:fld id="{96AD9802-0A85-4765-BF39-BA9BC36B4F1A}" type="datetimeFigureOut">
               <a:rPr lang="en-US" smtClean="0"/>
-              <a:t>12/14/2023</a:t>
+              <a:t>12/17/2023</a:t>
             </a:fld>
             <a:endParaRPr lang="en-US"/>
           </a:p>
@@ -605,6 +613,342 @@
 </p:notes>
 </file>
 
+<file path=ppt/notesSlides/notesSlide2.xml><?xml version="1.0" encoding="utf-8"?>
+<p:notes xmlns:a="http://schemas.openxmlformats.org/drawingml/2006/main" xmlns:r="http://schemas.openxmlformats.org/officeDocument/2006/relationships" xmlns:p="http://schemas.openxmlformats.org/presentationml/2006/main">
+  <p:cSld>
+    <p:spTree>
+      <p:nvGrpSpPr>
+        <p:cNvPr id="1" name=""/>
+        <p:cNvGrpSpPr/>
+        <p:nvPr/>
+      </p:nvGrpSpPr>
+      <p:grpSpPr>
+        <a:xfrm>
+          <a:off x="0" y="0"/>
+          <a:ext cx="0" cy="0"/>
+          <a:chOff x="0" y="0"/>
+          <a:chExt cx="0" cy="0"/>
+        </a:xfrm>
+      </p:grpSpPr>
+      <p:sp>
+        <p:nvSpPr>
+          <p:cNvPr id="2" name="Slide Image Placeholder 1"/>
+          <p:cNvSpPr>
+            <a:spLocks noGrp="1" noRot="1" noChangeAspect="1"/>
+          </p:cNvSpPr>
+          <p:nvPr>
+            <p:ph type="sldImg"/>
+          </p:nvPr>
+        </p:nvSpPr>
+        <p:spPr/>
+      </p:sp>
+      <p:sp>
+        <p:nvSpPr>
+          <p:cNvPr id="3" name="Notes Placeholder 2"/>
+          <p:cNvSpPr>
+            <a:spLocks noGrp="1"/>
+          </p:cNvSpPr>
+          <p:nvPr>
+            <p:ph type="body" idx="1"/>
+          </p:nvPr>
+        </p:nvSpPr>
+        <p:spPr/>
+        <p:txBody>
+          <a:bodyPr/>
+          <a:lstStyle/>
+          <a:p>
+            <a:endParaRPr lang="en-US" dirty="0"/>
+          </a:p>
+        </p:txBody>
+      </p:sp>
+      <p:sp>
+        <p:nvSpPr>
+          <p:cNvPr id="4" name="Slide Number Placeholder 3"/>
+          <p:cNvSpPr>
+            <a:spLocks noGrp="1"/>
+          </p:cNvSpPr>
+          <p:nvPr>
+            <p:ph type="sldNum" sz="quarter" idx="5"/>
+          </p:nvPr>
+        </p:nvSpPr>
+        <p:spPr/>
+        <p:txBody>
+          <a:bodyPr/>
+          <a:lstStyle/>
+          <a:p>
+            <a:fld id="{E5D78A92-9FB4-49BB-8807-D41DD3297BDA}" type="slidenum">
+              <a:rPr lang="en-US" smtClean="0"/>
+              <a:t>63</a:t>
+            </a:fld>
+            <a:endParaRPr lang="en-US"/>
+          </a:p>
+        </p:txBody>
+      </p:sp>
+    </p:spTree>
+    <p:extLst>
+      <p:ext uri="{BB962C8B-B14F-4D97-AF65-F5344CB8AC3E}">
+        <p14:creationId xmlns:p14="http://schemas.microsoft.com/office/powerpoint/2010/main" val="1653914715"/>
+      </p:ext>
+    </p:extLst>
+  </p:cSld>
+  <p:clrMapOvr>
+    <a:masterClrMapping/>
+  </p:clrMapOvr>
+</p:notes>
+</file>
+
+<file path=ppt/notesSlides/notesSlide3.xml><?xml version="1.0" encoding="utf-8"?>
+<p:notes xmlns:a="http://schemas.openxmlformats.org/drawingml/2006/main" xmlns:r="http://schemas.openxmlformats.org/officeDocument/2006/relationships" xmlns:p="http://schemas.openxmlformats.org/presentationml/2006/main">
+  <p:cSld>
+    <p:spTree>
+      <p:nvGrpSpPr>
+        <p:cNvPr id="1" name=""/>
+        <p:cNvGrpSpPr/>
+        <p:nvPr/>
+      </p:nvGrpSpPr>
+      <p:grpSpPr>
+        <a:xfrm>
+          <a:off x="0" y="0"/>
+          <a:ext cx="0" cy="0"/>
+          <a:chOff x="0" y="0"/>
+          <a:chExt cx="0" cy="0"/>
+        </a:xfrm>
+      </p:grpSpPr>
+      <p:sp>
+        <p:nvSpPr>
+          <p:cNvPr id="2" name="Slide Image Placeholder 1"/>
+          <p:cNvSpPr>
+            <a:spLocks noGrp="1" noRot="1" noChangeAspect="1"/>
+          </p:cNvSpPr>
+          <p:nvPr>
+            <p:ph type="sldImg"/>
+          </p:nvPr>
+        </p:nvSpPr>
+        <p:spPr/>
+      </p:sp>
+      <p:sp>
+        <p:nvSpPr>
+          <p:cNvPr id="3" name="Notes Placeholder 2"/>
+          <p:cNvSpPr>
+            <a:spLocks noGrp="1"/>
+          </p:cNvSpPr>
+          <p:nvPr>
+            <p:ph type="body" idx="1"/>
+          </p:nvPr>
+        </p:nvSpPr>
+        <p:spPr/>
+        <p:txBody>
+          <a:bodyPr/>
+          <a:lstStyle/>
+          <a:p>
+            <a:endParaRPr lang="en-US" dirty="0"/>
+          </a:p>
+        </p:txBody>
+      </p:sp>
+      <p:sp>
+        <p:nvSpPr>
+          <p:cNvPr id="4" name="Slide Number Placeholder 3"/>
+          <p:cNvSpPr>
+            <a:spLocks noGrp="1"/>
+          </p:cNvSpPr>
+          <p:nvPr>
+            <p:ph type="sldNum" sz="quarter" idx="5"/>
+          </p:nvPr>
+        </p:nvSpPr>
+        <p:spPr/>
+        <p:txBody>
+          <a:bodyPr/>
+          <a:lstStyle/>
+          <a:p>
+            <a:fld id="{E5D78A92-9FB4-49BB-8807-D41DD3297BDA}" type="slidenum">
+              <a:rPr lang="en-US" smtClean="0"/>
+              <a:t>64</a:t>
+            </a:fld>
+            <a:endParaRPr lang="en-US"/>
+          </a:p>
+        </p:txBody>
+      </p:sp>
+    </p:spTree>
+    <p:extLst>
+      <p:ext uri="{BB962C8B-B14F-4D97-AF65-F5344CB8AC3E}">
+        <p14:creationId xmlns:p14="http://schemas.microsoft.com/office/powerpoint/2010/main" val="3645777147"/>
+      </p:ext>
+    </p:extLst>
+  </p:cSld>
+  <p:clrMapOvr>
+    <a:masterClrMapping/>
+  </p:clrMapOvr>
+</p:notes>
+</file>
+
+<file path=ppt/notesSlides/notesSlide4.xml><?xml version="1.0" encoding="utf-8"?>
+<p:notes xmlns:a="http://schemas.openxmlformats.org/drawingml/2006/main" xmlns:r="http://schemas.openxmlformats.org/officeDocument/2006/relationships" xmlns:p="http://schemas.openxmlformats.org/presentationml/2006/main">
+  <p:cSld>
+    <p:spTree>
+      <p:nvGrpSpPr>
+        <p:cNvPr id="1" name=""/>
+        <p:cNvGrpSpPr/>
+        <p:nvPr/>
+      </p:nvGrpSpPr>
+      <p:grpSpPr>
+        <a:xfrm>
+          <a:off x="0" y="0"/>
+          <a:ext cx="0" cy="0"/>
+          <a:chOff x="0" y="0"/>
+          <a:chExt cx="0" cy="0"/>
+        </a:xfrm>
+      </p:grpSpPr>
+      <p:sp>
+        <p:nvSpPr>
+          <p:cNvPr id="2" name="Slide Image Placeholder 1"/>
+          <p:cNvSpPr>
+            <a:spLocks noGrp="1" noRot="1" noChangeAspect="1"/>
+          </p:cNvSpPr>
+          <p:nvPr>
+            <p:ph type="sldImg"/>
+          </p:nvPr>
+        </p:nvSpPr>
+        <p:spPr/>
+      </p:sp>
+      <p:sp>
+        <p:nvSpPr>
+          <p:cNvPr id="3" name="Notes Placeholder 2"/>
+          <p:cNvSpPr>
+            <a:spLocks noGrp="1"/>
+          </p:cNvSpPr>
+          <p:nvPr>
+            <p:ph type="body" idx="1"/>
+          </p:nvPr>
+        </p:nvSpPr>
+        <p:spPr/>
+        <p:txBody>
+          <a:bodyPr/>
+          <a:lstStyle/>
+          <a:p>
+            <a:endParaRPr lang="en-US" dirty="0"/>
+          </a:p>
+        </p:txBody>
+      </p:sp>
+      <p:sp>
+        <p:nvSpPr>
+          <p:cNvPr id="4" name="Slide Number Placeholder 3"/>
+          <p:cNvSpPr>
+            <a:spLocks noGrp="1"/>
+          </p:cNvSpPr>
+          <p:nvPr>
+            <p:ph type="sldNum" sz="quarter" idx="5"/>
+          </p:nvPr>
+        </p:nvSpPr>
+        <p:spPr/>
+        <p:txBody>
+          <a:bodyPr/>
+          <a:lstStyle/>
+          <a:p>
+            <a:fld id="{E5D78A92-9FB4-49BB-8807-D41DD3297BDA}" type="slidenum">
+              <a:rPr lang="en-US" smtClean="0"/>
+              <a:t>65</a:t>
+            </a:fld>
+            <a:endParaRPr lang="en-US"/>
+          </a:p>
+        </p:txBody>
+      </p:sp>
+    </p:spTree>
+    <p:extLst>
+      <p:ext uri="{BB962C8B-B14F-4D97-AF65-F5344CB8AC3E}">
+        <p14:creationId xmlns:p14="http://schemas.microsoft.com/office/powerpoint/2010/main" val="2875100881"/>
+      </p:ext>
+    </p:extLst>
+  </p:cSld>
+  <p:clrMapOvr>
+    <a:masterClrMapping/>
+  </p:clrMapOvr>
+</p:notes>
+</file>
+
+<file path=ppt/notesSlides/notesSlide5.xml><?xml version="1.0" encoding="utf-8"?>
+<p:notes xmlns:a="http://schemas.openxmlformats.org/drawingml/2006/main" xmlns:r="http://schemas.openxmlformats.org/officeDocument/2006/relationships" xmlns:p="http://schemas.openxmlformats.org/presentationml/2006/main">
+  <p:cSld>
+    <p:spTree>
+      <p:nvGrpSpPr>
+        <p:cNvPr id="1" name=""/>
+        <p:cNvGrpSpPr/>
+        <p:nvPr/>
+      </p:nvGrpSpPr>
+      <p:grpSpPr>
+        <a:xfrm>
+          <a:off x="0" y="0"/>
+          <a:ext cx="0" cy="0"/>
+          <a:chOff x="0" y="0"/>
+          <a:chExt cx="0" cy="0"/>
+        </a:xfrm>
+      </p:grpSpPr>
+      <p:sp>
+        <p:nvSpPr>
+          <p:cNvPr id="2" name="Slide Image Placeholder 1"/>
+          <p:cNvSpPr>
+            <a:spLocks noGrp="1" noRot="1" noChangeAspect="1"/>
+          </p:cNvSpPr>
+          <p:nvPr>
+            <p:ph type="sldImg"/>
+          </p:nvPr>
+        </p:nvSpPr>
+        <p:spPr/>
+      </p:sp>
+      <p:sp>
+        <p:nvSpPr>
+          <p:cNvPr id="3" name="Notes Placeholder 2"/>
+          <p:cNvSpPr>
+            <a:spLocks noGrp="1"/>
+          </p:cNvSpPr>
+          <p:nvPr>
+            <p:ph type="body" idx="1"/>
+          </p:nvPr>
+        </p:nvSpPr>
+        <p:spPr/>
+        <p:txBody>
+          <a:bodyPr/>
+          <a:lstStyle/>
+          <a:p>
+            <a:endParaRPr lang="en-US" dirty="0"/>
+          </a:p>
+        </p:txBody>
+      </p:sp>
+      <p:sp>
+        <p:nvSpPr>
+          <p:cNvPr id="4" name="Slide Number Placeholder 3"/>
+          <p:cNvSpPr>
+            <a:spLocks noGrp="1"/>
+          </p:cNvSpPr>
+          <p:nvPr>
+            <p:ph type="sldNum" sz="quarter" idx="5"/>
+          </p:nvPr>
+        </p:nvSpPr>
+        <p:spPr/>
+        <p:txBody>
+          <a:bodyPr/>
+          <a:lstStyle/>
+          <a:p>
+            <a:fld id="{E5D78A92-9FB4-49BB-8807-D41DD3297BDA}" type="slidenum">
+              <a:rPr lang="en-US" smtClean="0"/>
+              <a:t>66</a:t>
+            </a:fld>
+            <a:endParaRPr lang="en-US"/>
+          </a:p>
+        </p:txBody>
+      </p:sp>
+    </p:spTree>
+    <p:extLst>
+      <p:ext uri="{BB962C8B-B14F-4D97-AF65-F5344CB8AC3E}">
+        <p14:creationId xmlns:p14="http://schemas.microsoft.com/office/powerpoint/2010/main" val="3503992935"/>
+      </p:ext>
+    </p:extLst>
+  </p:cSld>
+  <p:clrMapOvr>
+    <a:masterClrMapping/>
+  </p:clrMapOvr>
+</p:notes>
+</file>
+
 <file path=ppt/slideLayouts/slideLayout1.xml><?xml version="1.0" encoding="utf-8"?>
 <p:sldLayout xmlns:a="http://schemas.openxmlformats.org/drawingml/2006/main" xmlns:r="http://schemas.openxmlformats.org/officeDocument/2006/relationships" xmlns:p="http://schemas.openxmlformats.org/presentationml/2006/main" type="title" preserve="1">
   <p:cSld name="Title Slide">
@@ -879,7 +1223,7 @@
           <a:p>
             <a:fld id="{4D9800FF-A981-4B9F-BC27-EEE0445CCC0D}" type="datetimeFigureOut">
               <a:rPr lang="en-US" smtClean="0"/>
-              <a:t>12/14/2023</a:t>
+              <a:t>12/17/2023</a:t>
             </a:fld>
             <a:endParaRPr lang="en-US"/>
           </a:p>
@@ -1293,7 +1637,7 @@
           <a:p>
             <a:fld id="{4D9800FF-A981-4B9F-BC27-EEE0445CCC0D}" type="datetimeFigureOut">
               <a:rPr lang="en-US" smtClean="0"/>
-              <a:t>12/14/2023</a:t>
+              <a:t>12/17/2023</a:t>
             </a:fld>
             <a:endParaRPr lang="en-US"/>
           </a:p>
@@ -1629,7 +1973,7 @@
           <a:p>
             <a:fld id="{4D9800FF-A981-4B9F-BC27-EEE0445CCC0D}" type="datetimeFigureOut">
               <a:rPr lang="en-US" smtClean="0"/>
-              <a:t>12/14/2023</a:t>
+              <a:t>12/17/2023</a:t>
             </a:fld>
             <a:endParaRPr lang="en-US"/>
           </a:p>
@@ -2034,7 +2378,7 @@
           <a:p>
             <a:fld id="{4D9800FF-A981-4B9F-BC27-EEE0445CCC0D}" type="datetimeFigureOut">
               <a:rPr lang="en-US" smtClean="0"/>
-              <a:t>12/14/2023</a:t>
+              <a:t>12/17/2023</a:t>
             </a:fld>
             <a:endParaRPr lang="en-US"/>
           </a:p>
@@ -2602,7 +2946,7 @@
           <a:p>
             <a:fld id="{4D9800FF-A981-4B9F-BC27-EEE0445CCC0D}" type="datetimeFigureOut">
               <a:rPr lang="en-US" smtClean="0"/>
-              <a:t>12/14/2023</a:t>
+              <a:t>12/17/2023</a:t>
             </a:fld>
             <a:endParaRPr lang="en-US"/>
           </a:p>
@@ -3283,7 +3627,7 @@
           <a:p>
             <a:fld id="{4D9800FF-A981-4B9F-BC27-EEE0445CCC0D}" type="datetimeFigureOut">
               <a:rPr lang="en-US" smtClean="0"/>
-              <a:t>12/14/2023</a:t>
+              <a:t>12/17/2023</a:t>
             </a:fld>
             <a:endParaRPr lang="en-US"/>
           </a:p>
@@ -4196,7 +4540,7 @@
           <a:p>
             <a:fld id="{4D9800FF-A981-4B9F-BC27-EEE0445CCC0D}" type="datetimeFigureOut">
               <a:rPr lang="en-US" smtClean="0"/>
-              <a:t>12/14/2023</a:t>
+              <a:t>12/17/2023</a:t>
             </a:fld>
             <a:endParaRPr lang="en-US"/>
           </a:p>
@@ -4509,7 +4853,7 @@
           <a:p>
             <a:fld id="{4D9800FF-A981-4B9F-BC27-EEE0445CCC0D}" type="datetimeFigureOut">
               <a:rPr lang="en-US" smtClean="0"/>
-              <a:t>12/14/2023</a:t>
+              <a:t>12/17/2023</a:t>
             </a:fld>
             <a:endParaRPr lang="en-US"/>
           </a:p>
@@ -4773,7 +5117,7 @@
           <a:p>
             <a:fld id="{4D9800FF-A981-4B9F-BC27-EEE0445CCC0D}" type="datetimeFigureOut">
               <a:rPr lang="en-US" smtClean="0"/>
-              <a:t>12/14/2023</a:t>
+              <a:t>12/17/2023</a:t>
             </a:fld>
             <a:endParaRPr lang="en-US"/>
           </a:p>
@@ -5096,7 +5440,7 @@
           <a:p>
             <a:fld id="{4D9800FF-A981-4B9F-BC27-EEE0445CCC0D}" type="datetimeFigureOut">
               <a:rPr lang="en-US" smtClean="0"/>
-              <a:t>12/14/2023</a:t>
+              <a:t>12/17/2023</a:t>
             </a:fld>
             <a:endParaRPr lang="en-US"/>
           </a:p>
@@ -5485,7 +5829,7 @@
           <a:p>
             <a:fld id="{4D9800FF-A981-4B9F-BC27-EEE0445CCC0D}" type="datetimeFigureOut">
               <a:rPr lang="en-US" smtClean="0"/>
-              <a:t>12/14/2023</a:t>
+              <a:t>12/17/2023</a:t>
             </a:fld>
             <a:endParaRPr lang="en-US"/>
           </a:p>
@@ -5861,7 +6205,7 @@
           <a:p>
             <a:fld id="{4D9800FF-A981-4B9F-BC27-EEE0445CCC0D}" type="datetimeFigureOut">
               <a:rPr lang="en-US" smtClean="0"/>
-              <a:t>12/14/2023</a:t>
+              <a:t>12/17/2023</a:t>
             </a:fld>
             <a:endParaRPr lang="en-US"/>
           </a:p>
@@ -6367,7 +6711,7 @@
           <a:p>
             <a:fld id="{4D9800FF-A981-4B9F-BC27-EEE0445CCC0D}" type="datetimeFigureOut">
               <a:rPr lang="en-US" smtClean="0"/>
-              <a:t>12/14/2023</a:t>
+              <a:t>12/17/2023</a:t>
             </a:fld>
             <a:endParaRPr lang="en-US"/>
           </a:p>
@@ -6624,7 +6968,7 @@
           <a:p>
             <a:fld id="{4D9800FF-A981-4B9F-BC27-EEE0445CCC0D}" type="datetimeFigureOut">
               <a:rPr lang="en-US" smtClean="0"/>
-              <a:t>12/14/2023</a:t>
+              <a:t>12/17/2023</a:t>
             </a:fld>
             <a:endParaRPr lang="en-US"/>
           </a:p>
@@ -6787,7 +7131,7 @@
           <a:p>
             <a:fld id="{4D9800FF-A981-4B9F-BC27-EEE0445CCC0D}" type="datetimeFigureOut">
               <a:rPr lang="en-US" smtClean="0"/>
-              <a:t>12/14/2023</a:t>
+              <a:t>12/17/2023</a:t>
             </a:fld>
             <a:endParaRPr lang="en-US"/>
           </a:p>
@@ -7177,7 +7521,7 @@
           <a:p>
             <a:fld id="{4D9800FF-A981-4B9F-BC27-EEE0445CCC0D}" type="datetimeFigureOut">
               <a:rPr lang="en-US" smtClean="0"/>
-              <a:t>12/14/2023</a:t>
+              <a:t>12/17/2023</a:t>
             </a:fld>
             <a:endParaRPr lang="en-US"/>
           </a:p>
@@ -7586,7 +7930,7 @@
           <a:p>
             <a:fld id="{4D9800FF-A981-4B9F-BC27-EEE0445CCC0D}" type="datetimeFigureOut">
               <a:rPr lang="en-US" smtClean="0"/>
-              <a:t>12/14/2023</a:t>
+              <a:t>12/17/2023</a:t>
             </a:fld>
             <a:endParaRPr lang="en-US"/>
           </a:p>
@@ -7830,7 +8174,7 @@
           <a:p>
             <a:fld id="{4D9800FF-A981-4B9F-BC27-EEE0445CCC0D}" type="datetimeFigureOut">
               <a:rPr lang="en-US" smtClean="0"/>
-              <a:t>12/14/2023</a:t>
+              <a:t>12/17/2023</a:t>
             </a:fld>
             <a:endParaRPr lang="en-US"/>
           </a:p>
@@ -32542,6 +32886,110 @@
 </p:sld>
 </file>
 
+<file path=ppt/slides/slide59.xml><?xml version="1.0" encoding="utf-8"?>
+<p:sld xmlns:a="http://schemas.openxmlformats.org/drawingml/2006/main" xmlns:r="http://schemas.openxmlformats.org/officeDocument/2006/relationships" xmlns:p="http://schemas.openxmlformats.org/presentationml/2006/main">
+  <p:cSld>
+    <p:spTree>
+      <p:nvGrpSpPr>
+        <p:cNvPr id="1" name=""/>
+        <p:cNvGrpSpPr/>
+        <p:nvPr/>
+      </p:nvGrpSpPr>
+      <p:grpSpPr>
+        <a:xfrm>
+          <a:off x="0" y="0"/>
+          <a:ext cx="0" cy="0"/>
+          <a:chOff x="0" y="0"/>
+          <a:chExt cx="0" cy="0"/>
+        </a:xfrm>
+      </p:grpSpPr>
+      <p:sp>
+        <p:nvSpPr>
+          <p:cNvPr id="2" name="Title 1">
+            <a:extLst>
+              <a:ext uri="{FF2B5EF4-FFF2-40B4-BE49-F238E27FC236}">
+                <a16:creationId xmlns:a16="http://schemas.microsoft.com/office/drawing/2014/main" id="{694A32B5-CC15-4BE0-91F6-9DFAB105B8C6}"/>
+              </a:ext>
+            </a:extLst>
+          </p:cNvPr>
+          <p:cNvSpPr>
+            <a:spLocks noGrp="1"/>
+          </p:cNvSpPr>
+          <p:nvPr>
+            <p:ph type="ctrTitle"/>
+          </p:nvPr>
+        </p:nvSpPr>
+        <p:spPr/>
+        <p:txBody>
+          <a:bodyPr/>
+          <a:lstStyle/>
+          <a:p>
+            <a:r>
+              <a:rPr lang="en-US" sz="4400" dirty="0"/>
+              <a:t>Corpus and Zeros</a:t>
+            </a:r>
+            <a:br>
+              <a:rPr lang="en-US" dirty="0"/>
+            </a:br>
+            <a:r>
+              <a:rPr lang="en-US" sz="2800" dirty="0">
+                <a:solidFill>
+                  <a:srgbClr val="FF0000"/>
+                </a:solidFill>
+              </a:rPr>
+              <a:t>Language Models</a:t>
+            </a:r>
+          </a:p>
+        </p:txBody>
+      </p:sp>
+      <p:sp>
+        <p:nvSpPr>
+          <p:cNvPr id="3" name="Subtitle 2">
+            <a:extLst>
+              <a:ext uri="{FF2B5EF4-FFF2-40B4-BE49-F238E27FC236}">
+                <a16:creationId xmlns:a16="http://schemas.microsoft.com/office/drawing/2014/main" id="{7F593B77-EFC8-4C4D-ADC1-3DC88C25A989}"/>
+              </a:ext>
+            </a:extLst>
+          </p:cNvPr>
+          <p:cNvSpPr>
+            <a:spLocks noGrp="1"/>
+          </p:cNvSpPr>
+          <p:nvPr>
+            <p:ph type="subTitle" idx="1"/>
+          </p:nvPr>
+        </p:nvSpPr>
+        <p:spPr>
+          <a:xfrm>
+            <a:off x="1062877" y="4422031"/>
+            <a:ext cx="8144134" cy="1117687"/>
+          </a:xfrm>
+        </p:spPr>
+        <p:txBody>
+          <a:bodyPr>
+            <a:normAutofit/>
+          </a:bodyPr>
+          <a:lstStyle/>
+          <a:p>
+            <a:r>
+              <a:rPr lang="en-US" sz="2600" dirty="0"/>
+              <a:t>Natural Language Processing </a:t>
+            </a:r>
+          </a:p>
+        </p:txBody>
+      </p:sp>
+    </p:spTree>
+    <p:extLst>
+      <p:ext uri="{BB962C8B-B14F-4D97-AF65-F5344CB8AC3E}">
+        <p14:creationId xmlns:p14="http://schemas.microsoft.com/office/powerpoint/2010/main" val="1956106502"/>
+      </p:ext>
+    </p:extLst>
+  </p:cSld>
+  <p:clrMapOvr>
+    <a:masterClrMapping/>
+  </p:clrMapOvr>
+</p:sld>
+</file>
+
 <file path=ppt/slides/slide6.xml><?xml version="1.0" encoding="utf-8"?>
 <p:sld xmlns:a="http://schemas.openxmlformats.org/drawingml/2006/main" xmlns:r="http://schemas.openxmlformats.org/officeDocument/2006/relationships" xmlns:p="http://schemas.openxmlformats.org/presentationml/2006/main">
   <p:cSld>
@@ -32635,6 +33083,1340 @@
     <p:extLst>
       <p:ext uri="{BB962C8B-B14F-4D97-AF65-F5344CB8AC3E}">
         <p14:creationId xmlns:p14="http://schemas.microsoft.com/office/powerpoint/2010/main" val="136840266"/>
+      </p:ext>
+    </p:extLst>
+  </p:cSld>
+  <p:clrMapOvr>
+    <a:masterClrMapping/>
+  </p:clrMapOvr>
+</p:sld>
+</file>
+
+<file path=ppt/slides/slide60.xml><?xml version="1.0" encoding="utf-8"?>
+<p:sld xmlns:a="http://schemas.openxmlformats.org/drawingml/2006/main" xmlns:r="http://schemas.openxmlformats.org/officeDocument/2006/relationships" xmlns:p="http://schemas.openxmlformats.org/presentationml/2006/main">
+  <p:cSld>
+    <p:spTree>
+      <p:nvGrpSpPr>
+        <p:cNvPr id="1" name=""/>
+        <p:cNvGrpSpPr/>
+        <p:nvPr/>
+      </p:nvGrpSpPr>
+      <p:grpSpPr>
+        <a:xfrm>
+          <a:off x="0" y="0"/>
+          <a:ext cx="0" cy="0"/>
+          <a:chOff x="0" y="0"/>
+          <a:chExt cx="0" cy="0"/>
+        </a:xfrm>
+      </p:grpSpPr>
+      <p:sp>
+        <p:nvSpPr>
+          <p:cNvPr id="2" name="Title 1">
+            <a:extLst>
+              <a:ext uri="{FF2B5EF4-FFF2-40B4-BE49-F238E27FC236}">
+                <a16:creationId xmlns:a16="http://schemas.microsoft.com/office/drawing/2014/main" id="{D8D9EDCF-9E88-BC01-C0C8-1BAC2CFBCA10}"/>
+              </a:ext>
+            </a:extLst>
+          </p:cNvPr>
+          <p:cNvSpPr>
+            <a:spLocks noGrp="1"/>
+          </p:cNvSpPr>
+          <p:nvPr>
+            <p:ph type="title"/>
+          </p:nvPr>
+        </p:nvSpPr>
+        <p:spPr/>
+        <p:txBody>
+          <a:bodyPr/>
+          <a:lstStyle/>
+          <a:p>
+            <a:r>
+              <a:rPr lang="en-US" dirty="0"/>
+              <a:t>Corpus</a:t>
+            </a:r>
+          </a:p>
+        </p:txBody>
+      </p:sp>
+      <p:sp>
+        <p:nvSpPr>
+          <p:cNvPr id="3" name="Content Placeholder 2">
+            <a:extLst>
+              <a:ext uri="{FF2B5EF4-FFF2-40B4-BE49-F238E27FC236}">
+                <a16:creationId xmlns:a16="http://schemas.microsoft.com/office/drawing/2014/main" id="{C5984733-1ACF-7EE5-B7F3-F66CB7F27A18}"/>
+              </a:ext>
+            </a:extLst>
+          </p:cNvPr>
+          <p:cNvSpPr>
+            <a:spLocks noGrp="1"/>
+          </p:cNvSpPr>
+          <p:nvPr>
+            <p:ph idx="1"/>
+          </p:nvPr>
+        </p:nvSpPr>
+        <p:spPr/>
+        <p:txBody>
+          <a:bodyPr>
+            <a:normAutofit/>
+          </a:bodyPr>
+          <a:lstStyle/>
+          <a:p>
+            <a:r>
+              <a:rPr lang="en-US" dirty="0"/>
+              <a:t>A corpus refers to a large and structed set of machine readable texts </a:t>
+            </a:r>
+          </a:p>
+          <a:p>
+            <a:r>
+              <a:rPr lang="en-US" dirty="0"/>
+              <a:t>Corpus texts are collections from</a:t>
+            </a:r>
+          </a:p>
+          <a:p>
+            <a:pPr lvl="1"/>
+            <a:r>
+              <a:rPr lang="en-US" dirty="0"/>
+              <a:t>Books</a:t>
+            </a:r>
+          </a:p>
+          <a:p>
+            <a:pPr lvl="1"/>
+            <a:r>
+              <a:rPr lang="en-US" dirty="0"/>
+              <a:t>Articles</a:t>
+            </a:r>
+          </a:p>
+          <a:p>
+            <a:pPr lvl="1"/>
+            <a:r>
+              <a:rPr lang="en-US" dirty="0"/>
+              <a:t>Websites</a:t>
+            </a:r>
+          </a:p>
+          <a:p>
+            <a:pPr lvl="1"/>
+            <a:r>
+              <a:rPr lang="en-US" dirty="0"/>
+              <a:t>Conversation</a:t>
+            </a:r>
+          </a:p>
+          <a:p>
+            <a:pPr lvl="1"/>
+            <a:r>
+              <a:rPr lang="en-US" dirty="0"/>
+              <a:t>Social media</a:t>
+            </a:r>
+          </a:p>
+          <a:p>
+            <a:pPr lvl="1"/>
+            <a:r>
+              <a:rPr lang="en-US" dirty="0"/>
+              <a:t>audio</a:t>
+            </a:r>
+          </a:p>
+          <a:p>
+            <a:pPr lvl="1"/>
+            <a:endParaRPr lang="en-US" dirty="0"/>
+          </a:p>
+          <a:p>
+            <a:pPr marL="0" indent="0">
+              <a:buNone/>
+            </a:pPr>
+            <a:endParaRPr lang="en-US" dirty="0">
+              <a:solidFill>
+                <a:srgbClr val="FFFF00"/>
+              </a:solidFill>
+            </a:endParaRPr>
+          </a:p>
+        </p:txBody>
+      </p:sp>
+    </p:spTree>
+    <p:extLst>
+      <p:ext uri="{BB962C8B-B14F-4D97-AF65-F5344CB8AC3E}">
+        <p14:creationId xmlns:p14="http://schemas.microsoft.com/office/powerpoint/2010/main" val="3485317329"/>
+      </p:ext>
+    </p:extLst>
+  </p:cSld>
+  <p:clrMapOvr>
+    <a:masterClrMapping/>
+  </p:clrMapOvr>
+</p:sld>
+</file>
+
+<file path=ppt/slides/slide61.xml><?xml version="1.0" encoding="utf-8"?>
+<p:sld xmlns:a="http://schemas.openxmlformats.org/drawingml/2006/main" xmlns:r="http://schemas.openxmlformats.org/officeDocument/2006/relationships" xmlns:p="http://schemas.openxmlformats.org/presentationml/2006/main">
+  <p:cSld>
+    <p:spTree>
+      <p:nvGrpSpPr>
+        <p:cNvPr id="1" name=""/>
+        <p:cNvGrpSpPr/>
+        <p:nvPr/>
+      </p:nvGrpSpPr>
+      <p:grpSpPr>
+        <a:xfrm>
+          <a:off x="0" y="0"/>
+          <a:ext cx="0" cy="0"/>
+          <a:chOff x="0" y="0"/>
+          <a:chExt cx="0" cy="0"/>
+        </a:xfrm>
+      </p:grpSpPr>
+      <p:sp>
+        <p:nvSpPr>
+          <p:cNvPr id="2" name="Title 1">
+            <a:extLst>
+              <a:ext uri="{FF2B5EF4-FFF2-40B4-BE49-F238E27FC236}">
+                <a16:creationId xmlns:a16="http://schemas.microsoft.com/office/drawing/2014/main" id="{D8D9EDCF-9E88-BC01-C0C8-1BAC2CFBCA10}"/>
+              </a:ext>
+            </a:extLst>
+          </p:cNvPr>
+          <p:cNvSpPr>
+            <a:spLocks noGrp="1"/>
+          </p:cNvSpPr>
+          <p:nvPr>
+            <p:ph type="title"/>
+          </p:nvPr>
+        </p:nvSpPr>
+        <p:spPr/>
+        <p:txBody>
+          <a:bodyPr/>
+          <a:lstStyle/>
+          <a:p>
+            <a:r>
+              <a:rPr lang="en-US" dirty="0"/>
+              <a:t>Shakespeare Corpus</a:t>
+            </a:r>
+          </a:p>
+        </p:txBody>
+      </p:sp>
+      <p:sp>
+        <p:nvSpPr>
+          <p:cNvPr id="3" name="Content Placeholder 2">
+            <a:extLst>
+              <a:ext uri="{FF2B5EF4-FFF2-40B4-BE49-F238E27FC236}">
+                <a16:creationId xmlns:a16="http://schemas.microsoft.com/office/drawing/2014/main" id="{C5984733-1ACF-7EE5-B7F3-F66CB7F27A18}"/>
+              </a:ext>
+            </a:extLst>
+          </p:cNvPr>
+          <p:cNvSpPr>
+            <a:spLocks noGrp="1"/>
+          </p:cNvSpPr>
+          <p:nvPr>
+            <p:ph idx="1"/>
+          </p:nvPr>
+        </p:nvSpPr>
+        <p:spPr/>
+        <p:txBody>
+          <a:bodyPr>
+            <a:normAutofit/>
+          </a:bodyPr>
+          <a:lstStyle/>
+          <a:p>
+            <a:r>
+              <a:rPr lang="en-US" dirty="0"/>
+              <a:t>Total works: 43</a:t>
+            </a:r>
+          </a:p>
+          <a:p>
+            <a:r>
+              <a:rPr lang="en-US" dirty="0"/>
+              <a:t>Words: 884,421</a:t>
+            </a:r>
+          </a:p>
+          <a:p>
+            <a:r>
+              <a:rPr lang="en-US" dirty="0"/>
+              <a:t>Unique word forms: 28,829,</a:t>
+            </a:r>
+          </a:p>
+          <a:p>
+            <a:r>
+              <a:rPr lang="en-US" dirty="0"/>
+              <a:t>Word occurring only once: 12,493 </a:t>
+            </a:r>
+          </a:p>
+          <a:p>
+            <a:pPr lvl="1"/>
+            <a:endParaRPr lang="en-US" dirty="0"/>
+          </a:p>
+          <a:p>
+            <a:pPr marL="0" indent="0">
+              <a:buNone/>
+            </a:pPr>
+            <a:endParaRPr lang="en-US" dirty="0">
+              <a:solidFill>
+                <a:srgbClr val="FFFF00"/>
+              </a:solidFill>
+            </a:endParaRPr>
+          </a:p>
+        </p:txBody>
+      </p:sp>
+      <p:pic>
+        <p:nvPicPr>
+          <p:cNvPr id="7" name="Picture 6">
+            <a:extLst>
+              <a:ext uri="{FF2B5EF4-FFF2-40B4-BE49-F238E27FC236}">
+                <a16:creationId xmlns:a16="http://schemas.microsoft.com/office/drawing/2014/main" id="{337EB4E3-F7D3-F31C-6C36-7FB356022BA5}"/>
+              </a:ext>
+            </a:extLst>
+          </p:cNvPr>
+          <p:cNvPicPr>
+            <a:picLocks noChangeAspect="1"/>
+          </p:cNvPicPr>
+          <p:nvPr/>
+        </p:nvPicPr>
+        <p:blipFill>
+          <a:blip r:embed="rId2">
+            <a:extLst>
+              <a:ext uri="{28A0092B-C50C-407E-A947-70E740481C1C}">
+                <a14:useLocalDpi xmlns:a14="http://schemas.microsoft.com/office/drawing/2010/main" val="0"/>
+              </a:ext>
+            </a:extLst>
+          </a:blip>
+          <a:stretch>
+            <a:fillRect/>
+          </a:stretch>
+        </p:blipFill>
+        <p:spPr>
+          <a:xfrm>
+            <a:off x="5911733" y="2505456"/>
+            <a:ext cx="6280267" cy="3485548"/>
+          </a:xfrm>
+          <a:prstGeom prst="rect">
+            <a:avLst/>
+          </a:prstGeom>
+        </p:spPr>
+      </p:pic>
+    </p:spTree>
+    <p:extLst>
+      <p:ext uri="{BB962C8B-B14F-4D97-AF65-F5344CB8AC3E}">
+        <p14:creationId xmlns:p14="http://schemas.microsoft.com/office/powerpoint/2010/main" val="193813197"/>
+      </p:ext>
+    </p:extLst>
+  </p:cSld>
+  <p:clrMapOvr>
+    <a:masterClrMapping/>
+  </p:clrMapOvr>
+</p:sld>
+</file>
+
+<file path=ppt/slides/slide62.xml><?xml version="1.0" encoding="utf-8"?>
+<p:sld xmlns:a="http://schemas.openxmlformats.org/drawingml/2006/main" xmlns:r="http://schemas.openxmlformats.org/officeDocument/2006/relationships" xmlns:p="http://schemas.openxmlformats.org/presentationml/2006/main">
+  <p:cSld>
+    <p:spTree>
+      <p:nvGrpSpPr>
+        <p:cNvPr id="1" name=""/>
+        <p:cNvGrpSpPr/>
+        <p:nvPr/>
+      </p:nvGrpSpPr>
+      <p:grpSpPr>
+        <a:xfrm>
+          <a:off x="0" y="0"/>
+          <a:ext cx="0" cy="0"/>
+          <a:chOff x="0" y="0"/>
+          <a:chExt cx="0" cy="0"/>
+        </a:xfrm>
+      </p:grpSpPr>
+      <p:sp>
+        <p:nvSpPr>
+          <p:cNvPr id="2" name="Title 1">
+            <a:extLst>
+              <a:ext uri="{FF2B5EF4-FFF2-40B4-BE49-F238E27FC236}">
+                <a16:creationId xmlns:a16="http://schemas.microsoft.com/office/drawing/2014/main" id="{D8D9EDCF-9E88-BC01-C0C8-1BAC2CFBCA10}"/>
+              </a:ext>
+            </a:extLst>
+          </p:cNvPr>
+          <p:cNvSpPr>
+            <a:spLocks noGrp="1"/>
+          </p:cNvSpPr>
+          <p:nvPr>
+            <p:ph type="title"/>
+          </p:nvPr>
+        </p:nvSpPr>
+        <p:spPr/>
+        <p:txBody>
+          <a:bodyPr/>
+          <a:lstStyle/>
+          <a:p>
+            <a:r>
+              <a:rPr lang="en-US" dirty="0"/>
+              <a:t>Why Do We Need Corpus in NLP?</a:t>
+            </a:r>
+          </a:p>
+        </p:txBody>
+      </p:sp>
+      <p:sp>
+        <p:nvSpPr>
+          <p:cNvPr id="3" name="Content Placeholder 2">
+            <a:extLst>
+              <a:ext uri="{FF2B5EF4-FFF2-40B4-BE49-F238E27FC236}">
+                <a16:creationId xmlns:a16="http://schemas.microsoft.com/office/drawing/2014/main" id="{C5984733-1ACF-7EE5-B7F3-F66CB7F27A18}"/>
+              </a:ext>
+            </a:extLst>
+          </p:cNvPr>
+          <p:cNvSpPr>
+            <a:spLocks noGrp="1"/>
+          </p:cNvSpPr>
+          <p:nvPr>
+            <p:ph idx="1"/>
+          </p:nvPr>
+        </p:nvSpPr>
+        <p:spPr/>
+        <p:txBody>
+          <a:bodyPr>
+            <a:normAutofit lnSpcReduction="10000"/>
+          </a:bodyPr>
+          <a:lstStyle/>
+          <a:p>
+            <a:r>
+              <a:rPr lang="en-US" dirty="0">
+                <a:solidFill>
+                  <a:srgbClr val="FFFF00"/>
+                </a:solidFill>
+              </a:rPr>
+              <a:t>Training machine learning models</a:t>
+            </a:r>
+          </a:p>
+          <a:p>
+            <a:pPr lvl="1"/>
+            <a:r>
+              <a:rPr lang="en-US" dirty="0"/>
+              <a:t>Sentiment analysis, speech recognition, machine translation</a:t>
+            </a:r>
+          </a:p>
+          <a:p>
+            <a:r>
+              <a:rPr lang="en-US" dirty="0">
+                <a:solidFill>
+                  <a:srgbClr val="FFFF00"/>
+                </a:solidFill>
+              </a:rPr>
+              <a:t>Language understanding</a:t>
+            </a:r>
+          </a:p>
+          <a:p>
+            <a:pPr lvl="1"/>
+            <a:r>
+              <a:rPr lang="en-US" dirty="0"/>
+              <a:t>Grammer, vocabulary</a:t>
+            </a:r>
+          </a:p>
+          <a:p>
+            <a:r>
+              <a:rPr lang="en-US" dirty="0">
+                <a:solidFill>
+                  <a:srgbClr val="FFFF00"/>
+                </a:solidFill>
+              </a:rPr>
+              <a:t>Rule based system</a:t>
+            </a:r>
+          </a:p>
+          <a:p>
+            <a:pPr lvl="1"/>
+            <a:r>
+              <a:rPr lang="en-US" dirty="0"/>
+              <a:t>Part-of-speech (POS) tagging, named entity recognition</a:t>
+            </a:r>
+          </a:p>
+          <a:p>
+            <a:r>
+              <a:rPr lang="en-US" dirty="0">
+                <a:solidFill>
+                  <a:srgbClr val="FFFF00"/>
+                </a:solidFill>
+              </a:rPr>
+              <a:t>Statistical analysis</a:t>
+            </a:r>
+          </a:p>
+          <a:p>
+            <a:pPr lvl="1"/>
+            <a:r>
+              <a:rPr lang="en-US" dirty="0"/>
+              <a:t>Examine word frequency distribution, statistical features</a:t>
+            </a:r>
+          </a:p>
+          <a:p>
+            <a:r>
+              <a:rPr lang="en-US" dirty="0">
+                <a:solidFill>
+                  <a:srgbClr val="FFFF00"/>
+                </a:solidFill>
+              </a:rPr>
+              <a:t>Domain specific knowledge</a:t>
+            </a:r>
+          </a:p>
+          <a:p>
+            <a:pPr lvl="1"/>
+            <a:r>
+              <a:rPr lang="en-US" dirty="0"/>
+              <a:t>Legal documents, medical documents, chatbots</a:t>
+            </a:r>
+          </a:p>
+          <a:p>
+            <a:pPr marL="914400" lvl="2" indent="0">
+              <a:buNone/>
+            </a:pPr>
+            <a:endParaRPr lang="en-US" dirty="0"/>
+          </a:p>
+          <a:p>
+            <a:pPr marL="0" indent="0">
+              <a:buNone/>
+            </a:pPr>
+            <a:endParaRPr lang="en-US" dirty="0">
+              <a:solidFill>
+                <a:srgbClr val="FFFF00"/>
+              </a:solidFill>
+            </a:endParaRPr>
+          </a:p>
+        </p:txBody>
+      </p:sp>
+    </p:spTree>
+    <p:extLst>
+      <p:ext uri="{BB962C8B-B14F-4D97-AF65-F5344CB8AC3E}">
+        <p14:creationId xmlns:p14="http://schemas.microsoft.com/office/powerpoint/2010/main" val="3337675364"/>
+      </p:ext>
+    </p:extLst>
+  </p:cSld>
+  <p:clrMapOvr>
+    <a:masterClrMapping/>
+  </p:clrMapOvr>
+</p:sld>
+</file>
+
+<file path=ppt/slides/slide63.xml><?xml version="1.0" encoding="utf-8"?>
+<p:sld xmlns:a="http://schemas.openxmlformats.org/drawingml/2006/main" xmlns:r="http://schemas.openxmlformats.org/officeDocument/2006/relationships" xmlns:p="http://schemas.openxmlformats.org/presentationml/2006/main">
+  <p:cSld>
+    <p:spTree>
+      <p:nvGrpSpPr>
+        <p:cNvPr id="1" name=""/>
+        <p:cNvGrpSpPr/>
+        <p:nvPr/>
+      </p:nvGrpSpPr>
+      <p:grpSpPr>
+        <a:xfrm>
+          <a:off x="0" y="0"/>
+          <a:ext cx="0" cy="0"/>
+          <a:chOff x="0" y="0"/>
+          <a:chExt cx="0" cy="0"/>
+        </a:xfrm>
+      </p:grpSpPr>
+      <p:sp>
+        <p:nvSpPr>
+          <p:cNvPr id="2" name="Title 1">
+            <a:extLst>
+              <a:ext uri="{FF2B5EF4-FFF2-40B4-BE49-F238E27FC236}">
+                <a16:creationId xmlns:a16="http://schemas.microsoft.com/office/drawing/2014/main" id="{D8D9EDCF-9E88-BC01-C0C8-1BAC2CFBCA10}"/>
+              </a:ext>
+            </a:extLst>
+          </p:cNvPr>
+          <p:cNvSpPr>
+            <a:spLocks noGrp="1"/>
+          </p:cNvSpPr>
+          <p:nvPr>
+            <p:ph type="title"/>
+          </p:nvPr>
+        </p:nvSpPr>
+        <p:spPr/>
+        <p:txBody>
+          <a:bodyPr/>
+          <a:lstStyle/>
+          <a:p>
+            <a:r>
+              <a:rPr lang="en-US" dirty="0"/>
+              <a:t>Training corpus</a:t>
+            </a:r>
+          </a:p>
+        </p:txBody>
+      </p:sp>
+      <p:sp>
+        <p:nvSpPr>
+          <p:cNvPr id="3" name="Content Placeholder 2">
+            <a:extLst>
+              <a:ext uri="{FF2B5EF4-FFF2-40B4-BE49-F238E27FC236}">
+                <a16:creationId xmlns:a16="http://schemas.microsoft.com/office/drawing/2014/main" id="{C5984733-1ACF-7EE5-B7F3-F66CB7F27A18}"/>
+              </a:ext>
+            </a:extLst>
+          </p:cNvPr>
+          <p:cNvSpPr>
+            <a:spLocks noGrp="1"/>
+          </p:cNvSpPr>
+          <p:nvPr>
+            <p:ph idx="1"/>
+          </p:nvPr>
+        </p:nvSpPr>
+        <p:spPr/>
+        <p:txBody>
+          <a:bodyPr>
+            <a:normAutofit/>
+          </a:bodyPr>
+          <a:lstStyle/>
+          <a:p>
+            <a:r>
+              <a:rPr lang="en-US" dirty="0"/>
+              <a:t>Building a question answering system, we need a training corpus of question answer</a:t>
+            </a:r>
+          </a:p>
+          <a:p>
+            <a:r>
+              <a:rPr lang="en-US" dirty="0"/>
+              <a:t>To build translating legal documents, we need a training corpus of legal documents</a:t>
+            </a:r>
+          </a:p>
+          <a:p>
+            <a:endParaRPr lang="en-US" dirty="0"/>
+          </a:p>
+          <a:p>
+            <a:pPr marL="914400" lvl="2" indent="0">
+              <a:buNone/>
+            </a:pPr>
+            <a:endParaRPr lang="en-US" dirty="0"/>
+          </a:p>
+          <a:p>
+            <a:pPr marL="0" indent="0">
+              <a:buNone/>
+            </a:pPr>
+            <a:endParaRPr lang="en-US" dirty="0">
+              <a:solidFill>
+                <a:srgbClr val="FFFF00"/>
+              </a:solidFill>
+            </a:endParaRPr>
+          </a:p>
+        </p:txBody>
+      </p:sp>
+      <p:sp>
+        <p:nvSpPr>
+          <p:cNvPr id="4" name="TextBox 3">
+            <a:extLst>
+              <a:ext uri="{FF2B5EF4-FFF2-40B4-BE49-F238E27FC236}">
+                <a16:creationId xmlns:a16="http://schemas.microsoft.com/office/drawing/2014/main" id="{B0CD4348-B68C-AD15-72BE-BEA252566543}"/>
+              </a:ext>
+            </a:extLst>
+          </p:cNvPr>
+          <p:cNvSpPr txBox="1"/>
+          <p:nvPr/>
+        </p:nvSpPr>
+        <p:spPr>
+          <a:xfrm>
+            <a:off x="2185853" y="5273775"/>
+            <a:ext cx="6602795" cy="830997"/>
+          </a:xfrm>
+          <a:prstGeom prst="rect">
+            <a:avLst/>
+          </a:prstGeom>
+          <a:noFill/>
+        </p:spPr>
+        <p:txBody>
+          <a:bodyPr wrap="square" rtlCol="0">
+            <a:spAutoFit/>
+          </a:bodyPr>
+          <a:lstStyle/>
+          <a:p>
+            <a:pPr algn="ctr"/>
+            <a:r>
+              <a:rPr lang="en-US" sz="2400" dirty="0">
+                <a:solidFill>
+                  <a:srgbClr val="FFFF00"/>
+                </a:solidFill>
+              </a:rPr>
+              <a:t>N gram only works well for word prediction </a:t>
+            </a:r>
+          </a:p>
+          <a:p>
+            <a:pPr algn="ctr"/>
+            <a:r>
+              <a:rPr lang="en-US" sz="2400" dirty="0">
+                <a:solidFill>
+                  <a:srgbClr val="FFFF00"/>
+                </a:solidFill>
+              </a:rPr>
+              <a:t>if the test corpus look like the training corpus</a:t>
+            </a:r>
+          </a:p>
+        </p:txBody>
+      </p:sp>
+    </p:spTree>
+    <p:extLst>
+      <p:ext uri="{BB962C8B-B14F-4D97-AF65-F5344CB8AC3E}">
+        <p14:creationId xmlns:p14="http://schemas.microsoft.com/office/powerpoint/2010/main" val="549665032"/>
+      </p:ext>
+    </p:extLst>
+  </p:cSld>
+  <p:clrMapOvr>
+    <a:masterClrMapping/>
+  </p:clrMapOvr>
+</p:sld>
+</file>
+
+<file path=ppt/slides/slide64.xml><?xml version="1.0" encoding="utf-8"?>
+<p:sld xmlns:a="http://schemas.openxmlformats.org/drawingml/2006/main" xmlns:r="http://schemas.openxmlformats.org/officeDocument/2006/relationships" xmlns:p="http://schemas.openxmlformats.org/presentationml/2006/main">
+  <p:cSld>
+    <p:spTree>
+      <p:nvGrpSpPr>
+        <p:cNvPr id="1" name=""/>
+        <p:cNvGrpSpPr/>
+        <p:nvPr/>
+      </p:nvGrpSpPr>
+      <p:grpSpPr>
+        <a:xfrm>
+          <a:off x="0" y="0"/>
+          <a:ext cx="0" cy="0"/>
+          <a:chOff x="0" y="0"/>
+          <a:chExt cx="0" cy="0"/>
+        </a:xfrm>
+      </p:grpSpPr>
+      <p:sp>
+        <p:nvSpPr>
+          <p:cNvPr id="2" name="Title 1">
+            <a:extLst>
+              <a:ext uri="{FF2B5EF4-FFF2-40B4-BE49-F238E27FC236}">
+                <a16:creationId xmlns:a16="http://schemas.microsoft.com/office/drawing/2014/main" id="{D8D9EDCF-9E88-BC01-C0C8-1BAC2CFBCA10}"/>
+              </a:ext>
+            </a:extLst>
+          </p:cNvPr>
+          <p:cNvSpPr>
+            <a:spLocks noGrp="1"/>
+          </p:cNvSpPr>
+          <p:nvPr>
+            <p:ph type="title"/>
+          </p:nvPr>
+        </p:nvSpPr>
+        <p:spPr/>
+        <p:txBody>
+          <a:bodyPr/>
+          <a:lstStyle/>
+          <a:p>
+            <a:r>
+              <a:rPr lang="en-US" dirty="0"/>
+              <a:t>Zeros</a:t>
+            </a:r>
+          </a:p>
+        </p:txBody>
+      </p:sp>
+      <p:sp>
+        <p:nvSpPr>
+          <p:cNvPr id="3" name="Content Placeholder 2">
+            <a:extLst>
+              <a:ext uri="{FF2B5EF4-FFF2-40B4-BE49-F238E27FC236}">
+                <a16:creationId xmlns:a16="http://schemas.microsoft.com/office/drawing/2014/main" id="{C5984733-1ACF-7EE5-B7F3-F66CB7F27A18}"/>
+              </a:ext>
+            </a:extLst>
+          </p:cNvPr>
+          <p:cNvSpPr>
+            <a:spLocks noGrp="1"/>
+          </p:cNvSpPr>
+          <p:nvPr>
+            <p:ph idx="1"/>
+          </p:nvPr>
+        </p:nvSpPr>
+        <p:spPr>
+          <a:xfrm>
+            <a:off x="680322" y="2336873"/>
+            <a:ext cx="4100226" cy="3599316"/>
+          </a:xfrm>
+        </p:spPr>
+        <p:txBody>
+          <a:bodyPr>
+            <a:normAutofit/>
+          </a:bodyPr>
+          <a:lstStyle/>
+          <a:p>
+            <a:r>
+              <a:rPr lang="en-US" dirty="0"/>
+              <a:t>Training set:</a:t>
+            </a:r>
+          </a:p>
+          <a:p>
+            <a:pPr marL="457200" lvl="1" indent="0">
+              <a:buNone/>
+            </a:pPr>
+            <a:r>
+              <a:rPr lang="en-US" dirty="0"/>
+              <a:t>… denied the allegations </a:t>
+            </a:r>
+          </a:p>
+          <a:p>
+            <a:pPr marL="457200" lvl="1" indent="0">
+              <a:buNone/>
+            </a:pPr>
+            <a:r>
+              <a:rPr lang="en-US" dirty="0"/>
+              <a:t>… denied the reports </a:t>
+            </a:r>
+          </a:p>
+          <a:p>
+            <a:pPr marL="457200" lvl="1" indent="0">
+              <a:buNone/>
+            </a:pPr>
+            <a:r>
+              <a:rPr lang="en-US" dirty="0"/>
+              <a:t>… denied the claims </a:t>
+            </a:r>
+          </a:p>
+          <a:p>
+            <a:pPr marL="457200" lvl="1" indent="0">
+              <a:buNone/>
+            </a:pPr>
+            <a:r>
+              <a:rPr lang="en-US" dirty="0"/>
+              <a:t>… denied the request </a:t>
+            </a:r>
+          </a:p>
+          <a:p>
+            <a:pPr marL="457200" lvl="1" indent="0">
+              <a:buNone/>
+            </a:pPr>
+            <a:endParaRPr lang="en-US" dirty="0"/>
+          </a:p>
+          <a:p>
+            <a:pPr marL="457200" lvl="1" indent="0">
+              <a:buNone/>
+            </a:pPr>
+            <a:r>
+              <a:rPr lang="en-US" dirty="0">
+                <a:solidFill>
+                  <a:srgbClr val="FFFF00"/>
+                </a:solidFill>
+              </a:rPr>
+              <a:t>P(“offer” | denied the) = 0</a:t>
+            </a:r>
+          </a:p>
+        </p:txBody>
+      </p:sp>
+      <p:sp>
+        <p:nvSpPr>
+          <p:cNvPr id="5" name="Content Placeholder 2">
+            <a:extLst>
+              <a:ext uri="{FF2B5EF4-FFF2-40B4-BE49-F238E27FC236}">
+                <a16:creationId xmlns:a16="http://schemas.microsoft.com/office/drawing/2014/main" id="{7A0D0451-BA57-E9E6-0B1A-03D5755DB961}"/>
+              </a:ext>
+            </a:extLst>
+          </p:cNvPr>
+          <p:cNvSpPr txBox="1">
+            <a:spLocks/>
+          </p:cNvSpPr>
+          <p:nvPr/>
+        </p:nvSpPr>
+        <p:spPr>
+          <a:xfrm>
+            <a:off x="7411452" y="2336873"/>
+            <a:ext cx="4100226" cy="3599316"/>
+          </a:xfrm>
+          <a:prstGeom prst="rect">
+            <a:avLst/>
+          </a:prstGeom>
+        </p:spPr>
+        <p:txBody>
+          <a:bodyPr vert="horz" lIns="91440" tIns="45720" rIns="91440" bIns="45720" rtlCol="0">
+            <a:normAutofit/>
+          </a:bodyPr>
+          <a:lstStyle>
+            <a:lvl1pPr marL="228600" indent="-228600" algn="l" defTabSz="914400" rtl="0" eaLnBrk="1" latinLnBrk="0" hangingPunct="1">
+              <a:lnSpc>
+                <a:spcPct val="90000"/>
+              </a:lnSpc>
+              <a:spcBef>
+                <a:spcPts val="1000"/>
+              </a:spcBef>
+              <a:buFont typeface="Arial" panose="020B0604020202020204" pitchFamily="34" charset="0"/>
+              <a:buChar char="•"/>
+              <a:defRPr sz="2400" kern="1200">
+                <a:solidFill>
+                  <a:schemeClr val="tx1"/>
+                </a:solidFill>
+                <a:latin typeface="+mn-lt"/>
+                <a:ea typeface="+mn-ea"/>
+                <a:cs typeface="+mn-cs"/>
+              </a:defRPr>
+            </a:lvl1pPr>
+            <a:lvl2pPr marL="685800" indent="-228600" algn="l" defTabSz="914400" rtl="0" eaLnBrk="1" latinLnBrk="0" hangingPunct="1">
+              <a:lnSpc>
+                <a:spcPct val="90000"/>
+              </a:lnSpc>
+              <a:spcBef>
+                <a:spcPts val="500"/>
+              </a:spcBef>
+              <a:buFont typeface="Arial" panose="020B0604020202020204" pitchFamily="34" charset="0"/>
+              <a:buChar char="•"/>
+              <a:defRPr sz="2000" kern="1200">
+                <a:solidFill>
+                  <a:schemeClr val="tx1"/>
+                </a:solidFill>
+                <a:latin typeface="+mn-lt"/>
+                <a:ea typeface="+mn-ea"/>
+                <a:cs typeface="+mn-cs"/>
+              </a:defRPr>
+            </a:lvl2pPr>
+            <a:lvl3pPr marL="1143000" indent="-228600" algn="l" defTabSz="914400" rtl="0" eaLnBrk="1" latinLnBrk="0" hangingPunct="1">
+              <a:lnSpc>
+                <a:spcPct val="90000"/>
+              </a:lnSpc>
+              <a:spcBef>
+                <a:spcPts val="500"/>
+              </a:spcBef>
+              <a:buFont typeface="Arial" panose="020B0604020202020204" pitchFamily="34" charset="0"/>
+              <a:buChar char="•"/>
+              <a:defRPr sz="1800" kern="1200">
+                <a:solidFill>
+                  <a:schemeClr val="tx1"/>
+                </a:solidFill>
+                <a:latin typeface="+mn-lt"/>
+                <a:ea typeface="+mn-ea"/>
+                <a:cs typeface="+mn-cs"/>
+              </a:defRPr>
+            </a:lvl3pPr>
+            <a:lvl4pPr marL="1600200" indent="-228600" algn="l" defTabSz="914400" rtl="0" eaLnBrk="1" latinLnBrk="0" hangingPunct="1">
+              <a:lnSpc>
+                <a:spcPct val="90000"/>
+              </a:lnSpc>
+              <a:spcBef>
+                <a:spcPts val="500"/>
+              </a:spcBef>
+              <a:buFont typeface="Arial" panose="020B0604020202020204" pitchFamily="34" charset="0"/>
+              <a:buChar char="•"/>
+              <a:defRPr sz="1600" kern="1200">
+                <a:solidFill>
+                  <a:schemeClr val="tx1"/>
+                </a:solidFill>
+                <a:latin typeface="+mn-lt"/>
+                <a:ea typeface="+mn-ea"/>
+                <a:cs typeface="+mn-cs"/>
+              </a:defRPr>
+            </a:lvl4pPr>
+            <a:lvl5pPr marL="2057400" indent="-228600" algn="l" defTabSz="914400" rtl="0" eaLnBrk="1" latinLnBrk="0" hangingPunct="1">
+              <a:lnSpc>
+                <a:spcPct val="90000"/>
+              </a:lnSpc>
+              <a:spcBef>
+                <a:spcPts val="500"/>
+              </a:spcBef>
+              <a:buFont typeface="Arial" panose="020B0604020202020204" pitchFamily="34" charset="0"/>
+              <a:buChar char="•"/>
+              <a:defRPr sz="1600" kern="1200">
+                <a:solidFill>
+                  <a:schemeClr val="tx1"/>
+                </a:solidFill>
+                <a:latin typeface="+mn-lt"/>
+                <a:ea typeface="+mn-ea"/>
+                <a:cs typeface="+mn-cs"/>
+              </a:defRPr>
+            </a:lvl5pPr>
+            <a:lvl6pPr marL="2514600" indent="-228600" algn="l" defTabSz="914400" rtl="0" eaLnBrk="1" latinLnBrk="0" hangingPunct="1">
+              <a:lnSpc>
+                <a:spcPct val="90000"/>
+              </a:lnSpc>
+              <a:spcBef>
+                <a:spcPts val="500"/>
+              </a:spcBef>
+              <a:buFont typeface="Arial" panose="020B0604020202020204" pitchFamily="34" charset="0"/>
+              <a:buChar char="•"/>
+              <a:defRPr sz="1400" kern="1200">
+                <a:solidFill>
+                  <a:schemeClr val="tx1"/>
+                </a:solidFill>
+                <a:latin typeface="+mn-lt"/>
+                <a:ea typeface="+mn-ea"/>
+                <a:cs typeface="+mn-cs"/>
+              </a:defRPr>
+            </a:lvl6pPr>
+            <a:lvl7pPr marL="2971800" indent="-228600" algn="l" defTabSz="914400" rtl="0" eaLnBrk="1" latinLnBrk="0" hangingPunct="1">
+              <a:lnSpc>
+                <a:spcPct val="90000"/>
+              </a:lnSpc>
+              <a:spcBef>
+                <a:spcPts val="500"/>
+              </a:spcBef>
+              <a:buFont typeface="Arial" panose="020B0604020202020204" pitchFamily="34" charset="0"/>
+              <a:buChar char="•"/>
+              <a:defRPr sz="1400" kern="1200">
+                <a:solidFill>
+                  <a:schemeClr val="tx1"/>
+                </a:solidFill>
+                <a:latin typeface="+mn-lt"/>
+                <a:ea typeface="+mn-ea"/>
+                <a:cs typeface="+mn-cs"/>
+              </a:defRPr>
+            </a:lvl7pPr>
+            <a:lvl8pPr marL="3429000" indent="-228600" algn="l" defTabSz="914400" rtl="0" eaLnBrk="1" latinLnBrk="0" hangingPunct="1">
+              <a:lnSpc>
+                <a:spcPct val="90000"/>
+              </a:lnSpc>
+              <a:spcBef>
+                <a:spcPts val="500"/>
+              </a:spcBef>
+              <a:buFont typeface="Arial" panose="020B0604020202020204" pitchFamily="34" charset="0"/>
+              <a:buChar char="•"/>
+              <a:defRPr sz="1400" kern="1200">
+                <a:solidFill>
+                  <a:schemeClr val="tx1"/>
+                </a:solidFill>
+                <a:latin typeface="+mn-lt"/>
+                <a:ea typeface="+mn-ea"/>
+                <a:cs typeface="+mn-cs"/>
+              </a:defRPr>
+            </a:lvl8pPr>
+            <a:lvl9pPr marL="3886200" indent="-228600" algn="l" defTabSz="914400" rtl="0" eaLnBrk="1" latinLnBrk="0" hangingPunct="1">
+              <a:lnSpc>
+                <a:spcPct val="90000"/>
+              </a:lnSpc>
+              <a:spcBef>
+                <a:spcPts val="500"/>
+              </a:spcBef>
+              <a:buFont typeface="Arial" panose="020B0604020202020204" pitchFamily="34" charset="0"/>
+              <a:buChar char="•"/>
+              <a:defRPr sz="1400" kern="1200">
+                <a:solidFill>
+                  <a:schemeClr val="tx1"/>
+                </a:solidFill>
+                <a:latin typeface="+mn-lt"/>
+                <a:ea typeface="+mn-ea"/>
+                <a:cs typeface="+mn-cs"/>
+              </a:defRPr>
+            </a:lvl9pPr>
+          </a:lstStyle>
+          <a:p>
+            <a:r>
+              <a:rPr lang="en-US" dirty="0"/>
+              <a:t>Test set:</a:t>
+            </a:r>
+          </a:p>
+          <a:p>
+            <a:pPr marL="457200" lvl="1" indent="0">
+              <a:buFont typeface="Arial" panose="020B0604020202020204" pitchFamily="34" charset="0"/>
+              <a:buNone/>
+            </a:pPr>
+            <a:r>
+              <a:rPr lang="en-US" dirty="0"/>
+              <a:t>… denied the offer</a:t>
+            </a:r>
+          </a:p>
+          <a:p>
+            <a:pPr marL="457200" lvl="1" indent="0">
+              <a:buFont typeface="Arial" panose="020B0604020202020204" pitchFamily="34" charset="0"/>
+              <a:buNone/>
+            </a:pPr>
+            <a:r>
+              <a:rPr lang="en-US" dirty="0"/>
+              <a:t>… denied the load </a:t>
+            </a:r>
+          </a:p>
+        </p:txBody>
+      </p:sp>
+    </p:spTree>
+    <p:extLst>
+      <p:ext uri="{BB962C8B-B14F-4D97-AF65-F5344CB8AC3E}">
+        <p14:creationId xmlns:p14="http://schemas.microsoft.com/office/powerpoint/2010/main" val="2286607184"/>
+      </p:ext>
+    </p:extLst>
+  </p:cSld>
+  <p:clrMapOvr>
+    <a:masterClrMapping/>
+  </p:clrMapOvr>
+</p:sld>
+</file>
+
+<file path=ppt/slides/slide65.xml><?xml version="1.0" encoding="utf-8"?>
+<p:sld xmlns:a="http://schemas.openxmlformats.org/drawingml/2006/main" xmlns:r="http://schemas.openxmlformats.org/officeDocument/2006/relationships" xmlns:p="http://schemas.openxmlformats.org/presentationml/2006/main">
+  <p:cSld>
+    <p:spTree>
+      <p:nvGrpSpPr>
+        <p:cNvPr id="1" name=""/>
+        <p:cNvGrpSpPr/>
+        <p:nvPr/>
+      </p:nvGrpSpPr>
+      <p:grpSpPr>
+        <a:xfrm>
+          <a:off x="0" y="0"/>
+          <a:ext cx="0" cy="0"/>
+          <a:chOff x="0" y="0"/>
+          <a:chExt cx="0" cy="0"/>
+        </a:xfrm>
+      </p:grpSpPr>
+      <p:sp>
+        <p:nvSpPr>
+          <p:cNvPr id="2" name="Title 1">
+            <a:extLst>
+              <a:ext uri="{FF2B5EF4-FFF2-40B4-BE49-F238E27FC236}">
+                <a16:creationId xmlns:a16="http://schemas.microsoft.com/office/drawing/2014/main" id="{D8D9EDCF-9E88-BC01-C0C8-1BAC2CFBCA10}"/>
+              </a:ext>
+            </a:extLst>
+          </p:cNvPr>
+          <p:cNvSpPr>
+            <a:spLocks noGrp="1"/>
+          </p:cNvSpPr>
+          <p:nvPr>
+            <p:ph type="title"/>
+          </p:nvPr>
+        </p:nvSpPr>
+        <p:spPr/>
+        <p:txBody>
+          <a:bodyPr/>
+          <a:lstStyle/>
+          <a:p>
+            <a:r>
+              <a:rPr lang="en-US" dirty="0"/>
+              <a:t>Zero probability bigrams</a:t>
+            </a:r>
+          </a:p>
+        </p:txBody>
+      </p:sp>
+      <p:sp>
+        <p:nvSpPr>
+          <p:cNvPr id="3" name="Content Placeholder 2">
+            <a:extLst>
+              <a:ext uri="{FF2B5EF4-FFF2-40B4-BE49-F238E27FC236}">
+                <a16:creationId xmlns:a16="http://schemas.microsoft.com/office/drawing/2014/main" id="{C5984733-1ACF-7EE5-B7F3-F66CB7F27A18}"/>
+              </a:ext>
+            </a:extLst>
+          </p:cNvPr>
+          <p:cNvSpPr>
+            <a:spLocks noGrp="1"/>
+          </p:cNvSpPr>
+          <p:nvPr>
+            <p:ph idx="1"/>
+          </p:nvPr>
+        </p:nvSpPr>
+        <p:spPr>
+          <a:xfrm>
+            <a:off x="680322" y="2336873"/>
+            <a:ext cx="9041194" cy="3599316"/>
+          </a:xfrm>
+        </p:spPr>
+        <p:txBody>
+          <a:bodyPr>
+            <a:normAutofit/>
+          </a:bodyPr>
+          <a:lstStyle/>
+          <a:p>
+            <a:r>
+              <a:rPr lang="en-US" dirty="0"/>
+              <a:t>Bigram with zero probability</a:t>
+            </a:r>
+          </a:p>
+          <a:p>
+            <a:pPr lvl="1"/>
+            <a:r>
+              <a:rPr lang="en-US" dirty="0">
+                <a:solidFill>
+                  <a:srgbClr val="FFFF00"/>
+                </a:solidFill>
+              </a:rPr>
+              <a:t>Assign 0 probability to the test set</a:t>
+            </a:r>
+          </a:p>
+          <a:p>
+            <a:pPr lvl="1"/>
+            <a:endParaRPr lang="en-US" dirty="0">
+              <a:solidFill>
+                <a:srgbClr val="FFFF00"/>
+              </a:solidFill>
+            </a:endParaRPr>
+          </a:p>
+          <a:p>
+            <a:r>
+              <a:rPr lang="en-US" dirty="0"/>
+              <a:t>It is not possible to calculate perplexity</a:t>
+            </a:r>
+          </a:p>
+          <a:p>
+            <a:pPr lvl="1"/>
+            <a:r>
+              <a:rPr lang="en-US" dirty="0">
+                <a:solidFill>
+                  <a:srgbClr val="FFFF00"/>
+                </a:solidFill>
+              </a:rPr>
+              <a:t>Divide by zero</a:t>
+            </a:r>
+          </a:p>
+          <a:p>
+            <a:pPr lvl="1"/>
+            <a:endParaRPr lang="en-US" dirty="0">
+              <a:solidFill>
+                <a:srgbClr val="FFFF00"/>
+              </a:solidFill>
+            </a:endParaRPr>
+          </a:p>
+        </p:txBody>
+      </p:sp>
+    </p:spTree>
+    <p:extLst>
+      <p:ext uri="{BB962C8B-B14F-4D97-AF65-F5344CB8AC3E}">
+        <p14:creationId xmlns:p14="http://schemas.microsoft.com/office/powerpoint/2010/main" val="666648125"/>
+      </p:ext>
+    </p:extLst>
+  </p:cSld>
+  <p:clrMapOvr>
+    <a:masterClrMapping/>
+  </p:clrMapOvr>
+</p:sld>
+</file>
+
+<file path=ppt/slides/slide66.xml><?xml version="1.0" encoding="utf-8"?>
+<p:sld xmlns:a="http://schemas.openxmlformats.org/drawingml/2006/main" xmlns:r="http://schemas.openxmlformats.org/officeDocument/2006/relationships" xmlns:p="http://schemas.openxmlformats.org/presentationml/2006/main">
+  <p:cSld>
+    <p:spTree>
+      <p:nvGrpSpPr>
+        <p:cNvPr id="1" name=""/>
+        <p:cNvGrpSpPr/>
+        <p:nvPr/>
+      </p:nvGrpSpPr>
+      <p:grpSpPr>
+        <a:xfrm>
+          <a:off x="0" y="0"/>
+          <a:ext cx="0" cy="0"/>
+          <a:chOff x="0" y="0"/>
+          <a:chExt cx="0" cy="0"/>
+        </a:xfrm>
+      </p:grpSpPr>
+      <p:sp>
+        <p:nvSpPr>
+          <p:cNvPr id="2" name="Title 1">
+            <a:extLst>
+              <a:ext uri="{FF2B5EF4-FFF2-40B4-BE49-F238E27FC236}">
+                <a16:creationId xmlns:a16="http://schemas.microsoft.com/office/drawing/2014/main" id="{D8D9EDCF-9E88-BC01-C0C8-1BAC2CFBCA10}"/>
+              </a:ext>
+            </a:extLst>
+          </p:cNvPr>
+          <p:cNvSpPr>
+            <a:spLocks noGrp="1"/>
+          </p:cNvSpPr>
+          <p:nvPr>
+            <p:ph type="title"/>
+          </p:nvPr>
+        </p:nvSpPr>
+        <p:spPr/>
+        <p:txBody>
+          <a:bodyPr/>
+          <a:lstStyle/>
+          <a:p>
+            <a:r>
+              <a:rPr lang="en-US" dirty="0"/>
+              <a:t>Unknown Words</a:t>
+            </a:r>
+          </a:p>
+        </p:txBody>
+      </p:sp>
+      <p:sp>
+        <p:nvSpPr>
+          <p:cNvPr id="3" name="Content Placeholder 2">
+            <a:extLst>
+              <a:ext uri="{FF2B5EF4-FFF2-40B4-BE49-F238E27FC236}">
+                <a16:creationId xmlns:a16="http://schemas.microsoft.com/office/drawing/2014/main" id="{C5984733-1ACF-7EE5-B7F3-F66CB7F27A18}"/>
+              </a:ext>
+            </a:extLst>
+          </p:cNvPr>
+          <p:cNvSpPr>
+            <a:spLocks noGrp="1"/>
+          </p:cNvSpPr>
+          <p:nvPr>
+            <p:ph idx="1"/>
+          </p:nvPr>
+        </p:nvSpPr>
+        <p:spPr>
+          <a:xfrm>
+            <a:off x="680322" y="2336873"/>
+            <a:ext cx="9041194" cy="3599316"/>
+          </a:xfrm>
+        </p:spPr>
+        <p:txBody>
+          <a:bodyPr>
+            <a:normAutofit fontScale="92500" lnSpcReduction="10000"/>
+          </a:bodyPr>
+          <a:lstStyle/>
+          <a:p>
+            <a:r>
+              <a:rPr lang="en-US" dirty="0">
+                <a:solidFill>
+                  <a:srgbClr val="FFFF00"/>
+                </a:solidFill>
+              </a:rPr>
+              <a:t>If we know the words</a:t>
+            </a:r>
+          </a:p>
+          <a:p>
+            <a:pPr lvl="1"/>
+            <a:r>
+              <a:rPr lang="en-US" dirty="0"/>
+              <a:t>Vocabulary V is fixed</a:t>
+            </a:r>
+          </a:p>
+          <a:p>
+            <a:pPr lvl="1"/>
+            <a:r>
+              <a:rPr lang="en-US" dirty="0"/>
+              <a:t>Closed vocabulary task</a:t>
+            </a:r>
+          </a:p>
+          <a:p>
+            <a:r>
+              <a:rPr lang="en-US" dirty="0">
+                <a:solidFill>
+                  <a:srgbClr val="FFFF00"/>
+                </a:solidFill>
+              </a:rPr>
+              <a:t>If we don’t know the word</a:t>
+            </a:r>
+          </a:p>
+          <a:p>
+            <a:pPr lvl="1"/>
+            <a:r>
+              <a:rPr lang="en-US" dirty="0"/>
+              <a:t>Out of vocabulary = OOV words</a:t>
+            </a:r>
+          </a:p>
+          <a:p>
+            <a:pPr lvl="1"/>
+            <a:r>
+              <a:rPr lang="en-US" dirty="0"/>
+              <a:t>Open vocabulary task</a:t>
+            </a:r>
+          </a:p>
+          <a:p>
+            <a:r>
+              <a:rPr lang="en-US" dirty="0">
+                <a:solidFill>
+                  <a:srgbClr val="FFFF00"/>
+                </a:solidFill>
+              </a:rPr>
+              <a:t>Create an unknown word token &lt;UNK&gt;</a:t>
+            </a:r>
+          </a:p>
+          <a:p>
+            <a:pPr lvl="1"/>
+            <a:r>
+              <a:rPr lang="en-US" dirty="0"/>
+              <a:t>Create a fixed lexicon L of size V</a:t>
+            </a:r>
+          </a:p>
+          <a:p>
+            <a:pPr lvl="1"/>
+            <a:r>
+              <a:rPr lang="en-US" dirty="0"/>
+              <a:t>In normalization phase, any word not in L changed to &lt;UNK&gt;</a:t>
+            </a:r>
+          </a:p>
+          <a:p>
+            <a:pPr lvl="1"/>
+            <a:r>
+              <a:rPr lang="en-US" dirty="0"/>
+              <a:t>We train it’s probabilities like a normal word</a:t>
+            </a:r>
+          </a:p>
+          <a:p>
+            <a:pPr lvl="1"/>
+            <a:r>
+              <a:rPr lang="en-US" dirty="0"/>
+              <a:t>At decoding time, use UNK probabilities for any word not in training</a:t>
+            </a:r>
+          </a:p>
+          <a:p>
+            <a:pPr lvl="1"/>
+            <a:endParaRPr lang="en-US" dirty="0"/>
+          </a:p>
+        </p:txBody>
+      </p:sp>
+    </p:spTree>
+    <p:extLst>
+      <p:ext uri="{BB962C8B-B14F-4D97-AF65-F5344CB8AC3E}">
+        <p14:creationId xmlns:p14="http://schemas.microsoft.com/office/powerpoint/2010/main" val="2872487606"/>
       </p:ext>
     </p:extLst>
   </p:cSld>

--- a/docs/NLP_bangla_tutorial.pptx
+++ b/docs/NLP_bangla_tutorial.pptx
@@ -5,7 +5,7 @@
     <p:sldMasterId id="2147483714" r:id="rId1"/>
   </p:sldMasterIdLst>
   <p:notesMasterIdLst>
-    <p:notesMasterId r:id="rId68"/>
+    <p:notesMasterId r:id="rId76"/>
   </p:notesMasterIdLst>
   <p:sldIdLst>
     <p:sldId id="256" r:id="rId2"/>
@@ -74,6 +74,14 @@
     <p:sldId id="325" r:id="rId65"/>
     <p:sldId id="326" r:id="rId66"/>
     <p:sldId id="327" r:id="rId67"/>
+    <p:sldId id="328" r:id="rId68"/>
+    <p:sldId id="329" r:id="rId69"/>
+    <p:sldId id="332" r:id="rId70"/>
+    <p:sldId id="330" r:id="rId71"/>
+    <p:sldId id="331" r:id="rId72"/>
+    <p:sldId id="333" r:id="rId73"/>
+    <p:sldId id="335" r:id="rId74"/>
+    <p:sldId id="334" r:id="rId75"/>
   </p:sldIdLst>
   <p:sldSz cx="12192000" cy="6858000"/>
   <p:notesSz cx="6858000" cy="9144000"/>
@@ -262,7 +270,7 @@
           <a:p>
             <a:fld id="{96AD9802-0A85-4765-BF39-BA9BC36B4F1A}" type="datetimeFigureOut">
               <a:rPr lang="en-US" smtClean="0"/>
-              <a:t>12/17/2023</a:t>
+              <a:t>3/6/2024</a:t>
             </a:fld>
             <a:endParaRPr lang="en-US"/>
           </a:p>
@@ -949,6 +957,114 @@
 </p:notes>
 </file>
 
+<file path=ppt/notesSlides/notesSlide6.xml><?xml version="1.0" encoding="utf-8"?>
+<p:notes xmlns:a="http://schemas.openxmlformats.org/drawingml/2006/main" xmlns:r="http://schemas.openxmlformats.org/officeDocument/2006/relationships" xmlns:p="http://schemas.openxmlformats.org/presentationml/2006/main">
+  <p:cSld>
+    <p:spTree>
+      <p:nvGrpSpPr>
+        <p:cNvPr id="1" name="">
+          <a:extLst>
+            <a:ext uri="{FF2B5EF4-FFF2-40B4-BE49-F238E27FC236}">
+              <a16:creationId xmlns:a16="http://schemas.microsoft.com/office/drawing/2014/main" id="{6CC7058B-E849-C25F-5634-902A72F52C77}"/>
+            </a:ext>
+          </a:extLst>
+        </p:cNvPr>
+        <p:cNvGrpSpPr/>
+        <p:nvPr/>
+      </p:nvGrpSpPr>
+      <p:grpSpPr>
+        <a:xfrm>
+          <a:off x="0" y="0"/>
+          <a:ext cx="0" cy="0"/>
+          <a:chOff x="0" y="0"/>
+          <a:chExt cx="0" cy="0"/>
+        </a:xfrm>
+      </p:grpSpPr>
+      <p:sp>
+        <p:nvSpPr>
+          <p:cNvPr id="2" name="Slide Image Placeholder 1">
+            <a:extLst>
+              <a:ext uri="{FF2B5EF4-FFF2-40B4-BE49-F238E27FC236}">
+                <a16:creationId xmlns:a16="http://schemas.microsoft.com/office/drawing/2014/main" id="{4BBD2E28-90ED-8B61-1D3C-66D2A0D5CEDE}"/>
+              </a:ext>
+            </a:extLst>
+          </p:cNvPr>
+          <p:cNvSpPr>
+            <a:spLocks noGrp="1" noRot="1" noChangeAspect="1"/>
+          </p:cNvSpPr>
+          <p:nvPr>
+            <p:ph type="sldImg"/>
+          </p:nvPr>
+        </p:nvSpPr>
+        <p:spPr/>
+      </p:sp>
+      <p:sp>
+        <p:nvSpPr>
+          <p:cNvPr id="3" name="Notes Placeholder 2">
+            <a:extLst>
+              <a:ext uri="{FF2B5EF4-FFF2-40B4-BE49-F238E27FC236}">
+                <a16:creationId xmlns:a16="http://schemas.microsoft.com/office/drawing/2014/main" id="{A9CB4775-C6FF-3732-FEB5-18A2FFC7B9D0}"/>
+              </a:ext>
+            </a:extLst>
+          </p:cNvPr>
+          <p:cNvSpPr>
+            <a:spLocks noGrp="1"/>
+          </p:cNvSpPr>
+          <p:nvPr>
+            <p:ph type="body" idx="1"/>
+          </p:nvPr>
+        </p:nvSpPr>
+        <p:spPr/>
+        <p:txBody>
+          <a:bodyPr/>
+          <a:lstStyle/>
+          <a:p>
+            <a:endParaRPr lang="en-US" dirty="0"/>
+          </a:p>
+        </p:txBody>
+      </p:sp>
+      <p:sp>
+        <p:nvSpPr>
+          <p:cNvPr id="4" name="Slide Number Placeholder 3">
+            <a:extLst>
+              <a:ext uri="{FF2B5EF4-FFF2-40B4-BE49-F238E27FC236}">
+                <a16:creationId xmlns:a16="http://schemas.microsoft.com/office/drawing/2014/main" id="{BCFA6BF0-0988-CFE9-4F41-E32C335616AD}"/>
+              </a:ext>
+            </a:extLst>
+          </p:cNvPr>
+          <p:cNvSpPr>
+            <a:spLocks noGrp="1"/>
+          </p:cNvSpPr>
+          <p:nvPr>
+            <p:ph type="sldNum" sz="quarter" idx="5"/>
+          </p:nvPr>
+        </p:nvSpPr>
+        <p:spPr/>
+        <p:txBody>
+          <a:bodyPr/>
+          <a:lstStyle/>
+          <a:p>
+            <a:fld id="{E5D78A92-9FB4-49BB-8807-D41DD3297BDA}" type="slidenum">
+              <a:rPr lang="en-US" smtClean="0"/>
+              <a:t>69</a:t>
+            </a:fld>
+            <a:endParaRPr lang="en-US"/>
+          </a:p>
+        </p:txBody>
+      </p:sp>
+    </p:spTree>
+    <p:extLst>
+      <p:ext uri="{BB962C8B-B14F-4D97-AF65-F5344CB8AC3E}">
+        <p14:creationId xmlns:p14="http://schemas.microsoft.com/office/powerpoint/2010/main" val="2856345301"/>
+      </p:ext>
+    </p:extLst>
+  </p:cSld>
+  <p:clrMapOvr>
+    <a:masterClrMapping/>
+  </p:clrMapOvr>
+</p:notes>
+</file>
+
 <file path=ppt/slideLayouts/slideLayout1.xml><?xml version="1.0" encoding="utf-8"?>
 <p:sldLayout xmlns:a="http://schemas.openxmlformats.org/drawingml/2006/main" xmlns:r="http://schemas.openxmlformats.org/officeDocument/2006/relationships" xmlns:p="http://schemas.openxmlformats.org/presentationml/2006/main" type="title" preserve="1">
   <p:cSld name="Title Slide">
@@ -1223,7 +1339,7 @@
           <a:p>
             <a:fld id="{4D9800FF-A981-4B9F-BC27-EEE0445CCC0D}" type="datetimeFigureOut">
               <a:rPr lang="en-US" smtClean="0"/>
-              <a:t>12/17/2023</a:t>
+              <a:t>3/6/2024</a:t>
             </a:fld>
             <a:endParaRPr lang="en-US"/>
           </a:p>
@@ -1637,7 +1753,7 @@
           <a:p>
             <a:fld id="{4D9800FF-A981-4B9F-BC27-EEE0445CCC0D}" type="datetimeFigureOut">
               <a:rPr lang="en-US" smtClean="0"/>
-              <a:t>12/17/2023</a:t>
+              <a:t>3/6/2024</a:t>
             </a:fld>
             <a:endParaRPr lang="en-US"/>
           </a:p>
@@ -1973,7 +2089,7 @@
           <a:p>
             <a:fld id="{4D9800FF-A981-4B9F-BC27-EEE0445CCC0D}" type="datetimeFigureOut">
               <a:rPr lang="en-US" smtClean="0"/>
-              <a:t>12/17/2023</a:t>
+              <a:t>3/6/2024</a:t>
             </a:fld>
             <a:endParaRPr lang="en-US"/>
           </a:p>
@@ -2378,7 +2494,7 @@
           <a:p>
             <a:fld id="{4D9800FF-A981-4B9F-BC27-EEE0445CCC0D}" type="datetimeFigureOut">
               <a:rPr lang="en-US" smtClean="0"/>
-              <a:t>12/17/2023</a:t>
+              <a:t>3/6/2024</a:t>
             </a:fld>
             <a:endParaRPr lang="en-US"/>
           </a:p>
@@ -2946,7 +3062,7 @@
           <a:p>
             <a:fld id="{4D9800FF-A981-4B9F-BC27-EEE0445CCC0D}" type="datetimeFigureOut">
               <a:rPr lang="en-US" smtClean="0"/>
-              <a:t>12/17/2023</a:t>
+              <a:t>3/6/2024</a:t>
             </a:fld>
             <a:endParaRPr lang="en-US"/>
           </a:p>
@@ -3627,7 +3743,7 @@
           <a:p>
             <a:fld id="{4D9800FF-A981-4B9F-BC27-EEE0445CCC0D}" type="datetimeFigureOut">
               <a:rPr lang="en-US" smtClean="0"/>
-              <a:t>12/17/2023</a:t>
+              <a:t>3/6/2024</a:t>
             </a:fld>
             <a:endParaRPr lang="en-US"/>
           </a:p>
@@ -4540,7 +4656,7 @@
           <a:p>
             <a:fld id="{4D9800FF-A981-4B9F-BC27-EEE0445CCC0D}" type="datetimeFigureOut">
               <a:rPr lang="en-US" smtClean="0"/>
-              <a:t>12/17/2023</a:t>
+              <a:t>3/6/2024</a:t>
             </a:fld>
             <a:endParaRPr lang="en-US"/>
           </a:p>
@@ -4853,7 +4969,7 @@
           <a:p>
             <a:fld id="{4D9800FF-A981-4B9F-BC27-EEE0445CCC0D}" type="datetimeFigureOut">
               <a:rPr lang="en-US" smtClean="0"/>
-              <a:t>12/17/2023</a:t>
+              <a:t>3/6/2024</a:t>
             </a:fld>
             <a:endParaRPr lang="en-US"/>
           </a:p>
@@ -5117,7 +5233,7 @@
           <a:p>
             <a:fld id="{4D9800FF-A981-4B9F-BC27-EEE0445CCC0D}" type="datetimeFigureOut">
               <a:rPr lang="en-US" smtClean="0"/>
-              <a:t>12/17/2023</a:t>
+              <a:t>3/6/2024</a:t>
             </a:fld>
             <a:endParaRPr lang="en-US"/>
           </a:p>
@@ -5440,7 +5556,7 @@
           <a:p>
             <a:fld id="{4D9800FF-A981-4B9F-BC27-EEE0445CCC0D}" type="datetimeFigureOut">
               <a:rPr lang="en-US" smtClean="0"/>
-              <a:t>12/17/2023</a:t>
+              <a:t>3/6/2024</a:t>
             </a:fld>
             <a:endParaRPr lang="en-US"/>
           </a:p>
@@ -5829,7 +5945,7 @@
           <a:p>
             <a:fld id="{4D9800FF-A981-4B9F-BC27-EEE0445CCC0D}" type="datetimeFigureOut">
               <a:rPr lang="en-US" smtClean="0"/>
-              <a:t>12/17/2023</a:t>
+              <a:t>3/6/2024</a:t>
             </a:fld>
             <a:endParaRPr lang="en-US"/>
           </a:p>
@@ -6205,7 +6321,7 @@
           <a:p>
             <a:fld id="{4D9800FF-A981-4B9F-BC27-EEE0445CCC0D}" type="datetimeFigureOut">
               <a:rPr lang="en-US" smtClean="0"/>
-              <a:t>12/17/2023</a:t>
+              <a:t>3/6/2024</a:t>
             </a:fld>
             <a:endParaRPr lang="en-US"/>
           </a:p>
@@ -6711,7 +6827,7 @@
           <a:p>
             <a:fld id="{4D9800FF-A981-4B9F-BC27-EEE0445CCC0D}" type="datetimeFigureOut">
               <a:rPr lang="en-US" smtClean="0"/>
-              <a:t>12/17/2023</a:t>
+              <a:t>3/6/2024</a:t>
             </a:fld>
             <a:endParaRPr lang="en-US"/>
           </a:p>
@@ -6968,7 +7084,7 @@
           <a:p>
             <a:fld id="{4D9800FF-A981-4B9F-BC27-EEE0445CCC0D}" type="datetimeFigureOut">
               <a:rPr lang="en-US" smtClean="0"/>
-              <a:t>12/17/2023</a:t>
+              <a:t>3/6/2024</a:t>
             </a:fld>
             <a:endParaRPr lang="en-US"/>
           </a:p>
@@ -7131,7 +7247,7 @@
           <a:p>
             <a:fld id="{4D9800FF-A981-4B9F-BC27-EEE0445CCC0D}" type="datetimeFigureOut">
               <a:rPr lang="en-US" smtClean="0"/>
-              <a:t>12/17/2023</a:t>
+              <a:t>3/6/2024</a:t>
             </a:fld>
             <a:endParaRPr lang="en-US"/>
           </a:p>
@@ -7521,7 +7637,7 @@
           <a:p>
             <a:fld id="{4D9800FF-A981-4B9F-BC27-EEE0445CCC0D}" type="datetimeFigureOut">
               <a:rPr lang="en-US" smtClean="0"/>
-              <a:t>12/17/2023</a:t>
+              <a:t>3/6/2024</a:t>
             </a:fld>
             <a:endParaRPr lang="en-US"/>
           </a:p>
@@ -7930,7 +8046,7 @@
           <a:p>
             <a:fld id="{4D9800FF-A981-4B9F-BC27-EEE0445CCC0D}" type="datetimeFigureOut">
               <a:rPr lang="en-US" smtClean="0"/>
-              <a:t>12/17/2023</a:t>
+              <a:t>3/6/2024</a:t>
             </a:fld>
             <a:endParaRPr lang="en-US"/>
           </a:p>
@@ -8174,7 +8290,7 @@
           <a:p>
             <a:fld id="{4D9800FF-A981-4B9F-BC27-EEE0445CCC0D}" type="datetimeFigureOut">
               <a:rPr lang="en-US" smtClean="0"/>
-              <a:t>12/17/2023</a:t>
+              <a:t>3/6/2024</a:t>
             </a:fld>
             <a:endParaRPr lang="en-US"/>
           </a:p>
@@ -34426,6 +34542,1381 @@
 </p:sld>
 </file>
 
+<file path=ppt/slides/slide67.xml><?xml version="1.0" encoding="utf-8"?>
+<p:sld xmlns:a="http://schemas.openxmlformats.org/drawingml/2006/main" xmlns:r="http://schemas.openxmlformats.org/officeDocument/2006/relationships" xmlns:p="http://schemas.openxmlformats.org/presentationml/2006/main">
+  <p:cSld>
+    <p:spTree>
+      <p:nvGrpSpPr>
+        <p:cNvPr id="1" name="">
+          <a:extLst>
+            <a:ext uri="{FF2B5EF4-FFF2-40B4-BE49-F238E27FC236}">
+              <a16:creationId xmlns:a16="http://schemas.microsoft.com/office/drawing/2014/main" id="{A217F8BC-B960-EBCC-97B2-4FEB3A7E192B}"/>
+            </a:ext>
+          </a:extLst>
+        </p:cNvPr>
+        <p:cNvGrpSpPr/>
+        <p:nvPr/>
+      </p:nvGrpSpPr>
+      <p:grpSpPr>
+        <a:xfrm>
+          <a:off x="0" y="0"/>
+          <a:ext cx="0" cy="0"/>
+          <a:chOff x="0" y="0"/>
+          <a:chExt cx="0" cy="0"/>
+        </a:xfrm>
+      </p:grpSpPr>
+      <p:sp>
+        <p:nvSpPr>
+          <p:cNvPr id="2" name="Title 1">
+            <a:extLst>
+              <a:ext uri="{FF2B5EF4-FFF2-40B4-BE49-F238E27FC236}">
+                <a16:creationId xmlns:a16="http://schemas.microsoft.com/office/drawing/2014/main" id="{9C60F3A5-4C13-D600-D0E8-711FEA85E848}"/>
+              </a:ext>
+            </a:extLst>
+          </p:cNvPr>
+          <p:cNvSpPr>
+            <a:spLocks noGrp="1"/>
+          </p:cNvSpPr>
+          <p:nvPr>
+            <p:ph type="ctrTitle"/>
+          </p:nvPr>
+        </p:nvSpPr>
+        <p:spPr/>
+        <p:txBody>
+          <a:bodyPr/>
+          <a:lstStyle/>
+          <a:p>
+            <a:r>
+              <a:rPr lang="en-US" sz="4400" dirty="0"/>
+              <a:t>Smoothing</a:t>
+            </a:r>
+            <a:br>
+              <a:rPr lang="en-US" dirty="0"/>
+            </a:br>
+            <a:r>
+              <a:rPr lang="en-US" sz="2800" dirty="0">
+                <a:solidFill>
+                  <a:srgbClr val="FF0000"/>
+                </a:solidFill>
+              </a:rPr>
+              <a:t>Language Models</a:t>
+            </a:r>
+          </a:p>
+        </p:txBody>
+      </p:sp>
+      <p:sp>
+        <p:nvSpPr>
+          <p:cNvPr id="3" name="Subtitle 2">
+            <a:extLst>
+              <a:ext uri="{FF2B5EF4-FFF2-40B4-BE49-F238E27FC236}">
+                <a16:creationId xmlns:a16="http://schemas.microsoft.com/office/drawing/2014/main" id="{421F6270-F902-F171-BA9E-32527F919635}"/>
+              </a:ext>
+            </a:extLst>
+          </p:cNvPr>
+          <p:cNvSpPr>
+            <a:spLocks noGrp="1"/>
+          </p:cNvSpPr>
+          <p:nvPr>
+            <p:ph type="subTitle" idx="1"/>
+          </p:nvPr>
+        </p:nvSpPr>
+        <p:spPr>
+          <a:xfrm>
+            <a:off x="1062877" y="4422031"/>
+            <a:ext cx="8144134" cy="1117687"/>
+          </a:xfrm>
+        </p:spPr>
+        <p:txBody>
+          <a:bodyPr>
+            <a:normAutofit/>
+          </a:bodyPr>
+          <a:lstStyle/>
+          <a:p>
+            <a:r>
+              <a:rPr lang="en-US" sz="2600" dirty="0"/>
+              <a:t>Natural Language Processing </a:t>
+            </a:r>
+          </a:p>
+        </p:txBody>
+      </p:sp>
+      <p:sp>
+        <p:nvSpPr>
+          <p:cNvPr id="6" name="TextBox 5">
+            <a:extLst>
+              <a:ext uri="{FF2B5EF4-FFF2-40B4-BE49-F238E27FC236}">
+                <a16:creationId xmlns:a16="http://schemas.microsoft.com/office/drawing/2014/main" id="{66830B98-259D-EE7D-6100-C921E325DF9D}"/>
+              </a:ext>
+            </a:extLst>
+          </p:cNvPr>
+          <p:cNvSpPr txBox="1"/>
+          <p:nvPr/>
+        </p:nvSpPr>
+        <p:spPr>
+          <a:xfrm>
+            <a:off x="7685202" y="6395243"/>
+            <a:ext cx="6094428" cy="369332"/>
+          </a:xfrm>
+          <a:prstGeom prst="rect">
+            <a:avLst/>
+          </a:prstGeom>
+          <a:noFill/>
+        </p:spPr>
+        <p:txBody>
+          <a:bodyPr wrap="square">
+            <a:spAutoFit/>
+          </a:bodyPr>
+          <a:lstStyle/>
+          <a:p>
+            <a:r>
+              <a:rPr lang="en-US" dirty="0"/>
+              <a:t>https://web.stanford.edu/~jurafsky/slp3/</a:t>
+            </a:r>
+          </a:p>
+        </p:txBody>
+      </p:sp>
+    </p:spTree>
+    <p:extLst>
+      <p:ext uri="{BB962C8B-B14F-4D97-AF65-F5344CB8AC3E}">
+        <p14:creationId xmlns:p14="http://schemas.microsoft.com/office/powerpoint/2010/main" val="9763680"/>
+      </p:ext>
+    </p:extLst>
+  </p:cSld>
+  <p:clrMapOvr>
+    <a:masterClrMapping/>
+  </p:clrMapOvr>
+</p:sld>
+</file>
+
+<file path=ppt/slides/slide68.xml><?xml version="1.0" encoding="utf-8"?>
+<p:sld xmlns:a="http://schemas.openxmlformats.org/drawingml/2006/main" xmlns:r="http://schemas.openxmlformats.org/officeDocument/2006/relationships" xmlns:p="http://schemas.openxmlformats.org/presentationml/2006/main">
+  <p:cSld>
+    <p:spTree>
+      <p:nvGrpSpPr>
+        <p:cNvPr id="1" name=""/>
+        <p:cNvGrpSpPr/>
+        <p:nvPr/>
+      </p:nvGrpSpPr>
+      <p:grpSpPr>
+        <a:xfrm>
+          <a:off x="0" y="0"/>
+          <a:ext cx="0" cy="0"/>
+          <a:chOff x="0" y="0"/>
+          <a:chExt cx="0" cy="0"/>
+        </a:xfrm>
+      </p:grpSpPr>
+      <p:sp>
+        <p:nvSpPr>
+          <p:cNvPr id="2" name="Title 1">
+            <a:extLst>
+              <a:ext uri="{FF2B5EF4-FFF2-40B4-BE49-F238E27FC236}">
+                <a16:creationId xmlns:a16="http://schemas.microsoft.com/office/drawing/2014/main" id="{86508C09-7878-5E0C-6127-79170D54AB6E}"/>
+              </a:ext>
+            </a:extLst>
+          </p:cNvPr>
+          <p:cNvSpPr>
+            <a:spLocks noGrp="1"/>
+          </p:cNvSpPr>
+          <p:nvPr>
+            <p:ph type="title"/>
+          </p:nvPr>
+        </p:nvSpPr>
+        <p:spPr/>
+        <p:txBody>
+          <a:bodyPr/>
+          <a:lstStyle/>
+          <a:p>
+            <a:r>
+              <a:rPr lang="en-US" dirty="0"/>
+              <a:t>Smoothing in language models</a:t>
+            </a:r>
+          </a:p>
+        </p:txBody>
+      </p:sp>
+      <p:sp>
+        <p:nvSpPr>
+          <p:cNvPr id="5" name="Content Placeholder 3">
+            <a:extLst>
+              <a:ext uri="{FF2B5EF4-FFF2-40B4-BE49-F238E27FC236}">
+                <a16:creationId xmlns:a16="http://schemas.microsoft.com/office/drawing/2014/main" id="{8A049EA7-903B-EC10-0671-19273B3DDCD4}"/>
+              </a:ext>
+            </a:extLst>
+          </p:cNvPr>
+          <p:cNvSpPr txBox="1">
+            <a:spLocks/>
+          </p:cNvSpPr>
+          <p:nvPr/>
+        </p:nvSpPr>
+        <p:spPr>
+          <a:xfrm>
+            <a:off x="5461853" y="3216634"/>
+            <a:ext cx="1268297" cy="424732"/>
+          </a:xfrm>
+          <a:prstGeom prst="rect">
+            <a:avLst/>
+          </a:prstGeom>
+          <a:noFill/>
+        </p:spPr>
+        <p:txBody>
+          <a:bodyPr vert="horz" wrap="none" lIns="91440" tIns="45720" rIns="91440" bIns="45720" rtlCol="0">
+            <a:spAutoFit/>
+          </a:bodyPr>
+          <a:lstStyle>
+            <a:lvl1pPr marL="228600" indent="-228600" algn="l" defTabSz="914400" rtl="0" eaLnBrk="1" latinLnBrk="0" hangingPunct="1">
+              <a:lnSpc>
+                <a:spcPct val="90000"/>
+              </a:lnSpc>
+              <a:spcBef>
+                <a:spcPts val="1000"/>
+              </a:spcBef>
+              <a:buFont typeface="Arial" panose="020B0604020202020204" pitchFamily="34" charset="0"/>
+              <a:buChar char="•"/>
+              <a:defRPr sz="2400" kern="1200">
+                <a:solidFill>
+                  <a:schemeClr val="tx1"/>
+                </a:solidFill>
+                <a:latin typeface="+mn-lt"/>
+                <a:ea typeface="+mn-ea"/>
+                <a:cs typeface="+mn-cs"/>
+              </a:defRPr>
+            </a:lvl1pPr>
+            <a:lvl2pPr marL="685800" indent="-228600" algn="l" defTabSz="914400" rtl="0" eaLnBrk="1" latinLnBrk="0" hangingPunct="1">
+              <a:lnSpc>
+                <a:spcPct val="90000"/>
+              </a:lnSpc>
+              <a:spcBef>
+                <a:spcPts val="500"/>
+              </a:spcBef>
+              <a:buFont typeface="Arial" panose="020B0604020202020204" pitchFamily="34" charset="0"/>
+              <a:buChar char="•"/>
+              <a:defRPr sz="2000" kern="1200">
+                <a:solidFill>
+                  <a:schemeClr val="tx1"/>
+                </a:solidFill>
+                <a:latin typeface="+mn-lt"/>
+                <a:ea typeface="+mn-ea"/>
+                <a:cs typeface="+mn-cs"/>
+              </a:defRPr>
+            </a:lvl2pPr>
+            <a:lvl3pPr marL="1143000" indent="-228600" algn="l" defTabSz="914400" rtl="0" eaLnBrk="1" latinLnBrk="0" hangingPunct="1">
+              <a:lnSpc>
+                <a:spcPct val="90000"/>
+              </a:lnSpc>
+              <a:spcBef>
+                <a:spcPts val="500"/>
+              </a:spcBef>
+              <a:buFont typeface="Arial" panose="020B0604020202020204" pitchFamily="34" charset="0"/>
+              <a:buChar char="•"/>
+              <a:defRPr sz="1800" kern="1200">
+                <a:solidFill>
+                  <a:schemeClr val="tx1"/>
+                </a:solidFill>
+                <a:latin typeface="+mn-lt"/>
+                <a:ea typeface="+mn-ea"/>
+                <a:cs typeface="+mn-cs"/>
+              </a:defRPr>
+            </a:lvl3pPr>
+            <a:lvl4pPr marL="1600200" indent="-228600" algn="l" defTabSz="914400" rtl="0" eaLnBrk="1" latinLnBrk="0" hangingPunct="1">
+              <a:lnSpc>
+                <a:spcPct val="90000"/>
+              </a:lnSpc>
+              <a:spcBef>
+                <a:spcPts val="500"/>
+              </a:spcBef>
+              <a:buFont typeface="Arial" panose="020B0604020202020204" pitchFamily="34" charset="0"/>
+              <a:buChar char="•"/>
+              <a:defRPr sz="1600" kern="1200">
+                <a:solidFill>
+                  <a:schemeClr val="tx1"/>
+                </a:solidFill>
+                <a:latin typeface="+mn-lt"/>
+                <a:ea typeface="+mn-ea"/>
+                <a:cs typeface="+mn-cs"/>
+              </a:defRPr>
+            </a:lvl4pPr>
+            <a:lvl5pPr marL="2057400" indent="-228600" algn="l" defTabSz="914400" rtl="0" eaLnBrk="1" latinLnBrk="0" hangingPunct="1">
+              <a:lnSpc>
+                <a:spcPct val="90000"/>
+              </a:lnSpc>
+              <a:spcBef>
+                <a:spcPts val="500"/>
+              </a:spcBef>
+              <a:buFont typeface="Arial" panose="020B0604020202020204" pitchFamily="34" charset="0"/>
+              <a:buChar char="•"/>
+              <a:defRPr sz="1600" kern="1200">
+                <a:solidFill>
+                  <a:schemeClr val="tx1"/>
+                </a:solidFill>
+                <a:latin typeface="+mn-lt"/>
+                <a:ea typeface="+mn-ea"/>
+                <a:cs typeface="+mn-cs"/>
+              </a:defRPr>
+            </a:lvl5pPr>
+            <a:lvl6pPr marL="2514600" indent="-228600" algn="l" defTabSz="914400" rtl="0" eaLnBrk="1" latinLnBrk="0" hangingPunct="1">
+              <a:lnSpc>
+                <a:spcPct val="90000"/>
+              </a:lnSpc>
+              <a:spcBef>
+                <a:spcPts val="500"/>
+              </a:spcBef>
+              <a:buFont typeface="Arial" panose="020B0604020202020204" pitchFamily="34" charset="0"/>
+              <a:buChar char="•"/>
+              <a:defRPr sz="1400" kern="1200">
+                <a:solidFill>
+                  <a:schemeClr val="tx1"/>
+                </a:solidFill>
+                <a:latin typeface="+mn-lt"/>
+                <a:ea typeface="+mn-ea"/>
+                <a:cs typeface="+mn-cs"/>
+              </a:defRPr>
+            </a:lvl6pPr>
+            <a:lvl7pPr marL="2971800" indent="-228600" algn="l" defTabSz="914400" rtl="0" eaLnBrk="1" latinLnBrk="0" hangingPunct="1">
+              <a:lnSpc>
+                <a:spcPct val="90000"/>
+              </a:lnSpc>
+              <a:spcBef>
+                <a:spcPts val="500"/>
+              </a:spcBef>
+              <a:buFont typeface="Arial" panose="020B0604020202020204" pitchFamily="34" charset="0"/>
+              <a:buChar char="•"/>
+              <a:defRPr sz="1400" kern="1200">
+                <a:solidFill>
+                  <a:schemeClr val="tx1"/>
+                </a:solidFill>
+                <a:latin typeface="+mn-lt"/>
+                <a:ea typeface="+mn-ea"/>
+                <a:cs typeface="+mn-cs"/>
+              </a:defRPr>
+            </a:lvl7pPr>
+            <a:lvl8pPr marL="3429000" indent="-228600" algn="l" defTabSz="914400" rtl="0" eaLnBrk="1" latinLnBrk="0" hangingPunct="1">
+              <a:lnSpc>
+                <a:spcPct val="90000"/>
+              </a:lnSpc>
+              <a:spcBef>
+                <a:spcPts val="500"/>
+              </a:spcBef>
+              <a:buFont typeface="Arial" panose="020B0604020202020204" pitchFamily="34" charset="0"/>
+              <a:buChar char="•"/>
+              <a:defRPr sz="1400" kern="1200">
+                <a:solidFill>
+                  <a:schemeClr val="tx1"/>
+                </a:solidFill>
+                <a:latin typeface="+mn-lt"/>
+                <a:ea typeface="+mn-ea"/>
+                <a:cs typeface="+mn-cs"/>
+              </a:defRPr>
+            </a:lvl8pPr>
+            <a:lvl9pPr marL="3886200" indent="-228600" algn="l" defTabSz="914400" rtl="0" eaLnBrk="1" latinLnBrk="0" hangingPunct="1">
+              <a:lnSpc>
+                <a:spcPct val="90000"/>
+              </a:lnSpc>
+              <a:spcBef>
+                <a:spcPts val="500"/>
+              </a:spcBef>
+              <a:buFont typeface="Arial" panose="020B0604020202020204" pitchFamily="34" charset="0"/>
+              <a:buChar char="•"/>
+              <a:defRPr sz="1400" kern="1200">
+                <a:solidFill>
+                  <a:schemeClr val="tx1"/>
+                </a:solidFill>
+                <a:latin typeface="+mn-lt"/>
+                <a:ea typeface="+mn-ea"/>
+                <a:cs typeface="+mn-cs"/>
+              </a:defRPr>
+            </a:lvl9pPr>
+          </a:lstStyle>
+          <a:p>
+            <a:pPr marL="0" indent="0" algn="ctr">
+              <a:buFont typeface="Arial" panose="020B0604020202020204" pitchFamily="34" charset="0"/>
+              <a:buNone/>
+            </a:pPr>
+            <a:r>
+              <a:rPr lang="en-US" dirty="0">
+                <a:solidFill>
+                  <a:srgbClr val="FFFF00"/>
+                </a:solidFill>
+              </a:rPr>
+              <a:t>Context</a:t>
+            </a:r>
+          </a:p>
+        </p:txBody>
+      </p:sp>
+      <p:sp>
+        <p:nvSpPr>
+          <p:cNvPr id="6" name="Content Placeholder 3">
+            <a:extLst>
+              <a:ext uri="{FF2B5EF4-FFF2-40B4-BE49-F238E27FC236}">
+                <a16:creationId xmlns:a16="http://schemas.microsoft.com/office/drawing/2014/main" id="{CC184151-2242-B1EA-3E95-17323F4C8D7D}"/>
+              </a:ext>
+            </a:extLst>
+          </p:cNvPr>
+          <p:cNvSpPr txBox="1">
+            <a:spLocks/>
+          </p:cNvSpPr>
+          <p:nvPr/>
+        </p:nvSpPr>
+        <p:spPr>
+          <a:xfrm>
+            <a:off x="2162549" y="5912845"/>
+            <a:ext cx="867418" cy="424732"/>
+          </a:xfrm>
+          <a:prstGeom prst="rect">
+            <a:avLst/>
+          </a:prstGeom>
+          <a:noFill/>
+        </p:spPr>
+        <p:txBody>
+          <a:bodyPr vert="horz" wrap="none" lIns="91440" tIns="45720" rIns="91440" bIns="45720" rtlCol="0">
+            <a:spAutoFit/>
+          </a:bodyPr>
+          <a:lstStyle>
+            <a:lvl1pPr marL="228600" indent="-228600" algn="l" defTabSz="914400" rtl="0" eaLnBrk="1" latinLnBrk="0" hangingPunct="1">
+              <a:lnSpc>
+                <a:spcPct val="90000"/>
+              </a:lnSpc>
+              <a:spcBef>
+                <a:spcPts val="1000"/>
+              </a:spcBef>
+              <a:buFont typeface="Arial" panose="020B0604020202020204" pitchFamily="34" charset="0"/>
+              <a:buChar char="•"/>
+              <a:defRPr sz="2400" kern="1200">
+                <a:solidFill>
+                  <a:schemeClr val="tx1"/>
+                </a:solidFill>
+                <a:latin typeface="+mn-lt"/>
+                <a:ea typeface="+mn-ea"/>
+                <a:cs typeface="+mn-cs"/>
+              </a:defRPr>
+            </a:lvl1pPr>
+            <a:lvl2pPr marL="685800" indent="-228600" algn="l" defTabSz="914400" rtl="0" eaLnBrk="1" latinLnBrk="0" hangingPunct="1">
+              <a:lnSpc>
+                <a:spcPct val="90000"/>
+              </a:lnSpc>
+              <a:spcBef>
+                <a:spcPts val="500"/>
+              </a:spcBef>
+              <a:buFont typeface="Arial" panose="020B0604020202020204" pitchFamily="34" charset="0"/>
+              <a:buChar char="•"/>
+              <a:defRPr sz="2000" kern="1200">
+                <a:solidFill>
+                  <a:schemeClr val="tx1"/>
+                </a:solidFill>
+                <a:latin typeface="+mn-lt"/>
+                <a:ea typeface="+mn-ea"/>
+                <a:cs typeface="+mn-cs"/>
+              </a:defRPr>
+            </a:lvl2pPr>
+            <a:lvl3pPr marL="1143000" indent="-228600" algn="l" defTabSz="914400" rtl="0" eaLnBrk="1" latinLnBrk="0" hangingPunct="1">
+              <a:lnSpc>
+                <a:spcPct val="90000"/>
+              </a:lnSpc>
+              <a:spcBef>
+                <a:spcPts val="500"/>
+              </a:spcBef>
+              <a:buFont typeface="Arial" panose="020B0604020202020204" pitchFamily="34" charset="0"/>
+              <a:buChar char="•"/>
+              <a:defRPr sz="1800" kern="1200">
+                <a:solidFill>
+                  <a:schemeClr val="tx1"/>
+                </a:solidFill>
+                <a:latin typeface="+mn-lt"/>
+                <a:ea typeface="+mn-ea"/>
+                <a:cs typeface="+mn-cs"/>
+              </a:defRPr>
+            </a:lvl3pPr>
+            <a:lvl4pPr marL="1600200" indent="-228600" algn="l" defTabSz="914400" rtl="0" eaLnBrk="1" latinLnBrk="0" hangingPunct="1">
+              <a:lnSpc>
+                <a:spcPct val="90000"/>
+              </a:lnSpc>
+              <a:spcBef>
+                <a:spcPts val="500"/>
+              </a:spcBef>
+              <a:buFont typeface="Arial" panose="020B0604020202020204" pitchFamily="34" charset="0"/>
+              <a:buChar char="•"/>
+              <a:defRPr sz="1600" kern="1200">
+                <a:solidFill>
+                  <a:schemeClr val="tx1"/>
+                </a:solidFill>
+                <a:latin typeface="+mn-lt"/>
+                <a:ea typeface="+mn-ea"/>
+                <a:cs typeface="+mn-cs"/>
+              </a:defRPr>
+            </a:lvl4pPr>
+            <a:lvl5pPr marL="2057400" indent="-228600" algn="l" defTabSz="914400" rtl="0" eaLnBrk="1" latinLnBrk="0" hangingPunct="1">
+              <a:lnSpc>
+                <a:spcPct val="90000"/>
+              </a:lnSpc>
+              <a:spcBef>
+                <a:spcPts val="500"/>
+              </a:spcBef>
+              <a:buFont typeface="Arial" panose="020B0604020202020204" pitchFamily="34" charset="0"/>
+              <a:buChar char="•"/>
+              <a:defRPr sz="1600" kern="1200">
+                <a:solidFill>
+                  <a:schemeClr val="tx1"/>
+                </a:solidFill>
+                <a:latin typeface="+mn-lt"/>
+                <a:ea typeface="+mn-ea"/>
+                <a:cs typeface="+mn-cs"/>
+              </a:defRPr>
+            </a:lvl5pPr>
+            <a:lvl6pPr marL="2514600" indent="-228600" algn="l" defTabSz="914400" rtl="0" eaLnBrk="1" latinLnBrk="0" hangingPunct="1">
+              <a:lnSpc>
+                <a:spcPct val="90000"/>
+              </a:lnSpc>
+              <a:spcBef>
+                <a:spcPts val="500"/>
+              </a:spcBef>
+              <a:buFont typeface="Arial" panose="020B0604020202020204" pitchFamily="34" charset="0"/>
+              <a:buChar char="•"/>
+              <a:defRPr sz="1400" kern="1200">
+                <a:solidFill>
+                  <a:schemeClr val="tx1"/>
+                </a:solidFill>
+                <a:latin typeface="+mn-lt"/>
+                <a:ea typeface="+mn-ea"/>
+                <a:cs typeface="+mn-cs"/>
+              </a:defRPr>
+            </a:lvl6pPr>
+            <a:lvl7pPr marL="2971800" indent="-228600" algn="l" defTabSz="914400" rtl="0" eaLnBrk="1" latinLnBrk="0" hangingPunct="1">
+              <a:lnSpc>
+                <a:spcPct val="90000"/>
+              </a:lnSpc>
+              <a:spcBef>
+                <a:spcPts val="500"/>
+              </a:spcBef>
+              <a:buFont typeface="Arial" panose="020B0604020202020204" pitchFamily="34" charset="0"/>
+              <a:buChar char="•"/>
+              <a:defRPr sz="1400" kern="1200">
+                <a:solidFill>
+                  <a:schemeClr val="tx1"/>
+                </a:solidFill>
+                <a:latin typeface="+mn-lt"/>
+                <a:ea typeface="+mn-ea"/>
+                <a:cs typeface="+mn-cs"/>
+              </a:defRPr>
+            </a:lvl7pPr>
+            <a:lvl8pPr marL="3429000" indent="-228600" algn="l" defTabSz="914400" rtl="0" eaLnBrk="1" latinLnBrk="0" hangingPunct="1">
+              <a:lnSpc>
+                <a:spcPct val="90000"/>
+              </a:lnSpc>
+              <a:spcBef>
+                <a:spcPts val="500"/>
+              </a:spcBef>
+              <a:buFont typeface="Arial" panose="020B0604020202020204" pitchFamily="34" charset="0"/>
+              <a:buChar char="•"/>
+              <a:defRPr sz="1400" kern="1200">
+                <a:solidFill>
+                  <a:schemeClr val="tx1"/>
+                </a:solidFill>
+                <a:latin typeface="+mn-lt"/>
+                <a:ea typeface="+mn-ea"/>
+                <a:cs typeface="+mn-cs"/>
+              </a:defRPr>
+            </a:lvl8pPr>
+            <a:lvl9pPr marL="3886200" indent="-228600" algn="l" defTabSz="914400" rtl="0" eaLnBrk="1" latinLnBrk="0" hangingPunct="1">
+              <a:lnSpc>
+                <a:spcPct val="90000"/>
+              </a:lnSpc>
+              <a:spcBef>
+                <a:spcPts val="500"/>
+              </a:spcBef>
+              <a:buFont typeface="Arial" panose="020B0604020202020204" pitchFamily="34" charset="0"/>
+              <a:buChar char="•"/>
+              <a:defRPr sz="1400" kern="1200">
+                <a:solidFill>
+                  <a:schemeClr val="tx1"/>
+                </a:solidFill>
+                <a:latin typeface="+mn-lt"/>
+                <a:ea typeface="+mn-ea"/>
+                <a:cs typeface="+mn-cs"/>
+              </a:defRPr>
+            </a:lvl9pPr>
+          </a:lstStyle>
+          <a:p>
+            <a:pPr marL="0" indent="0" algn="ctr">
+              <a:buFont typeface="Arial" panose="020B0604020202020204" pitchFamily="34" charset="0"/>
+              <a:buNone/>
+            </a:pPr>
+            <a:r>
+              <a:rPr lang="en-US" dirty="0">
+                <a:solidFill>
+                  <a:srgbClr val="FFFF00"/>
+                </a:solidFill>
+              </a:rPr>
+              <a:t>Train</a:t>
+            </a:r>
+          </a:p>
+        </p:txBody>
+      </p:sp>
+      <p:sp>
+        <p:nvSpPr>
+          <p:cNvPr id="7" name="Content Placeholder 3">
+            <a:extLst>
+              <a:ext uri="{FF2B5EF4-FFF2-40B4-BE49-F238E27FC236}">
+                <a16:creationId xmlns:a16="http://schemas.microsoft.com/office/drawing/2014/main" id="{539ACC7E-D44E-EBFB-F564-4CA5B7C6F9ED}"/>
+              </a:ext>
+            </a:extLst>
+          </p:cNvPr>
+          <p:cNvSpPr txBox="1">
+            <a:spLocks/>
+          </p:cNvSpPr>
+          <p:nvPr/>
+        </p:nvSpPr>
+        <p:spPr>
+          <a:xfrm>
+            <a:off x="10096941" y="5882979"/>
+            <a:ext cx="739434" cy="424732"/>
+          </a:xfrm>
+          <a:prstGeom prst="rect">
+            <a:avLst/>
+          </a:prstGeom>
+          <a:noFill/>
+        </p:spPr>
+        <p:txBody>
+          <a:bodyPr vert="horz" wrap="square" lIns="91440" tIns="45720" rIns="91440" bIns="45720" rtlCol="0">
+            <a:spAutoFit/>
+          </a:bodyPr>
+          <a:lstStyle>
+            <a:lvl1pPr marL="228600" indent="-228600" algn="l" defTabSz="914400" rtl="0" eaLnBrk="1" latinLnBrk="0" hangingPunct="1">
+              <a:lnSpc>
+                <a:spcPct val="90000"/>
+              </a:lnSpc>
+              <a:spcBef>
+                <a:spcPts val="1000"/>
+              </a:spcBef>
+              <a:buFont typeface="Arial" panose="020B0604020202020204" pitchFamily="34" charset="0"/>
+              <a:buChar char="•"/>
+              <a:defRPr sz="2400" kern="1200">
+                <a:solidFill>
+                  <a:schemeClr val="tx1"/>
+                </a:solidFill>
+                <a:latin typeface="+mn-lt"/>
+                <a:ea typeface="+mn-ea"/>
+                <a:cs typeface="+mn-cs"/>
+              </a:defRPr>
+            </a:lvl1pPr>
+            <a:lvl2pPr marL="685800" indent="-228600" algn="l" defTabSz="914400" rtl="0" eaLnBrk="1" latinLnBrk="0" hangingPunct="1">
+              <a:lnSpc>
+                <a:spcPct val="90000"/>
+              </a:lnSpc>
+              <a:spcBef>
+                <a:spcPts val="500"/>
+              </a:spcBef>
+              <a:buFont typeface="Arial" panose="020B0604020202020204" pitchFamily="34" charset="0"/>
+              <a:buChar char="•"/>
+              <a:defRPr sz="2000" kern="1200">
+                <a:solidFill>
+                  <a:schemeClr val="tx1"/>
+                </a:solidFill>
+                <a:latin typeface="+mn-lt"/>
+                <a:ea typeface="+mn-ea"/>
+                <a:cs typeface="+mn-cs"/>
+              </a:defRPr>
+            </a:lvl2pPr>
+            <a:lvl3pPr marL="1143000" indent="-228600" algn="l" defTabSz="914400" rtl="0" eaLnBrk="1" latinLnBrk="0" hangingPunct="1">
+              <a:lnSpc>
+                <a:spcPct val="90000"/>
+              </a:lnSpc>
+              <a:spcBef>
+                <a:spcPts val="500"/>
+              </a:spcBef>
+              <a:buFont typeface="Arial" panose="020B0604020202020204" pitchFamily="34" charset="0"/>
+              <a:buChar char="•"/>
+              <a:defRPr sz="1800" kern="1200">
+                <a:solidFill>
+                  <a:schemeClr val="tx1"/>
+                </a:solidFill>
+                <a:latin typeface="+mn-lt"/>
+                <a:ea typeface="+mn-ea"/>
+                <a:cs typeface="+mn-cs"/>
+              </a:defRPr>
+            </a:lvl3pPr>
+            <a:lvl4pPr marL="1600200" indent="-228600" algn="l" defTabSz="914400" rtl="0" eaLnBrk="1" latinLnBrk="0" hangingPunct="1">
+              <a:lnSpc>
+                <a:spcPct val="90000"/>
+              </a:lnSpc>
+              <a:spcBef>
+                <a:spcPts val="500"/>
+              </a:spcBef>
+              <a:buFont typeface="Arial" panose="020B0604020202020204" pitchFamily="34" charset="0"/>
+              <a:buChar char="•"/>
+              <a:defRPr sz="1600" kern="1200">
+                <a:solidFill>
+                  <a:schemeClr val="tx1"/>
+                </a:solidFill>
+                <a:latin typeface="+mn-lt"/>
+                <a:ea typeface="+mn-ea"/>
+                <a:cs typeface="+mn-cs"/>
+              </a:defRPr>
+            </a:lvl4pPr>
+            <a:lvl5pPr marL="2057400" indent="-228600" algn="l" defTabSz="914400" rtl="0" eaLnBrk="1" latinLnBrk="0" hangingPunct="1">
+              <a:lnSpc>
+                <a:spcPct val="90000"/>
+              </a:lnSpc>
+              <a:spcBef>
+                <a:spcPts val="500"/>
+              </a:spcBef>
+              <a:buFont typeface="Arial" panose="020B0604020202020204" pitchFamily="34" charset="0"/>
+              <a:buChar char="•"/>
+              <a:defRPr sz="1600" kern="1200">
+                <a:solidFill>
+                  <a:schemeClr val="tx1"/>
+                </a:solidFill>
+                <a:latin typeface="+mn-lt"/>
+                <a:ea typeface="+mn-ea"/>
+                <a:cs typeface="+mn-cs"/>
+              </a:defRPr>
+            </a:lvl5pPr>
+            <a:lvl6pPr marL="2514600" indent="-228600" algn="l" defTabSz="914400" rtl="0" eaLnBrk="1" latinLnBrk="0" hangingPunct="1">
+              <a:lnSpc>
+                <a:spcPct val="90000"/>
+              </a:lnSpc>
+              <a:spcBef>
+                <a:spcPts val="500"/>
+              </a:spcBef>
+              <a:buFont typeface="Arial" panose="020B0604020202020204" pitchFamily="34" charset="0"/>
+              <a:buChar char="•"/>
+              <a:defRPr sz="1400" kern="1200">
+                <a:solidFill>
+                  <a:schemeClr val="tx1"/>
+                </a:solidFill>
+                <a:latin typeface="+mn-lt"/>
+                <a:ea typeface="+mn-ea"/>
+                <a:cs typeface="+mn-cs"/>
+              </a:defRPr>
+            </a:lvl6pPr>
+            <a:lvl7pPr marL="2971800" indent="-228600" algn="l" defTabSz="914400" rtl="0" eaLnBrk="1" latinLnBrk="0" hangingPunct="1">
+              <a:lnSpc>
+                <a:spcPct val="90000"/>
+              </a:lnSpc>
+              <a:spcBef>
+                <a:spcPts val="500"/>
+              </a:spcBef>
+              <a:buFont typeface="Arial" panose="020B0604020202020204" pitchFamily="34" charset="0"/>
+              <a:buChar char="•"/>
+              <a:defRPr sz="1400" kern="1200">
+                <a:solidFill>
+                  <a:schemeClr val="tx1"/>
+                </a:solidFill>
+                <a:latin typeface="+mn-lt"/>
+                <a:ea typeface="+mn-ea"/>
+                <a:cs typeface="+mn-cs"/>
+              </a:defRPr>
+            </a:lvl7pPr>
+            <a:lvl8pPr marL="3429000" indent="-228600" algn="l" defTabSz="914400" rtl="0" eaLnBrk="1" latinLnBrk="0" hangingPunct="1">
+              <a:lnSpc>
+                <a:spcPct val="90000"/>
+              </a:lnSpc>
+              <a:spcBef>
+                <a:spcPts val="500"/>
+              </a:spcBef>
+              <a:buFont typeface="Arial" panose="020B0604020202020204" pitchFamily="34" charset="0"/>
+              <a:buChar char="•"/>
+              <a:defRPr sz="1400" kern="1200">
+                <a:solidFill>
+                  <a:schemeClr val="tx1"/>
+                </a:solidFill>
+                <a:latin typeface="+mn-lt"/>
+                <a:ea typeface="+mn-ea"/>
+                <a:cs typeface="+mn-cs"/>
+              </a:defRPr>
+            </a:lvl8pPr>
+            <a:lvl9pPr marL="3886200" indent="-228600" algn="l" defTabSz="914400" rtl="0" eaLnBrk="1" latinLnBrk="0" hangingPunct="1">
+              <a:lnSpc>
+                <a:spcPct val="90000"/>
+              </a:lnSpc>
+              <a:spcBef>
+                <a:spcPts val="500"/>
+              </a:spcBef>
+              <a:buFont typeface="Arial" panose="020B0604020202020204" pitchFamily="34" charset="0"/>
+              <a:buChar char="•"/>
+              <a:defRPr sz="1400" kern="1200">
+                <a:solidFill>
+                  <a:schemeClr val="tx1"/>
+                </a:solidFill>
+                <a:latin typeface="+mn-lt"/>
+                <a:ea typeface="+mn-ea"/>
+                <a:cs typeface="+mn-cs"/>
+              </a:defRPr>
+            </a:lvl9pPr>
+          </a:lstStyle>
+          <a:p>
+            <a:pPr marL="0" indent="0" algn="ctr">
+              <a:buFont typeface="Arial" panose="020B0604020202020204" pitchFamily="34" charset="0"/>
+              <a:buNone/>
+            </a:pPr>
+            <a:r>
+              <a:rPr lang="en-US" dirty="0">
+                <a:solidFill>
+                  <a:srgbClr val="FFFF00"/>
+                </a:solidFill>
+              </a:rPr>
+              <a:t>Test</a:t>
+            </a:r>
+          </a:p>
+        </p:txBody>
+      </p:sp>
+      <p:sp>
+        <p:nvSpPr>
+          <p:cNvPr id="8" name="Rectangle 7">
+            <a:extLst>
+              <a:ext uri="{FF2B5EF4-FFF2-40B4-BE49-F238E27FC236}">
+                <a16:creationId xmlns:a16="http://schemas.microsoft.com/office/drawing/2014/main" id="{7F0FCFE7-72AC-C33A-E84E-95E3FBDF516D}"/>
+              </a:ext>
+            </a:extLst>
+          </p:cNvPr>
+          <p:cNvSpPr/>
+          <p:nvPr/>
+        </p:nvSpPr>
+        <p:spPr>
+          <a:xfrm>
+            <a:off x="750509" y="4852063"/>
+            <a:ext cx="3691497" cy="669303"/>
+          </a:xfrm>
+          <a:prstGeom prst="rect">
+            <a:avLst/>
+          </a:prstGeom>
+        </p:spPr>
+        <p:style>
+          <a:lnRef idx="2">
+            <a:schemeClr val="accent3">
+              <a:shade val="15000"/>
+            </a:schemeClr>
+          </a:lnRef>
+          <a:fillRef idx="1">
+            <a:schemeClr val="accent3"/>
+          </a:fillRef>
+          <a:effectRef idx="0">
+            <a:schemeClr val="accent3"/>
+          </a:effectRef>
+          <a:fontRef idx="minor">
+            <a:schemeClr val="lt1"/>
+          </a:fontRef>
+        </p:style>
+        <p:txBody>
+          <a:bodyPr rtlCol="0" anchor="ctr"/>
+          <a:lstStyle/>
+          <a:p>
+            <a:pPr algn="ctr"/>
+            <a:r>
+              <a:rPr lang="en-US" dirty="0"/>
+              <a:t>Cox’s Bazar, Sylhet, Saint martin</a:t>
+            </a:r>
+          </a:p>
+        </p:txBody>
+      </p:sp>
+      <p:sp>
+        <p:nvSpPr>
+          <p:cNvPr id="9" name="Rectangle 8">
+            <a:extLst>
+              <a:ext uri="{FF2B5EF4-FFF2-40B4-BE49-F238E27FC236}">
+                <a16:creationId xmlns:a16="http://schemas.microsoft.com/office/drawing/2014/main" id="{515CA22B-481F-6212-371D-F8B63DEA7FBA}"/>
+              </a:ext>
+            </a:extLst>
+          </p:cNvPr>
+          <p:cNvSpPr/>
+          <p:nvPr/>
+        </p:nvSpPr>
+        <p:spPr>
+          <a:xfrm>
+            <a:off x="9386560" y="4965186"/>
+            <a:ext cx="2036189" cy="669303"/>
+          </a:xfrm>
+          <a:prstGeom prst="rect">
+            <a:avLst/>
+          </a:prstGeom>
+          <a:solidFill>
+            <a:srgbClr val="C00000"/>
+          </a:solidFill>
+        </p:spPr>
+        <p:style>
+          <a:lnRef idx="2">
+            <a:schemeClr val="accent6">
+              <a:shade val="15000"/>
+            </a:schemeClr>
+          </a:lnRef>
+          <a:fillRef idx="1">
+            <a:schemeClr val="accent6"/>
+          </a:fillRef>
+          <a:effectRef idx="0">
+            <a:schemeClr val="accent6"/>
+          </a:effectRef>
+          <a:fontRef idx="minor">
+            <a:schemeClr val="lt1"/>
+          </a:fontRef>
+        </p:style>
+        <p:txBody>
+          <a:bodyPr rtlCol="0" anchor="ctr"/>
+          <a:lstStyle/>
+          <a:p>
+            <a:pPr algn="ctr"/>
+            <a:r>
+              <a:rPr lang="en-US" dirty="0"/>
+              <a:t>Paris ?</a:t>
+            </a:r>
+          </a:p>
+        </p:txBody>
+      </p:sp>
+      <p:sp>
+        <p:nvSpPr>
+          <p:cNvPr id="10" name="Rectangle 9">
+            <a:extLst>
+              <a:ext uri="{FF2B5EF4-FFF2-40B4-BE49-F238E27FC236}">
+                <a16:creationId xmlns:a16="http://schemas.microsoft.com/office/drawing/2014/main" id="{4438CCEF-EC52-FF8F-82B8-97E653835E51}"/>
+              </a:ext>
+            </a:extLst>
+          </p:cNvPr>
+          <p:cNvSpPr/>
+          <p:nvPr/>
+        </p:nvSpPr>
+        <p:spPr>
+          <a:xfrm>
+            <a:off x="3346515" y="2404238"/>
+            <a:ext cx="5222450" cy="669303"/>
+          </a:xfrm>
+          <a:prstGeom prst="rect">
+            <a:avLst/>
+          </a:prstGeom>
+          <a:solidFill>
+            <a:srgbClr val="7030A0"/>
+          </a:solidFill>
+        </p:spPr>
+        <p:style>
+          <a:lnRef idx="2">
+            <a:schemeClr val="accent3">
+              <a:shade val="15000"/>
+            </a:schemeClr>
+          </a:lnRef>
+          <a:fillRef idx="1">
+            <a:schemeClr val="accent3"/>
+          </a:fillRef>
+          <a:effectRef idx="0">
+            <a:schemeClr val="accent3"/>
+          </a:effectRef>
+          <a:fontRef idx="minor">
+            <a:schemeClr val="lt1"/>
+          </a:fontRef>
+        </p:style>
+        <p:txBody>
+          <a:bodyPr rtlCol="0" anchor="ctr"/>
+          <a:lstStyle/>
+          <a:p>
+            <a:pPr marL="0" indent="0" algn="ctr">
+              <a:buNone/>
+            </a:pPr>
+            <a:r>
+              <a:rPr lang="en-US" b="1" dirty="0">
+                <a:solidFill>
+                  <a:srgbClr val="FFFF00"/>
+                </a:solidFill>
+              </a:rPr>
+              <a:t>Book:</a:t>
+            </a:r>
+            <a:r>
+              <a:rPr lang="en-US" dirty="0">
+                <a:solidFill>
+                  <a:srgbClr val="FFFF00"/>
+                </a:solidFill>
+              </a:rPr>
+              <a:t> H</a:t>
+            </a:r>
+            <a:r>
+              <a:rPr lang="en-US" sz="1800" dirty="0">
+                <a:solidFill>
+                  <a:srgbClr val="FFFF00"/>
+                </a:solidFill>
+              </a:rPr>
+              <a:t>istorical place of Bangladesh </a:t>
+            </a:r>
+          </a:p>
+        </p:txBody>
+      </p:sp>
+    </p:spTree>
+    <p:extLst>
+      <p:ext uri="{BB962C8B-B14F-4D97-AF65-F5344CB8AC3E}">
+        <p14:creationId xmlns:p14="http://schemas.microsoft.com/office/powerpoint/2010/main" val="522093416"/>
+      </p:ext>
+    </p:extLst>
+  </p:cSld>
+  <p:clrMapOvr>
+    <a:masterClrMapping/>
+  </p:clrMapOvr>
+</p:sld>
+</file>
+
+<file path=ppt/slides/slide69.xml><?xml version="1.0" encoding="utf-8"?>
+<p:sld xmlns:a="http://schemas.openxmlformats.org/drawingml/2006/main" xmlns:r="http://schemas.openxmlformats.org/officeDocument/2006/relationships" xmlns:p="http://schemas.openxmlformats.org/presentationml/2006/main">
+  <p:cSld>
+    <p:spTree>
+      <p:nvGrpSpPr>
+        <p:cNvPr id="1" name="">
+          <a:extLst>
+            <a:ext uri="{FF2B5EF4-FFF2-40B4-BE49-F238E27FC236}">
+              <a16:creationId xmlns:a16="http://schemas.microsoft.com/office/drawing/2014/main" id="{2B465730-FCF4-F856-6E26-F24498D2B2DF}"/>
+            </a:ext>
+          </a:extLst>
+        </p:cNvPr>
+        <p:cNvGrpSpPr/>
+        <p:nvPr/>
+      </p:nvGrpSpPr>
+      <p:grpSpPr>
+        <a:xfrm>
+          <a:off x="0" y="0"/>
+          <a:ext cx="0" cy="0"/>
+          <a:chOff x="0" y="0"/>
+          <a:chExt cx="0" cy="0"/>
+        </a:xfrm>
+      </p:grpSpPr>
+      <p:sp>
+        <p:nvSpPr>
+          <p:cNvPr id="2" name="Title 1">
+            <a:extLst>
+              <a:ext uri="{FF2B5EF4-FFF2-40B4-BE49-F238E27FC236}">
+                <a16:creationId xmlns:a16="http://schemas.microsoft.com/office/drawing/2014/main" id="{1AA53905-DDDE-67EC-8C5D-F2DA2806374C}"/>
+              </a:ext>
+            </a:extLst>
+          </p:cNvPr>
+          <p:cNvSpPr>
+            <a:spLocks noGrp="1"/>
+          </p:cNvSpPr>
+          <p:nvPr>
+            <p:ph type="title"/>
+          </p:nvPr>
+        </p:nvSpPr>
+        <p:spPr/>
+        <p:txBody>
+          <a:bodyPr/>
+          <a:lstStyle/>
+          <a:p>
+            <a:r>
+              <a:rPr lang="en-US" dirty="0"/>
+              <a:t>Zeros</a:t>
+            </a:r>
+          </a:p>
+        </p:txBody>
+      </p:sp>
+      <p:sp>
+        <p:nvSpPr>
+          <p:cNvPr id="3" name="Content Placeholder 2">
+            <a:extLst>
+              <a:ext uri="{FF2B5EF4-FFF2-40B4-BE49-F238E27FC236}">
+                <a16:creationId xmlns:a16="http://schemas.microsoft.com/office/drawing/2014/main" id="{2CFE0392-2FF9-9B76-2D37-043DE920B080}"/>
+              </a:ext>
+            </a:extLst>
+          </p:cNvPr>
+          <p:cNvSpPr>
+            <a:spLocks noGrp="1"/>
+          </p:cNvSpPr>
+          <p:nvPr>
+            <p:ph idx="1"/>
+          </p:nvPr>
+        </p:nvSpPr>
+        <p:spPr>
+          <a:xfrm>
+            <a:off x="680322" y="2336873"/>
+            <a:ext cx="4100226" cy="3599316"/>
+          </a:xfrm>
+        </p:spPr>
+        <p:txBody>
+          <a:bodyPr>
+            <a:normAutofit/>
+          </a:bodyPr>
+          <a:lstStyle/>
+          <a:p>
+            <a:r>
+              <a:rPr lang="en-US" dirty="0"/>
+              <a:t>Training set:</a:t>
+            </a:r>
+          </a:p>
+          <a:p>
+            <a:pPr marL="457200" lvl="1" indent="0">
+              <a:buNone/>
+            </a:pPr>
+            <a:r>
+              <a:rPr lang="en-US" dirty="0"/>
+              <a:t>… denied the allegations </a:t>
+            </a:r>
+          </a:p>
+          <a:p>
+            <a:pPr marL="457200" lvl="1" indent="0">
+              <a:buNone/>
+            </a:pPr>
+            <a:r>
+              <a:rPr lang="en-US" dirty="0"/>
+              <a:t>… denied the reports </a:t>
+            </a:r>
+          </a:p>
+          <a:p>
+            <a:pPr marL="457200" lvl="1" indent="0">
+              <a:buNone/>
+            </a:pPr>
+            <a:r>
+              <a:rPr lang="en-US" dirty="0"/>
+              <a:t>… denied the claims </a:t>
+            </a:r>
+          </a:p>
+          <a:p>
+            <a:pPr marL="457200" lvl="1" indent="0">
+              <a:buNone/>
+            </a:pPr>
+            <a:r>
+              <a:rPr lang="en-US" dirty="0"/>
+              <a:t>… denied the request </a:t>
+            </a:r>
+          </a:p>
+          <a:p>
+            <a:pPr marL="457200" lvl="1" indent="0">
+              <a:buNone/>
+            </a:pPr>
+            <a:endParaRPr lang="en-US" dirty="0"/>
+          </a:p>
+          <a:p>
+            <a:pPr marL="457200" lvl="1" indent="0">
+              <a:buNone/>
+            </a:pPr>
+            <a:r>
+              <a:rPr lang="en-US" dirty="0">
+                <a:solidFill>
+                  <a:srgbClr val="FFFF00"/>
+                </a:solidFill>
+              </a:rPr>
+              <a:t>P(“offer” | denied the) = 0</a:t>
+            </a:r>
+          </a:p>
+        </p:txBody>
+      </p:sp>
+      <p:sp>
+        <p:nvSpPr>
+          <p:cNvPr id="5" name="Content Placeholder 2">
+            <a:extLst>
+              <a:ext uri="{FF2B5EF4-FFF2-40B4-BE49-F238E27FC236}">
+                <a16:creationId xmlns:a16="http://schemas.microsoft.com/office/drawing/2014/main" id="{C07ED68B-AEFC-290D-4F61-A7E216C4AC46}"/>
+              </a:ext>
+            </a:extLst>
+          </p:cNvPr>
+          <p:cNvSpPr txBox="1">
+            <a:spLocks/>
+          </p:cNvSpPr>
+          <p:nvPr/>
+        </p:nvSpPr>
+        <p:spPr>
+          <a:xfrm>
+            <a:off x="7411452" y="2336873"/>
+            <a:ext cx="4100226" cy="3599316"/>
+          </a:xfrm>
+          <a:prstGeom prst="rect">
+            <a:avLst/>
+          </a:prstGeom>
+        </p:spPr>
+        <p:txBody>
+          <a:bodyPr vert="horz" lIns="91440" tIns="45720" rIns="91440" bIns="45720" rtlCol="0">
+            <a:normAutofit/>
+          </a:bodyPr>
+          <a:lstStyle>
+            <a:lvl1pPr marL="228600" indent="-228600" algn="l" defTabSz="914400" rtl="0" eaLnBrk="1" latinLnBrk="0" hangingPunct="1">
+              <a:lnSpc>
+                <a:spcPct val="90000"/>
+              </a:lnSpc>
+              <a:spcBef>
+                <a:spcPts val="1000"/>
+              </a:spcBef>
+              <a:buFont typeface="Arial" panose="020B0604020202020204" pitchFamily="34" charset="0"/>
+              <a:buChar char="•"/>
+              <a:defRPr sz="2400" kern="1200">
+                <a:solidFill>
+                  <a:schemeClr val="tx1"/>
+                </a:solidFill>
+                <a:latin typeface="+mn-lt"/>
+                <a:ea typeface="+mn-ea"/>
+                <a:cs typeface="+mn-cs"/>
+              </a:defRPr>
+            </a:lvl1pPr>
+            <a:lvl2pPr marL="685800" indent="-228600" algn="l" defTabSz="914400" rtl="0" eaLnBrk="1" latinLnBrk="0" hangingPunct="1">
+              <a:lnSpc>
+                <a:spcPct val="90000"/>
+              </a:lnSpc>
+              <a:spcBef>
+                <a:spcPts val="500"/>
+              </a:spcBef>
+              <a:buFont typeface="Arial" panose="020B0604020202020204" pitchFamily="34" charset="0"/>
+              <a:buChar char="•"/>
+              <a:defRPr sz="2000" kern="1200">
+                <a:solidFill>
+                  <a:schemeClr val="tx1"/>
+                </a:solidFill>
+                <a:latin typeface="+mn-lt"/>
+                <a:ea typeface="+mn-ea"/>
+                <a:cs typeface="+mn-cs"/>
+              </a:defRPr>
+            </a:lvl2pPr>
+            <a:lvl3pPr marL="1143000" indent="-228600" algn="l" defTabSz="914400" rtl="0" eaLnBrk="1" latinLnBrk="0" hangingPunct="1">
+              <a:lnSpc>
+                <a:spcPct val="90000"/>
+              </a:lnSpc>
+              <a:spcBef>
+                <a:spcPts val="500"/>
+              </a:spcBef>
+              <a:buFont typeface="Arial" panose="020B0604020202020204" pitchFamily="34" charset="0"/>
+              <a:buChar char="•"/>
+              <a:defRPr sz="1800" kern="1200">
+                <a:solidFill>
+                  <a:schemeClr val="tx1"/>
+                </a:solidFill>
+                <a:latin typeface="+mn-lt"/>
+                <a:ea typeface="+mn-ea"/>
+                <a:cs typeface="+mn-cs"/>
+              </a:defRPr>
+            </a:lvl3pPr>
+            <a:lvl4pPr marL="1600200" indent="-228600" algn="l" defTabSz="914400" rtl="0" eaLnBrk="1" latinLnBrk="0" hangingPunct="1">
+              <a:lnSpc>
+                <a:spcPct val="90000"/>
+              </a:lnSpc>
+              <a:spcBef>
+                <a:spcPts val="500"/>
+              </a:spcBef>
+              <a:buFont typeface="Arial" panose="020B0604020202020204" pitchFamily="34" charset="0"/>
+              <a:buChar char="•"/>
+              <a:defRPr sz="1600" kern="1200">
+                <a:solidFill>
+                  <a:schemeClr val="tx1"/>
+                </a:solidFill>
+                <a:latin typeface="+mn-lt"/>
+                <a:ea typeface="+mn-ea"/>
+                <a:cs typeface="+mn-cs"/>
+              </a:defRPr>
+            </a:lvl4pPr>
+            <a:lvl5pPr marL="2057400" indent="-228600" algn="l" defTabSz="914400" rtl="0" eaLnBrk="1" latinLnBrk="0" hangingPunct="1">
+              <a:lnSpc>
+                <a:spcPct val="90000"/>
+              </a:lnSpc>
+              <a:spcBef>
+                <a:spcPts val="500"/>
+              </a:spcBef>
+              <a:buFont typeface="Arial" panose="020B0604020202020204" pitchFamily="34" charset="0"/>
+              <a:buChar char="•"/>
+              <a:defRPr sz="1600" kern="1200">
+                <a:solidFill>
+                  <a:schemeClr val="tx1"/>
+                </a:solidFill>
+                <a:latin typeface="+mn-lt"/>
+                <a:ea typeface="+mn-ea"/>
+                <a:cs typeface="+mn-cs"/>
+              </a:defRPr>
+            </a:lvl5pPr>
+            <a:lvl6pPr marL="2514600" indent="-228600" algn="l" defTabSz="914400" rtl="0" eaLnBrk="1" latinLnBrk="0" hangingPunct="1">
+              <a:lnSpc>
+                <a:spcPct val="90000"/>
+              </a:lnSpc>
+              <a:spcBef>
+                <a:spcPts val="500"/>
+              </a:spcBef>
+              <a:buFont typeface="Arial" panose="020B0604020202020204" pitchFamily="34" charset="0"/>
+              <a:buChar char="•"/>
+              <a:defRPr sz="1400" kern="1200">
+                <a:solidFill>
+                  <a:schemeClr val="tx1"/>
+                </a:solidFill>
+                <a:latin typeface="+mn-lt"/>
+                <a:ea typeface="+mn-ea"/>
+                <a:cs typeface="+mn-cs"/>
+              </a:defRPr>
+            </a:lvl6pPr>
+            <a:lvl7pPr marL="2971800" indent="-228600" algn="l" defTabSz="914400" rtl="0" eaLnBrk="1" latinLnBrk="0" hangingPunct="1">
+              <a:lnSpc>
+                <a:spcPct val="90000"/>
+              </a:lnSpc>
+              <a:spcBef>
+                <a:spcPts val="500"/>
+              </a:spcBef>
+              <a:buFont typeface="Arial" panose="020B0604020202020204" pitchFamily="34" charset="0"/>
+              <a:buChar char="•"/>
+              <a:defRPr sz="1400" kern="1200">
+                <a:solidFill>
+                  <a:schemeClr val="tx1"/>
+                </a:solidFill>
+                <a:latin typeface="+mn-lt"/>
+                <a:ea typeface="+mn-ea"/>
+                <a:cs typeface="+mn-cs"/>
+              </a:defRPr>
+            </a:lvl7pPr>
+            <a:lvl8pPr marL="3429000" indent="-228600" algn="l" defTabSz="914400" rtl="0" eaLnBrk="1" latinLnBrk="0" hangingPunct="1">
+              <a:lnSpc>
+                <a:spcPct val="90000"/>
+              </a:lnSpc>
+              <a:spcBef>
+                <a:spcPts val="500"/>
+              </a:spcBef>
+              <a:buFont typeface="Arial" panose="020B0604020202020204" pitchFamily="34" charset="0"/>
+              <a:buChar char="•"/>
+              <a:defRPr sz="1400" kern="1200">
+                <a:solidFill>
+                  <a:schemeClr val="tx1"/>
+                </a:solidFill>
+                <a:latin typeface="+mn-lt"/>
+                <a:ea typeface="+mn-ea"/>
+                <a:cs typeface="+mn-cs"/>
+              </a:defRPr>
+            </a:lvl8pPr>
+            <a:lvl9pPr marL="3886200" indent="-228600" algn="l" defTabSz="914400" rtl="0" eaLnBrk="1" latinLnBrk="0" hangingPunct="1">
+              <a:lnSpc>
+                <a:spcPct val="90000"/>
+              </a:lnSpc>
+              <a:spcBef>
+                <a:spcPts val="500"/>
+              </a:spcBef>
+              <a:buFont typeface="Arial" panose="020B0604020202020204" pitchFamily="34" charset="0"/>
+              <a:buChar char="•"/>
+              <a:defRPr sz="1400" kern="1200">
+                <a:solidFill>
+                  <a:schemeClr val="tx1"/>
+                </a:solidFill>
+                <a:latin typeface="+mn-lt"/>
+                <a:ea typeface="+mn-ea"/>
+                <a:cs typeface="+mn-cs"/>
+              </a:defRPr>
+            </a:lvl9pPr>
+          </a:lstStyle>
+          <a:p>
+            <a:r>
+              <a:rPr lang="en-US" dirty="0"/>
+              <a:t>Test set:</a:t>
+            </a:r>
+          </a:p>
+          <a:p>
+            <a:pPr marL="457200" lvl="1" indent="0">
+              <a:buFont typeface="Arial" panose="020B0604020202020204" pitchFamily="34" charset="0"/>
+              <a:buNone/>
+            </a:pPr>
+            <a:r>
+              <a:rPr lang="en-US" dirty="0"/>
+              <a:t>… denied the offer</a:t>
+            </a:r>
+          </a:p>
+          <a:p>
+            <a:pPr marL="457200" lvl="1" indent="0">
+              <a:buFont typeface="Arial" panose="020B0604020202020204" pitchFamily="34" charset="0"/>
+              <a:buNone/>
+            </a:pPr>
+            <a:r>
+              <a:rPr lang="en-US" dirty="0"/>
+              <a:t>… denied the load </a:t>
+            </a:r>
+          </a:p>
+        </p:txBody>
+      </p:sp>
+    </p:spTree>
+    <p:extLst>
+      <p:ext uri="{BB962C8B-B14F-4D97-AF65-F5344CB8AC3E}">
+        <p14:creationId xmlns:p14="http://schemas.microsoft.com/office/powerpoint/2010/main" val="1601539029"/>
+      </p:ext>
+    </p:extLst>
+  </p:cSld>
+  <p:clrMapOvr>
+    <a:masterClrMapping/>
+  </p:clrMapOvr>
+</p:sld>
+</file>
+
 <file path=ppt/slides/slide7.xml><?xml version="1.0" encoding="utf-8"?>
 <p:sld xmlns:a="http://schemas.openxmlformats.org/drawingml/2006/main" xmlns:r="http://schemas.openxmlformats.org/officeDocument/2006/relationships" xmlns:p="http://schemas.openxmlformats.org/presentationml/2006/main">
   <p:cSld>
@@ -34593,6 +36084,1812 @@
   <p:clrMapOvr>
     <a:masterClrMapping/>
   </p:clrMapOvr>
+</p:sld>
+</file>
+
+<file path=ppt/slides/slide70.xml><?xml version="1.0" encoding="utf-8"?>
+<p:sld xmlns:a="http://schemas.openxmlformats.org/drawingml/2006/main" xmlns:r="http://schemas.openxmlformats.org/officeDocument/2006/relationships" xmlns:p="http://schemas.openxmlformats.org/presentationml/2006/main">
+  <p:cSld>
+    <p:spTree>
+      <p:nvGrpSpPr>
+        <p:cNvPr id="1" name=""/>
+        <p:cNvGrpSpPr/>
+        <p:nvPr/>
+      </p:nvGrpSpPr>
+      <p:grpSpPr>
+        <a:xfrm>
+          <a:off x="0" y="0"/>
+          <a:ext cx="0" cy="0"/>
+          <a:chOff x="0" y="0"/>
+          <a:chExt cx="0" cy="0"/>
+        </a:xfrm>
+      </p:grpSpPr>
+      <p:sp>
+        <p:nvSpPr>
+          <p:cNvPr id="2" name="Title 1">
+            <a:extLst>
+              <a:ext uri="{FF2B5EF4-FFF2-40B4-BE49-F238E27FC236}">
+                <a16:creationId xmlns:a16="http://schemas.microsoft.com/office/drawing/2014/main" id="{0A1459D3-D086-6C06-A454-D1F08005754C}"/>
+              </a:ext>
+            </a:extLst>
+          </p:cNvPr>
+          <p:cNvSpPr>
+            <a:spLocks noGrp="1"/>
+          </p:cNvSpPr>
+          <p:nvPr>
+            <p:ph type="title"/>
+          </p:nvPr>
+        </p:nvSpPr>
+        <p:spPr/>
+        <p:txBody>
+          <a:bodyPr/>
+          <a:lstStyle/>
+          <a:p>
+            <a:r>
+              <a:rPr lang="en-US" dirty="0"/>
+              <a:t>Smoothing in language models</a:t>
+            </a:r>
+          </a:p>
+        </p:txBody>
+      </p:sp>
+      <p:sp>
+        <p:nvSpPr>
+          <p:cNvPr id="3" name="Content Placeholder 2">
+            <a:extLst>
+              <a:ext uri="{FF2B5EF4-FFF2-40B4-BE49-F238E27FC236}">
+                <a16:creationId xmlns:a16="http://schemas.microsoft.com/office/drawing/2014/main" id="{F47A5ACA-6E89-F593-3496-F58CF6BFB592}"/>
+              </a:ext>
+            </a:extLst>
+          </p:cNvPr>
+          <p:cNvSpPr>
+            <a:spLocks noGrp="1"/>
+          </p:cNvSpPr>
+          <p:nvPr>
+            <p:ph idx="1"/>
+          </p:nvPr>
+        </p:nvSpPr>
+        <p:spPr/>
+        <p:txBody>
+          <a:bodyPr/>
+          <a:lstStyle/>
+          <a:p>
+            <a:r>
+              <a:rPr lang="en-US" dirty="0"/>
+              <a:t>To keep a language model from not to assign zero probability to the unseen events </a:t>
+            </a:r>
+          </a:p>
+          <a:p>
+            <a:r>
+              <a:rPr lang="en-US" dirty="0"/>
+              <a:t>Way to do smoothing</a:t>
+            </a:r>
+          </a:p>
+          <a:p>
+            <a:pPr lvl="1"/>
+            <a:r>
+              <a:rPr lang="en-US" dirty="0"/>
+              <a:t>Add-1 smoothing </a:t>
+            </a:r>
+          </a:p>
+          <a:p>
+            <a:pPr lvl="1"/>
+            <a:r>
+              <a:rPr lang="en-US" dirty="0"/>
+              <a:t>Add-k smoothing</a:t>
+            </a:r>
+          </a:p>
+          <a:p>
+            <a:pPr lvl="1"/>
+            <a:r>
+              <a:rPr lang="en-US" dirty="0"/>
+              <a:t>Stupid backoff</a:t>
+            </a:r>
+          </a:p>
+          <a:p>
+            <a:pPr lvl="1"/>
+            <a:r>
+              <a:rPr lang="en-US" dirty="0" err="1"/>
+              <a:t>Kneser</a:t>
+            </a:r>
+            <a:r>
+              <a:rPr lang="en-US" dirty="0"/>
+              <a:t>-Ney smoothing </a:t>
+            </a:r>
+          </a:p>
+          <a:p>
+            <a:pPr lvl="1"/>
+            <a:endParaRPr lang="en-US" dirty="0"/>
+          </a:p>
+        </p:txBody>
+      </p:sp>
+    </p:spTree>
+    <p:extLst>
+      <p:ext uri="{BB962C8B-B14F-4D97-AF65-F5344CB8AC3E}">
+        <p14:creationId xmlns:p14="http://schemas.microsoft.com/office/powerpoint/2010/main" val="2801567276"/>
+      </p:ext>
+    </p:extLst>
+  </p:cSld>
+  <p:clrMapOvr>
+    <a:masterClrMapping/>
+  </p:clrMapOvr>
+</p:sld>
+</file>
+
+<file path=ppt/slides/slide71.xml><?xml version="1.0" encoding="utf-8"?>
+<p:sld xmlns:a="http://schemas.openxmlformats.org/drawingml/2006/main" xmlns:r="http://schemas.openxmlformats.org/officeDocument/2006/relationships" xmlns:p="http://schemas.openxmlformats.org/presentationml/2006/main">
+  <p:cSld>
+    <p:spTree>
+      <p:nvGrpSpPr>
+        <p:cNvPr id="1" name="">
+          <a:extLst>
+            <a:ext uri="{FF2B5EF4-FFF2-40B4-BE49-F238E27FC236}">
+              <a16:creationId xmlns:a16="http://schemas.microsoft.com/office/drawing/2014/main" id="{E61BDCEA-69F4-61B0-F8ED-79AF357DFB5A}"/>
+            </a:ext>
+          </a:extLst>
+        </p:cNvPr>
+        <p:cNvGrpSpPr/>
+        <p:nvPr/>
+      </p:nvGrpSpPr>
+      <p:grpSpPr>
+        <a:xfrm>
+          <a:off x="0" y="0"/>
+          <a:ext cx="0" cy="0"/>
+          <a:chOff x="0" y="0"/>
+          <a:chExt cx="0" cy="0"/>
+        </a:xfrm>
+      </p:grpSpPr>
+      <p:sp>
+        <p:nvSpPr>
+          <p:cNvPr id="2" name="Title 1">
+            <a:extLst>
+              <a:ext uri="{FF2B5EF4-FFF2-40B4-BE49-F238E27FC236}">
+                <a16:creationId xmlns:a16="http://schemas.microsoft.com/office/drawing/2014/main" id="{4C824553-481D-C5FA-DF08-53BF77C24F17}"/>
+              </a:ext>
+            </a:extLst>
+          </p:cNvPr>
+          <p:cNvSpPr>
+            <a:spLocks noGrp="1"/>
+          </p:cNvSpPr>
+          <p:nvPr>
+            <p:ph type="title"/>
+          </p:nvPr>
+        </p:nvSpPr>
+        <p:spPr/>
+        <p:txBody>
+          <a:bodyPr/>
+          <a:lstStyle/>
+          <a:p>
+            <a:r>
+              <a:rPr lang="en-US" dirty="0"/>
+              <a:t>Laplace smoothing</a:t>
+            </a:r>
+          </a:p>
+        </p:txBody>
+      </p:sp>
+      <p:sp>
+        <p:nvSpPr>
+          <p:cNvPr id="3" name="Content Placeholder 2">
+            <a:extLst>
+              <a:ext uri="{FF2B5EF4-FFF2-40B4-BE49-F238E27FC236}">
+                <a16:creationId xmlns:a16="http://schemas.microsoft.com/office/drawing/2014/main" id="{5D9A0468-2E9B-1DE6-2F08-3F65F1B690E3}"/>
+              </a:ext>
+            </a:extLst>
+          </p:cNvPr>
+          <p:cNvSpPr>
+            <a:spLocks noGrp="1"/>
+          </p:cNvSpPr>
+          <p:nvPr>
+            <p:ph idx="1"/>
+          </p:nvPr>
+        </p:nvSpPr>
+        <p:spPr/>
+        <p:txBody>
+          <a:bodyPr/>
+          <a:lstStyle/>
+          <a:p>
+            <a:r>
+              <a:rPr lang="en-US" dirty="0"/>
+              <a:t>Also called as Add-1 estimation</a:t>
+            </a:r>
+          </a:p>
+          <a:p>
+            <a:pPr lvl="1"/>
+            <a:r>
+              <a:rPr lang="en-US" dirty="0"/>
+              <a:t>Probability can not be zero</a:t>
+            </a:r>
+          </a:p>
+          <a:p>
+            <a:pPr lvl="1"/>
+            <a:r>
+              <a:rPr lang="en-US" dirty="0"/>
+              <a:t>Just add one to all the counts</a:t>
+            </a:r>
+          </a:p>
+          <a:p>
+            <a:pPr marL="457200" lvl="1" indent="0">
+              <a:buNone/>
+            </a:pPr>
+            <a:endParaRPr lang="en-US" dirty="0"/>
+          </a:p>
+          <a:p>
+            <a:pPr marL="457200" lvl="1" indent="0">
+              <a:buNone/>
+            </a:pPr>
+            <a:endParaRPr lang="en-US" dirty="0"/>
+          </a:p>
+          <a:p>
+            <a:pPr marL="457200" lvl="1" indent="0">
+              <a:buNone/>
+            </a:pPr>
+            <a:endParaRPr lang="en-US" dirty="0"/>
+          </a:p>
+        </p:txBody>
+      </p:sp>
+      <p:graphicFrame>
+        <p:nvGraphicFramePr>
+          <p:cNvPr id="4" name="Object 4">
+            <a:extLst>
+              <a:ext uri="{FF2B5EF4-FFF2-40B4-BE49-F238E27FC236}">
+                <a16:creationId xmlns:a16="http://schemas.microsoft.com/office/drawing/2014/main" id="{9040AA5F-70A5-AF63-A053-4FB60FD8DCCB}"/>
+              </a:ext>
+            </a:extLst>
+          </p:cNvPr>
+          <p:cNvGraphicFramePr>
+            <a:graphicFrameLocks noChangeAspect="1"/>
+          </p:cNvGraphicFramePr>
+          <p:nvPr>
+            <p:extLst>
+              <p:ext uri="{D42A27DB-BD31-4B8C-83A1-F6EECF244321}">
+                <p14:modId xmlns:p14="http://schemas.microsoft.com/office/powerpoint/2010/main" val="664141153"/>
+              </p:ext>
+            </p:extLst>
+          </p:nvPr>
+        </p:nvGraphicFramePr>
+        <p:xfrm>
+          <a:off x="872826" y="4354822"/>
+          <a:ext cx="3721100" cy="995362"/>
+        </p:xfrm>
+        <a:graphic>
+          <a:graphicData uri="http://schemas.openxmlformats.org/presentationml/2006/ole">
+            <mc:AlternateContent xmlns:mc="http://schemas.openxmlformats.org/markup-compatibility/2006">
+              <mc:Choice xmlns:v="urn:schemas-microsoft-com:vml" Requires="v">
+                <p:oleObj name="Equation" r:id="rId2" imgW="1599840" imgH="420480" progId="Equation.3">
+                  <p:embed/>
+                </p:oleObj>
+              </mc:Choice>
+              <mc:Fallback>
+                <p:oleObj name="Equation" r:id="rId2" imgW="1599840" imgH="420480" progId="Equation.3">
+                  <p:embed/>
+                  <p:pic>
+                    <p:nvPicPr>
+                      <p:cNvPr id="9" name="Object 4"/>
+                      <p:cNvPicPr>
+                        <a:picLocks noChangeAspect="1" noChangeArrowheads="1"/>
+                      </p:cNvPicPr>
+                      <p:nvPr/>
+                    </p:nvPicPr>
+                    <p:blipFill>
+                      <a:blip r:embed="rId3">
+                        <a:extLst>
+                          <a:ext uri="{28A0092B-C50C-407E-A947-70E740481C1C}">
+                            <a14:useLocalDpi xmlns:a14="http://schemas.microsoft.com/office/drawing/2010/main" val="0"/>
+                          </a:ext>
+                        </a:extLst>
+                      </a:blip>
+                      <a:srcRect/>
+                      <a:stretch>
+                        <a:fillRect/>
+                      </a:stretch>
+                    </p:blipFill>
+                    <p:spPr bwMode="auto">
+                      <a:xfrm>
+                        <a:off x="872826" y="4354822"/>
+                        <a:ext cx="3721100" cy="995362"/>
+                      </a:xfrm>
+                      <a:prstGeom prst="rect">
+                        <a:avLst/>
+                      </a:prstGeom>
+                      <a:noFill/>
+                      <a:extLst>
+                        <a:ext uri="{909E8E84-426E-40DD-AFC4-6F175D3DCCD1}">
+                          <a14:hiddenFill xmlns:a14="http://schemas.microsoft.com/office/drawing/2010/main">
+                            <a:solidFill>
+                              <a:srgbClr val="FFFFFF"/>
+                            </a:solidFill>
+                          </a14:hiddenFill>
+                        </a:ext>
+                      </a:extLst>
+                    </p:spPr>
+                  </p:pic>
+                </p:oleObj>
+              </mc:Fallback>
+            </mc:AlternateContent>
+          </a:graphicData>
+        </a:graphic>
+      </p:graphicFrame>
+      <p:sp>
+        <p:nvSpPr>
+          <p:cNvPr id="5" name="Rectangle 4">
+            <a:extLst>
+              <a:ext uri="{FF2B5EF4-FFF2-40B4-BE49-F238E27FC236}">
+                <a16:creationId xmlns:a16="http://schemas.microsoft.com/office/drawing/2014/main" id="{9CD55E9F-3763-A55C-D8E1-63FE72B43BE8}"/>
+              </a:ext>
+            </a:extLst>
+          </p:cNvPr>
+          <p:cNvSpPr/>
+          <p:nvPr/>
+        </p:nvSpPr>
+        <p:spPr>
+          <a:xfrm>
+            <a:off x="1113458" y="5601537"/>
+            <a:ext cx="3691497" cy="669303"/>
+          </a:xfrm>
+          <a:prstGeom prst="rect">
+            <a:avLst/>
+          </a:prstGeom>
+        </p:spPr>
+        <p:style>
+          <a:lnRef idx="2">
+            <a:schemeClr val="accent3">
+              <a:shade val="15000"/>
+            </a:schemeClr>
+          </a:lnRef>
+          <a:fillRef idx="1">
+            <a:schemeClr val="accent3"/>
+          </a:fillRef>
+          <a:effectRef idx="0">
+            <a:schemeClr val="accent3"/>
+          </a:effectRef>
+          <a:fontRef idx="minor">
+            <a:schemeClr val="lt1"/>
+          </a:fontRef>
+        </p:style>
+        <p:txBody>
+          <a:bodyPr rtlCol="0" anchor="ctr"/>
+          <a:lstStyle/>
+          <a:p>
+            <a:pPr marL="457200" lvl="1" indent="0" algn="ctr">
+              <a:buNone/>
+            </a:pPr>
+            <a:r>
+              <a:rPr lang="en-US" dirty="0"/>
+              <a:t>MLE estimation </a:t>
+            </a:r>
+          </a:p>
+        </p:txBody>
+      </p:sp>
+      <p:sp>
+        <p:nvSpPr>
+          <p:cNvPr id="6" name="Rectangle 5">
+            <a:extLst>
+              <a:ext uri="{FF2B5EF4-FFF2-40B4-BE49-F238E27FC236}">
+                <a16:creationId xmlns:a16="http://schemas.microsoft.com/office/drawing/2014/main" id="{19A0B892-576A-FB0D-0367-24D913412BE3}"/>
+              </a:ext>
+            </a:extLst>
+          </p:cNvPr>
+          <p:cNvSpPr/>
+          <p:nvPr/>
+        </p:nvSpPr>
+        <p:spPr>
+          <a:xfrm>
+            <a:off x="7242948" y="5626403"/>
+            <a:ext cx="3691497" cy="669303"/>
+          </a:xfrm>
+          <a:prstGeom prst="rect">
+            <a:avLst/>
+          </a:prstGeom>
+        </p:spPr>
+        <p:style>
+          <a:lnRef idx="2">
+            <a:schemeClr val="accent3">
+              <a:shade val="15000"/>
+            </a:schemeClr>
+          </a:lnRef>
+          <a:fillRef idx="1">
+            <a:schemeClr val="accent3"/>
+          </a:fillRef>
+          <a:effectRef idx="0">
+            <a:schemeClr val="accent3"/>
+          </a:effectRef>
+          <a:fontRef idx="minor">
+            <a:schemeClr val="lt1"/>
+          </a:fontRef>
+        </p:style>
+        <p:txBody>
+          <a:bodyPr rtlCol="0" anchor="ctr"/>
+          <a:lstStyle/>
+          <a:p>
+            <a:pPr marL="457200" lvl="1" indent="0" algn="ctr">
+              <a:buNone/>
+            </a:pPr>
+            <a:r>
+              <a:rPr lang="en-US" dirty="0"/>
+              <a:t>Add-1 estimation</a:t>
+            </a:r>
+          </a:p>
+        </p:txBody>
+      </p:sp>
+      <p:graphicFrame>
+        <p:nvGraphicFramePr>
+          <p:cNvPr id="7" name="Object 4">
+            <a:extLst>
+              <a:ext uri="{FF2B5EF4-FFF2-40B4-BE49-F238E27FC236}">
+                <a16:creationId xmlns:a16="http://schemas.microsoft.com/office/drawing/2014/main" id="{1D34D922-AC09-6C0A-6B06-D6433194B56B}"/>
+              </a:ext>
+            </a:extLst>
+          </p:cNvPr>
+          <p:cNvGraphicFramePr>
+            <a:graphicFrameLocks noChangeAspect="1"/>
+          </p:cNvGraphicFramePr>
+          <p:nvPr>
+            <p:extLst>
+              <p:ext uri="{D42A27DB-BD31-4B8C-83A1-F6EECF244321}">
+                <p14:modId xmlns:p14="http://schemas.microsoft.com/office/powerpoint/2010/main" val="3714362028"/>
+              </p:ext>
+            </p:extLst>
+          </p:nvPr>
+        </p:nvGraphicFramePr>
+        <p:xfrm>
+          <a:off x="6892097" y="4184896"/>
+          <a:ext cx="4249738" cy="995362"/>
+        </p:xfrm>
+        <a:graphic>
+          <a:graphicData uri="http://schemas.openxmlformats.org/presentationml/2006/ole">
+            <mc:AlternateContent xmlns:mc="http://schemas.openxmlformats.org/markup-compatibility/2006">
+              <mc:Choice xmlns:v="urn:schemas-microsoft-com:vml" Requires="v">
+                <p:oleObj name="Equation" r:id="rId4" imgW="1828440" imgH="420480" progId="Equation.3">
+                  <p:embed/>
+                </p:oleObj>
+              </mc:Choice>
+              <mc:Fallback>
+                <p:oleObj name="Equation" r:id="rId4" imgW="1828440" imgH="420480" progId="Equation.3">
+                  <p:embed/>
+                  <p:pic>
+                    <p:nvPicPr>
+                      <p:cNvPr id="10" name="Object 4"/>
+                      <p:cNvPicPr>
+                        <a:picLocks noChangeAspect="1" noChangeArrowheads="1"/>
+                      </p:cNvPicPr>
+                      <p:nvPr/>
+                    </p:nvPicPr>
+                    <p:blipFill>
+                      <a:blip r:embed="rId5">
+                        <a:extLst>
+                          <a:ext uri="{28A0092B-C50C-407E-A947-70E740481C1C}">
+                            <a14:useLocalDpi xmlns:a14="http://schemas.microsoft.com/office/drawing/2010/main" val="0"/>
+                          </a:ext>
+                        </a:extLst>
+                      </a:blip>
+                      <a:srcRect/>
+                      <a:stretch>
+                        <a:fillRect/>
+                      </a:stretch>
+                    </p:blipFill>
+                    <p:spPr bwMode="auto">
+                      <a:xfrm>
+                        <a:off x="6892097" y="4184896"/>
+                        <a:ext cx="4249738" cy="995362"/>
+                      </a:xfrm>
+                      <a:prstGeom prst="rect">
+                        <a:avLst/>
+                      </a:prstGeom>
+                      <a:noFill/>
+                      <a:extLst>
+                        <a:ext uri="{909E8E84-426E-40DD-AFC4-6F175D3DCCD1}">
+                          <a14:hiddenFill xmlns:a14="http://schemas.microsoft.com/office/drawing/2010/main">
+                            <a:solidFill>
+                              <a:srgbClr val="FFFFFF"/>
+                            </a:solidFill>
+                          </a14:hiddenFill>
+                        </a:ext>
+                      </a:extLst>
+                    </p:spPr>
+                  </p:pic>
+                </p:oleObj>
+              </mc:Fallback>
+            </mc:AlternateContent>
+          </a:graphicData>
+        </a:graphic>
+      </p:graphicFrame>
+    </p:spTree>
+    <p:extLst>
+      <p:ext uri="{BB962C8B-B14F-4D97-AF65-F5344CB8AC3E}">
+        <p14:creationId xmlns:p14="http://schemas.microsoft.com/office/powerpoint/2010/main" val="2276529174"/>
+      </p:ext>
+    </p:extLst>
+  </p:cSld>
+  <p:clrMapOvr>
+    <a:masterClrMapping/>
+  </p:clrMapOvr>
+</p:sld>
+</file>
+
+<file path=ppt/slides/slide72.xml><?xml version="1.0" encoding="utf-8"?>
+<p:sld xmlns:a="http://schemas.openxmlformats.org/drawingml/2006/main" xmlns:r="http://schemas.openxmlformats.org/officeDocument/2006/relationships" xmlns:p="http://schemas.openxmlformats.org/presentationml/2006/main">
+  <p:cSld>
+    <p:spTree>
+      <p:nvGrpSpPr>
+        <p:cNvPr id="1" name="">
+          <a:extLst>
+            <a:ext uri="{FF2B5EF4-FFF2-40B4-BE49-F238E27FC236}">
+              <a16:creationId xmlns:a16="http://schemas.microsoft.com/office/drawing/2014/main" id="{D784B904-5693-DD7A-A7B1-D9DE6979C4EE}"/>
+            </a:ext>
+          </a:extLst>
+        </p:cNvPr>
+        <p:cNvGrpSpPr/>
+        <p:nvPr/>
+      </p:nvGrpSpPr>
+      <p:grpSpPr>
+        <a:xfrm>
+          <a:off x="0" y="0"/>
+          <a:ext cx="0" cy="0"/>
+          <a:chOff x="0" y="0"/>
+          <a:chExt cx="0" cy="0"/>
+        </a:xfrm>
+      </p:grpSpPr>
+      <p:sp>
+        <p:nvSpPr>
+          <p:cNvPr id="2" name="Title 1">
+            <a:extLst>
+              <a:ext uri="{FF2B5EF4-FFF2-40B4-BE49-F238E27FC236}">
+                <a16:creationId xmlns:a16="http://schemas.microsoft.com/office/drawing/2014/main" id="{7A21B3F5-BE68-259A-F44C-A77FBDD3FEB2}"/>
+              </a:ext>
+            </a:extLst>
+          </p:cNvPr>
+          <p:cNvSpPr>
+            <a:spLocks noGrp="1"/>
+          </p:cNvSpPr>
+          <p:nvPr>
+            <p:ph type="title"/>
+          </p:nvPr>
+        </p:nvSpPr>
+        <p:spPr/>
+        <p:txBody>
+          <a:bodyPr/>
+          <a:lstStyle/>
+          <a:p>
+            <a:r>
+              <a:rPr lang="en-US" dirty="0"/>
+              <a:t>Laplace smoothing: Example</a:t>
+            </a:r>
+          </a:p>
+        </p:txBody>
+      </p:sp>
+      <p:sp>
+        <p:nvSpPr>
+          <p:cNvPr id="3" name="Content Placeholder 2">
+            <a:extLst>
+              <a:ext uri="{FF2B5EF4-FFF2-40B4-BE49-F238E27FC236}">
+                <a16:creationId xmlns:a16="http://schemas.microsoft.com/office/drawing/2014/main" id="{3FDC2834-EF03-498F-06A5-8211F9CB5366}"/>
+              </a:ext>
+            </a:extLst>
+          </p:cNvPr>
+          <p:cNvSpPr>
+            <a:spLocks noGrp="1"/>
+          </p:cNvSpPr>
+          <p:nvPr>
+            <p:ph idx="1"/>
+          </p:nvPr>
+        </p:nvSpPr>
+        <p:spPr/>
+        <p:txBody>
+          <a:bodyPr/>
+          <a:lstStyle/>
+          <a:p>
+            <a:r>
+              <a:rPr lang="en-US" dirty="0"/>
+              <a:t>Consider a context</a:t>
+            </a:r>
+          </a:p>
+          <a:p>
+            <a:pPr lvl="1"/>
+            <a:r>
+              <a:rPr lang="en-US" dirty="0"/>
+              <a:t>|V| = 5000</a:t>
+            </a:r>
+          </a:p>
+          <a:p>
+            <a:pPr lvl="1"/>
+            <a:r>
+              <a:rPr lang="en-US" dirty="0"/>
+              <a:t>Bigram “w1 w2” occurs 10 times</a:t>
+            </a:r>
+          </a:p>
+          <a:p>
+            <a:pPr lvl="1"/>
+            <a:r>
+              <a:rPr lang="en-US" dirty="0"/>
+              <a:t>Bigram “w1 w2 w3” occurs 9 times</a:t>
+            </a:r>
+          </a:p>
+          <a:p>
+            <a:pPr marL="457200" lvl="1" indent="0">
+              <a:buNone/>
+            </a:pPr>
+            <a:endParaRPr lang="en-US" dirty="0"/>
+          </a:p>
+          <a:p>
+            <a:pPr marL="457200" lvl="1" indent="0">
+              <a:buNone/>
+            </a:pPr>
+            <a:endParaRPr lang="en-US" dirty="0"/>
+          </a:p>
+          <a:p>
+            <a:pPr marL="457200" lvl="1" indent="0">
+              <a:buNone/>
+            </a:pPr>
+            <a:endParaRPr lang="en-US" dirty="0"/>
+          </a:p>
+        </p:txBody>
+      </p:sp>
+      <p:graphicFrame>
+        <p:nvGraphicFramePr>
+          <p:cNvPr id="4" name="Object 4">
+            <a:extLst>
+              <a:ext uri="{FF2B5EF4-FFF2-40B4-BE49-F238E27FC236}">
+                <a16:creationId xmlns:a16="http://schemas.microsoft.com/office/drawing/2014/main" id="{8C9ACF91-0FF7-3797-2C21-A4D1AB5D2BBF}"/>
+              </a:ext>
+            </a:extLst>
+          </p:cNvPr>
+          <p:cNvGraphicFramePr>
+            <a:graphicFrameLocks noChangeAspect="1"/>
+          </p:cNvGraphicFramePr>
+          <p:nvPr>
+            <p:extLst>
+              <p:ext uri="{D42A27DB-BD31-4B8C-83A1-F6EECF244321}">
+                <p14:modId xmlns:p14="http://schemas.microsoft.com/office/powerpoint/2010/main" val="2501271840"/>
+              </p:ext>
+            </p:extLst>
+          </p:nvPr>
+        </p:nvGraphicFramePr>
+        <p:xfrm>
+          <a:off x="872826" y="4066066"/>
+          <a:ext cx="3721100" cy="995362"/>
+        </p:xfrm>
+        <a:graphic>
+          <a:graphicData uri="http://schemas.openxmlformats.org/presentationml/2006/ole">
+            <mc:AlternateContent xmlns:mc="http://schemas.openxmlformats.org/markup-compatibility/2006">
+              <mc:Choice xmlns:v="urn:schemas-microsoft-com:vml" Requires="v">
+                <p:oleObj name="Equation" r:id="rId2" imgW="1599840" imgH="420480" progId="Equation.3">
+                  <p:embed/>
+                </p:oleObj>
+              </mc:Choice>
+              <mc:Fallback>
+                <p:oleObj name="Equation" r:id="rId2" imgW="1599840" imgH="420480" progId="Equation.3">
+                  <p:embed/>
+                  <p:pic>
+                    <p:nvPicPr>
+                      <p:cNvPr id="4" name="Object 4">
+                        <a:extLst>
+                          <a:ext uri="{FF2B5EF4-FFF2-40B4-BE49-F238E27FC236}">
+                            <a16:creationId xmlns:a16="http://schemas.microsoft.com/office/drawing/2014/main" id="{9040AA5F-70A5-AF63-A053-4FB60FD8DCCB}"/>
+                          </a:ext>
+                        </a:extLst>
+                      </p:cNvPr>
+                      <p:cNvPicPr>
+                        <a:picLocks noChangeAspect="1" noChangeArrowheads="1"/>
+                      </p:cNvPicPr>
+                      <p:nvPr/>
+                    </p:nvPicPr>
+                    <p:blipFill>
+                      <a:blip r:embed="rId3">
+                        <a:extLst>
+                          <a:ext uri="{28A0092B-C50C-407E-A947-70E740481C1C}">
+                            <a14:useLocalDpi xmlns:a14="http://schemas.microsoft.com/office/drawing/2010/main" val="0"/>
+                          </a:ext>
+                        </a:extLst>
+                      </a:blip>
+                      <a:srcRect/>
+                      <a:stretch>
+                        <a:fillRect/>
+                      </a:stretch>
+                    </p:blipFill>
+                    <p:spPr bwMode="auto">
+                      <a:xfrm>
+                        <a:off x="872826" y="4066066"/>
+                        <a:ext cx="3721100" cy="995362"/>
+                      </a:xfrm>
+                      <a:prstGeom prst="rect">
+                        <a:avLst/>
+                      </a:prstGeom>
+                      <a:noFill/>
+                      <a:extLst>
+                        <a:ext uri="{909E8E84-426E-40DD-AFC4-6F175D3DCCD1}">
+                          <a14:hiddenFill xmlns:a14="http://schemas.microsoft.com/office/drawing/2010/main">
+                            <a:solidFill>
+                              <a:srgbClr val="FFFFFF"/>
+                            </a:solidFill>
+                          </a14:hiddenFill>
+                        </a:ext>
+                      </a:extLst>
+                    </p:spPr>
+                  </p:pic>
+                </p:oleObj>
+              </mc:Fallback>
+            </mc:AlternateContent>
+          </a:graphicData>
+        </a:graphic>
+      </p:graphicFrame>
+      <p:sp>
+        <p:nvSpPr>
+          <p:cNvPr id="5" name="Rectangle 4">
+            <a:extLst>
+              <a:ext uri="{FF2B5EF4-FFF2-40B4-BE49-F238E27FC236}">
+                <a16:creationId xmlns:a16="http://schemas.microsoft.com/office/drawing/2014/main" id="{10A83132-10E0-A3D8-81FB-1EA3B078C69B}"/>
+              </a:ext>
+            </a:extLst>
+          </p:cNvPr>
+          <p:cNvSpPr/>
+          <p:nvPr/>
+        </p:nvSpPr>
+        <p:spPr>
+          <a:xfrm>
+            <a:off x="969080" y="5216529"/>
+            <a:ext cx="3691497" cy="669303"/>
+          </a:xfrm>
+          <a:prstGeom prst="rect">
+            <a:avLst/>
+          </a:prstGeom>
+        </p:spPr>
+        <p:style>
+          <a:lnRef idx="2">
+            <a:schemeClr val="accent3">
+              <a:shade val="15000"/>
+            </a:schemeClr>
+          </a:lnRef>
+          <a:fillRef idx="1">
+            <a:schemeClr val="accent3"/>
+          </a:fillRef>
+          <a:effectRef idx="0">
+            <a:schemeClr val="accent3"/>
+          </a:effectRef>
+          <a:fontRef idx="minor">
+            <a:schemeClr val="lt1"/>
+          </a:fontRef>
+        </p:style>
+        <p:txBody>
+          <a:bodyPr rtlCol="0" anchor="ctr"/>
+          <a:lstStyle/>
+          <a:p>
+            <a:pPr marL="457200" lvl="1" indent="0" algn="ctr">
+              <a:buNone/>
+            </a:pPr>
+            <a:r>
+              <a:rPr lang="en-US" dirty="0"/>
+              <a:t>P</a:t>
+            </a:r>
+            <a:r>
+              <a:rPr lang="en-US" sz="1050" dirty="0"/>
+              <a:t>MLE </a:t>
+            </a:r>
+            <a:r>
+              <a:rPr lang="en-US" dirty="0"/>
+              <a:t>(w3 | w1, w2) = 9 /10</a:t>
+            </a:r>
+          </a:p>
+        </p:txBody>
+      </p:sp>
+      <p:sp>
+        <p:nvSpPr>
+          <p:cNvPr id="6" name="Rectangle 5">
+            <a:extLst>
+              <a:ext uri="{FF2B5EF4-FFF2-40B4-BE49-F238E27FC236}">
+                <a16:creationId xmlns:a16="http://schemas.microsoft.com/office/drawing/2014/main" id="{33A85DE4-8FB1-6470-718D-502E35FC17D0}"/>
+              </a:ext>
+            </a:extLst>
+          </p:cNvPr>
+          <p:cNvSpPr/>
+          <p:nvPr/>
+        </p:nvSpPr>
+        <p:spPr>
+          <a:xfrm>
+            <a:off x="6716791" y="5241395"/>
+            <a:ext cx="4826971" cy="669303"/>
+          </a:xfrm>
+          <a:prstGeom prst="rect">
+            <a:avLst/>
+          </a:prstGeom>
+        </p:spPr>
+        <p:style>
+          <a:lnRef idx="2">
+            <a:schemeClr val="accent3">
+              <a:shade val="15000"/>
+            </a:schemeClr>
+          </a:lnRef>
+          <a:fillRef idx="1">
+            <a:schemeClr val="accent3"/>
+          </a:fillRef>
+          <a:effectRef idx="0">
+            <a:schemeClr val="accent3"/>
+          </a:effectRef>
+          <a:fontRef idx="minor">
+            <a:schemeClr val="lt1"/>
+          </a:fontRef>
+        </p:style>
+        <p:txBody>
+          <a:bodyPr rtlCol="0" anchor="ctr"/>
+          <a:lstStyle/>
+          <a:p>
+            <a:pPr marL="457200" lvl="1" indent="0" algn="ctr">
+              <a:buNone/>
+            </a:pPr>
+            <a:r>
+              <a:rPr lang="en-US" dirty="0"/>
+              <a:t>P</a:t>
+            </a:r>
+            <a:r>
+              <a:rPr lang="en-US" sz="1050" dirty="0"/>
+              <a:t>Add-1 </a:t>
+            </a:r>
+            <a:r>
+              <a:rPr lang="en-US" dirty="0"/>
+              <a:t>(w3 | w1, w2 ) = (9+1)/(10+5000)</a:t>
+            </a:r>
+          </a:p>
+        </p:txBody>
+      </p:sp>
+      <p:graphicFrame>
+        <p:nvGraphicFramePr>
+          <p:cNvPr id="7" name="Object 4">
+            <a:extLst>
+              <a:ext uri="{FF2B5EF4-FFF2-40B4-BE49-F238E27FC236}">
+                <a16:creationId xmlns:a16="http://schemas.microsoft.com/office/drawing/2014/main" id="{DE994CCD-47F2-B6D1-CC40-428454D9D90D}"/>
+              </a:ext>
+            </a:extLst>
+          </p:cNvPr>
+          <p:cNvGraphicFramePr>
+            <a:graphicFrameLocks noChangeAspect="1"/>
+          </p:cNvGraphicFramePr>
+          <p:nvPr>
+            <p:extLst>
+              <p:ext uri="{D42A27DB-BD31-4B8C-83A1-F6EECF244321}">
+                <p14:modId xmlns:p14="http://schemas.microsoft.com/office/powerpoint/2010/main" val="3870313972"/>
+              </p:ext>
+            </p:extLst>
+          </p:nvPr>
+        </p:nvGraphicFramePr>
+        <p:xfrm>
+          <a:off x="6892097" y="3992392"/>
+          <a:ext cx="4249738" cy="995362"/>
+        </p:xfrm>
+        <a:graphic>
+          <a:graphicData uri="http://schemas.openxmlformats.org/presentationml/2006/ole">
+            <mc:AlternateContent xmlns:mc="http://schemas.openxmlformats.org/markup-compatibility/2006">
+              <mc:Choice xmlns:v="urn:schemas-microsoft-com:vml" Requires="v">
+                <p:oleObj name="Equation" r:id="rId4" imgW="1828440" imgH="420480" progId="Equation.3">
+                  <p:embed/>
+                </p:oleObj>
+              </mc:Choice>
+              <mc:Fallback>
+                <p:oleObj name="Equation" r:id="rId4" imgW="1828440" imgH="420480" progId="Equation.3">
+                  <p:embed/>
+                  <p:pic>
+                    <p:nvPicPr>
+                      <p:cNvPr id="7" name="Object 4">
+                        <a:extLst>
+                          <a:ext uri="{FF2B5EF4-FFF2-40B4-BE49-F238E27FC236}">
+                            <a16:creationId xmlns:a16="http://schemas.microsoft.com/office/drawing/2014/main" id="{1D34D922-AC09-6C0A-6B06-D6433194B56B}"/>
+                          </a:ext>
+                        </a:extLst>
+                      </p:cNvPr>
+                      <p:cNvPicPr>
+                        <a:picLocks noChangeAspect="1" noChangeArrowheads="1"/>
+                      </p:cNvPicPr>
+                      <p:nvPr/>
+                    </p:nvPicPr>
+                    <p:blipFill>
+                      <a:blip r:embed="rId5">
+                        <a:extLst>
+                          <a:ext uri="{28A0092B-C50C-407E-A947-70E740481C1C}">
+                            <a14:useLocalDpi xmlns:a14="http://schemas.microsoft.com/office/drawing/2010/main" val="0"/>
+                          </a:ext>
+                        </a:extLst>
+                      </a:blip>
+                      <a:srcRect/>
+                      <a:stretch>
+                        <a:fillRect/>
+                      </a:stretch>
+                    </p:blipFill>
+                    <p:spPr bwMode="auto">
+                      <a:xfrm>
+                        <a:off x="6892097" y="3992392"/>
+                        <a:ext cx="4249738" cy="995362"/>
+                      </a:xfrm>
+                      <a:prstGeom prst="rect">
+                        <a:avLst/>
+                      </a:prstGeom>
+                      <a:noFill/>
+                      <a:extLst>
+                        <a:ext uri="{909E8E84-426E-40DD-AFC4-6F175D3DCCD1}">
+                          <a14:hiddenFill xmlns:a14="http://schemas.microsoft.com/office/drawing/2010/main">
+                            <a:solidFill>
+                              <a:srgbClr val="FFFFFF"/>
+                            </a:solidFill>
+                          </a14:hiddenFill>
+                        </a:ext>
+                      </a:extLst>
+                    </p:spPr>
+                  </p:pic>
+                </p:oleObj>
+              </mc:Fallback>
+            </mc:AlternateContent>
+          </a:graphicData>
+        </a:graphic>
+      </p:graphicFrame>
+      <p:sp>
+        <p:nvSpPr>
+          <p:cNvPr id="8" name="Content Placeholder 3">
+            <a:extLst>
+              <a:ext uri="{FF2B5EF4-FFF2-40B4-BE49-F238E27FC236}">
+                <a16:creationId xmlns:a16="http://schemas.microsoft.com/office/drawing/2014/main" id="{76F66CF5-A31E-04C2-90B7-DB477C58090B}"/>
+              </a:ext>
+            </a:extLst>
+          </p:cNvPr>
+          <p:cNvSpPr txBox="1">
+            <a:spLocks/>
+          </p:cNvSpPr>
+          <p:nvPr/>
+        </p:nvSpPr>
+        <p:spPr>
+          <a:xfrm>
+            <a:off x="1076841" y="6233437"/>
+            <a:ext cx="10418237" cy="424732"/>
+          </a:xfrm>
+          <a:prstGeom prst="rect">
+            <a:avLst/>
+          </a:prstGeom>
+          <a:noFill/>
+        </p:spPr>
+        <p:txBody>
+          <a:bodyPr vert="horz" wrap="none" lIns="91440" tIns="45720" rIns="91440" bIns="45720" rtlCol="0">
+            <a:spAutoFit/>
+          </a:bodyPr>
+          <a:lstStyle>
+            <a:lvl1pPr marL="228600" indent="-228600" algn="l" defTabSz="914400" rtl="0" eaLnBrk="1" latinLnBrk="0" hangingPunct="1">
+              <a:lnSpc>
+                <a:spcPct val="90000"/>
+              </a:lnSpc>
+              <a:spcBef>
+                <a:spcPts val="1000"/>
+              </a:spcBef>
+              <a:buFont typeface="Arial" panose="020B0604020202020204" pitchFamily="34" charset="0"/>
+              <a:buChar char="•"/>
+              <a:defRPr sz="2400" kern="1200">
+                <a:solidFill>
+                  <a:schemeClr val="tx1"/>
+                </a:solidFill>
+                <a:latin typeface="+mn-lt"/>
+                <a:ea typeface="+mn-ea"/>
+                <a:cs typeface="+mn-cs"/>
+              </a:defRPr>
+            </a:lvl1pPr>
+            <a:lvl2pPr marL="685800" indent="-228600" algn="l" defTabSz="914400" rtl="0" eaLnBrk="1" latinLnBrk="0" hangingPunct="1">
+              <a:lnSpc>
+                <a:spcPct val="90000"/>
+              </a:lnSpc>
+              <a:spcBef>
+                <a:spcPts val="500"/>
+              </a:spcBef>
+              <a:buFont typeface="Arial" panose="020B0604020202020204" pitchFamily="34" charset="0"/>
+              <a:buChar char="•"/>
+              <a:defRPr sz="2000" kern="1200">
+                <a:solidFill>
+                  <a:schemeClr val="tx1"/>
+                </a:solidFill>
+                <a:latin typeface="+mn-lt"/>
+                <a:ea typeface="+mn-ea"/>
+                <a:cs typeface="+mn-cs"/>
+              </a:defRPr>
+            </a:lvl2pPr>
+            <a:lvl3pPr marL="1143000" indent="-228600" algn="l" defTabSz="914400" rtl="0" eaLnBrk="1" latinLnBrk="0" hangingPunct="1">
+              <a:lnSpc>
+                <a:spcPct val="90000"/>
+              </a:lnSpc>
+              <a:spcBef>
+                <a:spcPts val="500"/>
+              </a:spcBef>
+              <a:buFont typeface="Arial" panose="020B0604020202020204" pitchFamily="34" charset="0"/>
+              <a:buChar char="•"/>
+              <a:defRPr sz="1800" kern="1200">
+                <a:solidFill>
+                  <a:schemeClr val="tx1"/>
+                </a:solidFill>
+                <a:latin typeface="+mn-lt"/>
+                <a:ea typeface="+mn-ea"/>
+                <a:cs typeface="+mn-cs"/>
+              </a:defRPr>
+            </a:lvl3pPr>
+            <a:lvl4pPr marL="1600200" indent="-228600" algn="l" defTabSz="914400" rtl="0" eaLnBrk="1" latinLnBrk="0" hangingPunct="1">
+              <a:lnSpc>
+                <a:spcPct val="90000"/>
+              </a:lnSpc>
+              <a:spcBef>
+                <a:spcPts val="500"/>
+              </a:spcBef>
+              <a:buFont typeface="Arial" panose="020B0604020202020204" pitchFamily="34" charset="0"/>
+              <a:buChar char="•"/>
+              <a:defRPr sz="1600" kern="1200">
+                <a:solidFill>
+                  <a:schemeClr val="tx1"/>
+                </a:solidFill>
+                <a:latin typeface="+mn-lt"/>
+                <a:ea typeface="+mn-ea"/>
+                <a:cs typeface="+mn-cs"/>
+              </a:defRPr>
+            </a:lvl4pPr>
+            <a:lvl5pPr marL="2057400" indent="-228600" algn="l" defTabSz="914400" rtl="0" eaLnBrk="1" latinLnBrk="0" hangingPunct="1">
+              <a:lnSpc>
+                <a:spcPct val="90000"/>
+              </a:lnSpc>
+              <a:spcBef>
+                <a:spcPts val="500"/>
+              </a:spcBef>
+              <a:buFont typeface="Arial" panose="020B0604020202020204" pitchFamily="34" charset="0"/>
+              <a:buChar char="•"/>
+              <a:defRPr sz="1600" kern="1200">
+                <a:solidFill>
+                  <a:schemeClr val="tx1"/>
+                </a:solidFill>
+                <a:latin typeface="+mn-lt"/>
+                <a:ea typeface="+mn-ea"/>
+                <a:cs typeface="+mn-cs"/>
+              </a:defRPr>
+            </a:lvl5pPr>
+            <a:lvl6pPr marL="2514600" indent="-228600" algn="l" defTabSz="914400" rtl="0" eaLnBrk="1" latinLnBrk="0" hangingPunct="1">
+              <a:lnSpc>
+                <a:spcPct val="90000"/>
+              </a:lnSpc>
+              <a:spcBef>
+                <a:spcPts val="500"/>
+              </a:spcBef>
+              <a:buFont typeface="Arial" panose="020B0604020202020204" pitchFamily="34" charset="0"/>
+              <a:buChar char="•"/>
+              <a:defRPr sz="1400" kern="1200">
+                <a:solidFill>
+                  <a:schemeClr val="tx1"/>
+                </a:solidFill>
+                <a:latin typeface="+mn-lt"/>
+                <a:ea typeface="+mn-ea"/>
+                <a:cs typeface="+mn-cs"/>
+              </a:defRPr>
+            </a:lvl6pPr>
+            <a:lvl7pPr marL="2971800" indent="-228600" algn="l" defTabSz="914400" rtl="0" eaLnBrk="1" latinLnBrk="0" hangingPunct="1">
+              <a:lnSpc>
+                <a:spcPct val="90000"/>
+              </a:lnSpc>
+              <a:spcBef>
+                <a:spcPts val="500"/>
+              </a:spcBef>
+              <a:buFont typeface="Arial" panose="020B0604020202020204" pitchFamily="34" charset="0"/>
+              <a:buChar char="•"/>
+              <a:defRPr sz="1400" kern="1200">
+                <a:solidFill>
+                  <a:schemeClr val="tx1"/>
+                </a:solidFill>
+                <a:latin typeface="+mn-lt"/>
+                <a:ea typeface="+mn-ea"/>
+                <a:cs typeface="+mn-cs"/>
+              </a:defRPr>
+            </a:lvl7pPr>
+            <a:lvl8pPr marL="3429000" indent="-228600" algn="l" defTabSz="914400" rtl="0" eaLnBrk="1" latinLnBrk="0" hangingPunct="1">
+              <a:lnSpc>
+                <a:spcPct val="90000"/>
+              </a:lnSpc>
+              <a:spcBef>
+                <a:spcPts val="500"/>
+              </a:spcBef>
+              <a:buFont typeface="Arial" panose="020B0604020202020204" pitchFamily="34" charset="0"/>
+              <a:buChar char="•"/>
+              <a:defRPr sz="1400" kern="1200">
+                <a:solidFill>
+                  <a:schemeClr val="tx1"/>
+                </a:solidFill>
+                <a:latin typeface="+mn-lt"/>
+                <a:ea typeface="+mn-ea"/>
+                <a:cs typeface="+mn-cs"/>
+              </a:defRPr>
+            </a:lvl8pPr>
+            <a:lvl9pPr marL="3886200" indent="-228600" algn="l" defTabSz="914400" rtl="0" eaLnBrk="1" latinLnBrk="0" hangingPunct="1">
+              <a:lnSpc>
+                <a:spcPct val="90000"/>
+              </a:lnSpc>
+              <a:spcBef>
+                <a:spcPts val="500"/>
+              </a:spcBef>
+              <a:buFont typeface="Arial" panose="020B0604020202020204" pitchFamily="34" charset="0"/>
+              <a:buChar char="•"/>
+              <a:defRPr sz="1400" kern="1200">
+                <a:solidFill>
+                  <a:schemeClr val="tx1"/>
+                </a:solidFill>
+                <a:latin typeface="+mn-lt"/>
+                <a:ea typeface="+mn-ea"/>
+                <a:cs typeface="+mn-cs"/>
+              </a:defRPr>
+            </a:lvl9pPr>
+          </a:lstStyle>
+          <a:p>
+            <a:pPr marL="0" indent="0" algn="ctr">
+              <a:buFont typeface="Arial" panose="020B0604020202020204" pitchFamily="34" charset="0"/>
+              <a:buNone/>
+            </a:pPr>
+            <a:r>
+              <a:rPr lang="en-US" dirty="0">
+                <a:solidFill>
+                  <a:srgbClr val="FFFF00"/>
+                </a:solidFill>
+              </a:rPr>
+              <a:t>Laplace smoothing problem: Give too much probability to unseen n-grams</a:t>
+            </a:r>
+          </a:p>
+        </p:txBody>
+      </p:sp>
+    </p:spTree>
+    <p:extLst>
+      <p:ext uri="{BB962C8B-B14F-4D97-AF65-F5344CB8AC3E}">
+        <p14:creationId xmlns:p14="http://schemas.microsoft.com/office/powerpoint/2010/main" val="2440281144"/>
+      </p:ext>
+    </p:extLst>
+  </p:cSld>
+  <p:clrMapOvr>
+    <a:masterClrMapping/>
+  </p:clrMapOvr>
+</p:sld>
+</file>
+
+<file path=ppt/slides/slide73.xml><?xml version="1.0" encoding="utf-8"?>
+<p:sld xmlns:a="http://schemas.openxmlformats.org/drawingml/2006/main" xmlns:r="http://schemas.openxmlformats.org/officeDocument/2006/relationships" xmlns:p="http://schemas.openxmlformats.org/presentationml/2006/main">
+  <p:cSld>
+    <p:spTree>
+      <p:nvGrpSpPr>
+        <p:cNvPr id="1" name="">
+          <a:extLst>
+            <a:ext uri="{FF2B5EF4-FFF2-40B4-BE49-F238E27FC236}">
+              <a16:creationId xmlns:a16="http://schemas.microsoft.com/office/drawing/2014/main" id="{2BFCAB1F-35B7-1AE8-7D82-BB8B701EBC0C}"/>
+            </a:ext>
+          </a:extLst>
+        </p:cNvPr>
+        <p:cNvGrpSpPr/>
+        <p:nvPr/>
+      </p:nvGrpSpPr>
+      <p:grpSpPr>
+        <a:xfrm>
+          <a:off x="0" y="0"/>
+          <a:ext cx="0" cy="0"/>
+          <a:chOff x="0" y="0"/>
+          <a:chExt cx="0" cy="0"/>
+        </a:xfrm>
+      </p:grpSpPr>
+      <p:sp>
+        <p:nvSpPr>
+          <p:cNvPr id="2" name="Title 1">
+            <a:extLst>
+              <a:ext uri="{FF2B5EF4-FFF2-40B4-BE49-F238E27FC236}">
+                <a16:creationId xmlns:a16="http://schemas.microsoft.com/office/drawing/2014/main" id="{A698F868-3F12-8BE2-151E-B2580B07774E}"/>
+              </a:ext>
+            </a:extLst>
+          </p:cNvPr>
+          <p:cNvSpPr>
+            <a:spLocks noGrp="1"/>
+          </p:cNvSpPr>
+          <p:nvPr>
+            <p:ph type="ctrTitle"/>
+          </p:nvPr>
+        </p:nvSpPr>
+        <p:spPr/>
+        <p:txBody>
+          <a:bodyPr/>
+          <a:lstStyle/>
+          <a:p>
+            <a:r>
+              <a:rPr lang="en-US" sz="4400" dirty="0"/>
+              <a:t>Add-k smoothing</a:t>
+            </a:r>
+            <a:br>
+              <a:rPr lang="en-US" dirty="0"/>
+            </a:br>
+            <a:r>
+              <a:rPr lang="en-US" sz="2800" dirty="0">
+                <a:solidFill>
+                  <a:srgbClr val="FF0000"/>
+                </a:solidFill>
+              </a:rPr>
+              <a:t>Language Models</a:t>
+            </a:r>
+          </a:p>
+        </p:txBody>
+      </p:sp>
+      <p:sp>
+        <p:nvSpPr>
+          <p:cNvPr id="3" name="Subtitle 2">
+            <a:extLst>
+              <a:ext uri="{FF2B5EF4-FFF2-40B4-BE49-F238E27FC236}">
+                <a16:creationId xmlns:a16="http://schemas.microsoft.com/office/drawing/2014/main" id="{659BC3DA-B40C-85A5-69C1-01B69E6B0213}"/>
+              </a:ext>
+            </a:extLst>
+          </p:cNvPr>
+          <p:cNvSpPr>
+            <a:spLocks noGrp="1"/>
+          </p:cNvSpPr>
+          <p:nvPr>
+            <p:ph type="subTitle" idx="1"/>
+          </p:nvPr>
+        </p:nvSpPr>
+        <p:spPr>
+          <a:xfrm>
+            <a:off x="1062877" y="4422031"/>
+            <a:ext cx="8144134" cy="1117687"/>
+          </a:xfrm>
+        </p:spPr>
+        <p:txBody>
+          <a:bodyPr>
+            <a:normAutofit/>
+          </a:bodyPr>
+          <a:lstStyle/>
+          <a:p>
+            <a:r>
+              <a:rPr lang="en-US" sz="2600" dirty="0"/>
+              <a:t>Natural Language Processing </a:t>
+            </a:r>
+          </a:p>
+        </p:txBody>
+      </p:sp>
+      <p:sp>
+        <p:nvSpPr>
+          <p:cNvPr id="6" name="TextBox 5">
+            <a:extLst>
+              <a:ext uri="{FF2B5EF4-FFF2-40B4-BE49-F238E27FC236}">
+                <a16:creationId xmlns:a16="http://schemas.microsoft.com/office/drawing/2014/main" id="{6AD74E21-2EAB-7C4D-C2C6-42EB0B664A3D}"/>
+              </a:ext>
+            </a:extLst>
+          </p:cNvPr>
+          <p:cNvSpPr txBox="1"/>
+          <p:nvPr/>
+        </p:nvSpPr>
+        <p:spPr>
+          <a:xfrm>
+            <a:off x="7685202" y="6395243"/>
+            <a:ext cx="6094428" cy="369332"/>
+          </a:xfrm>
+          <a:prstGeom prst="rect">
+            <a:avLst/>
+          </a:prstGeom>
+          <a:noFill/>
+        </p:spPr>
+        <p:txBody>
+          <a:bodyPr wrap="square">
+            <a:spAutoFit/>
+          </a:bodyPr>
+          <a:lstStyle/>
+          <a:p>
+            <a:r>
+              <a:rPr lang="en-US" dirty="0"/>
+              <a:t>https://web.stanford.edu/~jurafsky/slp3/</a:t>
+            </a:r>
+          </a:p>
+        </p:txBody>
+      </p:sp>
+    </p:spTree>
+    <p:extLst>
+      <p:ext uri="{BB962C8B-B14F-4D97-AF65-F5344CB8AC3E}">
+        <p14:creationId xmlns:p14="http://schemas.microsoft.com/office/powerpoint/2010/main" val="3716505236"/>
+      </p:ext>
+    </p:extLst>
+  </p:cSld>
+  <p:clrMapOvr>
+    <a:masterClrMapping/>
+  </p:clrMapOvr>
+</p:sld>
+</file>
+
+<file path=ppt/slides/slide74.xml><?xml version="1.0" encoding="utf-8"?>
+<p:sld xmlns:a="http://schemas.openxmlformats.org/drawingml/2006/main" xmlns:r="http://schemas.openxmlformats.org/officeDocument/2006/relationships" xmlns:p="http://schemas.openxmlformats.org/presentationml/2006/main">
+  <p:cSld>
+    <p:spTree>
+      <p:nvGrpSpPr>
+        <p:cNvPr id="1" name="">
+          <a:extLst>
+            <a:ext uri="{FF2B5EF4-FFF2-40B4-BE49-F238E27FC236}">
+              <a16:creationId xmlns:a16="http://schemas.microsoft.com/office/drawing/2014/main" id="{49B6E788-F85B-69FD-DE68-D0C7705A55E3}"/>
+            </a:ext>
+          </a:extLst>
+        </p:cNvPr>
+        <p:cNvGrpSpPr/>
+        <p:nvPr/>
+      </p:nvGrpSpPr>
+      <p:grpSpPr>
+        <a:xfrm>
+          <a:off x="0" y="0"/>
+          <a:ext cx="0" cy="0"/>
+          <a:chOff x="0" y="0"/>
+          <a:chExt cx="0" cy="0"/>
+        </a:xfrm>
+      </p:grpSpPr>
+      <p:sp>
+        <p:nvSpPr>
+          <p:cNvPr id="2" name="Title 1">
+            <a:extLst>
+              <a:ext uri="{FF2B5EF4-FFF2-40B4-BE49-F238E27FC236}">
+                <a16:creationId xmlns:a16="http://schemas.microsoft.com/office/drawing/2014/main" id="{13037228-284E-2D4C-BD2C-D8C3340A9187}"/>
+              </a:ext>
+            </a:extLst>
+          </p:cNvPr>
+          <p:cNvSpPr>
+            <a:spLocks noGrp="1"/>
+          </p:cNvSpPr>
+          <p:nvPr>
+            <p:ph type="title"/>
+          </p:nvPr>
+        </p:nvSpPr>
+        <p:spPr/>
+        <p:txBody>
+          <a:bodyPr/>
+          <a:lstStyle/>
+          <a:p>
+            <a:r>
+              <a:rPr lang="en-US" dirty="0"/>
+              <a:t>Laplace smoothing</a:t>
+            </a:r>
+          </a:p>
+        </p:txBody>
+      </p:sp>
+      <p:sp>
+        <p:nvSpPr>
+          <p:cNvPr id="3" name="Content Placeholder 2">
+            <a:extLst>
+              <a:ext uri="{FF2B5EF4-FFF2-40B4-BE49-F238E27FC236}">
+                <a16:creationId xmlns:a16="http://schemas.microsoft.com/office/drawing/2014/main" id="{E780469F-CF34-C295-38D0-EB1DBB145596}"/>
+              </a:ext>
+            </a:extLst>
+          </p:cNvPr>
+          <p:cNvSpPr>
+            <a:spLocks noGrp="1"/>
+          </p:cNvSpPr>
+          <p:nvPr>
+            <p:ph idx="1"/>
+          </p:nvPr>
+        </p:nvSpPr>
+        <p:spPr/>
+        <p:txBody>
+          <a:bodyPr/>
+          <a:lstStyle/>
+          <a:p>
+            <a:r>
+              <a:rPr lang="en-US" dirty="0"/>
+              <a:t>Also called as Add-1 estimation</a:t>
+            </a:r>
+          </a:p>
+          <a:p>
+            <a:pPr lvl="1"/>
+            <a:r>
+              <a:rPr lang="en-US" dirty="0"/>
+              <a:t>Probability can not be zero</a:t>
+            </a:r>
+          </a:p>
+          <a:p>
+            <a:pPr lvl="1"/>
+            <a:r>
+              <a:rPr lang="en-US" dirty="0"/>
+              <a:t>Just add one to all the counts</a:t>
+            </a:r>
+          </a:p>
+          <a:p>
+            <a:pPr marL="457200" lvl="1" indent="0">
+              <a:buNone/>
+            </a:pPr>
+            <a:endParaRPr lang="en-US" dirty="0"/>
+          </a:p>
+          <a:p>
+            <a:pPr marL="457200" lvl="1" indent="0">
+              <a:buNone/>
+            </a:pPr>
+            <a:endParaRPr lang="en-US" dirty="0"/>
+          </a:p>
+          <a:p>
+            <a:pPr marL="457200" lvl="1" indent="0">
+              <a:buNone/>
+            </a:pPr>
+            <a:endParaRPr lang="en-US" dirty="0"/>
+          </a:p>
+        </p:txBody>
+      </p:sp>
+      <p:graphicFrame>
+        <p:nvGraphicFramePr>
+          <p:cNvPr id="4" name="Object 4">
+            <a:extLst>
+              <a:ext uri="{FF2B5EF4-FFF2-40B4-BE49-F238E27FC236}">
+                <a16:creationId xmlns:a16="http://schemas.microsoft.com/office/drawing/2014/main" id="{8E09A90C-89F3-5886-5B19-B2FD3DD81BDC}"/>
+              </a:ext>
+            </a:extLst>
+          </p:cNvPr>
+          <p:cNvGraphicFramePr>
+            <a:graphicFrameLocks noChangeAspect="1"/>
+          </p:cNvGraphicFramePr>
+          <p:nvPr/>
+        </p:nvGraphicFramePr>
+        <p:xfrm>
+          <a:off x="872826" y="4354822"/>
+          <a:ext cx="3721100" cy="995362"/>
+        </p:xfrm>
+        <a:graphic>
+          <a:graphicData uri="http://schemas.openxmlformats.org/presentationml/2006/ole">
+            <mc:AlternateContent xmlns:mc="http://schemas.openxmlformats.org/markup-compatibility/2006">
+              <mc:Choice xmlns:v="urn:schemas-microsoft-com:vml" Requires="v">
+                <p:oleObj name="Equation" r:id="rId2" imgW="1599840" imgH="420480" progId="Equation.3">
+                  <p:embed/>
+                </p:oleObj>
+              </mc:Choice>
+              <mc:Fallback>
+                <p:oleObj name="Equation" r:id="rId2" imgW="1599840" imgH="420480" progId="Equation.3">
+                  <p:embed/>
+                  <p:pic>
+                    <p:nvPicPr>
+                      <p:cNvPr id="4" name="Object 4">
+                        <a:extLst>
+                          <a:ext uri="{FF2B5EF4-FFF2-40B4-BE49-F238E27FC236}">
+                            <a16:creationId xmlns:a16="http://schemas.microsoft.com/office/drawing/2014/main" id="{9040AA5F-70A5-AF63-A053-4FB60FD8DCCB}"/>
+                          </a:ext>
+                        </a:extLst>
+                      </p:cNvPr>
+                      <p:cNvPicPr>
+                        <a:picLocks noChangeAspect="1" noChangeArrowheads="1"/>
+                      </p:cNvPicPr>
+                      <p:nvPr/>
+                    </p:nvPicPr>
+                    <p:blipFill>
+                      <a:blip r:embed="rId3">
+                        <a:extLst>
+                          <a:ext uri="{28A0092B-C50C-407E-A947-70E740481C1C}">
+                            <a14:useLocalDpi xmlns:a14="http://schemas.microsoft.com/office/drawing/2010/main" val="0"/>
+                          </a:ext>
+                        </a:extLst>
+                      </a:blip>
+                      <a:srcRect/>
+                      <a:stretch>
+                        <a:fillRect/>
+                      </a:stretch>
+                    </p:blipFill>
+                    <p:spPr bwMode="auto">
+                      <a:xfrm>
+                        <a:off x="872826" y="4354822"/>
+                        <a:ext cx="3721100" cy="995362"/>
+                      </a:xfrm>
+                      <a:prstGeom prst="rect">
+                        <a:avLst/>
+                      </a:prstGeom>
+                      <a:noFill/>
+                      <a:extLst>
+                        <a:ext uri="{909E8E84-426E-40DD-AFC4-6F175D3DCCD1}">
+                          <a14:hiddenFill xmlns:a14="http://schemas.microsoft.com/office/drawing/2010/main">
+                            <a:solidFill>
+                              <a:srgbClr val="FFFFFF"/>
+                            </a:solidFill>
+                          </a14:hiddenFill>
+                        </a:ext>
+                      </a:extLst>
+                    </p:spPr>
+                  </p:pic>
+                </p:oleObj>
+              </mc:Fallback>
+            </mc:AlternateContent>
+          </a:graphicData>
+        </a:graphic>
+      </p:graphicFrame>
+      <p:sp>
+        <p:nvSpPr>
+          <p:cNvPr id="5" name="Rectangle 4">
+            <a:extLst>
+              <a:ext uri="{FF2B5EF4-FFF2-40B4-BE49-F238E27FC236}">
+                <a16:creationId xmlns:a16="http://schemas.microsoft.com/office/drawing/2014/main" id="{440BEE93-58C0-4AF4-7B8E-F0CBA48FD6FA}"/>
+              </a:ext>
+            </a:extLst>
+          </p:cNvPr>
+          <p:cNvSpPr/>
+          <p:nvPr/>
+        </p:nvSpPr>
+        <p:spPr>
+          <a:xfrm>
+            <a:off x="1113458" y="5601537"/>
+            <a:ext cx="3691497" cy="669303"/>
+          </a:xfrm>
+          <a:prstGeom prst="rect">
+            <a:avLst/>
+          </a:prstGeom>
+        </p:spPr>
+        <p:style>
+          <a:lnRef idx="2">
+            <a:schemeClr val="accent3">
+              <a:shade val="15000"/>
+            </a:schemeClr>
+          </a:lnRef>
+          <a:fillRef idx="1">
+            <a:schemeClr val="accent3"/>
+          </a:fillRef>
+          <a:effectRef idx="0">
+            <a:schemeClr val="accent3"/>
+          </a:effectRef>
+          <a:fontRef idx="minor">
+            <a:schemeClr val="lt1"/>
+          </a:fontRef>
+        </p:style>
+        <p:txBody>
+          <a:bodyPr rtlCol="0" anchor="ctr"/>
+          <a:lstStyle/>
+          <a:p>
+            <a:pPr marL="457200" lvl="1" indent="0" algn="ctr">
+              <a:buNone/>
+            </a:pPr>
+            <a:r>
+              <a:rPr lang="en-US" dirty="0"/>
+              <a:t>MLE estimation </a:t>
+            </a:r>
+          </a:p>
+        </p:txBody>
+      </p:sp>
+      <p:sp>
+        <p:nvSpPr>
+          <p:cNvPr id="6" name="Rectangle 5">
+            <a:extLst>
+              <a:ext uri="{FF2B5EF4-FFF2-40B4-BE49-F238E27FC236}">
+                <a16:creationId xmlns:a16="http://schemas.microsoft.com/office/drawing/2014/main" id="{D2F1561A-A334-E7DC-B55A-BE32855CF749}"/>
+              </a:ext>
+            </a:extLst>
+          </p:cNvPr>
+          <p:cNvSpPr/>
+          <p:nvPr/>
+        </p:nvSpPr>
+        <p:spPr>
+          <a:xfrm>
+            <a:off x="7242948" y="5626403"/>
+            <a:ext cx="3691497" cy="669303"/>
+          </a:xfrm>
+          <a:prstGeom prst="rect">
+            <a:avLst/>
+          </a:prstGeom>
+        </p:spPr>
+        <p:style>
+          <a:lnRef idx="2">
+            <a:schemeClr val="accent3">
+              <a:shade val="15000"/>
+            </a:schemeClr>
+          </a:lnRef>
+          <a:fillRef idx="1">
+            <a:schemeClr val="accent3"/>
+          </a:fillRef>
+          <a:effectRef idx="0">
+            <a:schemeClr val="accent3"/>
+          </a:effectRef>
+          <a:fontRef idx="minor">
+            <a:schemeClr val="lt1"/>
+          </a:fontRef>
+        </p:style>
+        <p:txBody>
+          <a:bodyPr rtlCol="0" anchor="ctr"/>
+          <a:lstStyle/>
+          <a:p>
+            <a:pPr marL="457200" lvl="1" indent="0" algn="ctr">
+              <a:buNone/>
+            </a:pPr>
+            <a:r>
+              <a:rPr lang="en-US" dirty="0"/>
+              <a:t>Add-1 estimation</a:t>
+            </a:r>
+          </a:p>
+        </p:txBody>
+      </p:sp>
+      <p:graphicFrame>
+        <p:nvGraphicFramePr>
+          <p:cNvPr id="7" name="Object 4">
+            <a:extLst>
+              <a:ext uri="{FF2B5EF4-FFF2-40B4-BE49-F238E27FC236}">
+                <a16:creationId xmlns:a16="http://schemas.microsoft.com/office/drawing/2014/main" id="{81D1C765-130F-D18E-5640-EC343B49B36D}"/>
+              </a:ext>
+            </a:extLst>
+          </p:cNvPr>
+          <p:cNvGraphicFramePr>
+            <a:graphicFrameLocks noChangeAspect="1"/>
+          </p:cNvGraphicFramePr>
+          <p:nvPr/>
+        </p:nvGraphicFramePr>
+        <p:xfrm>
+          <a:off x="6892097" y="4184896"/>
+          <a:ext cx="4249738" cy="995362"/>
+        </p:xfrm>
+        <a:graphic>
+          <a:graphicData uri="http://schemas.openxmlformats.org/presentationml/2006/ole">
+            <mc:AlternateContent xmlns:mc="http://schemas.openxmlformats.org/markup-compatibility/2006">
+              <mc:Choice xmlns:v="urn:schemas-microsoft-com:vml" Requires="v">
+                <p:oleObj name="Equation" r:id="rId4" imgW="1828440" imgH="420480" progId="Equation.3">
+                  <p:embed/>
+                </p:oleObj>
+              </mc:Choice>
+              <mc:Fallback>
+                <p:oleObj name="Equation" r:id="rId4" imgW="1828440" imgH="420480" progId="Equation.3">
+                  <p:embed/>
+                  <p:pic>
+                    <p:nvPicPr>
+                      <p:cNvPr id="7" name="Object 4">
+                        <a:extLst>
+                          <a:ext uri="{FF2B5EF4-FFF2-40B4-BE49-F238E27FC236}">
+                            <a16:creationId xmlns:a16="http://schemas.microsoft.com/office/drawing/2014/main" id="{1D34D922-AC09-6C0A-6B06-D6433194B56B}"/>
+                          </a:ext>
+                        </a:extLst>
+                      </p:cNvPr>
+                      <p:cNvPicPr>
+                        <a:picLocks noChangeAspect="1" noChangeArrowheads="1"/>
+                      </p:cNvPicPr>
+                      <p:nvPr/>
+                    </p:nvPicPr>
+                    <p:blipFill>
+                      <a:blip r:embed="rId5">
+                        <a:extLst>
+                          <a:ext uri="{28A0092B-C50C-407E-A947-70E740481C1C}">
+                            <a14:useLocalDpi xmlns:a14="http://schemas.microsoft.com/office/drawing/2010/main" val="0"/>
+                          </a:ext>
+                        </a:extLst>
+                      </a:blip>
+                      <a:srcRect/>
+                      <a:stretch>
+                        <a:fillRect/>
+                      </a:stretch>
+                    </p:blipFill>
+                    <p:spPr bwMode="auto">
+                      <a:xfrm>
+                        <a:off x="6892097" y="4184896"/>
+                        <a:ext cx="4249738" cy="995362"/>
+                      </a:xfrm>
+                      <a:prstGeom prst="rect">
+                        <a:avLst/>
+                      </a:prstGeom>
+                      <a:noFill/>
+                      <a:extLst>
+                        <a:ext uri="{909E8E84-426E-40DD-AFC4-6F175D3DCCD1}">
+                          <a14:hiddenFill xmlns:a14="http://schemas.microsoft.com/office/drawing/2010/main">
+                            <a:solidFill>
+                              <a:srgbClr val="FFFFFF"/>
+                            </a:solidFill>
+                          </a14:hiddenFill>
+                        </a:ext>
+                      </a:extLst>
+                    </p:spPr>
+                  </p:pic>
+                </p:oleObj>
+              </mc:Fallback>
+            </mc:AlternateContent>
+          </a:graphicData>
+        </a:graphic>
+      </p:graphicFrame>
+    </p:spTree>
+    <p:extLst>
+      <p:ext uri="{BB962C8B-B14F-4D97-AF65-F5344CB8AC3E}">
+        <p14:creationId xmlns:p14="http://schemas.microsoft.com/office/powerpoint/2010/main" val="3766516625"/>
+      </p:ext>
+    </p:extLst>
+  </p:cSld>
+  <p:clrMapOvr>
+    <a:masterClrMapping/>
+  </p:clrMapOvr>
+  <p:timing>
+    <p:tnLst>
+      <p:par>
+        <p:cTn id="1" dur="indefinite" restart="never" nodeType="tmRoot">
+          <p:childTnLst>
+            <p:seq concurrent="1" nextAc="seek">
+              <p:cTn id="2" dur="indefinite" nodeType="mainSeq">
+                <p:childTnLst>
+                  <p:par>
+                    <p:cTn id="3" fill="hold">
+                      <p:stCondLst>
+                        <p:cond delay="indefinite"/>
+                      </p:stCondLst>
+                      <p:childTnLst>
+                        <p:par>
+                          <p:cTn id="4" fill="hold">
+                            <p:stCondLst>
+                              <p:cond delay="0"/>
+                            </p:stCondLst>
+                            <p:childTnLst>
+                              <p:par>
+                                <p:cTn id="5" presetID="1" presetClass="entr" presetSubtype="0" fill="hold" nodeType="clickEffect">
+                                  <p:stCondLst>
+                                    <p:cond delay="0"/>
+                                  </p:stCondLst>
+                                  <p:childTnLst>
+                                    <p:set>
+                                      <p:cBhvr>
+                                        <p:cTn id="6" dur="1" fill="hold">
+                                          <p:stCondLst>
+                                            <p:cond delay="0"/>
+                                          </p:stCondLst>
+                                        </p:cTn>
+                                        <p:tgtEl>
+                                          <p:spTgt spid="4"/>
+                                        </p:tgtEl>
+                                        <p:attrNameLst>
+                                          <p:attrName>style.visibility</p:attrName>
+                                        </p:attrNameLst>
+                                      </p:cBhvr>
+                                      <p:to>
+                                        <p:strVal val="visible"/>
+                                      </p:to>
+                                    </p:set>
+                                  </p:childTnLst>
+                                </p:cTn>
+                              </p:par>
+                            </p:childTnLst>
+                          </p:cTn>
+                        </p:par>
+                      </p:childTnLst>
+                    </p:cTn>
+                  </p:par>
+                  <p:par>
+                    <p:cTn id="7" fill="hold">
+                      <p:stCondLst>
+                        <p:cond delay="indefinite"/>
+                      </p:stCondLst>
+                      <p:childTnLst>
+                        <p:par>
+                          <p:cTn id="8" fill="hold">
+                            <p:stCondLst>
+                              <p:cond delay="0"/>
+                            </p:stCondLst>
+                            <p:childTnLst>
+                              <p:par>
+                                <p:cTn id="9" presetID="1" presetClass="entr" presetSubtype="0" fill="hold" nodeType="clickEffect">
+                                  <p:stCondLst>
+                                    <p:cond delay="0"/>
+                                  </p:stCondLst>
+                                  <p:childTnLst>
+                                    <p:set>
+                                      <p:cBhvr>
+                                        <p:cTn id="10" dur="1" fill="hold">
+                                          <p:stCondLst>
+                                            <p:cond delay="0"/>
+                                          </p:stCondLst>
+                                        </p:cTn>
+                                        <p:tgtEl>
+                                          <p:spTgt spid="7"/>
+                                        </p:tgtEl>
+                                        <p:attrNameLst>
+                                          <p:attrName>style.visibility</p:attrName>
+                                        </p:attrNameLst>
+                                      </p:cBhvr>
+                                      <p:to>
+                                        <p:strVal val="visible"/>
+                                      </p:to>
+                                    </p:set>
+                                  </p:childTnLst>
+                                </p:cTn>
+                              </p:par>
+                            </p:childTnLst>
+                          </p:cTn>
+                        </p:par>
+                      </p:childTnLst>
+                    </p:cTn>
+                  </p:par>
+                </p:childTnLst>
+              </p:cTn>
+              <p:prevCondLst>
+                <p:cond evt="onPrev" delay="0">
+                  <p:tgtEl>
+                    <p:sldTgt/>
+                  </p:tgtEl>
+                </p:cond>
+              </p:prevCondLst>
+              <p:nextCondLst>
+                <p:cond evt="onNext" delay="0">
+                  <p:tgtEl>
+                    <p:sldTgt/>
+                  </p:tgtEl>
+                </p:cond>
+              </p:nextCondLst>
+            </p:seq>
+          </p:childTnLst>
+        </p:cTn>
+      </p:par>
+    </p:tnLst>
+  </p:timing>
 </p:sld>
 </file>
 
@@ -35382,4 +38679,24 @@
     </a:ext>
   </a:extLst>
 </a:theme>
+</file>
+
+<file path=ppt/webextensions/taskpanes.xml><?xml version="1.0" encoding="utf-8"?>
+<wetp:taskpanes xmlns:wetp="http://schemas.microsoft.com/office/webextensions/taskpanes/2010/11">
+  <wetp:taskpane dockstate="right" visibility="0" width="438" row="0">
+    <wetp:webextensionref xmlns:r="http://schemas.openxmlformats.org/officeDocument/2006/relationships" r:id="rId1"/>
+  </wetp:taskpane>
+</wetp:taskpanes>
+</file>
+
+<file path=ppt/webextensions/webextension1.xml><?xml version="1.0" encoding="utf-8"?>
+<we:webextension xmlns:we="http://schemas.microsoft.com/office/webextensions/webextension/2010/11" id="{9103AB65-794B-42CF-A47D-8673A8952008}">
+  <we:reference id="wa200005566" version="3.0.0.2" store="en-US" storeType="OMEX"/>
+  <we:alternateReferences>
+    <we:reference id="WA200005566" version="3.0.0.2" store="WA200005566" storeType="OMEX"/>
+  </we:alternateReferences>
+  <we:properties/>
+  <we:bindings/>
+  <we:snapshot xmlns:r="http://schemas.openxmlformats.org/officeDocument/2006/relationships"/>
+</we:webextension>
 </file>
--- a/docs/NLP_bangla_tutorial.pptx
+++ b/docs/NLP_bangla_tutorial.pptx
@@ -5,7 +5,7 @@
     <p:sldMasterId id="2147483714" r:id="rId1"/>
   </p:sldMasterIdLst>
   <p:notesMasterIdLst>
-    <p:notesMasterId r:id="rId76"/>
+    <p:notesMasterId r:id="rId87"/>
   </p:notesMasterIdLst>
   <p:sldIdLst>
     <p:sldId id="256" r:id="rId2"/>
@@ -82,6 +82,17 @@
     <p:sldId id="333" r:id="rId73"/>
     <p:sldId id="335" r:id="rId74"/>
     <p:sldId id="334" r:id="rId75"/>
+    <p:sldId id="338" r:id="rId76"/>
+    <p:sldId id="337" r:id="rId77"/>
+    <p:sldId id="336" r:id="rId78"/>
+    <p:sldId id="340" r:id="rId79"/>
+    <p:sldId id="339" r:id="rId80"/>
+    <p:sldId id="346" r:id="rId81"/>
+    <p:sldId id="343" r:id="rId82"/>
+    <p:sldId id="345" r:id="rId83"/>
+    <p:sldId id="342" r:id="rId84"/>
+    <p:sldId id="344" r:id="rId85"/>
+    <p:sldId id="347" r:id="rId86"/>
   </p:sldIdLst>
   <p:sldSz cx="12192000" cy="6858000"/>
   <p:notesSz cx="6858000" cy="9144000"/>
@@ -270,7 +281,7 @@
           <a:p>
             <a:fld id="{96AD9802-0A85-4765-BF39-BA9BC36B4F1A}" type="datetimeFigureOut">
               <a:rPr lang="en-US" smtClean="0"/>
-              <a:t>3/6/2024</a:t>
+              <a:t>4/27/2024</a:t>
             </a:fld>
             <a:endParaRPr lang="en-US"/>
           </a:p>
@@ -1339,7 +1350,7 @@
           <a:p>
             <a:fld id="{4D9800FF-A981-4B9F-BC27-EEE0445CCC0D}" type="datetimeFigureOut">
               <a:rPr lang="en-US" smtClean="0"/>
-              <a:t>3/6/2024</a:t>
+              <a:t>4/27/2024</a:t>
             </a:fld>
             <a:endParaRPr lang="en-US"/>
           </a:p>
@@ -1753,7 +1764,7 @@
           <a:p>
             <a:fld id="{4D9800FF-A981-4B9F-BC27-EEE0445CCC0D}" type="datetimeFigureOut">
               <a:rPr lang="en-US" smtClean="0"/>
-              <a:t>3/6/2024</a:t>
+              <a:t>4/27/2024</a:t>
             </a:fld>
             <a:endParaRPr lang="en-US"/>
           </a:p>
@@ -2089,7 +2100,7 @@
           <a:p>
             <a:fld id="{4D9800FF-A981-4B9F-BC27-EEE0445CCC0D}" type="datetimeFigureOut">
               <a:rPr lang="en-US" smtClean="0"/>
-              <a:t>3/6/2024</a:t>
+              <a:t>4/27/2024</a:t>
             </a:fld>
             <a:endParaRPr lang="en-US"/>
           </a:p>
@@ -2494,7 +2505,7 @@
           <a:p>
             <a:fld id="{4D9800FF-A981-4B9F-BC27-EEE0445CCC0D}" type="datetimeFigureOut">
               <a:rPr lang="en-US" smtClean="0"/>
-              <a:t>3/6/2024</a:t>
+              <a:t>4/27/2024</a:t>
             </a:fld>
             <a:endParaRPr lang="en-US"/>
           </a:p>
@@ -3062,7 +3073,7 @@
           <a:p>
             <a:fld id="{4D9800FF-A981-4B9F-BC27-EEE0445CCC0D}" type="datetimeFigureOut">
               <a:rPr lang="en-US" smtClean="0"/>
-              <a:t>3/6/2024</a:t>
+              <a:t>4/27/2024</a:t>
             </a:fld>
             <a:endParaRPr lang="en-US"/>
           </a:p>
@@ -3743,7 +3754,7 @@
           <a:p>
             <a:fld id="{4D9800FF-A981-4B9F-BC27-EEE0445CCC0D}" type="datetimeFigureOut">
               <a:rPr lang="en-US" smtClean="0"/>
-              <a:t>3/6/2024</a:t>
+              <a:t>4/27/2024</a:t>
             </a:fld>
             <a:endParaRPr lang="en-US"/>
           </a:p>
@@ -4656,7 +4667,7 @@
           <a:p>
             <a:fld id="{4D9800FF-A981-4B9F-BC27-EEE0445CCC0D}" type="datetimeFigureOut">
               <a:rPr lang="en-US" smtClean="0"/>
-              <a:t>3/6/2024</a:t>
+              <a:t>4/27/2024</a:t>
             </a:fld>
             <a:endParaRPr lang="en-US"/>
           </a:p>
@@ -4969,7 +4980,7 @@
           <a:p>
             <a:fld id="{4D9800FF-A981-4B9F-BC27-EEE0445CCC0D}" type="datetimeFigureOut">
               <a:rPr lang="en-US" smtClean="0"/>
-              <a:t>3/6/2024</a:t>
+              <a:t>4/27/2024</a:t>
             </a:fld>
             <a:endParaRPr lang="en-US"/>
           </a:p>
@@ -5233,7 +5244,7 @@
           <a:p>
             <a:fld id="{4D9800FF-A981-4B9F-BC27-EEE0445CCC0D}" type="datetimeFigureOut">
               <a:rPr lang="en-US" smtClean="0"/>
-              <a:t>3/6/2024</a:t>
+              <a:t>4/27/2024</a:t>
             </a:fld>
             <a:endParaRPr lang="en-US"/>
           </a:p>
@@ -5556,7 +5567,7 @@
           <a:p>
             <a:fld id="{4D9800FF-A981-4B9F-BC27-EEE0445CCC0D}" type="datetimeFigureOut">
               <a:rPr lang="en-US" smtClean="0"/>
-              <a:t>3/6/2024</a:t>
+              <a:t>4/27/2024</a:t>
             </a:fld>
             <a:endParaRPr lang="en-US"/>
           </a:p>
@@ -5945,7 +5956,7 @@
           <a:p>
             <a:fld id="{4D9800FF-A981-4B9F-BC27-EEE0445CCC0D}" type="datetimeFigureOut">
               <a:rPr lang="en-US" smtClean="0"/>
-              <a:t>3/6/2024</a:t>
+              <a:t>4/27/2024</a:t>
             </a:fld>
             <a:endParaRPr lang="en-US"/>
           </a:p>
@@ -6321,7 +6332,7 @@
           <a:p>
             <a:fld id="{4D9800FF-A981-4B9F-BC27-EEE0445CCC0D}" type="datetimeFigureOut">
               <a:rPr lang="en-US" smtClean="0"/>
-              <a:t>3/6/2024</a:t>
+              <a:t>4/27/2024</a:t>
             </a:fld>
             <a:endParaRPr lang="en-US"/>
           </a:p>
@@ -6827,7 +6838,7 @@
           <a:p>
             <a:fld id="{4D9800FF-A981-4B9F-BC27-EEE0445CCC0D}" type="datetimeFigureOut">
               <a:rPr lang="en-US" smtClean="0"/>
-              <a:t>3/6/2024</a:t>
+              <a:t>4/27/2024</a:t>
             </a:fld>
             <a:endParaRPr lang="en-US"/>
           </a:p>
@@ -7084,7 +7095,7 @@
           <a:p>
             <a:fld id="{4D9800FF-A981-4B9F-BC27-EEE0445CCC0D}" type="datetimeFigureOut">
               <a:rPr lang="en-US" smtClean="0"/>
-              <a:t>3/6/2024</a:t>
+              <a:t>4/27/2024</a:t>
             </a:fld>
             <a:endParaRPr lang="en-US"/>
           </a:p>
@@ -7247,7 +7258,7 @@
           <a:p>
             <a:fld id="{4D9800FF-A981-4B9F-BC27-EEE0445CCC0D}" type="datetimeFigureOut">
               <a:rPr lang="en-US" smtClean="0"/>
-              <a:t>3/6/2024</a:t>
+              <a:t>4/27/2024</a:t>
             </a:fld>
             <a:endParaRPr lang="en-US"/>
           </a:p>
@@ -7637,7 +7648,7 @@
           <a:p>
             <a:fld id="{4D9800FF-A981-4B9F-BC27-EEE0445CCC0D}" type="datetimeFigureOut">
               <a:rPr lang="en-US" smtClean="0"/>
-              <a:t>3/6/2024</a:t>
+              <a:t>4/27/2024</a:t>
             </a:fld>
             <a:endParaRPr lang="en-US"/>
           </a:p>
@@ -8046,7 +8057,7 @@
           <a:p>
             <a:fld id="{4D9800FF-A981-4B9F-BC27-EEE0445CCC0D}" type="datetimeFigureOut">
               <a:rPr lang="en-US" smtClean="0"/>
-              <a:t>3/6/2024</a:t>
+              <a:t>4/27/2024</a:t>
             </a:fld>
             <a:endParaRPr lang="en-US"/>
           </a:p>
@@ -8290,7 +8301,7 @@
           <a:p>
             <a:fld id="{4D9800FF-A981-4B9F-BC27-EEE0445CCC0D}" type="datetimeFigureOut">
               <a:rPr lang="en-US" smtClean="0"/>
-              <a:t>3/6/2024</a:t>
+              <a:t>4/27/2024</a:t>
             </a:fld>
             <a:endParaRPr lang="en-US"/>
           </a:p>
@@ -37429,7 +37440,7 @@
           <a:p>
             <a:r>
               <a:rPr lang="en-US" dirty="0"/>
-              <a:t>Laplace smoothing</a:t>
+              <a:t>Add-k smoothing</a:t>
             </a:r>
           </a:p>
         </p:txBody>
@@ -37457,21 +37468,46 @@
           <a:p>
             <a:r>
               <a:rPr lang="en-US" dirty="0"/>
-              <a:t>Also called as Add-1 estimation</a:t>
+              <a:t>Instead of adding 1 to each count, add a fractional count k</a:t>
             </a:r>
           </a:p>
           <a:p>
             <a:pPr lvl="1"/>
             <a:r>
               <a:rPr lang="en-US" dirty="0"/>
-              <a:t>Probability can not be zero</a:t>
+              <a:t>K = 0.5, 0.005, 0.01, </a:t>
+            </a:r>
+            <a:r>
+              <a:rPr lang="en-US" dirty="0" err="1"/>
+              <a:t>etc</a:t>
+            </a:r>
+            <a:endParaRPr lang="en-US" dirty="0"/>
+          </a:p>
+          <a:p>
+            <a:r>
+              <a:rPr lang="en-US" dirty="0"/>
+              <a:t>Consider a context</a:t>
             </a:r>
           </a:p>
           <a:p>
             <a:pPr lvl="1"/>
             <a:r>
               <a:rPr lang="en-US" dirty="0"/>
-              <a:t>Just add one to all the counts</a:t>
+              <a:t>|V| = 5000</a:t>
+            </a:r>
+          </a:p>
+          <a:p>
+            <a:pPr lvl="1"/>
+            <a:r>
+              <a:rPr lang="en-US" dirty="0"/>
+              <a:t>Bigram “w1 w2” occurs 10 times</a:t>
+            </a:r>
+          </a:p>
+          <a:p>
+            <a:pPr lvl="1"/>
+            <a:r>
+              <a:rPr lang="en-US" dirty="0"/>
+              <a:t>Bigram “w1 w2 w3” occurs 9 times</a:t>
             </a:r>
           </a:p>
           <a:p>
@@ -37486,96 +37522,8 @@
             </a:pPr>
             <a:endParaRPr lang="en-US" dirty="0"/>
           </a:p>
-          <a:p>
-            <a:pPr marL="457200" lvl="1" indent="0">
-              <a:buNone/>
-            </a:pPr>
-            <a:endParaRPr lang="en-US" dirty="0"/>
-          </a:p>
         </p:txBody>
       </p:sp>
-      <p:graphicFrame>
-        <p:nvGraphicFramePr>
-          <p:cNvPr id="4" name="Object 4">
-            <a:extLst>
-              <a:ext uri="{FF2B5EF4-FFF2-40B4-BE49-F238E27FC236}">
-                <a16:creationId xmlns:a16="http://schemas.microsoft.com/office/drawing/2014/main" id="{8E09A90C-89F3-5886-5B19-B2FD3DD81BDC}"/>
-              </a:ext>
-            </a:extLst>
-          </p:cNvPr>
-          <p:cNvGraphicFramePr>
-            <a:graphicFrameLocks noChangeAspect="1"/>
-          </p:cNvGraphicFramePr>
-          <p:nvPr/>
-        </p:nvGraphicFramePr>
-        <p:xfrm>
-          <a:off x="872826" y="4354822"/>
-          <a:ext cx="3721100" cy="995362"/>
-        </p:xfrm>
-        <a:graphic>
-          <a:graphicData uri="http://schemas.openxmlformats.org/presentationml/2006/ole">
-            <mc:AlternateContent xmlns:mc="http://schemas.openxmlformats.org/markup-compatibility/2006">
-              <mc:Choice xmlns:v="urn:schemas-microsoft-com:vml" Requires="v">
-                <p:oleObj name="Equation" r:id="rId2" imgW="1599840" imgH="420480" progId="Equation.3">
-                  <p:embed/>
-                </p:oleObj>
-              </mc:Choice>
-              <mc:Fallback>
-                <p:oleObj name="Equation" r:id="rId2" imgW="1599840" imgH="420480" progId="Equation.3">
-                  <p:embed/>
-                  <p:pic>
-                    <p:nvPicPr>
-                      <p:cNvPr id="4" name="Object 4">
-                        <a:extLst>
-                          <a:ext uri="{FF2B5EF4-FFF2-40B4-BE49-F238E27FC236}">
-                            <a16:creationId xmlns:a16="http://schemas.microsoft.com/office/drawing/2014/main" id="{9040AA5F-70A5-AF63-A053-4FB60FD8DCCB}"/>
-                          </a:ext>
-                        </a:extLst>
-                      </p:cNvPr>
-                      <p:cNvPicPr>
-                        <a:picLocks noChangeAspect="1" noChangeArrowheads="1"/>
-                      </p:cNvPicPr>
-                      <p:nvPr/>
-                    </p:nvPicPr>
-                    <p:blipFill>
-                      <a:blip r:embed="rId3">
-                        <a:extLst>
-                          <a:ext uri="{28A0092B-C50C-407E-A947-70E740481C1C}">
-                            <a14:useLocalDpi xmlns:a14="http://schemas.microsoft.com/office/drawing/2010/main" val="0"/>
-                          </a:ext>
-                        </a:extLst>
-                      </a:blip>
-                      <a:srcRect/>
-                      <a:stretch>
-                        <a:fillRect/>
-                      </a:stretch>
-                    </p:blipFill>
-                    <p:spPr bwMode="auto">
-                      <a:xfrm>
-                        <a:off x="872826" y="4354822"/>
-                        <a:ext cx="3721100" cy="995362"/>
-                      </a:xfrm>
-                      <a:prstGeom prst="rect">
-                        <a:avLst/>
-                      </a:prstGeom>
-                      <a:noFill/>
-                      <a:extLst>
-                        <a:ext uri="{909E8E84-426E-40DD-AFC4-6F175D3DCCD1}">
-                          <a14:hiddenFill xmlns:a14="http://schemas.microsoft.com/office/drawing/2010/main">
-                            <a:solidFill>
-                              <a:srgbClr val="FFFFFF"/>
-                            </a:solidFill>
-                          </a14:hiddenFill>
-                        </a:ext>
-                      </a:extLst>
-                    </p:spPr>
-                  </p:pic>
-                </p:oleObj>
-              </mc:Fallback>
-            </mc:AlternateContent>
-          </a:graphicData>
-        </a:graphic>
-      </p:graphicFrame>
       <p:sp>
         <p:nvSpPr>
           <p:cNvPr id="5" name="Rectangle 4">
@@ -37590,8 +37538,97 @@
         </p:nvSpPr>
         <p:spPr>
           <a:xfrm>
-            <a:off x="1113458" y="5601537"/>
-            <a:ext cx="3691497" cy="669303"/>
+            <a:off x="1461325" y="5621415"/>
+            <a:ext cx="2404995" cy="669303"/>
+          </a:xfrm>
+          <a:prstGeom prst="rect">
+            <a:avLst/>
+          </a:prstGeom>
+          <a:solidFill>
+            <a:srgbClr val="002060"/>
+          </a:solidFill>
+        </p:spPr>
+        <p:style>
+          <a:lnRef idx="2">
+            <a:schemeClr val="accent3">
+              <a:shade val="15000"/>
+            </a:schemeClr>
+          </a:lnRef>
+          <a:fillRef idx="1">
+            <a:schemeClr val="accent3"/>
+          </a:fillRef>
+          <a:effectRef idx="0">
+            <a:schemeClr val="accent3"/>
+          </a:effectRef>
+          <a:fontRef idx="minor">
+            <a:schemeClr val="lt1"/>
+          </a:fontRef>
+        </p:style>
+        <p:txBody>
+          <a:bodyPr rtlCol="0" anchor="ctr"/>
+          <a:lstStyle/>
+          <a:p>
+            <a:pPr marL="457200" lvl="1" indent="0" algn="ctr">
+              <a:buNone/>
+            </a:pPr>
+            <a:r>
+              <a:rPr lang="en-US" dirty="0"/>
+              <a:t>Assume, k=0.5</a:t>
+            </a:r>
+          </a:p>
+        </p:txBody>
+      </p:sp>
+      <p:pic>
+        <p:nvPicPr>
+          <p:cNvPr id="9" name="Picture 8">
+            <a:extLst>
+              <a:ext uri="{FF2B5EF4-FFF2-40B4-BE49-F238E27FC236}">
+                <a16:creationId xmlns:a16="http://schemas.microsoft.com/office/drawing/2014/main" id="{AECAFE77-21A5-751F-5A66-FD1AEDF44432}"/>
+              </a:ext>
+            </a:extLst>
+          </p:cNvPr>
+          <p:cNvPicPr>
+            <a:picLocks noChangeAspect="1"/>
+          </p:cNvPicPr>
+          <p:nvPr/>
+        </p:nvPicPr>
+        <p:blipFill rotWithShape="1">
+          <a:blip r:embed="rId2">
+            <a:extLst>
+              <a:ext uri="{28A0092B-C50C-407E-A947-70E740481C1C}">
+                <a14:useLocalDpi xmlns:a14="http://schemas.microsoft.com/office/drawing/2010/main" val="0"/>
+              </a:ext>
+            </a:extLst>
+          </a:blip>
+          <a:srcRect l="28703" r="20611"/>
+          <a:stretch/>
+        </p:blipFill>
+        <p:spPr>
+          <a:xfrm>
+            <a:off x="6883686" y="3211986"/>
+            <a:ext cx="4204252" cy="1028571"/>
+          </a:xfrm>
+          <a:prstGeom prst="rect">
+            <a:avLst/>
+          </a:prstGeom>
+        </p:spPr>
+      </p:pic>
+      <p:sp>
+        <p:nvSpPr>
+          <p:cNvPr id="10" name="Rectangle 9">
+            <a:extLst>
+              <a:ext uri="{FF2B5EF4-FFF2-40B4-BE49-F238E27FC236}">
+                <a16:creationId xmlns:a16="http://schemas.microsoft.com/office/drawing/2014/main" id="{9E746136-EC36-4B1C-8303-4340091E824C}"/>
+              </a:ext>
+            </a:extLst>
+          </p:cNvPr>
+          <p:cNvSpPr/>
+          <p:nvPr/>
+        </p:nvSpPr>
+        <p:spPr>
+          <a:xfrm>
+            <a:off x="5933661" y="5618377"/>
+            <a:ext cx="5948033" cy="669303"/>
           </a:xfrm>
           <a:prstGeom prst="rect">
             <a:avLst/>
@@ -37621,18 +37658,173 @@
               <a:buNone/>
             </a:pPr>
             <a:r>
+              <a:rPr lang="en-US" dirty="0" err="1"/>
+              <a:t>P</a:t>
+            </a:r>
+            <a:r>
+              <a:rPr lang="en-US" sz="1050" dirty="0" err="1"/>
+              <a:t>Add</a:t>
+            </a:r>
+            <a:r>
+              <a:rPr lang="en-US" sz="1050" dirty="0"/>
+              <a:t>-k </a:t>
+            </a:r>
+            <a:r>
               <a:rPr lang="en-US" dirty="0"/>
-              <a:t>MLE estimation </a:t>
+              <a:t>(w3 | w1, w2 ) = (9+0.5)/(10+0.5 * 5000)</a:t>
             </a:r>
           </a:p>
         </p:txBody>
       </p:sp>
-      <p:sp>
-        <p:nvSpPr>
-          <p:cNvPr id="6" name="Rectangle 5">
+    </p:spTree>
+    <p:extLst>
+      <p:ext uri="{BB962C8B-B14F-4D97-AF65-F5344CB8AC3E}">
+        <p14:creationId xmlns:p14="http://schemas.microsoft.com/office/powerpoint/2010/main" val="3766516625"/>
+      </p:ext>
+    </p:extLst>
+  </p:cSld>
+  <p:clrMapOvr>
+    <a:masterClrMapping/>
+  </p:clrMapOvr>
+</p:sld>
+</file>
+
+<file path=ppt/slides/slide75.xml><?xml version="1.0" encoding="utf-8"?>
+<p:sld xmlns:a="http://schemas.openxmlformats.org/drawingml/2006/main" xmlns:r="http://schemas.openxmlformats.org/officeDocument/2006/relationships" xmlns:p="http://schemas.openxmlformats.org/presentationml/2006/main">
+  <p:cSld>
+    <p:spTree>
+      <p:nvGrpSpPr>
+        <p:cNvPr id="1" name="">
+          <a:extLst>
+            <a:ext uri="{FF2B5EF4-FFF2-40B4-BE49-F238E27FC236}">
+              <a16:creationId xmlns:a16="http://schemas.microsoft.com/office/drawing/2014/main" id="{49B6E788-F85B-69FD-DE68-D0C7705A55E3}"/>
+            </a:ext>
+          </a:extLst>
+        </p:cNvPr>
+        <p:cNvGrpSpPr/>
+        <p:nvPr/>
+      </p:nvGrpSpPr>
+      <p:grpSpPr>
+        <a:xfrm>
+          <a:off x="0" y="0"/>
+          <a:ext cx="0" cy="0"/>
+          <a:chOff x="0" y="0"/>
+          <a:chExt cx="0" cy="0"/>
+        </a:xfrm>
+      </p:grpSpPr>
+      <p:sp>
+        <p:nvSpPr>
+          <p:cNvPr id="2" name="Title 1">
             <a:extLst>
               <a:ext uri="{FF2B5EF4-FFF2-40B4-BE49-F238E27FC236}">
-                <a16:creationId xmlns:a16="http://schemas.microsoft.com/office/drawing/2014/main" id="{D2F1561A-A334-E7DC-B55A-BE32855CF749}"/>
+                <a16:creationId xmlns:a16="http://schemas.microsoft.com/office/drawing/2014/main" id="{13037228-284E-2D4C-BD2C-D8C3340A9187}"/>
+              </a:ext>
+            </a:extLst>
+          </p:cNvPr>
+          <p:cNvSpPr>
+            <a:spLocks noGrp="1"/>
+          </p:cNvSpPr>
+          <p:nvPr>
+            <p:ph type="title"/>
+          </p:nvPr>
+        </p:nvSpPr>
+        <p:spPr/>
+        <p:txBody>
+          <a:bodyPr/>
+          <a:lstStyle/>
+          <a:p>
+            <a:r>
+              <a:rPr lang="en-US" dirty="0"/>
+              <a:t>Add-k smoothing</a:t>
+            </a:r>
+          </a:p>
+        </p:txBody>
+      </p:sp>
+      <p:sp>
+        <p:nvSpPr>
+          <p:cNvPr id="3" name="Content Placeholder 2">
+            <a:extLst>
+              <a:ext uri="{FF2B5EF4-FFF2-40B4-BE49-F238E27FC236}">
+                <a16:creationId xmlns:a16="http://schemas.microsoft.com/office/drawing/2014/main" id="{E780469F-CF34-C295-38D0-EB1DBB145596}"/>
+              </a:ext>
+            </a:extLst>
+          </p:cNvPr>
+          <p:cNvSpPr>
+            <a:spLocks noGrp="1"/>
+          </p:cNvSpPr>
+          <p:nvPr>
+            <p:ph idx="1"/>
+          </p:nvPr>
+        </p:nvSpPr>
+        <p:spPr/>
+        <p:txBody>
+          <a:bodyPr/>
+          <a:lstStyle/>
+          <a:p>
+            <a:r>
+              <a:rPr lang="en-US" dirty="0"/>
+              <a:t>Instead of adding 1 to each count, add a fractional count k</a:t>
+            </a:r>
+          </a:p>
+          <a:p>
+            <a:pPr lvl="1"/>
+            <a:r>
+              <a:rPr lang="en-US" dirty="0"/>
+              <a:t>K = 0.5, 0.005, 0.01, </a:t>
+            </a:r>
+            <a:r>
+              <a:rPr lang="en-US" dirty="0" err="1"/>
+              <a:t>etc</a:t>
+            </a:r>
+            <a:endParaRPr lang="en-US" dirty="0"/>
+          </a:p>
+          <a:p>
+            <a:r>
+              <a:rPr lang="en-US" dirty="0"/>
+              <a:t>Consider a context</a:t>
+            </a:r>
+          </a:p>
+          <a:p>
+            <a:pPr lvl="1"/>
+            <a:r>
+              <a:rPr lang="en-US" dirty="0"/>
+              <a:t>|V| = 5000</a:t>
+            </a:r>
+          </a:p>
+          <a:p>
+            <a:pPr lvl="1"/>
+            <a:r>
+              <a:rPr lang="en-US" dirty="0"/>
+              <a:t>Bigram “w1 w2” occurs 10 times</a:t>
+            </a:r>
+          </a:p>
+          <a:p>
+            <a:pPr lvl="1"/>
+            <a:r>
+              <a:rPr lang="en-US" dirty="0"/>
+              <a:t>Bigram “w1 w2 w3” occurs 9 times</a:t>
+            </a:r>
+          </a:p>
+          <a:p>
+            <a:pPr marL="457200" lvl="1" indent="0">
+              <a:buNone/>
+            </a:pPr>
+            <a:endParaRPr lang="en-US" dirty="0"/>
+          </a:p>
+          <a:p>
+            <a:pPr marL="457200" lvl="1" indent="0">
+              <a:buNone/>
+            </a:pPr>
+            <a:endParaRPr lang="en-US" dirty="0"/>
+          </a:p>
+        </p:txBody>
+      </p:sp>
+      <p:sp>
+        <p:nvSpPr>
+          <p:cNvPr id="5" name="Rectangle 4">
+            <a:extLst>
+              <a:ext uri="{FF2B5EF4-FFF2-40B4-BE49-F238E27FC236}">
+                <a16:creationId xmlns:a16="http://schemas.microsoft.com/office/drawing/2014/main" id="{440BEE93-58C0-4AF4-7B8E-F0CBA48FD6FA}"/>
               </a:ext>
             </a:extLst>
           </p:cNvPr>
@@ -37641,8 +37833,97 @@
         </p:nvSpPr>
         <p:spPr>
           <a:xfrm>
-            <a:off x="7242948" y="5626403"/>
-            <a:ext cx="3691497" cy="669303"/>
+            <a:off x="1461325" y="5621415"/>
+            <a:ext cx="2404995" cy="669303"/>
+          </a:xfrm>
+          <a:prstGeom prst="rect">
+            <a:avLst/>
+          </a:prstGeom>
+          <a:solidFill>
+            <a:srgbClr val="002060"/>
+          </a:solidFill>
+        </p:spPr>
+        <p:style>
+          <a:lnRef idx="2">
+            <a:schemeClr val="accent3">
+              <a:shade val="15000"/>
+            </a:schemeClr>
+          </a:lnRef>
+          <a:fillRef idx="1">
+            <a:schemeClr val="accent3"/>
+          </a:fillRef>
+          <a:effectRef idx="0">
+            <a:schemeClr val="accent3"/>
+          </a:effectRef>
+          <a:fontRef idx="minor">
+            <a:schemeClr val="lt1"/>
+          </a:fontRef>
+        </p:style>
+        <p:txBody>
+          <a:bodyPr rtlCol="0" anchor="ctr"/>
+          <a:lstStyle/>
+          <a:p>
+            <a:pPr marL="457200" lvl="1" indent="0" algn="ctr">
+              <a:buNone/>
+            </a:pPr>
+            <a:r>
+              <a:rPr lang="en-US" dirty="0"/>
+              <a:t>Assume, k=0.5</a:t>
+            </a:r>
+          </a:p>
+        </p:txBody>
+      </p:sp>
+      <p:pic>
+        <p:nvPicPr>
+          <p:cNvPr id="9" name="Picture 8">
+            <a:extLst>
+              <a:ext uri="{FF2B5EF4-FFF2-40B4-BE49-F238E27FC236}">
+                <a16:creationId xmlns:a16="http://schemas.microsoft.com/office/drawing/2014/main" id="{AECAFE77-21A5-751F-5A66-FD1AEDF44432}"/>
+              </a:ext>
+            </a:extLst>
+          </p:cNvPr>
+          <p:cNvPicPr>
+            <a:picLocks noChangeAspect="1"/>
+          </p:cNvPicPr>
+          <p:nvPr/>
+        </p:nvPicPr>
+        <p:blipFill rotWithShape="1">
+          <a:blip r:embed="rId2">
+            <a:extLst>
+              <a:ext uri="{28A0092B-C50C-407E-A947-70E740481C1C}">
+                <a14:useLocalDpi xmlns:a14="http://schemas.microsoft.com/office/drawing/2010/main" val="0"/>
+              </a:ext>
+            </a:extLst>
+          </a:blip>
+          <a:srcRect l="28703" r="20611"/>
+          <a:stretch/>
+        </p:blipFill>
+        <p:spPr>
+          <a:xfrm>
+            <a:off x="6883686" y="3211986"/>
+            <a:ext cx="4204252" cy="1028571"/>
+          </a:xfrm>
+          <a:prstGeom prst="rect">
+            <a:avLst/>
+          </a:prstGeom>
+        </p:spPr>
+      </p:pic>
+      <p:sp>
+        <p:nvSpPr>
+          <p:cNvPr id="10" name="Rectangle 9">
+            <a:extLst>
+              <a:ext uri="{FF2B5EF4-FFF2-40B4-BE49-F238E27FC236}">
+                <a16:creationId xmlns:a16="http://schemas.microsoft.com/office/drawing/2014/main" id="{9E746136-EC36-4B1C-8303-4340091E824C}"/>
+              </a:ext>
+            </a:extLst>
+          </p:cNvPr>
+          <p:cNvSpPr/>
+          <p:nvPr/>
+        </p:nvSpPr>
+        <p:spPr>
+          <a:xfrm>
+            <a:off x="5933661" y="5618377"/>
+            <a:ext cx="5948033" cy="669303"/>
           </a:xfrm>
           <a:prstGeom prst="rect">
             <a:avLst/>
@@ -37672,224 +37953,582 @@
               <a:buNone/>
             </a:pPr>
             <a:r>
+              <a:rPr lang="en-US" dirty="0" err="1"/>
+              <a:t>P</a:t>
+            </a:r>
+            <a:r>
+              <a:rPr lang="en-US" sz="1050" dirty="0" err="1"/>
+              <a:t>Add</a:t>
+            </a:r>
+            <a:r>
+              <a:rPr lang="en-US" sz="1050" dirty="0"/>
+              <a:t>-k </a:t>
+            </a:r>
+            <a:r>
               <a:rPr lang="en-US" dirty="0"/>
-              <a:t>Add-1 estimation</a:t>
+              <a:t>(w3 | w1, w2 ) = (9+0.5)/(10+0.5 * 5000)</a:t>
             </a:r>
           </a:p>
         </p:txBody>
       </p:sp>
-      <p:graphicFrame>
-        <p:nvGraphicFramePr>
-          <p:cNvPr id="7" name="Object 4">
-            <a:extLst>
-              <a:ext uri="{FF2B5EF4-FFF2-40B4-BE49-F238E27FC236}">
-                <a16:creationId xmlns:a16="http://schemas.microsoft.com/office/drawing/2014/main" id="{81D1C765-130F-D18E-5640-EC343B49B36D}"/>
-              </a:ext>
-            </a:extLst>
-          </p:cNvPr>
-          <p:cNvGraphicFramePr>
-            <a:graphicFrameLocks noChangeAspect="1"/>
-          </p:cNvGraphicFramePr>
-          <p:nvPr/>
-        </p:nvGraphicFramePr>
-        <p:xfrm>
-          <a:off x="6892097" y="4184896"/>
-          <a:ext cx="4249738" cy="995362"/>
-        </p:xfrm>
-        <a:graphic>
-          <a:graphicData uri="http://schemas.openxmlformats.org/presentationml/2006/ole">
-            <mc:AlternateContent xmlns:mc="http://schemas.openxmlformats.org/markup-compatibility/2006">
-              <mc:Choice xmlns:v="urn:schemas-microsoft-com:vml" Requires="v">
-                <p:oleObj name="Equation" r:id="rId4" imgW="1828440" imgH="420480" progId="Equation.3">
-                  <p:embed/>
-                </p:oleObj>
-              </mc:Choice>
-              <mc:Fallback>
-                <p:oleObj name="Equation" r:id="rId4" imgW="1828440" imgH="420480" progId="Equation.3">
-                  <p:embed/>
-                  <p:pic>
-                    <p:nvPicPr>
-                      <p:cNvPr id="7" name="Object 4">
-                        <a:extLst>
-                          <a:ext uri="{FF2B5EF4-FFF2-40B4-BE49-F238E27FC236}">
-                            <a16:creationId xmlns:a16="http://schemas.microsoft.com/office/drawing/2014/main" id="{1D34D922-AC09-6C0A-6B06-D6433194B56B}"/>
-                          </a:ext>
-                        </a:extLst>
-                      </p:cNvPr>
-                      <p:cNvPicPr>
-                        <a:picLocks noChangeAspect="1" noChangeArrowheads="1"/>
-                      </p:cNvPicPr>
-                      <p:nvPr/>
-                    </p:nvPicPr>
-                    <p:blipFill>
-                      <a:blip r:embed="rId5">
-                        <a:extLst>
-                          <a:ext uri="{28A0092B-C50C-407E-A947-70E740481C1C}">
-                            <a14:useLocalDpi xmlns:a14="http://schemas.microsoft.com/office/drawing/2010/main" val="0"/>
-                          </a:ext>
-                        </a:extLst>
-                      </a:blip>
-                      <a:srcRect/>
-                      <a:stretch>
-                        <a:fillRect/>
-                      </a:stretch>
-                    </p:blipFill>
-                    <p:spPr bwMode="auto">
-                      <a:xfrm>
-                        <a:off x="6892097" y="4184896"/>
-                        <a:ext cx="4249738" cy="995362"/>
-                      </a:xfrm>
-                      <a:prstGeom prst="rect">
-                        <a:avLst/>
-                      </a:prstGeom>
-                      <a:noFill/>
-                      <a:extLst>
-                        <a:ext uri="{909E8E84-426E-40DD-AFC4-6F175D3DCCD1}">
-                          <a14:hiddenFill xmlns:a14="http://schemas.microsoft.com/office/drawing/2010/main">
-                            <a:solidFill>
-                              <a:srgbClr val="FFFFFF"/>
-                            </a:solidFill>
-                          </a14:hiddenFill>
-                        </a:ext>
-                      </a:extLst>
-                    </p:spPr>
-                  </p:pic>
-                </p:oleObj>
-              </mc:Fallback>
-            </mc:AlternateContent>
-          </a:graphicData>
-        </a:graphic>
-      </p:graphicFrame>
     </p:spTree>
     <p:extLst>
       <p:ext uri="{BB962C8B-B14F-4D97-AF65-F5344CB8AC3E}">
-        <p14:creationId xmlns:p14="http://schemas.microsoft.com/office/powerpoint/2010/main" val="3766516625"/>
+        <p14:creationId xmlns:p14="http://schemas.microsoft.com/office/powerpoint/2010/main" val="3007183666"/>
       </p:ext>
     </p:extLst>
   </p:cSld>
   <p:clrMapOvr>
     <a:masterClrMapping/>
   </p:clrMapOvr>
-  <p:timing>
-    <p:tnLst>
-      <p:par>
-        <p:cTn id="1" dur="indefinite" restart="never" nodeType="tmRoot">
-          <p:childTnLst>
-            <p:seq concurrent="1" nextAc="seek">
-              <p:cTn id="2" dur="indefinite" nodeType="mainSeq">
-                <p:childTnLst>
-                  <p:par>
-                    <p:cTn id="3" fill="hold">
-                      <p:stCondLst>
-                        <p:cond delay="indefinite"/>
-                      </p:stCondLst>
-                      <p:childTnLst>
-                        <p:par>
-                          <p:cTn id="4" fill="hold">
-                            <p:stCondLst>
-                              <p:cond delay="0"/>
-                            </p:stCondLst>
-                            <p:childTnLst>
-                              <p:par>
-                                <p:cTn id="5" presetID="1" presetClass="entr" presetSubtype="0" fill="hold" nodeType="clickEffect">
-                                  <p:stCondLst>
-                                    <p:cond delay="0"/>
-                                  </p:stCondLst>
-                                  <p:childTnLst>
-                                    <p:set>
-                                      <p:cBhvr>
-                                        <p:cTn id="6" dur="1" fill="hold">
-                                          <p:stCondLst>
-                                            <p:cond delay="0"/>
-                                          </p:stCondLst>
-                                        </p:cTn>
-                                        <p:tgtEl>
-                                          <p:spTgt spid="4"/>
-                                        </p:tgtEl>
-                                        <p:attrNameLst>
-                                          <p:attrName>style.visibility</p:attrName>
-                                        </p:attrNameLst>
-                                      </p:cBhvr>
-                                      <p:to>
-                                        <p:strVal val="visible"/>
-                                      </p:to>
-                                    </p:set>
-                                  </p:childTnLst>
-                                </p:cTn>
-                              </p:par>
-                            </p:childTnLst>
-                          </p:cTn>
-                        </p:par>
-                      </p:childTnLst>
-                    </p:cTn>
-                  </p:par>
-                  <p:par>
-                    <p:cTn id="7" fill="hold">
-                      <p:stCondLst>
-                        <p:cond delay="indefinite"/>
-                      </p:stCondLst>
-                      <p:childTnLst>
-                        <p:par>
-                          <p:cTn id="8" fill="hold">
-                            <p:stCondLst>
-                              <p:cond delay="0"/>
-                            </p:stCondLst>
-                            <p:childTnLst>
-                              <p:par>
-                                <p:cTn id="9" presetID="1" presetClass="entr" presetSubtype="0" fill="hold" nodeType="clickEffect">
-                                  <p:stCondLst>
-                                    <p:cond delay="0"/>
-                                  </p:stCondLst>
-                                  <p:childTnLst>
-                                    <p:set>
-                                      <p:cBhvr>
-                                        <p:cTn id="10" dur="1" fill="hold">
-                                          <p:stCondLst>
-                                            <p:cond delay="0"/>
-                                          </p:stCondLst>
-                                        </p:cTn>
-                                        <p:tgtEl>
-                                          <p:spTgt spid="7"/>
-                                        </p:tgtEl>
-                                        <p:attrNameLst>
-                                          <p:attrName>style.visibility</p:attrName>
-                                        </p:attrNameLst>
-                                      </p:cBhvr>
-                                      <p:to>
-                                        <p:strVal val="visible"/>
-                                      </p:to>
-                                    </p:set>
-                                  </p:childTnLst>
-                                </p:cTn>
-                              </p:par>
-                            </p:childTnLst>
-                          </p:cTn>
-                        </p:par>
-                      </p:childTnLst>
-                    </p:cTn>
-                  </p:par>
-                </p:childTnLst>
-              </p:cTn>
-              <p:prevCondLst>
-                <p:cond evt="onPrev" delay="0">
-                  <p:tgtEl>
-                    <p:sldTgt/>
-                  </p:tgtEl>
-                </p:cond>
-              </p:prevCondLst>
-              <p:nextCondLst>
-                <p:cond evt="onNext" delay="0">
-                  <p:tgtEl>
-                    <p:sldTgt/>
-                  </p:tgtEl>
-                </p:cond>
-              </p:nextCondLst>
-            </p:seq>
-          </p:childTnLst>
-        </p:cTn>
-      </p:par>
-    </p:tnLst>
-  </p:timing>
+</p:sld>
+</file>
+
+<file path=ppt/slides/slide76.xml><?xml version="1.0" encoding="utf-8"?>
+<p:sld xmlns:a="http://schemas.openxmlformats.org/drawingml/2006/main" xmlns:r="http://schemas.openxmlformats.org/officeDocument/2006/relationships" xmlns:p="http://schemas.openxmlformats.org/presentationml/2006/main">
+  <p:cSld>
+    <p:spTree>
+      <p:nvGrpSpPr>
+        <p:cNvPr id="1" name="">
+          <a:extLst>
+            <a:ext uri="{FF2B5EF4-FFF2-40B4-BE49-F238E27FC236}">
+              <a16:creationId xmlns:a16="http://schemas.microsoft.com/office/drawing/2014/main" id="{2BFCAB1F-35B7-1AE8-7D82-BB8B701EBC0C}"/>
+            </a:ext>
+          </a:extLst>
+        </p:cNvPr>
+        <p:cNvGrpSpPr/>
+        <p:nvPr/>
+      </p:nvGrpSpPr>
+      <p:grpSpPr>
+        <a:xfrm>
+          <a:off x="0" y="0"/>
+          <a:ext cx="0" cy="0"/>
+          <a:chOff x="0" y="0"/>
+          <a:chExt cx="0" cy="0"/>
+        </a:xfrm>
+      </p:grpSpPr>
+      <p:sp>
+        <p:nvSpPr>
+          <p:cNvPr id="2" name="Title 1">
+            <a:extLst>
+              <a:ext uri="{FF2B5EF4-FFF2-40B4-BE49-F238E27FC236}">
+                <a16:creationId xmlns:a16="http://schemas.microsoft.com/office/drawing/2014/main" id="{A698F868-3F12-8BE2-151E-B2580B07774E}"/>
+              </a:ext>
+            </a:extLst>
+          </p:cNvPr>
+          <p:cNvSpPr>
+            <a:spLocks noGrp="1"/>
+          </p:cNvSpPr>
+          <p:nvPr>
+            <p:ph type="ctrTitle"/>
+          </p:nvPr>
+        </p:nvSpPr>
+        <p:spPr/>
+        <p:txBody>
+          <a:bodyPr/>
+          <a:lstStyle/>
+          <a:p>
+            <a:r>
+              <a:rPr lang="en-US" sz="4400" dirty="0"/>
+              <a:t>Parts of Speech (POS) Tagging </a:t>
+            </a:r>
+            <a:endParaRPr lang="en-US" sz="2800" dirty="0">
+              <a:solidFill>
+                <a:srgbClr val="FF0000"/>
+              </a:solidFill>
+            </a:endParaRPr>
+          </a:p>
+        </p:txBody>
+      </p:sp>
+      <p:sp>
+        <p:nvSpPr>
+          <p:cNvPr id="3" name="Subtitle 2">
+            <a:extLst>
+              <a:ext uri="{FF2B5EF4-FFF2-40B4-BE49-F238E27FC236}">
+                <a16:creationId xmlns:a16="http://schemas.microsoft.com/office/drawing/2014/main" id="{659BC3DA-B40C-85A5-69C1-01B69E6B0213}"/>
+              </a:ext>
+            </a:extLst>
+          </p:cNvPr>
+          <p:cNvSpPr>
+            <a:spLocks noGrp="1"/>
+          </p:cNvSpPr>
+          <p:nvPr>
+            <p:ph type="subTitle" idx="1"/>
+          </p:nvPr>
+        </p:nvSpPr>
+        <p:spPr>
+          <a:xfrm>
+            <a:off x="1062877" y="4422031"/>
+            <a:ext cx="8144134" cy="1117687"/>
+          </a:xfrm>
+        </p:spPr>
+        <p:txBody>
+          <a:bodyPr>
+            <a:normAutofit/>
+          </a:bodyPr>
+          <a:lstStyle/>
+          <a:p>
+            <a:r>
+              <a:rPr lang="en-US" sz="2600" dirty="0"/>
+              <a:t>Natural Language Processing </a:t>
+            </a:r>
+          </a:p>
+        </p:txBody>
+      </p:sp>
+      <p:sp>
+        <p:nvSpPr>
+          <p:cNvPr id="6" name="TextBox 5">
+            <a:extLst>
+              <a:ext uri="{FF2B5EF4-FFF2-40B4-BE49-F238E27FC236}">
+                <a16:creationId xmlns:a16="http://schemas.microsoft.com/office/drawing/2014/main" id="{6AD74E21-2EAB-7C4D-C2C6-42EB0B664A3D}"/>
+              </a:ext>
+            </a:extLst>
+          </p:cNvPr>
+          <p:cNvSpPr txBox="1"/>
+          <p:nvPr/>
+        </p:nvSpPr>
+        <p:spPr>
+          <a:xfrm>
+            <a:off x="7685202" y="6395243"/>
+            <a:ext cx="6094428" cy="369332"/>
+          </a:xfrm>
+          <a:prstGeom prst="rect">
+            <a:avLst/>
+          </a:prstGeom>
+          <a:noFill/>
+        </p:spPr>
+        <p:txBody>
+          <a:bodyPr wrap="square">
+            <a:spAutoFit/>
+          </a:bodyPr>
+          <a:lstStyle/>
+          <a:p>
+            <a:r>
+              <a:rPr lang="en-US" dirty="0"/>
+              <a:t>https://web.stanford.edu/~jurafsky/slp3/</a:t>
+            </a:r>
+          </a:p>
+        </p:txBody>
+      </p:sp>
+    </p:spTree>
+    <p:extLst>
+      <p:ext uri="{BB962C8B-B14F-4D97-AF65-F5344CB8AC3E}">
+        <p14:creationId xmlns:p14="http://schemas.microsoft.com/office/powerpoint/2010/main" val="3689184292"/>
+      </p:ext>
+    </p:extLst>
+  </p:cSld>
+  <p:clrMapOvr>
+    <a:masterClrMapping/>
+  </p:clrMapOvr>
+</p:sld>
+</file>
+
+<file path=ppt/slides/slide77.xml><?xml version="1.0" encoding="utf-8"?>
+<p:sld xmlns:a="http://schemas.openxmlformats.org/drawingml/2006/main" xmlns:r="http://schemas.openxmlformats.org/officeDocument/2006/relationships" xmlns:p="http://schemas.openxmlformats.org/presentationml/2006/main">
+  <p:cSld>
+    <p:spTree>
+      <p:nvGrpSpPr>
+        <p:cNvPr id="1" name="">
+          <a:extLst>
+            <a:ext uri="{FF2B5EF4-FFF2-40B4-BE49-F238E27FC236}">
+              <a16:creationId xmlns:a16="http://schemas.microsoft.com/office/drawing/2014/main" id="{8077C0A8-916C-BDE3-2896-687E32276E3C}"/>
+            </a:ext>
+          </a:extLst>
+        </p:cNvPr>
+        <p:cNvGrpSpPr/>
+        <p:nvPr/>
+      </p:nvGrpSpPr>
+      <p:grpSpPr>
+        <a:xfrm>
+          <a:off x="0" y="0"/>
+          <a:ext cx="0" cy="0"/>
+          <a:chOff x="0" y="0"/>
+          <a:chExt cx="0" cy="0"/>
+        </a:xfrm>
+      </p:grpSpPr>
+      <p:sp>
+        <p:nvSpPr>
+          <p:cNvPr id="2" name="Title 1">
+            <a:extLst>
+              <a:ext uri="{FF2B5EF4-FFF2-40B4-BE49-F238E27FC236}">
+                <a16:creationId xmlns:a16="http://schemas.microsoft.com/office/drawing/2014/main" id="{BE21571E-B20F-33B4-C3A6-3A55CBB9D181}"/>
+              </a:ext>
+            </a:extLst>
+          </p:cNvPr>
+          <p:cNvSpPr>
+            <a:spLocks noGrp="1"/>
+          </p:cNvSpPr>
+          <p:nvPr>
+            <p:ph type="title"/>
+          </p:nvPr>
+        </p:nvSpPr>
+        <p:spPr/>
+        <p:txBody>
+          <a:bodyPr/>
+          <a:lstStyle/>
+          <a:p>
+            <a:r>
+              <a:rPr lang="en-US" dirty="0"/>
+              <a:t>Parts of Speech (POS)</a:t>
+            </a:r>
+          </a:p>
+        </p:txBody>
+      </p:sp>
+      <p:sp>
+        <p:nvSpPr>
+          <p:cNvPr id="3" name="Content Placeholder 2">
+            <a:extLst>
+              <a:ext uri="{FF2B5EF4-FFF2-40B4-BE49-F238E27FC236}">
+                <a16:creationId xmlns:a16="http://schemas.microsoft.com/office/drawing/2014/main" id="{94C810B1-CF25-AC66-07AD-4636B2EB6C70}"/>
+              </a:ext>
+            </a:extLst>
+          </p:cNvPr>
+          <p:cNvSpPr>
+            <a:spLocks noGrp="1"/>
+          </p:cNvSpPr>
+          <p:nvPr>
+            <p:ph idx="1"/>
+          </p:nvPr>
+        </p:nvSpPr>
+        <p:spPr>
+          <a:xfrm>
+            <a:off x="680321" y="2336873"/>
+            <a:ext cx="10958401" cy="3599316"/>
+          </a:xfrm>
+        </p:spPr>
+        <p:txBody>
+          <a:bodyPr>
+            <a:normAutofit lnSpcReduction="10000"/>
+          </a:bodyPr>
+          <a:lstStyle/>
+          <a:p>
+            <a:r>
+              <a:rPr lang="en-US" dirty="0"/>
+              <a:t>Noun</a:t>
+            </a:r>
+          </a:p>
+          <a:p>
+            <a:r>
+              <a:rPr lang="en-US" dirty="0"/>
+              <a:t>Pronoun</a:t>
+            </a:r>
+          </a:p>
+          <a:p>
+            <a:r>
+              <a:rPr lang="en-US" dirty="0"/>
+              <a:t>Adjective</a:t>
+            </a:r>
+          </a:p>
+          <a:p>
+            <a:r>
+              <a:rPr lang="en-US" dirty="0"/>
+              <a:t>Verb</a:t>
+            </a:r>
+          </a:p>
+          <a:p>
+            <a:r>
+              <a:rPr lang="en-US" dirty="0"/>
+              <a:t>Adverb</a:t>
+            </a:r>
+          </a:p>
+          <a:p>
+            <a:r>
+              <a:rPr lang="en-US" dirty="0"/>
+              <a:t>Preposition</a:t>
+            </a:r>
+          </a:p>
+          <a:p>
+            <a:r>
+              <a:rPr lang="en-US" dirty="0"/>
+              <a:t>Conjunction</a:t>
+            </a:r>
+          </a:p>
+          <a:p>
+            <a:r>
+              <a:rPr lang="en-US" dirty="0"/>
+              <a:t>Intersection</a:t>
+            </a:r>
+          </a:p>
+          <a:p>
+            <a:pPr marL="0" indent="0">
+              <a:buNone/>
+            </a:pPr>
+            <a:endParaRPr lang="en-US" dirty="0"/>
+          </a:p>
+          <a:p>
+            <a:pPr marL="457200" lvl="1" indent="0">
+              <a:buNone/>
+            </a:pPr>
+            <a:endParaRPr lang="en-US" dirty="0"/>
+          </a:p>
+          <a:p>
+            <a:pPr marL="457200" lvl="1" indent="0">
+              <a:buNone/>
+            </a:pPr>
+            <a:endParaRPr lang="en-US" dirty="0"/>
+          </a:p>
+        </p:txBody>
+      </p:sp>
+    </p:spTree>
+    <p:extLst>
+      <p:ext uri="{BB962C8B-B14F-4D97-AF65-F5344CB8AC3E}">
+        <p14:creationId xmlns:p14="http://schemas.microsoft.com/office/powerpoint/2010/main" val="699274411"/>
+      </p:ext>
+    </p:extLst>
+  </p:cSld>
+  <p:clrMapOvr>
+    <a:masterClrMapping/>
+  </p:clrMapOvr>
+</p:sld>
+</file>
+
+<file path=ppt/slides/slide78.xml><?xml version="1.0" encoding="utf-8"?>
+<p:sld xmlns:a="http://schemas.openxmlformats.org/drawingml/2006/main" xmlns:r="http://schemas.openxmlformats.org/officeDocument/2006/relationships" xmlns:p="http://schemas.openxmlformats.org/presentationml/2006/main">
+  <p:cSld>
+    <p:spTree>
+      <p:nvGrpSpPr>
+        <p:cNvPr id="1" name="">
+          <a:extLst>
+            <a:ext uri="{FF2B5EF4-FFF2-40B4-BE49-F238E27FC236}">
+              <a16:creationId xmlns:a16="http://schemas.microsoft.com/office/drawing/2014/main" id="{8077C0A8-916C-BDE3-2896-687E32276E3C}"/>
+            </a:ext>
+          </a:extLst>
+        </p:cNvPr>
+        <p:cNvGrpSpPr/>
+        <p:nvPr/>
+      </p:nvGrpSpPr>
+      <p:grpSpPr>
+        <a:xfrm>
+          <a:off x="0" y="0"/>
+          <a:ext cx="0" cy="0"/>
+          <a:chOff x="0" y="0"/>
+          <a:chExt cx="0" cy="0"/>
+        </a:xfrm>
+      </p:grpSpPr>
+      <p:sp>
+        <p:nvSpPr>
+          <p:cNvPr id="2" name="Title 1">
+            <a:extLst>
+              <a:ext uri="{FF2B5EF4-FFF2-40B4-BE49-F238E27FC236}">
+                <a16:creationId xmlns:a16="http://schemas.microsoft.com/office/drawing/2014/main" id="{BE21571E-B20F-33B4-C3A6-3A55CBB9D181}"/>
+              </a:ext>
+            </a:extLst>
+          </p:cNvPr>
+          <p:cNvSpPr>
+            <a:spLocks noGrp="1"/>
+          </p:cNvSpPr>
+          <p:nvPr>
+            <p:ph type="title"/>
+          </p:nvPr>
+        </p:nvSpPr>
+        <p:spPr/>
+        <p:txBody>
+          <a:bodyPr/>
+          <a:lstStyle/>
+          <a:p>
+            <a:r>
+              <a:rPr lang="en-US" dirty="0"/>
+              <a:t>Parts of Speech (POS) </a:t>
+            </a:r>
+          </a:p>
+        </p:txBody>
+      </p:sp>
+      <p:sp>
+        <p:nvSpPr>
+          <p:cNvPr id="3" name="Content Placeholder 2">
+            <a:extLst>
+              <a:ext uri="{FF2B5EF4-FFF2-40B4-BE49-F238E27FC236}">
+                <a16:creationId xmlns:a16="http://schemas.microsoft.com/office/drawing/2014/main" id="{94C810B1-CF25-AC66-07AD-4636B2EB6C70}"/>
+              </a:ext>
+            </a:extLst>
+          </p:cNvPr>
+          <p:cNvSpPr>
+            <a:spLocks noGrp="1"/>
+          </p:cNvSpPr>
+          <p:nvPr>
+            <p:ph idx="1"/>
+          </p:nvPr>
+        </p:nvSpPr>
+        <p:spPr>
+          <a:xfrm>
+            <a:off x="680321" y="2336873"/>
+            <a:ext cx="10958401" cy="3599316"/>
+          </a:xfrm>
+        </p:spPr>
+        <p:txBody>
+          <a:bodyPr>
+            <a:normAutofit/>
+          </a:bodyPr>
+          <a:lstStyle/>
+          <a:p>
+            <a:r>
+              <a:rPr lang="en-US" dirty="0"/>
+              <a:t>Assign POS to each word in a text</a:t>
+            </a:r>
+          </a:p>
+          <a:p>
+            <a:r>
+              <a:rPr lang="en-US" dirty="0"/>
+              <a:t>Words often have more than one POS</a:t>
+            </a:r>
+          </a:p>
+          <a:p>
+            <a:pPr lvl="1"/>
+            <a:r>
+              <a:rPr lang="en-US" dirty="0"/>
+              <a:t>VERB: </a:t>
+            </a:r>
+            <a:r>
+              <a:rPr lang="en-US" dirty="0">
+                <a:solidFill>
+                  <a:srgbClr val="FFFF00"/>
+                </a:solidFill>
+              </a:rPr>
+              <a:t>Book </a:t>
+            </a:r>
+            <a:r>
+              <a:rPr lang="en-US" dirty="0"/>
+              <a:t>that flight</a:t>
+            </a:r>
+          </a:p>
+          <a:p>
+            <a:pPr lvl="1"/>
+            <a:r>
+              <a:rPr lang="en-US" dirty="0"/>
+              <a:t>NOUN: Hand me that </a:t>
+            </a:r>
+            <a:r>
+              <a:rPr lang="en-US" dirty="0">
+                <a:solidFill>
+                  <a:srgbClr val="FFFF00"/>
+                </a:solidFill>
+              </a:rPr>
+              <a:t>book</a:t>
+            </a:r>
+          </a:p>
+          <a:p>
+            <a:pPr marL="0" indent="0">
+              <a:buNone/>
+            </a:pPr>
+            <a:endParaRPr lang="en-US" dirty="0"/>
+          </a:p>
+          <a:p>
+            <a:pPr marL="457200" lvl="1" indent="0">
+              <a:buNone/>
+            </a:pPr>
+            <a:endParaRPr lang="en-US" dirty="0"/>
+          </a:p>
+          <a:p>
+            <a:pPr marL="457200" lvl="1" indent="0">
+              <a:buNone/>
+            </a:pPr>
+            <a:endParaRPr lang="en-US" dirty="0"/>
+          </a:p>
+        </p:txBody>
+      </p:sp>
+    </p:spTree>
+    <p:extLst>
+      <p:ext uri="{BB962C8B-B14F-4D97-AF65-F5344CB8AC3E}">
+        <p14:creationId xmlns:p14="http://schemas.microsoft.com/office/powerpoint/2010/main" val="146762578"/>
+      </p:ext>
+    </p:extLst>
+  </p:cSld>
+  <p:clrMapOvr>
+    <a:masterClrMapping/>
+  </p:clrMapOvr>
+</p:sld>
+</file>
+
+<file path=ppt/slides/slide79.xml><?xml version="1.0" encoding="utf-8"?>
+<p:sld xmlns:a="http://schemas.openxmlformats.org/drawingml/2006/main" xmlns:r="http://schemas.openxmlformats.org/officeDocument/2006/relationships" xmlns:p="http://schemas.openxmlformats.org/presentationml/2006/main">
+  <p:cSld>
+    <p:spTree>
+      <p:nvGrpSpPr>
+        <p:cNvPr id="1" name="">
+          <a:extLst>
+            <a:ext uri="{FF2B5EF4-FFF2-40B4-BE49-F238E27FC236}">
+              <a16:creationId xmlns:a16="http://schemas.microsoft.com/office/drawing/2014/main" id="{8077C0A8-916C-BDE3-2896-687E32276E3C}"/>
+            </a:ext>
+          </a:extLst>
+        </p:cNvPr>
+        <p:cNvGrpSpPr/>
+        <p:nvPr/>
+      </p:nvGrpSpPr>
+      <p:grpSpPr>
+        <a:xfrm>
+          <a:off x="0" y="0"/>
+          <a:ext cx="0" cy="0"/>
+          <a:chOff x="0" y="0"/>
+          <a:chExt cx="0" cy="0"/>
+        </a:xfrm>
+      </p:grpSpPr>
+      <p:sp>
+        <p:nvSpPr>
+          <p:cNvPr id="2" name="Title 1">
+            <a:extLst>
+              <a:ext uri="{FF2B5EF4-FFF2-40B4-BE49-F238E27FC236}">
+                <a16:creationId xmlns:a16="http://schemas.microsoft.com/office/drawing/2014/main" id="{BE21571E-B20F-33B4-C3A6-3A55CBB9D181}"/>
+              </a:ext>
+            </a:extLst>
+          </p:cNvPr>
+          <p:cNvSpPr>
+            <a:spLocks noGrp="1"/>
+          </p:cNvSpPr>
+          <p:nvPr>
+            <p:ph type="title"/>
+          </p:nvPr>
+        </p:nvSpPr>
+        <p:spPr/>
+        <p:txBody>
+          <a:bodyPr/>
+          <a:lstStyle/>
+          <a:p>
+            <a:r>
+              <a:rPr lang="en-US" dirty="0"/>
+              <a:t>Parts of Speech (POS): Online Tool</a:t>
+            </a:r>
+          </a:p>
+        </p:txBody>
+      </p:sp>
+      <p:pic>
+        <p:nvPicPr>
+          <p:cNvPr id="7" name="Picture 6">
+            <a:extLst>
+              <a:ext uri="{FF2B5EF4-FFF2-40B4-BE49-F238E27FC236}">
+                <a16:creationId xmlns:a16="http://schemas.microsoft.com/office/drawing/2014/main" id="{6B80536D-7302-7096-FC0E-7D12E2E6F863}"/>
+              </a:ext>
+            </a:extLst>
+          </p:cNvPr>
+          <p:cNvPicPr>
+            <a:picLocks noChangeAspect="1"/>
+          </p:cNvPicPr>
+          <p:nvPr/>
+        </p:nvPicPr>
+        <p:blipFill rotWithShape="1">
+          <a:blip r:embed="rId2"/>
+          <a:srcRect b="16921"/>
+          <a:stretch/>
+        </p:blipFill>
+        <p:spPr>
+          <a:xfrm>
+            <a:off x="680321" y="2046637"/>
+            <a:ext cx="11003468" cy="4791858"/>
+          </a:xfrm>
+          <a:prstGeom prst="rect">
+            <a:avLst/>
+          </a:prstGeom>
+        </p:spPr>
+      </p:pic>
+    </p:spTree>
+    <p:extLst>
+      <p:ext uri="{BB962C8B-B14F-4D97-AF65-F5344CB8AC3E}">
+        <p14:creationId xmlns:p14="http://schemas.microsoft.com/office/powerpoint/2010/main" val="794405638"/>
+      </p:ext>
+    </p:extLst>
+  </p:cSld>
+  <p:clrMapOvr>
+    <a:masterClrMapping/>
+  </p:clrMapOvr>
 </p:sld>
 </file>
 
@@ -37988,6 +38627,762 @@
     <p:extLst>
       <p:ext uri="{BB962C8B-B14F-4D97-AF65-F5344CB8AC3E}">
         <p14:creationId xmlns:p14="http://schemas.microsoft.com/office/powerpoint/2010/main" val="1256011015"/>
+      </p:ext>
+    </p:extLst>
+  </p:cSld>
+  <p:clrMapOvr>
+    <a:masterClrMapping/>
+  </p:clrMapOvr>
+</p:sld>
+</file>
+
+<file path=ppt/slides/slide80.xml><?xml version="1.0" encoding="utf-8"?>
+<p:sld xmlns:a="http://schemas.openxmlformats.org/drawingml/2006/main" xmlns:r="http://schemas.openxmlformats.org/officeDocument/2006/relationships" xmlns:p="http://schemas.openxmlformats.org/presentationml/2006/main">
+  <p:cSld>
+    <p:spTree>
+      <p:nvGrpSpPr>
+        <p:cNvPr id="1" name="">
+          <a:extLst>
+            <a:ext uri="{FF2B5EF4-FFF2-40B4-BE49-F238E27FC236}">
+              <a16:creationId xmlns:a16="http://schemas.microsoft.com/office/drawing/2014/main" id="{8077C0A8-916C-BDE3-2896-687E32276E3C}"/>
+            </a:ext>
+          </a:extLst>
+        </p:cNvPr>
+        <p:cNvGrpSpPr/>
+        <p:nvPr/>
+      </p:nvGrpSpPr>
+      <p:grpSpPr>
+        <a:xfrm>
+          <a:off x="0" y="0"/>
+          <a:ext cx="0" cy="0"/>
+          <a:chOff x="0" y="0"/>
+          <a:chExt cx="0" cy="0"/>
+        </a:xfrm>
+      </p:grpSpPr>
+      <p:sp>
+        <p:nvSpPr>
+          <p:cNvPr id="2" name="Title 1">
+            <a:extLst>
+              <a:ext uri="{FF2B5EF4-FFF2-40B4-BE49-F238E27FC236}">
+                <a16:creationId xmlns:a16="http://schemas.microsoft.com/office/drawing/2014/main" id="{BE21571E-B20F-33B4-C3A6-3A55CBB9D181}"/>
+              </a:ext>
+            </a:extLst>
+          </p:cNvPr>
+          <p:cNvSpPr>
+            <a:spLocks noGrp="1"/>
+          </p:cNvSpPr>
+          <p:nvPr>
+            <p:ph type="title"/>
+          </p:nvPr>
+        </p:nvSpPr>
+        <p:spPr/>
+        <p:txBody>
+          <a:bodyPr/>
+          <a:lstStyle/>
+          <a:p>
+            <a:r>
+              <a:rPr lang="en-US" dirty="0"/>
+              <a:t>Peen Tree Bank POS Tags</a:t>
+            </a:r>
+          </a:p>
+        </p:txBody>
+      </p:sp>
+      <p:pic>
+        <p:nvPicPr>
+          <p:cNvPr id="5" name="Content Placeholder 4">
+            <a:extLst>
+              <a:ext uri="{FF2B5EF4-FFF2-40B4-BE49-F238E27FC236}">
+                <a16:creationId xmlns:a16="http://schemas.microsoft.com/office/drawing/2014/main" id="{7C7FF61C-B5B5-4EF1-F1EE-C14AABE3ACD9}"/>
+              </a:ext>
+            </a:extLst>
+          </p:cNvPr>
+          <p:cNvPicPr>
+            <a:picLocks noGrp="1" noChangeAspect="1"/>
+          </p:cNvPicPr>
+          <p:nvPr>
+            <p:ph idx="1"/>
+          </p:nvPr>
+        </p:nvPicPr>
+        <p:blipFill>
+          <a:blip r:embed="rId2">
+            <a:extLst>
+              <a:ext uri="{28A0092B-C50C-407E-A947-70E740481C1C}">
+                <a14:useLocalDpi xmlns:a14="http://schemas.microsoft.com/office/drawing/2010/main" val="0"/>
+              </a:ext>
+            </a:extLst>
+          </a:blip>
+          <a:stretch>
+            <a:fillRect/>
+          </a:stretch>
+        </p:blipFill>
+        <p:spPr>
+          <a:xfrm>
+            <a:off x="2913931" y="1957339"/>
+            <a:ext cx="5475925" cy="4900661"/>
+          </a:xfrm>
+        </p:spPr>
+      </p:pic>
+    </p:spTree>
+    <p:extLst>
+      <p:ext uri="{BB962C8B-B14F-4D97-AF65-F5344CB8AC3E}">
+        <p14:creationId xmlns:p14="http://schemas.microsoft.com/office/powerpoint/2010/main" val="1749534331"/>
+      </p:ext>
+    </p:extLst>
+  </p:cSld>
+  <p:clrMapOvr>
+    <a:masterClrMapping/>
+  </p:clrMapOvr>
+</p:sld>
+</file>
+
+<file path=ppt/slides/slide81.xml><?xml version="1.0" encoding="utf-8"?>
+<p:sld xmlns:a="http://schemas.openxmlformats.org/drawingml/2006/main" xmlns:r="http://schemas.openxmlformats.org/officeDocument/2006/relationships" xmlns:p="http://schemas.openxmlformats.org/presentationml/2006/main">
+  <p:cSld>
+    <p:spTree>
+      <p:nvGrpSpPr>
+        <p:cNvPr id="1" name="">
+          <a:extLst>
+            <a:ext uri="{FF2B5EF4-FFF2-40B4-BE49-F238E27FC236}">
+              <a16:creationId xmlns:a16="http://schemas.microsoft.com/office/drawing/2014/main" id="{8077C0A8-916C-BDE3-2896-687E32276E3C}"/>
+            </a:ext>
+          </a:extLst>
+        </p:cNvPr>
+        <p:cNvGrpSpPr/>
+        <p:nvPr/>
+      </p:nvGrpSpPr>
+      <p:grpSpPr>
+        <a:xfrm>
+          <a:off x="0" y="0"/>
+          <a:ext cx="0" cy="0"/>
+          <a:chOff x="0" y="0"/>
+          <a:chExt cx="0" cy="0"/>
+        </a:xfrm>
+      </p:grpSpPr>
+      <p:sp>
+        <p:nvSpPr>
+          <p:cNvPr id="2" name="Title 1">
+            <a:extLst>
+              <a:ext uri="{FF2B5EF4-FFF2-40B4-BE49-F238E27FC236}">
+                <a16:creationId xmlns:a16="http://schemas.microsoft.com/office/drawing/2014/main" id="{BE21571E-B20F-33B4-C3A6-3A55CBB9D181}"/>
+              </a:ext>
+            </a:extLst>
+          </p:cNvPr>
+          <p:cNvSpPr>
+            <a:spLocks noGrp="1"/>
+          </p:cNvSpPr>
+          <p:nvPr>
+            <p:ph type="title"/>
+          </p:nvPr>
+        </p:nvSpPr>
+        <p:spPr/>
+        <p:txBody>
+          <a:bodyPr/>
+          <a:lstStyle/>
+          <a:p>
+            <a:r>
+              <a:rPr lang="en-US" dirty="0"/>
+              <a:t>POS Tagging and Mapping</a:t>
+            </a:r>
+          </a:p>
+        </p:txBody>
+      </p:sp>
+      <p:pic>
+        <p:nvPicPr>
+          <p:cNvPr id="5" name="Content Placeholder 4">
+            <a:extLst>
+              <a:ext uri="{FF2B5EF4-FFF2-40B4-BE49-F238E27FC236}">
+                <a16:creationId xmlns:a16="http://schemas.microsoft.com/office/drawing/2014/main" id="{F905B986-4323-1123-9F05-ECBD0B65E212}"/>
+              </a:ext>
+            </a:extLst>
+          </p:cNvPr>
+          <p:cNvPicPr>
+            <a:picLocks noGrp="1" noChangeAspect="1"/>
+          </p:cNvPicPr>
+          <p:nvPr>
+            <p:ph idx="1"/>
+          </p:nvPr>
+        </p:nvPicPr>
+        <p:blipFill>
+          <a:blip r:embed="rId2">
+            <a:extLst>
+              <a:ext uri="{28A0092B-C50C-407E-A947-70E740481C1C}">
+                <a14:useLocalDpi xmlns:a14="http://schemas.microsoft.com/office/drawing/2010/main" val="0"/>
+              </a:ext>
+            </a:extLst>
+          </a:blip>
+          <a:stretch>
+            <a:fillRect/>
+          </a:stretch>
+        </p:blipFill>
+        <p:spPr>
+          <a:xfrm>
+            <a:off x="1437846" y="2015957"/>
+            <a:ext cx="8995465" cy="4521200"/>
+          </a:xfrm>
+        </p:spPr>
+      </p:pic>
+    </p:spTree>
+    <p:extLst>
+      <p:ext uri="{BB962C8B-B14F-4D97-AF65-F5344CB8AC3E}">
+        <p14:creationId xmlns:p14="http://schemas.microsoft.com/office/powerpoint/2010/main" val="2811964203"/>
+      </p:ext>
+    </p:extLst>
+  </p:cSld>
+  <p:clrMapOvr>
+    <a:masterClrMapping/>
+  </p:clrMapOvr>
+</p:sld>
+</file>
+
+<file path=ppt/slides/slide82.xml><?xml version="1.0" encoding="utf-8"?>
+<p:sld xmlns:a="http://schemas.openxmlformats.org/drawingml/2006/main" xmlns:r="http://schemas.openxmlformats.org/officeDocument/2006/relationships" xmlns:p="http://schemas.openxmlformats.org/presentationml/2006/main">
+  <p:cSld>
+    <p:spTree>
+      <p:nvGrpSpPr>
+        <p:cNvPr id="1" name="">
+          <a:extLst>
+            <a:ext uri="{FF2B5EF4-FFF2-40B4-BE49-F238E27FC236}">
+              <a16:creationId xmlns:a16="http://schemas.microsoft.com/office/drawing/2014/main" id="{8077C0A8-916C-BDE3-2896-687E32276E3C}"/>
+            </a:ext>
+          </a:extLst>
+        </p:cNvPr>
+        <p:cNvGrpSpPr/>
+        <p:nvPr/>
+      </p:nvGrpSpPr>
+      <p:grpSpPr>
+        <a:xfrm>
+          <a:off x="0" y="0"/>
+          <a:ext cx="0" cy="0"/>
+          <a:chOff x="0" y="0"/>
+          <a:chExt cx="0" cy="0"/>
+        </a:xfrm>
+      </p:grpSpPr>
+      <p:sp>
+        <p:nvSpPr>
+          <p:cNvPr id="2" name="Title 1">
+            <a:extLst>
+              <a:ext uri="{FF2B5EF4-FFF2-40B4-BE49-F238E27FC236}">
+                <a16:creationId xmlns:a16="http://schemas.microsoft.com/office/drawing/2014/main" id="{BE21571E-B20F-33B4-C3A6-3A55CBB9D181}"/>
+              </a:ext>
+            </a:extLst>
+          </p:cNvPr>
+          <p:cNvSpPr>
+            <a:spLocks noGrp="1"/>
+          </p:cNvSpPr>
+          <p:nvPr>
+            <p:ph type="title"/>
+          </p:nvPr>
+        </p:nvSpPr>
+        <p:spPr/>
+        <p:txBody>
+          <a:bodyPr/>
+          <a:lstStyle/>
+          <a:p>
+            <a:r>
+              <a:rPr lang="en-US" dirty="0"/>
+              <a:t>Parts of Speech (POS) Dataset</a:t>
+            </a:r>
+          </a:p>
+        </p:txBody>
+      </p:sp>
+      <p:sp>
+        <p:nvSpPr>
+          <p:cNvPr id="4" name="Content Placeholder 3">
+            <a:extLst>
+              <a:ext uri="{FF2B5EF4-FFF2-40B4-BE49-F238E27FC236}">
+                <a16:creationId xmlns:a16="http://schemas.microsoft.com/office/drawing/2014/main" id="{5C7CC580-18E7-A565-5669-06AA6C1D17E3}"/>
+              </a:ext>
+            </a:extLst>
+          </p:cNvPr>
+          <p:cNvSpPr>
+            <a:spLocks noGrp="1"/>
+          </p:cNvSpPr>
+          <p:nvPr>
+            <p:ph idx="1"/>
+          </p:nvPr>
+        </p:nvSpPr>
+        <p:spPr/>
+        <p:txBody>
+          <a:bodyPr/>
+          <a:lstStyle/>
+          <a:p>
+            <a:pPr marL="0" indent="0">
+              <a:buNone/>
+            </a:pPr>
+            <a:r>
+              <a:rPr lang="en-US" dirty="0"/>
+              <a:t>The input to a tagging algorithm is a string of words specified tag set of the kind </a:t>
+            </a:r>
+          </a:p>
+          <a:p>
+            <a:r>
+              <a:rPr lang="en-US" dirty="0">
+                <a:solidFill>
+                  <a:srgbClr val="FFFF00"/>
+                </a:solidFill>
+              </a:rPr>
+              <a:t>Book that fight</a:t>
+            </a:r>
+          </a:p>
+          <a:p>
+            <a:pPr lvl="1"/>
+            <a:r>
+              <a:rPr lang="en-US" dirty="0"/>
+              <a:t>Book = VB, that = DT, flight = NN</a:t>
+            </a:r>
+          </a:p>
+          <a:p>
+            <a:r>
+              <a:rPr lang="en-US" dirty="0">
+                <a:solidFill>
+                  <a:srgbClr val="FFFF00"/>
+                </a:solidFill>
+              </a:rPr>
+              <a:t>Does that flights serve dinner ?</a:t>
+            </a:r>
+          </a:p>
+          <a:p>
+            <a:pPr lvl="1"/>
+            <a:r>
+              <a:rPr lang="en-US" dirty="0"/>
+              <a:t>Does = VBZ, that = DT, flight = NN, serve = VB, dinner = NN</a:t>
+            </a:r>
+          </a:p>
+        </p:txBody>
+      </p:sp>
+    </p:spTree>
+    <p:extLst>
+      <p:ext uri="{BB962C8B-B14F-4D97-AF65-F5344CB8AC3E}">
+        <p14:creationId xmlns:p14="http://schemas.microsoft.com/office/powerpoint/2010/main" val="1524801169"/>
+      </p:ext>
+    </p:extLst>
+  </p:cSld>
+  <p:clrMapOvr>
+    <a:masterClrMapping/>
+  </p:clrMapOvr>
+</p:sld>
+</file>
+
+<file path=ppt/slides/slide83.xml><?xml version="1.0" encoding="utf-8"?>
+<p:sld xmlns:a="http://schemas.openxmlformats.org/drawingml/2006/main" xmlns:r="http://schemas.openxmlformats.org/officeDocument/2006/relationships" xmlns:p="http://schemas.openxmlformats.org/presentationml/2006/main">
+  <p:cSld>
+    <p:spTree>
+      <p:nvGrpSpPr>
+        <p:cNvPr id="1" name="">
+          <a:extLst>
+            <a:ext uri="{FF2B5EF4-FFF2-40B4-BE49-F238E27FC236}">
+              <a16:creationId xmlns:a16="http://schemas.microsoft.com/office/drawing/2014/main" id="{8077C0A8-916C-BDE3-2896-687E32276E3C}"/>
+            </a:ext>
+          </a:extLst>
+        </p:cNvPr>
+        <p:cNvGrpSpPr/>
+        <p:nvPr/>
+      </p:nvGrpSpPr>
+      <p:grpSpPr>
+        <a:xfrm>
+          <a:off x="0" y="0"/>
+          <a:ext cx="0" cy="0"/>
+          <a:chOff x="0" y="0"/>
+          <a:chExt cx="0" cy="0"/>
+        </a:xfrm>
+      </p:grpSpPr>
+      <p:sp>
+        <p:nvSpPr>
+          <p:cNvPr id="2" name="Title 1">
+            <a:extLst>
+              <a:ext uri="{FF2B5EF4-FFF2-40B4-BE49-F238E27FC236}">
+                <a16:creationId xmlns:a16="http://schemas.microsoft.com/office/drawing/2014/main" id="{BE21571E-B20F-33B4-C3A6-3A55CBB9D181}"/>
+              </a:ext>
+            </a:extLst>
+          </p:cNvPr>
+          <p:cNvSpPr>
+            <a:spLocks noGrp="1"/>
+          </p:cNvSpPr>
+          <p:nvPr>
+            <p:ph type="title"/>
+          </p:nvPr>
+        </p:nvSpPr>
+        <p:spPr/>
+        <p:txBody>
+          <a:bodyPr/>
+          <a:lstStyle/>
+          <a:p>
+            <a:r>
+              <a:rPr lang="en-US" dirty="0"/>
+              <a:t>Why Parts of Speech Tagging?</a:t>
+            </a:r>
+          </a:p>
+        </p:txBody>
+      </p:sp>
+      <p:sp>
+        <p:nvSpPr>
+          <p:cNvPr id="3" name="Content Placeholder 2">
+            <a:extLst>
+              <a:ext uri="{FF2B5EF4-FFF2-40B4-BE49-F238E27FC236}">
+                <a16:creationId xmlns:a16="http://schemas.microsoft.com/office/drawing/2014/main" id="{94C810B1-CF25-AC66-07AD-4636B2EB6C70}"/>
+              </a:ext>
+            </a:extLst>
+          </p:cNvPr>
+          <p:cNvSpPr>
+            <a:spLocks noGrp="1"/>
+          </p:cNvSpPr>
+          <p:nvPr>
+            <p:ph idx="1"/>
+          </p:nvPr>
+        </p:nvSpPr>
+        <p:spPr>
+          <a:xfrm>
+            <a:off x="680321" y="2336873"/>
+            <a:ext cx="10958401" cy="3599316"/>
+          </a:xfrm>
+        </p:spPr>
+        <p:txBody>
+          <a:bodyPr>
+            <a:normAutofit/>
+          </a:bodyPr>
+          <a:lstStyle/>
+          <a:p>
+            <a:pPr marL="0" indent="0">
+              <a:buNone/>
+            </a:pPr>
+            <a:r>
+              <a:rPr lang="en-US" dirty="0"/>
+              <a:t>NLP tasks</a:t>
+            </a:r>
+          </a:p>
+          <a:p>
+            <a:r>
+              <a:rPr lang="en-US" dirty="0"/>
+              <a:t>Parsing: improve syntactic parsing</a:t>
+            </a:r>
+          </a:p>
+          <a:p>
+            <a:r>
+              <a:rPr lang="en-US" dirty="0"/>
+              <a:t>Machine translation: reordering of adjectives and nouns</a:t>
+            </a:r>
+          </a:p>
+          <a:p>
+            <a:pPr lvl="1"/>
+            <a:r>
+              <a:rPr lang="en-US" dirty="0">
+                <a:solidFill>
+                  <a:srgbClr val="FFFF00"/>
+                </a:solidFill>
+              </a:rPr>
+              <a:t>From English to Bangla </a:t>
+            </a:r>
+          </a:p>
+          <a:p>
+            <a:r>
+              <a:rPr lang="en-US" dirty="0"/>
+              <a:t>Sentiment tasks: distinguish adjectives in sentence</a:t>
+            </a:r>
+          </a:p>
+          <a:p>
+            <a:r>
+              <a:rPr lang="en-US" dirty="0"/>
+              <a:t>Language analytic computational tasks </a:t>
+            </a:r>
+          </a:p>
+          <a:p>
+            <a:pPr marL="457200" lvl="1" indent="0">
+              <a:buNone/>
+            </a:pPr>
+            <a:r>
+              <a:rPr lang="en-US" dirty="0"/>
+              <a:t> </a:t>
+            </a:r>
+          </a:p>
+        </p:txBody>
+      </p:sp>
+    </p:spTree>
+    <p:extLst>
+      <p:ext uri="{BB962C8B-B14F-4D97-AF65-F5344CB8AC3E}">
+        <p14:creationId xmlns:p14="http://schemas.microsoft.com/office/powerpoint/2010/main" val="405479863"/>
+      </p:ext>
+    </p:extLst>
+  </p:cSld>
+  <p:clrMapOvr>
+    <a:masterClrMapping/>
+  </p:clrMapOvr>
+</p:sld>
+</file>
+
+<file path=ppt/slides/slide84.xml><?xml version="1.0" encoding="utf-8"?>
+<p:sld xmlns:a="http://schemas.openxmlformats.org/drawingml/2006/main" xmlns:r="http://schemas.openxmlformats.org/officeDocument/2006/relationships" xmlns:p="http://schemas.openxmlformats.org/presentationml/2006/main">
+  <p:cSld>
+    <p:spTree>
+      <p:nvGrpSpPr>
+        <p:cNvPr id="1" name="">
+          <a:extLst>
+            <a:ext uri="{FF2B5EF4-FFF2-40B4-BE49-F238E27FC236}">
+              <a16:creationId xmlns:a16="http://schemas.microsoft.com/office/drawing/2014/main" id="{8077C0A8-916C-BDE3-2896-687E32276E3C}"/>
+            </a:ext>
+          </a:extLst>
+        </p:cNvPr>
+        <p:cNvGrpSpPr/>
+        <p:nvPr/>
+      </p:nvGrpSpPr>
+      <p:grpSpPr>
+        <a:xfrm>
+          <a:off x="0" y="0"/>
+          <a:ext cx="0" cy="0"/>
+          <a:chOff x="0" y="0"/>
+          <a:chExt cx="0" cy="0"/>
+        </a:xfrm>
+      </p:grpSpPr>
+      <p:sp>
+        <p:nvSpPr>
+          <p:cNvPr id="2" name="Title 1">
+            <a:extLst>
+              <a:ext uri="{FF2B5EF4-FFF2-40B4-BE49-F238E27FC236}">
+                <a16:creationId xmlns:a16="http://schemas.microsoft.com/office/drawing/2014/main" id="{BE21571E-B20F-33B4-C3A6-3A55CBB9D181}"/>
+              </a:ext>
+            </a:extLst>
+          </p:cNvPr>
+          <p:cNvSpPr>
+            <a:spLocks noGrp="1"/>
+          </p:cNvSpPr>
+          <p:nvPr>
+            <p:ph type="title"/>
+          </p:nvPr>
+        </p:nvSpPr>
+        <p:spPr/>
+        <p:txBody>
+          <a:bodyPr/>
+          <a:lstStyle/>
+          <a:p>
+            <a:r>
+              <a:rPr lang="en-US" dirty="0"/>
+              <a:t>Standard algorithms for POS Tagging?</a:t>
+            </a:r>
+          </a:p>
+        </p:txBody>
+      </p:sp>
+      <p:sp>
+        <p:nvSpPr>
+          <p:cNvPr id="3" name="Content Placeholder 2">
+            <a:extLst>
+              <a:ext uri="{FF2B5EF4-FFF2-40B4-BE49-F238E27FC236}">
+                <a16:creationId xmlns:a16="http://schemas.microsoft.com/office/drawing/2014/main" id="{94C810B1-CF25-AC66-07AD-4636B2EB6C70}"/>
+              </a:ext>
+            </a:extLst>
+          </p:cNvPr>
+          <p:cNvSpPr>
+            <a:spLocks noGrp="1"/>
+          </p:cNvSpPr>
+          <p:nvPr>
+            <p:ph idx="1"/>
+          </p:nvPr>
+        </p:nvSpPr>
+        <p:spPr>
+          <a:xfrm>
+            <a:off x="680321" y="2336873"/>
+            <a:ext cx="10958401" cy="3599316"/>
+          </a:xfrm>
+        </p:spPr>
+        <p:txBody>
+          <a:bodyPr>
+            <a:normAutofit/>
+          </a:bodyPr>
+          <a:lstStyle/>
+          <a:p>
+            <a:pPr marL="0" indent="0">
+              <a:buNone/>
+            </a:pPr>
+            <a:r>
+              <a:rPr lang="en-US" dirty="0"/>
+              <a:t>Supervised machine learning NLP algorithms</a:t>
+            </a:r>
+          </a:p>
+          <a:p>
+            <a:r>
+              <a:rPr lang="en-US" dirty="0"/>
+              <a:t>Hidden Markov Models (HMM)</a:t>
+            </a:r>
+          </a:p>
+          <a:p>
+            <a:r>
+              <a:rPr lang="en-US" dirty="0"/>
+              <a:t>Conditional Random Fields (CRF) / Maximum Entropy Markov Models (MEMM)</a:t>
+            </a:r>
+          </a:p>
+          <a:p>
+            <a:r>
+              <a:rPr lang="en-US" dirty="0"/>
+              <a:t>Neural sequence models ( RNNs or Transformers )</a:t>
+            </a:r>
+          </a:p>
+          <a:p>
+            <a:r>
+              <a:rPr lang="en-US" dirty="0"/>
+              <a:t>Large language Models (like BERT)</a:t>
+            </a:r>
+          </a:p>
+          <a:p>
+            <a:endParaRPr lang="en-US" dirty="0"/>
+          </a:p>
+        </p:txBody>
+      </p:sp>
+    </p:spTree>
+    <p:extLst>
+      <p:ext uri="{BB962C8B-B14F-4D97-AF65-F5344CB8AC3E}">
+        <p14:creationId xmlns:p14="http://schemas.microsoft.com/office/powerpoint/2010/main" val="2191294581"/>
+      </p:ext>
+    </p:extLst>
+  </p:cSld>
+  <p:clrMapOvr>
+    <a:masterClrMapping/>
+  </p:clrMapOvr>
+</p:sld>
+</file>
+
+<file path=ppt/slides/slide85.xml><?xml version="1.0" encoding="utf-8"?>
+<p:sld xmlns:a="http://schemas.openxmlformats.org/drawingml/2006/main" xmlns:r="http://schemas.openxmlformats.org/officeDocument/2006/relationships" xmlns:p="http://schemas.openxmlformats.org/presentationml/2006/main">
+  <p:cSld>
+    <p:spTree>
+      <p:nvGrpSpPr>
+        <p:cNvPr id="1" name="">
+          <a:extLst>
+            <a:ext uri="{FF2B5EF4-FFF2-40B4-BE49-F238E27FC236}">
+              <a16:creationId xmlns:a16="http://schemas.microsoft.com/office/drawing/2014/main" id="{2BFCAB1F-35B7-1AE8-7D82-BB8B701EBC0C}"/>
+            </a:ext>
+          </a:extLst>
+        </p:cNvPr>
+        <p:cNvGrpSpPr/>
+        <p:nvPr/>
+      </p:nvGrpSpPr>
+      <p:grpSpPr>
+        <a:xfrm>
+          <a:off x="0" y="0"/>
+          <a:ext cx="0" cy="0"/>
+          <a:chOff x="0" y="0"/>
+          <a:chExt cx="0" cy="0"/>
+        </a:xfrm>
+      </p:grpSpPr>
+      <p:sp>
+        <p:nvSpPr>
+          <p:cNvPr id="2" name="Title 1">
+            <a:extLst>
+              <a:ext uri="{FF2B5EF4-FFF2-40B4-BE49-F238E27FC236}">
+                <a16:creationId xmlns:a16="http://schemas.microsoft.com/office/drawing/2014/main" id="{A698F868-3F12-8BE2-151E-B2580B07774E}"/>
+              </a:ext>
+            </a:extLst>
+          </p:cNvPr>
+          <p:cNvSpPr>
+            <a:spLocks noGrp="1"/>
+          </p:cNvSpPr>
+          <p:nvPr>
+            <p:ph type="ctrTitle"/>
+          </p:nvPr>
+        </p:nvSpPr>
+        <p:spPr/>
+        <p:txBody>
+          <a:bodyPr/>
+          <a:lstStyle/>
+          <a:p>
+            <a:r>
+              <a:rPr lang="en-US" sz="4400" dirty="0"/>
+              <a:t>Parts of Speech (POS) Tagging</a:t>
+            </a:r>
+            <a:br>
+              <a:rPr lang="en-US" sz="4400" dirty="0"/>
+            </a:br>
+            <a:r>
+              <a:rPr lang="en-US" sz="2800" dirty="0">
+                <a:solidFill>
+                  <a:srgbClr val="FF0000"/>
+                </a:solidFill>
+              </a:rPr>
+              <a:t>Code Implementation and Demo</a:t>
+            </a:r>
+            <a:r>
+              <a:rPr lang="en-US" sz="4400" dirty="0"/>
+              <a:t> </a:t>
+            </a:r>
+            <a:endParaRPr lang="en-US" sz="2800" dirty="0">
+              <a:solidFill>
+                <a:srgbClr val="FF0000"/>
+              </a:solidFill>
+            </a:endParaRPr>
+          </a:p>
+        </p:txBody>
+      </p:sp>
+      <p:sp>
+        <p:nvSpPr>
+          <p:cNvPr id="3" name="Subtitle 2">
+            <a:extLst>
+              <a:ext uri="{FF2B5EF4-FFF2-40B4-BE49-F238E27FC236}">
+                <a16:creationId xmlns:a16="http://schemas.microsoft.com/office/drawing/2014/main" id="{659BC3DA-B40C-85A5-69C1-01B69E6B0213}"/>
+              </a:ext>
+            </a:extLst>
+          </p:cNvPr>
+          <p:cNvSpPr>
+            <a:spLocks noGrp="1"/>
+          </p:cNvSpPr>
+          <p:nvPr>
+            <p:ph type="subTitle" idx="1"/>
+          </p:nvPr>
+        </p:nvSpPr>
+        <p:spPr>
+          <a:xfrm>
+            <a:off x="1062877" y="4422031"/>
+            <a:ext cx="8144134" cy="1117687"/>
+          </a:xfrm>
+        </p:spPr>
+        <p:txBody>
+          <a:bodyPr>
+            <a:normAutofit/>
+          </a:bodyPr>
+          <a:lstStyle/>
+          <a:p>
+            <a:r>
+              <a:rPr lang="en-US" sz="2600" dirty="0"/>
+              <a:t>Natural Language Processing </a:t>
+            </a:r>
+          </a:p>
+        </p:txBody>
+      </p:sp>
+      <p:sp>
+        <p:nvSpPr>
+          <p:cNvPr id="6" name="TextBox 5">
+            <a:extLst>
+              <a:ext uri="{FF2B5EF4-FFF2-40B4-BE49-F238E27FC236}">
+                <a16:creationId xmlns:a16="http://schemas.microsoft.com/office/drawing/2014/main" id="{6AD74E21-2EAB-7C4D-C2C6-42EB0B664A3D}"/>
+              </a:ext>
+            </a:extLst>
+          </p:cNvPr>
+          <p:cNvSpPr txBox="1"/>
+          <p:nvPr/>
+        </p:nvSpPr>
+        <p:spPr>
+          <a:xfrm>
+            <a:off x="7685202" y="6395243"/>
+            <a:ext cx="6094428" cy="369332"/>
+          </a:xfrm>
+          <a:prstGeom prst="rect">
+            <a:avLst/>
+          </a:prstGeom>
+          <a:noFill/>
+        </p:spPr>
+        <p:txBody>
+          <a:bodyPr wrap="square">
+            <a:spAutoFit/>
+          </a:bodyPr>
+          <a:lstStyle/>
+          <a:p>
+            <a:r>
+              <a:rPr lang="en-US" dirty="0"/>
+              <a:t>https://web.stanford.edu/~jurafsky/slp3/</a:t>
+            </a:r>
+          </a:p>
+        </p:txBody>
+      </p:sp>
+    </p:spTree>
+    <p:extLst>
+      <p:ext uri="{BB962C8B-B14F-4D97-AF65-F5344CB8AC3E}">
+        <p14:creationId xmlns:p14="http://schemas.microsoft.com/office/powerpoint/2010/main" val="962408013"/>
       </p:ext>
     </p:extLst>
   </p:cSld>
